--- a/Assets/5_images/chronospace_logo.pptx
+++ b/Assets/5_images/chronospace_logo.pptx
@@ -1,17 +1,18 @@
 
 <file path=ppt/presentation.xml><?xml version="1.0" encoding="utf-8"?>
-<p:presentation xmlns:r="http://schemas.openxmlformats.org/officeDocument/2006/relationships" xmlns:c="http://schemas.openxmlformats.org/drawingml/2006/chart" xmlns:a="http://schemas.openxmlformats.org/drawingml/2006/main" xmlns:dgm="http://schemas.openxmlformats.org/drawingml/2006/diagram" xmlns:dsp="http://schemas.microsoft.com/office/drawing/2008/diagram" xmlns:p="http://schemas.openxmlformats.org/presentationml/2006/main">
+<p:presentation xmlns:a="http://schemas.openxmlformats.org/drawingml/2006/main" xmlns:r="http://schemas.openxmlformats.org/officeDocument/2006/relationships" xmlns:p="http://schemas.openxmlformats.org/presentationml/2006/main">
   <p:sldMasterIdLst>
     <p:sldMasterId id="2147483695" r:id="rId1"/>
   </p:sldMasterIdLst>
   <p:notesMasterIdLst>
-    <p:notesMasterId r:id="rId2"/>
+    <p:notesMasterId r:id="rId8"/>
   </p:notesMasterIdLst>
   <p:sldIdLst>
-    <p:sldId id="263" r:id="rId3"/>
-    <p:sldId id="264" r:id="rId4"/>
-    <p:sldId id="265" r:id="rId5"/>
-    <p:sldId id="266" r:id="rId6"/>
+    <p:sldId id="263" r:id="rId2"/>
+    <p:sldId id="264" r:id="rId3"/>
+    <p:sldId id="265" r:id="rId4"/>
+    <p:sldId id="266" r:id="rId5"/>
+    <p:sldId id="268" r:id="rId6"/>
     <p:sldId id="267" r:id="rId7"/>
   </p:sldIdLst>
   <p:sldSz cx="12192000" cy="9144000"/>
@@ -111,11 +112,27 @@
       </a:defRPr>
     </a:lvl9pPr>
   </p:defaultTextStyle>
+  <p:extLst>
+    <p:ext uri="{EFAFB233-063F-42B5-8137-9DF3F51BA10A}">
+      <p15:sldGuideLst xmlns:p15="http://schemas.microsoft.com/office/powerpoint/2012/main">
+        <p15:guide id="1" orient="horz" pos="2860">
+          <p15:clr>
+            <a:srgbClr val="A4A3A4"/>
+          </p15:clr>
+        </p15:guide>
+        <p15:guide id="2" pos="3819">
+          <p15:clr>
+            <a:srgbClr val="A4A3A4"/>
+          </p15:clr>
+        </p15:guide>
+      </p15:sldGuideLst>
+    </p:ext>
+  </p:extLst>
 </p:presentation>
 </file>
 
 <file path=ppt/notesMasters/notesMaster1.xml><?xml version="1.0" encoding="utf-8"?>
-<p:notesMaster xmlns:r="http://schemas.openxmlformats.org/officeDocument/2006/relationships" xmlns:c="http://schemas.openxmlformats.org/drawingml/2006/chart" xmlns:a="http://schemas.openxmlformats.org/drawingml/2006/main" xmlns:dgm="http://schemas.openxmlformats.org/drawingml/2006/diagram" xmlns:dsp="http://schemas.microsoft.com/office/drawing/2008/diagram" xmlns:p="http://schemas.openxmlformats.org/presentationml/2006/main">
+<p:notesMaster xmlns:a="http://schemas.openxmlformats.org/drawingml/2006/main" xmlns:r="http://schemas.openxmlformats.org/officeDocument/2006/relationships" xmlns:p="http://schemas.openxmlformats.org/presentationml/2006/main">
   <p:cSld>
     <p:bg>
       <p:bgRef idx="1001">
@@ -143,7 +160,7 @@
             <a:spLocks noGrp="1"/>
           </p:cNvSpPr>
           <p:nvPr>
-            <p:ph type="hdr" sz="quarter" idx="0"/>
+            <p:ph type="hdr" sz="quarter"/>
           </p:nvPr>
         </p:nvSpPr>
         <p:spPr>
@@ -166,10 +183,6 @@
             <a:pPr lvl="0">
               <a:defRPr/>
             </a:pPr>
-            <a:r>
-              <a:rPr lang="ko-KR" altLang="en-US"/>
-              <a:t/>
-            </a:r>
             <a:endParaRPr lang="ko-KR" altLang="en-US"/>
           </a:p>
         </p:txBody>
@@ -209,7 +222,7 @@
               <a:pPr lvl="0">
                 <a:defRPr/>
               </a:pPr>
-              <a:t>2024-07-29</a:t>
+              <a:t>2024-10-27</a:t>
             </a:fld>
             <a:endParaRPr lang="ko-KR" altLang="en-US"/>
           </a:p>
@@ -283,7 +296,6 @@
               <a:rPr lang="ko-KR" altLang="en-US"/>
               <a:t>마스터 텍스트 스타일을 편집합니다</a:t>
             </a:r>
-            <a:endParaRPr lang="ko-KR" altLang="en-US"/>
           </a:p>
           <a:p>
             <a:pPr lvl="1">
@@ -293,7 +305,6 @@
               <a:rPr lang="ko-KR" altLang="en-US"/>
               <a:t>둘째 수준</a:t>
             </a:r>
-            <a:endParaRPr lang="ko-KR" altLang="en-US"/>
           </a:p>
           <a:p>
             <a:pPr lvl="2">
@@ -303,7 +314,6 @@
               <a:rPr lang="ko-KR" altLang="en-US"/>
               <a:t>셋째 수준</a:t>
             </a:r>
-            <a:endParaRPr lang="ko-KR" altLang="en-US"/>
           </a:p>
           <a:p>
             <a:pPr lvl="3">
@@ -313,7 +323,6 @@
               <a:rPr lang="ko-KR" altLang="en-US"/>
               <a:t>넷째 수준</a:t>
             </a:r>
-            <a:endParaRPr lang="ko-KR" altLang="en-US"/>
           </a:p>
           <a:p>
             <a:pPr lvl="4">
@@ -323,7 +332,6 @@
               <a:rPr lang="ko-KR" altLang="en-US"/>
               <a:t>다섯째 수준</a:t>
             </a:r>
-            <a:endParaRPr lang="ko-KR" altLang="en-US"/>
           </a:p>
         </p:txBody>
       </p:sp>
@@ -357,10 +365,6 @@
             <a:pPr lvl="0">
               <a:defRPr/>
             </a:pPr>
-            <a:r>
-              <a:rPr lang="ko-KR" altLang="en-US"/>
-              <a:t/>
-            </a:r>
             <a:endParaRPr lang="ko-KR" altLang="en-US"/>
           </a:p>
         </p:txBody>
@@ -506,7 +510,7 @@
 </file>
 
 <file path=ppt/notesSlides/notesSlide1.xml><?xml version="1.0" encoding="utf-8"?>
-<p:notes xmlns:r="http://schemas.openxmlformats.org/officeDocument/2006/relationships" xmlns:c="http://schemas.openxmlformats.org/drawingml/2006/chart" xmlns:a="http://schemas.openxmlformats.org/drawingml/2006/main" xmlns:dgm="http://schemas.openxmlformats.org/drawingml/2006/diagram" xmlns:dsp="http://schemas.microsoft.com/office/drawing/2008/diagram" xmlns:p="http://schemas.openxmlformats.org/presentationml/2006/main">
+<p:notes xmlns:a="http://schemas.openxmlformats.org/drawingml/2006/main" xmlns:r="http://schemas.openxmlformats.org/officeDocument/2006/relationships" xmlns:p="http://schemas.openxmlformats.org/presentationml/2006/main">
   <p:cSld>
     <p:spTree>
       <p:nvGrpSpPr>
@@ -562,10 +566,6 @@
             <a:pPr>
               <a:defRPr/>
             </a:pPr>
-            <a:r>
-              <a:rPr lang="ko-KR" altLang="en-US"/>
-              <a:t/>
-            </a:r>
             <a:endParaRPr lang="ko-KR" altLang="en-US"/>
           </a:p>
         </p:txBody>
@@ -608,7 +608,7 @@
 </file>
 
 <file path=ppt/slideLayouts/slideLayout1.xml><?xml version="1.0" encoding="utf-8"?>
-<p:sldLayout xmlns:r="http://schemas.openxmlformats.org/officeDocument/2006/relationships" xmlns:c="http://schemas.openxmlformats.org/drawingml/2006/chart" xmlns:a="http://schemas.openxmlformats.org/drawingml/2006/main" xmlns:dgm="http://schemas.openxmlformats.org/drawingml/2006/diagram" xmlns:dsp="http://schemas.microsoft.com/office/drawing/2008/diagram" xmlns:p="http://schemas.openxmlformats.org/presentationml/2006/main" showMasterPhAnim="1" matchingName="제목 슬라이드" type="title" preserve="1">
+<p:sldLayout xmlns:a="http://schemas.openxmlformats.org/drawingml/2006/main" xmlns:r="http://schemas.openxmlformats.org/officeDocument/2006/relationships" xmlns:p="http://schemas.openxmlformats.org/presentationml/2006/main" matchingName="제목 슬라이드" type="title" preserve="1">
   <p:cSld name="제목 슬라이드">
     <p:spTree>
       <p:nvGrpSpPr>
@@ -631,7 +631,7 @@
             <a:spLocks noGrp="1"/>
           </p:cNvSpPr>
           <p:nvPr>
-            <p:ph type="ctrTitle" idx="0"/>
+            <p:ph type="ctrTitle"/>
           </p:nvPr>
         </p:nvSpPr>
         <p:spPr>
@@ -651,7 +651,6 @@
               <a:rPr lang="ko-KR" altLang="en-US"/>
               <a:t>마스터 제목 스타일 편집</a:t>
             </a:r>
-            <a:endParaRPr lang="ko-KR" altLang="en-US"/>
           </a:p>
         </p:txBody>
       </p:sp>
@@ -773,7 +772,6 @@
               <a:rPr lang="ko-KR" altLang="en-US"/>
               <a:t>마스터 부제목 스타일 편집</a:t>
             </a:r>
-            <a:endParaRPr lang="ko-KR" altLang="en-US"/>
           </a:p>
         </p:txBody>
       </p:sp>
@@ -800,7 +798,7 @@
               <a:pPr lvl="0">
                 <a:defRPr/>
               </a:pPr>
-              <a:t>2024-07-01</a:t>
+              <a:t>2024-10-27</a:t>
             </a:fld>
             <a:endParaRPr lang="ko-KR" altLang="en-US"/>
           </a:p>
@@ -824,10 +822,6 @@
             <a:pPr lvl="0">
               <a:defRPr/>
             </a:pPr>
-            <a:r>
-              <a:rPr lang="ko-KR" altLang="en-US"/>
-              <a:t/>
-            </a:r>
             <a:endParaRPr lang="ko-KR" altLang="en-US"/>
           </a:p>
         </p:txBody>
@@ -866,12 +860,12 @@
   <p:clrMapOvr>
     <a:masterClrMapping/>
   </p:clrMapOvr>
-  <p:transition xmlns:mc="http://schemas.openxmlformats.org/markup-compatibility/2006" xmlns:hp="http://schemas.haansoft.com/office/presentation/8.0" mc:Ignorable="hp" hp:hslDur="500"/>
+  <p:transition/>
 </p:sldLayout>
 </file>
 
 <file path=ppt/slideLayouts/slideLayout10.xml><?xml version="1.0" encoding="utf-8"?>
-<p:sldLayout xmlns:r="http://schemas.openxmlformats.org/officeDocument/2006/relationships" xmlns:c="http://schemas.openxmlformats.org/drawingml/2006/chart" xmlns:a="http://schemas.openxmlformats.org/drawingml/2006/main" xmlns:dgm="http://schemas.openxmlformats.org/drawingml/2006/diagram" xmlns:dsp="http://schemas.microsoft.com/office/drawing/2008/diagram" xmlns:p="http://schemas.openxmlformats.org/presentationml/2006/main" showMasterPhAnim="1" matchingName="간지" type="objOnly" preserve="1">
+<p:sldLayout xmlns:a="http://schemas.openxmlformats.org/drawingml/2006/main" xmlns:r="http://schemas.openxmlformats.org/officeDocument/2006/relationships" xmlns:p="http://schemas.openxmlformats.org/presentationml/2006/main" matchingName="간지" type="objOnly" preserve="1">
   <p:cSld name="간지">
     <p:spTree>
       <p:nvGrpSpPr>
@@ -894,7 +888,7 @@
             <a:spLocks noGrp="1"/>
           </p:cNvSpPr>
           <p:nvPr>
-            <p:ph type="ctrTitle" idx="0"/>
+            <p:ph type="ctrTitle"/>
           </p:nvPr>
         </p:nvSpPr>
         <p:spPr>
@@ -920,7 +914,6 @@
               <a:rPr lang="ko-KR" altLang="en-US"/>
               <a:t>마스터 제목 스타일 편집</a:t>
             </a:r>
-            <a:endParaRPr lang="ko-KR" altLang="en-US"/>
           </a:p>
         </p:txBody>
       </p:sp>
@@ -947,7 +940,7 @@
               <a:pPr lvl="0">
                 <a:defRPr/>
               </a:pPr>
-              <a:t>2024-07-01</a:t>
+              <a:t>2024-10-27</a:t>
             </a:fld>
             <a:endParaRPr lang="ko-KR" altLang="en-US"/>
           </a:p>
@@ -971,10 +964,6 @@
             <a:pPr lvl="0">
               <a:defRPr/>
             </a:pPr>
-            <a:r>
-              <a:rPr lang="ko-KR" altLang="en-US"/>
-              <a:t/>
-            </a:r>
             <a:endParaRPr lang="ko-KR" altLang="en-US"/>
           </a:p>
         </p:txBody>
@@ -1013,12 +1002,12 @@
   <p:clrMapOvr>
     <a:masterClrMapping/>
   </p:clrMapOvr>
-  <p:transition xmlns:mc="http://schemas.openxmlformats.org/markup-compatibility/2006" xmlns:hp="http://schemas.haansoft.com/office/presentation/8.0" mc:Ignorable="hp" hp:hslDur="500"/>
+  <p:transition/>
 </p:sldLayout>
 </file>
 
 <file path=ppt/slideLayouts/slideLayout11.xml><?xml version="1.0" encoding="utf-8"?>
-<p:sldLayout xmlns:r="http://schemas.openxmlformats.org/officeDocument/2006/relationships" xmlns:c="http://schemas.openxmlformats.org/drawingml/2006/chart" xmlns:a="http://schemas.openxmlformats.org/drawingml/2006/main" xmlns:dgm="http://schemas.openxmlformats.org/drawingml/2006/diagram" xmlns:dsp="http://schemas.microsoft.com/office/drawing/2008/diagram" xmlns:p="http://schemas.openxmlformats.org/presentationml/2006/main" showMasterPhAnim="1" matchingName="목차" type="clipArtAndTx" preserve="1">
+<p:sldLayout xmlns:a="http://schemas.openxmlformats.org/drawingml/2006/main" xmlns:r="http://schemas.openxmlformats.org/officeDocument/2006/relationships" xmlns:p="http://schemas.openxmlformats.org/presentationml/2006/main" matchingName="목차" type="clipArtAndTx" preserve="1">
   <p:cSld name="목차">
     <p:spTree>
       <p:nvGrpSpPr>
@@ -1041,7 +1030,7 @@
             <a:spLocks noGrp="1"/>
           </p:cNvSpPr>
           <p:nvPr>
-            <p:ph type="title" idx="0"/>
+            <p:ph type="title"/>
           </p:nvPr>
         </p:nvSpPr>
         <p:spPr>
@@ -1065,7 +1054,6 @@
               <a:rPr lang="ko-KR" altLang="en-US"/>
               <a:t>마스터 제목 스타일 편집</a:t>
             </a:r>
-            <a:endParaRPr lang="ko-KR" altLang="en-US"/>
           </a:p>
         </p:txBody>
       </p:sp>
@@ -1105,7 +1093,6 @@
               <a:rPr lang="ko-KR" altLang="en-US"/>
               <a:t>첫째 목차</a:t>
             </a:r>
-            <a:endParaRPr lang="ko-KR" altLang="en-US"/>
           </a:p>
           <a:p>
             <a:pPr lvl="0">
@@ -1115,7 +1102,6 @@
               <a:rPr lang="ko-KR" altLang="en-US"/>
               <a:t>둘째 목차</a:t>
             </a:r>
-            <a:endParaRPr lang="ko-KR" altLang="en-US"/>
           </a:p>
           <a:p>
             <a:pPr lvl="0">
@@ -1125,7 +1111,6 @@
               <a:rPr lang="ko-KR" altLang="en-US"/>
               <a:t>셋째 목차</a:t>
             </a:r>
-            <a:endParaRPr lang="ko-KR" altLang="en-US"/>
           </a:p>
           <a:p>
             <a:pPr lvl="0">
@@ -1135,7 +1120,6 @@
               <a:rPr lang="ko-KR" altLang="en-US"/>
               <a:t>넷째 목차</a:t>
             </a:r>
-            <a:endParaRPr lang="ko-KR" altLang="en-US"/>
           </a:p>
           <a:p>
             <a:pPr lvl="0">
@@ -1145,7 +1129,6 @@
               <a:rPr lang="ko-KR" altLang="en-US"/>
               <a:t>다섯째 목차</a:t>
             </a:r>
-            <a:endParaRPr lang="ko-KR" altLang="en-US"/>
           </a:p>
         </p:txBody>
       </p:sp>
@@ -1172,7 +1155,7 @@
               <a:pPr lvl="0">
                 <a:defRPr/>
               </a:pPr>
-              <a:t>2024-07-01</a:t>
+              <a:t>2024-10-27</a:t>
             </a:fld>
             <a:endParaRPr lang="ko-KR" altLang="en-US"/>
           </a:p>
@@ -1196,10 +1179,6 @@
             <a:pPr lvl="0">
               <a:defRPr/>
             </a:pPr>
-            <a:r>
-              <a:rPr lang="ko-KR" altLang="en-US"/>
-              <a:t/>
-            </a:r>
             <a:endParaRPr lang="ko-KR" altLang="en-US"/>
           </a:p>
         </p:txBody>
@@ -1238,12 +1217,12 @@
   <p:clrMapOvr>
     <a:masterClrMapping/>
   </p:clrMapOvr>
-  <p:transition xmlns:mc="http://schemas.openxmlformats.org/markup-compatibility/2006" xmlns:hp="http://schemas.haansoft.com/office/presentation/8.0" mc:Ignorable="hp" hp:hslDur="500"/>
+  <p:transition/>
 </p:sldLayout>
 </file>
 
 <file path=ppt/slideLayouts/slideLayout12.xml><?xml version="1.0" encoding="utf-8"?>
-<p:sldLayout xmlns:r="http://schemas.openxmlformats.org/officeDocument/2006/relationships" xmlns:c="http://schemas.openxmlformats.org/drawingml/2006/chart" xmlns:a="http://schemas.openxmlformats.org/drawingml/2006/main" xmlns:dgm="http://schemas.openxmlformats.org/drawingml/2006/diagram" xmlns:dsp="http://schemas.microsoft.com/office/drawing/2008/diagram" xmlns:p="http://schemas.openxmlformats.org/presentationml/2006/main" showMasterPhAnim="1" matchingName="세로 제목 및 본문" type="vertTitleAndTx" preserve="1">
+<p:sldLayout xmlns:a="http://schemas.openxmlformats.org/drawingml/2006/main" xmlns:r="http://schemas.openxmlformats.org/officeDocument/2006/relationships" xmlns:p="http://schemas.openxmlformats.org/presentationml/2006/main" matchingName="세로 제목 및 본문" type="vertTitleAndTx" preserve="1">
   <p:cSld name="세로 제목 및 본문">
     <p:spTree>
       <p:nvGrpSpPr>
@@ -1266,7 +1245,7 @@
             <a:spLocks noGrp="1"/>
           </p:cNvSpPr>
           <p:nvPr>
-            <p:ph type="title" orient="vert" idx="0"/>
+            <p:ph type="title" orient="vert"/>
           </p:nvPr>
         </p:nvSpPr>
         <p:spPr>
@@ -1286,7 +1265,6 @@
               <a:rPr lang="ko-KR" altLang="en-US"/>
               <a:t>마스터 제목 스타일 편집</a:t>
             </a:r>
-            <a:endParaRPr lang="ko-KR" altLang="en-US"/>
           </a:p>
         </p:txBody>
       </p:sp>
@@ -1317,7 +1295,6 @@
               <a:rPr lang="ko-KR" altLang="en-US"/>
               <a:t>마스터 텍스트 스타일을 편집합니다</a:t>
             </a:r>
-            <a:endParaRPr lang="ko-KR" altLang="en-US"/>
           </a:p>
           <a:p>
             <a:pPr lvl="1">
@@ -1327,7 +1304,6 @@
               <a:rPr lang="ko-KR" altLang="en-US"/>
               <a:t>둘째 수준</a:t>
             </a:r>
-            <a:endParaRPr lang="ko-KR" altLang="en-US"/>
           </a:p>
           <a:p>
             <a:pPr lvl="2">
@@ -1337,7 +1313,6 @@
               <a:rPr lang="ko-KR" altLang="en-US"/>
               <a:t>셋째 수준</a:t>
             </a:r>
-            <a:endParaRPr lang="ko-KR" altLang="en-US"/>
           </a:p>
           <a:p>
             <a:pPr lvl="3">
@@ -1347,7 +1322,6 @@
               <a:rPr lang="ko-KR" altLang="en-US"/>
               <a:t>넷째 수준</a:t>
             </a:r>
-            <a:endParaRPr lang="ko-KR" altLang="en-US"/>
           </a:p>
           <a:p>
             <a:pPr lvl="4">
@@ -1357,7 +1331,6 @@
               <a:rPr lang="ko-KR" altLang="en-US"/>
               <a:t>다섯째 수준</a:t>
             </a:r>
-            <a:endParaRPr lang="ko-KR" altLang="en-US"/>
           </a:p>
         </p:txBody>
       </p:sp>
@@ -1384,7 +1357,7 @@
               <a:pPr lvl="0">
                 <a:defRPr/>
               </a:pPr>
-              <a:t>2024-07-01</a:t>
+              <a:t>2024-10-27</a:t>
             </a:fld>
             <a:endParaRPr lang="ko-KR" altLang="en-US"/>
           </a:p>
@@ -1408,10 +1381,6 @@
             <a:pPr lvl="0">
               <a:defRPr/>
             </a:pPr>
-            <a:r>
-              <a:rPr lang="ko-KR" altLang="en-US"/>
-              <a:t/>
-            </a:r>
             <a:endParaRPr lang="ko-KR" altLang="en-US"/>
           </a:p>
         </p:txBody>
@@ -1450,12 +1419,12 @@
   <p:clrMapOvr>
     <a:masterClrMapping/>
   </p:clrMapOvr>
-  <p:transition xmlns:mc="http://schemas.openxmlformats.org/markup-compatibility/2006" xmlns:hp="http://schemas.haansoft.com/office/presentation/8.0" mc:Ignorable="hp" hp:hslDur="500"/>
+  <p:transition/>
 </p:sldLayout>
 </file>
 
 <file path=ppt/slideLayouts/slideLayout2.xml><?xml version="1.0" encoding="utf-8"?>
-<p:sldLayout xmlns:r="http://schemas.openxmlformats.org/officeDocument/2006/relationships" xmlns:c="http://schemas.openxmlformats.org/drawingml/2006/chart" xmlns:a="http://schemas.openxmlformats.org/drawingml/2006/main" xmlns:dgm="http://schemas.openxmlformats.org/drawingml/2006/diagram" xmlns:dsp="http://schemas.microsoft.com/office/drawing/2008/diagram" xmlns:p="http://schemas.openxmlformats.org/presentationml/2006/main" showMasterPhAnim="1" matchingName="제목 및 내용" type="obj" preserve="1">
+<p:sldLayout xmlns:a="http://schemas.openxmlformats.org/drawingml/2006/main" xmlns:r="http://schemas.openxmlformats.org/officeDocument/2006/relationships" xmlns:p="http://schemas.openxmlformats.org/presentationml/2006/main" matchingName="제목 및 내용" type="obj" preserve="1">
   <p:cSld name="제목 및 내용">
     <p:spTree>
       <p:nvGrpSpPr>
@@ -1478,7 +1447,7 @@
             <a:spLocks noGrp="1"/>
           </p:cNvSpPr>
           <p:nvPr>
-            <p:ph type="title" idx="0"/>
+            <p:ph type="title"/>
           </p:nvPr>
         </p:nvSpPr>
         <p:spPr/>
@@ -1493,7 +1462,6 @@
               <a:rPr lang="ko-KR" altLang="en-US"/>
               <a:t>마스터 제목 스타일 편집</a:t>
             </a:r>
-            <a:endParaRPr lang="ko-KR" altLang="en-US"/>
           </a:p>
         </p:txBody>
       </p:sp>
@@ -1519,7 +1487,6 @@
               <a:rPr lang="ko-KR" altLang="en-US"/>
               <a:t>마스터 텍스트 스타일을 편집합니다</a:t>
             </a:r>
-            <a:endParaRPr lang="ko-KR" altLang="en-US"/>
           </a:p>
           <a:p>
             <a:pPr lvl="1">
@@ -1529,7 +1496,6 @@
               <a:rPr lang="ko-KR" altLang="en-US"/>
               <a:t>둘째 수준</a:t>
             </a:r>
-            <a:endParaRPr lang="ko-KR" altLang="en-US"/>
           </a:p>
           <a:p>
             <a:pPr lvl="2">
@@ -1539,7 +1505,6 @@
               <a:rPr lang="ko-KR" altLang="en-US"/>
               <a:t>셋째 수준</a:t>
             </a:r>
-            <a:endParaRPr lang="ko-KR" altLang="en-US"/>
           </a:p>
           <a:p>
             <a:pPr lvl="3">
@@ -1549,7 +1514,6 @@
               <a:rPr lang="ko-KR" altLang="en-US"/>
               <a:t>넷째 수준</a:t>
             </a:r>
-            <a:endParaRPr lang="ko-KR" altLang="en-US"/>
           </a:p>
           <a:p>
             <a:pPr lvl="4">
@@ -1559,7 +1523,6 @@
               <a:rPr lang="ko-KR" altLang="en-US"/>
               <a:t>다섯째 수준</a:t>
             </a:r>
-            <a:endParaRPr lang="ko-KR" altLang="en-US"/>
           </a:p>
         </p:txBody>
       </p:sp>
@@ -1586,7 +1549,7 @@
               <a:pPr lvl="0">
                 <a:defRPr/>
               </a:pPr>
-              <a:t>2024-07-01</a:t>
+              <a:t>2024-10-27</a:t>
             </a:fld>
             <a:endParaRPr lang="ko-KR" altLang="en-US"/>
           </a:p>
@@ -1610,10 +1573,6 @@
             <a:pPr lvl="0">
               <a:defRPr/>
             </a:pPr>
-            <a:r>
-              <a:rPr lang="ko-KR" altLang="en-US"/>
-              <a:t/>
-            </a:r>
             <a:endParaRPr lang="ko-KR" altLang="en-US"/>
           </a:p>
         </p:txBody>
@@ -1652,12 +1611,12 @@
   <p:clrMapOvr>
     <a:masterClrMapping/>
   </p:clrMapOvr>
-  <p:transition xmlns:mc="http://schemas.openxmlformats.org/markup-compatibility/2006" xmlns:hp="http://schemas.haansoft.com/office/presentation/8.0" mc:Ignorable="hp" hp:hslDur="500"/>
+  <p:transition/>
 </p:sldLayout>
 </file>
 
 <file path=ppt/slideLayouts/slideLayout3.xml><?xml version="1.0" encoding="utf-8"?>
-<p:sldLayout xmlns:r="http://schemas.openxmlformats.org/officeDocument/2006/relationships" xmlns:c="http://schemas.openxmlformats.org/drawingml/2006/chart" xmlns:a="http://schemas.openxmlformats.org/drawingml/2006/main" xmlns:dgm="http://schemas.openxmlformats.org/drawingml/2006/diagram" xmlns:dsp="http://schemas.microsoft.com/office/drawing/2008/diagram" xmlns:p="http://schemas.openxmlformats.org/presentationml/2006/main" showMasterPhAnim="1" matchingName="빈 화면" type="blank" preserve="1">
+<p:sldLayout xmlns:a="http://schemas.openxmlformats.org/drawingml/2006/main" xmlns:r="http://schemas.openxmlformats.org/officeDocument/2006/relationships" xmlns:p="http://schemas.openxmlformats.org/presentationml/2006/main" matchingName="빈 화면" type="blank" preserve="1">
   <p:cSld name="빈 화면">
     <p:spTree>
       <p:nvGrpSpPr>
@@ -1696,7 +1655,7 @@
               <a:pPr lvl="0">
                 <a:defRPr/>
               </a:pPr>
-              <a:t>2024-07-01</a:t>
+              <a:t>2024-10-27</a:t>
             </a:fld>
             <a:endParaRPr lang="ko-KR" altLang="en-US"/>
           </a:p>
@@ -1720,10 +1679,6 @@
             <a:pPr lvl="0">
               <a:defRPr/>
             </a:pPr>
-            <a:r>
-              <a:rPr lang="ko-KR" altLang="en-US"/>
-              <a:t/>
-            </a:r>
             <a:endParaRPr lang="ko-KR" altLang="en-US"/>
           </a:p>
         </p:txBody>
@@ -1762,12 +1717,12 @@
   <p:clrMapOvr>
     <a:masterClrMapping/>
   </p:clrMapOvr>
-  <p:transition xmlns:mc="http://schemas.openxmlformats.org/markup-compatibility/2006" xmlns:hp="http://schemas.haansoft.com/office/presentation/8.0" mc:Ignorable="hp" hp:hslDur="500"/>
+  <p:transition/>
 </p:sldLayout>
 </file>
 
 <file path=ppt/slideLayouts/slideLayout4.xml><?xml version="1.0" encoding="utf-8"?>
-<p:sldLayout xmlns:r="http://schemas.openxmlformats.org/officeDocument/2006/relationships" xmlns:c="http://schemas.openxmlformats.org/drawingml/2006/chart" xmlns:a="http://schemas.openxmlformats.org/drawingml/2006/main" xmlns:dgm="http://schemas.openxmlformats.org/drawingml/2006/diagram" xmlns:dsp="http://schemas.microsoft.com/office/drawing/2008/diagram" xmlns:p="http://schemas.openxmlformats.org/presentationml/2006/main" showMasterPhAnim="1" matchingName="구역 머리글" type="secHead" preserve="1">
+<p:sldLayout xmlns:a="http://schemas.openxmlformats.org/drawingml/2006/main" xmlns:r="http://schemas.openxmlformats.org/officeDocument/2006/relationships" xmlns:p="http://schemas.openxmlformats.org/presentationml/2006/main" matchingName="구역 머리글" type="secHead" preserve="1">
   <p:cSld name="구역 머리글">
     <p:spTree>
       <p:nvGrpSpPr>
@@ -1790,7 +1745,7 @@
             <a:spLocks noGrp="1"/>
           </p:cNvSpPr>
           <p:nvPr>
-            <p:ph type="title" idx="0"/>
+            <p:ph type="title"/>
           </p:nvPr>
         </p:nvSpPr>
         <p:spPr>
@@ -1814,7 +1769,6 @@
               <a:rPr lang="ko-KR" altLang="en-US"/>
               <a:t>마스터 제목 스타일 편집</a:t>
             </a:r>
-            <a:endParaRPr lang="ko-KR" altLang="en-US"/>
           </a:p>
         </p:txBody>
       </p:sp>
@@ -1936,7 +1890,6 @@
               <a:rPr lang="ko-KR" altLang="en-US"/>
               <a:t>마스터 텍스트 스타일을 편집합니다</a:t>
             </a:r>
-            <a:endParaRPr lang="ko-KR" altLang="en-US"/>
           </a:p>
         </p:txBody>
       </p:sp>
@@ -1963,7 +1916,7 @@
               <a:pPr lvl="0">
                 <a:defRPr/>
               </a:pPr>
-              <a:t>2024-07-01</a:t>
+              <a:t>2024-10-27</a:t>
             </a:fld>
             <a:endParaRPr lang="ko-KR" altLang="en-US"/>
           </a:p>
@@ -1987,10 +1940,6 @@
             <a:pPr lvl="0">
               <a:defRPr/>
             </a:pPr>
-            <a:r>
-              <a:rPr lang="ko-KR" altLang="en-US"/>
-              <a:t/>
-            </a:r>
             <a:endParaRPr lang="ko-KR" altLang="en-US"/>
           </a:p>
         </p:txBody>
@@ -2029,12 +1978,12 @@
   <p:clrMapOvr>
     <a:masterClrMapping/>
   </p:clrMapOvr>
-  <p:transition xmlns:mc="http://schemas.openxmlformats.org/markup-compatibility/2006" xmlns:hp="http://schemas.haansoft.com/office/presentation/8.0" mc:Ignorable="hp" hp:hslDur="500"/>
+  <p:transition/>
 </p:sldLayout>
 </file>
 
 <file path=ppt/slideLayouts/slideLayout5.xml><?xml version="1.0" encoding="utf-8"?>
-<p:sldLayout xmlns:r="http://schemas.openxmlformats.org/officeDocument/2006/relationships" xmlns:c="http://schemas.openxmlformats.org/drawingml/2006/chart" xmlns:a="http://schemas.openxmlformats.org/drawingml/2006/main" xmlns:dgm="http://schemas.openxmlformats.org/drawingml/2006/diagram" xmlns:dsp="http://schemas.microsoft.com/office/drawing/2008/diagram" xmlns:p="http://schemas.openxmlformats.org/presentationml/2006/main" showMasterPhAnim="1" matchingName="내용 2개" type="twoObj" preserve="1">
+<p:sldLayout xmlns:a="http://schemas.openxmlformats.org/drawingml/2006/main" xmlns:r="http://schemas.openxmlformats.org/officeDocument/2006/relationships" xmlns:p="http://schemas.openxmlformats.org/presentationml/2006/main" matchingName="내용 2개" type="twoObj" preserve="1">
   <p:cSld name="내용 2개">
     <p:spTree>
       <p:nvGrpSpPr>
@@ -2057,7 +2006,7 @@
             <a:spLocks noGrp="1"/>
           </p:cNvSpPr>
           <p:nvPr>
-            <p:ph type="title" idx="0"/>
+            <p:ph type="title"/>
           </p:nvPr>
         </p:nvSpPr>
         <p:spPr/>
@@ -2072,7 +2021,6 @@
               <a:rPr lang="ko-KR" altLang="en-US"/>
               <a:t>마스터 제목 스타일 편집</a:t>
             </a:r>
-            <a:endParaRPr lang="ko-KR" altLang="en-US"/>
           </a:p>
         </p:txBody>
       </p:sp>
@@ -2131,7 +2079,6 @@
               <a:rPr lang="ko-KR" altLang="en-US"/>
               <a:t>마스터 텍스트 스타일을 편집합니다</a:t>
             </a:r>
-            <a:endParaRPr lang="ko-KR" altLang="en-US"/>
           </a:p>
           <a:p>
             <a:pPr lvl="1">
@@ -2141,7 +2088,6 @@
               <a:rPr lang="ko-KR" altLang="en-US"/>
               <a:t>둘째 수준</a:t>
             </a:r>
-            <a:endParaRPr lang="ko-KR" altLang="en-US"/>
           </a:p>
           <a:p>
             <a:pPr lvl="2">
@@ -2151,7 +2097,6 @@
               <a:rPr lang="ko-KR" altLang="en-US"/>
               <a:t>셋째 수준</a:t>
             </a:r>
-            <a:endParaRPr lang="ko-KR" altLang="en-US"/>
           </a:p>
           <a:p>
             <a:pPr lvl="3">
@@ -2161,7 +2106,6 @@
               <a:rPr lang="ko-KR" altLang="en-US"/>
               <a:t>넷째 수준</a:t>
             </a:r>
-            <a:endParaRPr lang="ko-KR" altLang="en-US"/>
           </a:p>
           <a:p>
             <a:pPr lvl="4">
@@ -2171,7 +2115,6 @@
               <a:rPr lang="ko-KR" altLang="en-US"/>
               <a:t>다섯째 수준</a:t>
             </a:r>
-            <a:endParaRPr lang="ko-KR" altLang="en-US"/>
           </a:p>
         </p:txBody>
       </p:sp>
@@ -2230,7 +2173,6 @@
               <a:rPr lang="ko-KR" altLang="en-US"/>
               <a:t>마스터 텍스트 스타일을 편집합니다</a:t>
             </a:r>
-            <a:endParaRPr lang="ko-KR" altLang="en-US"/>
           </a:p>
           <a:p>
             <a:pPr lvl="1">
@@ -2240,7 +2182,6 @@
               <a:rPr lang="ko-KR" altLang="en-US"/>
               <a:t>둘째 수준</a:t>
             </a:r>
-            <a:endParaRPr lang="ko-KR" altLang="en-US"/>
           </a:p>
           <a:p>
             <a:pPr lvl="2">
@@ -2250,7 +2191,6 @@
               <a:rPr lang="ko-KR" altLang="en-US"/>
               <a:t>셋째 수준</a:t>
             </a:r>
-            <a:endParaRPr lang="ko-KR" altLang="en-US"/>
           </a:p>
           <a:p>
             <a:pPr lvl="3">
@@ -2260,7 +2200,6 @@
               <a:rPr lang="ko-KR" altLang="en-US"/>
               <a:t>넷째 수준</a:t>
             </a:r>
-            <a:endParaRPr lang="ko-KR" altLang="en-US"/>
           </a:p>
           <a:p>
             <a:pPr lvl="4">
@@ -2270,7 +2209,6 @@
               <a:rPr lang="ko-KR" altLang="en-US"/>
               <a:t>다섯째 수준</a:t>
             </a:r>
-            <a:endParaRPr lang="ko-KR" altLang="en-US"/>
           </a:p>
         </p:txBody>
       </p:sp>
@@ -2297,7 +2235,7 @@
               <a:pPr lvl="0">
                 <a:defRPr/>
               </a:pPr>
-              <a:t>2024-07-01</a:t>
+              <a:t>2024-10-27</a:t>
             </a:fld>
             <a:endParaRPr lang="ko-KR" altLang="en-US"/>
           </a:p>
@@ -2321,10 +2259,6 @@
             <a:pPr lvl="0">
               <a:defRPr/>
             </a:pPr>
-            <a:r>
-              <a:rPr lang="ko-KR" altLang="en-US"/>
-              <a:t/>
-            </a:r>
             <a:endParaRPr lang="ko-KR" altLang="en-US"/>
           </a:p>
         </p:txBody>
@@ -2363,12 +2297,12 @@
   <p:clrMapOvr>
     <a:masterClrMapping/>
   </p:clrMapOvr>
-  <p:transition xmlns:mc="http://schemas.openxmlformats.org/markup-compatibility/2006" xmlns:hp="http://schemas.haansoft.com/office/presentation/8.0" mc:Ignorable="hp" hp:hslDur="500"/>
+  <p:transition/>
 </p:sldLayout>
 </file>
 
 <file path=ppt/slideLayouts/slideLayout6.xml><?xml version="1.0" encoding="utf-8"?>
-<p:sldLayout xmlns:r="http://schemas.openxmlformats.org/officeDocument/2006/relationships" xmlns:c="http://schemas.openxmlformats.org/drawingml/2006/chart" xmlns:a="http://schemas.openxmlformats.org/drawingml/2006/main" xmlns:dgm="http://schemas.openxmlformats.org/drawingml/2006/diagram" xmlns:dsp="http://schemas.microsoft.com/office/drawing/2008/diagram" xmlns:p="http://schemas.openxmlformats.org/presentationml/2006/main" showMasterPhAnim="1" matchingName="제목만" type="titleOnly" preserve="1">
+<p:sldLayout xmlns:a="http://schemas.openxmlformats.org/drawingml/2006/main" xmlns:r="http://schemas.openxmlformats.org/officeDocument/2006/relationships" xmlns:p="http://schemas.openxmlformats.org/presentationml/2006/main" matchingName="제목만" type="titleOnly" preserve="1">
   <p:cSld name="제목만">
     <p:spTree>
       <p:nvGrpSpPr>
@@ -2391,7 +2325,7 @@
             <a:spLocks noGrp="1"/>
           </p:cNvSpPr>
           <p:nvPr>
-            <p:ph type="title" idx="0"/>
+            <p:ph type="title"/>
           </p:nvPr>
         </p:nvSpPr>
         <p:spPr/>
@@ -2406,7 +2340,6 @@
               <a:rPr lang="ko-KR" altLang="en-US"/>
               <a:t>마스터 제목 스타일 편집</a:t>
             </a:r>
-            <a:endParaRPr lang="ko-KR" altLang="en-US"/>
           </a:p>
         </p:txBody>
       </p:sp>
@@ -2433,7 +2366,7 @@
               <a:pPr lvl="0">
                 <a:defRPr/>
               </a:pPr>
-              <a:t>2024-07-01</a:t>
+              <a:t>2024-10-27</a:t>
             </a:fld>
             <a:endParaRPr lang="ko-KR" altLang="en-US"/>
           </a:p>
@@ -2457,10 +2390,6 @@
             <a:pPr lvl="0">
               <a:defRPr/>
             </a:pPr>
-            <a:r>
-              <a:rPr lang="ko-KR" altLang="en-US"/>
-              <a:t/>
-            </a:r>
             <a:endParaRPr lang="ko-KR" altLang="en-US"/>
           </a:p>
         </p:txBody>
@@ -2499,12 +2428,12 @@
   <p:clrMapOvr>
     <a:masterClrMapping/>
   </p:clrMapOvr>
-  <p:transition xmlns:mc="http://schemas.openxmlformats.org/markup-compatibility/2006" xmlns:hp="http://schemas.haansoft.com/office/presentation/8.0" mc:Ignorable="hp" hp:hslDur="500"/>
+  <p:transition/>
 </p:sldLayout>
 </file>
 
 <file path=ppt/slideLayouts/slideLayout7.xml><?xml version="1.0" encoding="utf-8"?>
-<p:sldLayout xmlns:r="http://schemas.openxmlformats.org/officeDocument/2006/relationships" xmlns:c="http://schemas.openxmlformats.org/drawingml/2006/chart" xmlns:a="http://schemas.openxmlformats.org/drawingml/2006/main" xmlns:dgm="http://schemas.openxmlformats.org/drawingml/2006/diagram" xmlns:dsp="http://schemas.microsoft.com/office/drawing/2008/diagram" xmlns:p="http://schemas.openxmlformats.org/presentationml/2006/main" showMasterPhAnim="1" matchingName="표" type="tbl" preserve="1">
+<p:sldLayout xmlns:a="http://schemas.openxmlformats.org/drawingml/2006/main" xmlns:r="http://schemas.openxmlformats.org/officeDocument/2006/relationships" xmlns:p="http://schemas.openxmlformats.org/presentationml/2006/main" matchingName="표" type="tbl" preserve="1">
   <p:cSld name="표">
     <p:spTree>
       <p:nvGrpSpPr>
@@ -2527,7 +2456,7 @@
             <a:spLocks noGrp="1"/>
           </p:cNvSpPr>
           <p:nvPr>
-            <p:ph type="title" idx="0"/>
+            <p:ph type="title"/>
           </p:nvPr>
         </p:nvSpPr>
         <p:spPr/>
@@ -2542,7 +2471,6 @@
               <a:rPr lang="ko-KR" altLang="en-US"/>
               <a:t>마스터 제목 스타일 편집</a:t>
             </a:r>
-            <a:endParaRPr lang="ko-KR" altLang="en-US"/>
           </a:p>
         </p:txBody>
       </p:sp>
@@ -2579,7 +2507,6 @@
               <a:rPr lang="ko-KR" altLang="en-US"/>
               <a:t>표를 추가하려면 아이콘을 클릭하십시오</a:t>
             </a:r>
-            <a:endParaRPr lang="ko-KR" altLang="en-US"/>
           </a:p>
         </p:txBody>
       </p:sp>
@@ -2606,7 +2533,7 @@
               <a:pPr lvl="0">
                 <a:defRPr/>
               </a:pPr>
-              <a:t>2024-07-01</a:t>
+              <a:t>2024-10-27</a:t>
             </a:fld>
             <a:endParaRPr lang="ko-KR" altLang="en-US"/>
           </a:p>
@@ -2630,10 +2557,6 @@
             <a:pPr lvl="0">
               <a:defRPr/>
             </a:pPr>
-            <a:r>
-              <a:rPr lang="ko-KR" altLang="en-US"/>
-              <a:t/>
-            </a:r>
             <a:endParaRPr lang="ko-KR" altLang="en-US"/>
           </a:p>
         </p:txBody>
@@ -2672,12 +2595,12 @@
   <p:clrMapOvr>
     <a:masterClrMapping/>
   </p:clrMapOvr>
-  <p:transition xmlns:mc="http://schemas.openxmlformats.org/markup-compatibility/2006" xmlns:hp="http://schemas.haansoft.com/office/presentation/8.0" mc:Ignorable="hp" hp:hslDur="500"/>
+  <p:transition/>
 </p:sldLayout>
 </file>
 
 <file path=ppt/slideLayouts/slideLayout8.xml><?xml version="1.0" encoding="utf-8"?>
-<p:sldLayout xmlns:r="http://schemas.openxmlformats.org/officeDocument/2006/relationships" xmlns:c="http://schemas.openxmlformats.org/drawingml/2006/chart" xmlns:a="http://schemas.openxmlformats.org/drawingml/2006/main" xmlns:dgm="http://schemas.openxmlformats.org/drawingml/2006/diagram" xmlns:dsp="http://schemas.microsoft.com/office/drawing/2008/diagram" xmlns:p="http://schemas.openxmlformats.org/presentationml/2006/main" showMasterPhAnim="1" matchingName="내용 4개" type="fourObj" preserve="1">
+<p:sldLayout xmlns:a="http://schemas.openxmlformats.org/drawingml/2006/main" xmlns:r="http://schemas.openxmlformats.org/officeDocument/2006/relationships" xmlns:p="http://schemas.openxmlformats.org/presentationml/2006/main" matchingName="내용 4개" type="fourObj" preserve="1">
   <p:cSld name="내용 4개">
     <p:spTree>
       <p:nvGrpSpPr>
@@ -2700,7 +2623,7 @@
             <a:spLocks noGrp="1"/>
           </p:cNvSpPr>
           <p:nvPr>
-            <p:ph type="title" idx="0"/>
+            <p:ph type="title"/>
           </p:nvPr>
         </p:nvSpPr>
         <p:spPr/>
@@ -2715,7 +2638,6 @@
               <a:rPr lang="ko-KR" altLang="en-US"/>
               <a:t>마스터 제목 스타일 편집</a:t>
             </a:r>
-            <a:endParaRPr lang="ko-KR" altLang="en-US"/>
           </a:p>
         </p:txBody>
       </p:sp>
@@ -2774,7 +2696,6 @@
               <a:rPr lang="ko-KR" altLang="en-US"/>
               <a:t>마스터 텍스트 스타일을 편집합니다</a:t>
             </a:r>
-            <a:endParaRPr lang="ko-KR" altLang="en-US"/>
           </a:p>
           <a:p>
             <a:pPr lvl="1">
@@ -2784,7 +2705,6 @@
               <a:rPr lang="ko-KR" altLang="en-US"/>
               <a:t>둘째 수준</a:t>
             </a:r>
-            <a:endParaRPr lang="ko-KR" altLang="en-US"/>
           </a:p>
           <a:p>
             <a:pPr lvl="2">
@@ -2794,7 +2714,6 @@
               <a:rPr lang="ko-KR" altLang="en-US"/>
               <a:t>셋째 수준</a:t>
             </a:r>
-            <a:endParaRPr lang="ko-KR" altLang="en-US"/>
           </a:p>
           <a:p>
             <a:pPr lvl="3">
@@ -2804,7 +2723,6 @@
               <a:rPr lang="ko-KR" altLang="en-US"/>
               <a:t>넷째 수준</a:t>
             </a:r>
-            <a:endParaRPr lang="ko-KR" altLang="en-US"/>
           </a:p>
           <a:p>
             <a:pPr lvl="4">
@@ -2814,7 +2732,6 @@
               <a:rPr lang="ko-KR" altLang="en-US"/>
               <a:t>다섯째 수준</a:t>
             </a:r>
-            <a:endParaRPr lang="ko-KR" altLang="en-US"/>
           </a:p>
         </p:txBody>
       </p:sp>
@@ -2873,7 +2790,6 @@
               <a:rPr lang="ko-KR" altLang="en-US"/>
               <a:t>마스터 텍스트 스타일을 편집합니다</a:t>
             </a:r>
-            <a:endParaRPr lang="ko-KR" altLang="en-US"/>
           </a:p>
           <a:p>
             <a:pPr lvl="1">
@@ -2883,7 +2799,6 @@
               <a:rPr lang="ko-KR" altLang="en-US"/>
               <a:t>둘째 수준</a:t>
             </a:r>
-            <a:endParaRPr lang="ko-KR" altLang="en-US"/>
           </a:p>
           <a:p>
             <a:pPr lvl="2">
@@ -2893,7 +2808,6 @@
               <a:rPr lang="ko-KR" altLang="en-US"/>
               <a:t>셋째 수준</a:t>
             </a:r>
-            <a:endParaRPr lang="ko-KR" altLang="en-US"/>
           </a:p>
           <a:p>
             <a:pPr lvl="3">
@@ -2903,7 +2817,6 @@
               <a:rPr lang="ko-KR" altLang="en-US"/>
               <a:t>넷째 수준</a:t>
             </a:r>
-            <a:endParaRPr lang="ko-KR" altLang="en-US"/>
           </a:p>
           <a:p>
             <a:pPr lvl="4">
@@ -2913,7 +2826,6 @@
               <a:rPr lang="ko-KR" altLang="en-US"/>
               <a:t>다섯째 수준</a:t>
             </a:r>
-            <a:endParaRPr lang="ko-KR" altLang="en-US"/>
           </a:p>
         </p:txBody>
       </p:sp>
@@ -2972,7 +2884,6 @@
               <a:rPr lang="ko-KR" altLang="en-US"/>
               <a:t>마스터 텍스트 스타일을 편집합니다</a:t>
             </a:r>
-            <a:endParaRPr lang="ko-KR" altLang="en-US"/>
           </a:p>
           <a:p>
             <a:pPr lvl="1">
@@ -2982,7 +2893,6 @@
               <a:rPr lang="ko-KR" altLang="en-US"/>
               <a:t>둘째 수준</a:t>
             </a:r>
-            <a:endParaRPr lang="ko-KR" altLang="en-US"/>
           </a:p>
           <a:p>
             <a:pPr lvl="2">
@@ -2992,7 +2902,6 @@
               <a:rPr lang="ko-KR" altLang="en-US"/>
               <a:t>셋째 수준</a:t>
             </a:r>
-            <a:endParaRPr lang="ko-KR" altLang="en-US"/>
           </a:p>
           <a:p>
             <a:pPr lvl="3">
@@ -3002,7 +2911,6 @@
               <a:rPr lang="ko-KR" altLang="en-US"/>
               <a:t>넷째 수준</a:t>
             </a:r>
-            <a:endParaRPr lang="ko-KR" altLang="en-US"/>
           </a:p>
           <a:p>
             <a:pPr lvl="4">
@@ -3012,7 +2920,6 @@
               <a:rPr lang="ko-KR" altLang="en-US"/>
               <a:t>다섯째 수준</a:t>
             </a:r>
-            <a:endParaRPr lang="ko-KR" altLang="en-US"/>
           </a:p>
         </p:txBody>
       </p:sp>
@@ -3071,7 +2978,6 @@
               <a:rPr lang="ko-KR" altLang="en-US"/>
               <a:t>마스터 텍스트 스타일을 편집합니다</a:t>
             </a:r>
-            <a:endParaRPr lang="ko-KR" altLang="en-US"/>
           </a:p>
           <a:p>
             <a:pPr lvl="1">
@@ -3081,7 +2987,6 @@
               <a:rPr lang="ko-KR" altLang="en-US"/>
               <a:t>둘째 수준</a:t>
             </a:r>
-            <a:endParaRPr lang="ko-KR" altLang="en-US"/>
           </a:p>
           <a:p>
             <a:pPr lvl="2">
@@ -3091,7 +2996,6 @@
               <a:rPr lang="ko-KR" altLang="en-US"/>
               <a:t>셋째 수준</a:t>
             </a:r>
-            <a:endParaRPr lang="ko-KR" altLang="en-US"/>
           </a:p>
           <a:p>
             <a:pPr lvl="3">
@@ -3101,7 +3005,6 @@
               <a:rPr lang="ko-KR" altLang="en-US"/>
               <a:t>넷째 수준</a:t>
             </a:r>
-            <a:endParaRPr lang="ko-KR" altLang="en-US"/>
           </a:p>
           <a:p>
             <a:pPr lvl="4">
@@ -3111,7 +3014,6 @@
               <a:rPr lang="ko-KR" altLang="en-US"/>
               <a:t>다섯째 수준</a:t>
             </a:r>
-            <a:endParaRPr lang="ko-KR" altLang="en-US"/>
           </a:p>
         </p:txBody>
       </p:sp>
@@ -3138,7 +3040,7 @@
               <a:pPr lvl="0">
                 <a:defRPr/>
               </a:pPr>
-              <a:t>2024-07-01</a:t>
+              <a:t>2024-10-27</a:t>
             </a:fld>
             <a:endParaRPr lang="ko-KR" altLang="en-US"/>
           </a:p>
@@ -3162,10 +3064,6 @@
             <a:pPr lvl="0">
               <a:defRPr/>
             </a:pPr>
-            <a:r>
-              <a:rPr lang="ko-KR" altLang="en-US"/>
-              <a:t/>
-            </a:r>
             <a:endParaRPr lang="ko-KR" altLang="en-US"/>
           </a:p>
         </p:txBody>
@@ -3204,12 +3102,12 @@
   <p:clrMapOvr>
     <a:masterClrMapping/>
   </p:clrMapOvr>
-  <p:transition xmlns:mc="http://schemas.openxmlformats.org/markup-compatibility/2006" xmlns:hp="http://schemas.haansoft.com/office/presentation/8.0" mc:Ignorable="hp" hp:hslDur="500"/>
+  <p:transition/>
 </p:sldLayout>
 </file>
 
 <file path=ppt/slideLayouts/slideLayout9.xml><?xml version="1.0" encoding="utf-8"?>
-<p:sldLayout xmlns:r="http://schemas.openxmlformats.org/officeDocument/2006/relationships" xmlns:c="http://schemas.openxmlformats.org/drawingml/2006/chart" xmlns:a="http://schemas.openxmlformats.org/drawingml/2006/main" xmlns:dgm="http://schemas.openxmlformats.org/drawingml/2006/diagram" xmlns:dsp="http://schemas.microsoft.com/office/drawing/2008/diagram" xmlns:p="http://schemas.openxmlformats.org/presentationml/2006/main" showMasterPhAnim="1" matchingName="그림 및 설명" type="picTx" preserve="1">
+<p:sldLayout xmlns:a="http://schemas.openxmlformats.org/drawingml/2006/main" xmlns:r="http://schemas.openxmlformats.org/officeDocument/2006/relationships" xmlns:p="http://schemas.openxmlformats.org/presentationml/2006/main" matchingName="그림 및 설명" type="picTx" preserve="1">
   <p:cSld name="그림 및 설명">
     <p:spTree>
       <p:nvGrpSpPr>
@@ -3232,7 +3130,7 @@
             <a:spLocks noGrp="1"/>
           </p:cNvSpPr>
           <p:nvPr>
-            <p:ph type="title" idx="0"/>
+            <p:ph type="title"/>
           </p:nvPr>
         </p:nvSpPr>
         <p:spPr>
@@ -3256,7 +3154,6 @@
               <a:rPr lang="ko-KR" altLang="en-US"/>
               <a:t>마스터 제목 스타일 편집</a:t>
             </a:r>
-            <a:endParaRPr lang="ko-KR" altLang="en-US"/>
           </a:p>
         </p:txBody>
       </p:sp>
@@ -3324,7 +3221,6 @@
               <a:rPr lang="ko-KR" altLang="en-US"/>
               <a:t>그림을 추가하려면 아이콘을 클릭하십시오</a:t>
             </a:r>
-            <a:endParaRPr lang="ko-KR" altLang="en-US"/>
           </a:p>
         </p:txBody>
       </p:sp>
@@ -3392,7 +3288,6 @@
               <a:rPr lang="ko-KR" altLang="en-US"/>
               <a:t>마스터 텍스트 스타일을 편집합니다</a:t>
             </a:r>
-            <a:endParaRPr lang="ko-KR" altLang="en-US"/>
           </a:p>
         </p:txBody>
       </p:sp>
@@ -3419,7 +3314,7 @@
               <a:pPr lvl="0">
                 <a:defRPr/>
               </a:pPr>
-              <a:t>2024-07-01</a:t>
+              <a:t>2024-10-27</a:t>
             </a:fld>
             <a:endParaRPr lang="ko-KR" altLang="en-US"/>
           </a:p>
@@ -3443,10 +3338,6 @@
             <a:pPr lvl="0">
               <a:defRPr/>
             </a:pPr>
-            <a:r>
-              <a:rPr lang="ko-KR" altLang="en-US"/>
-              <a:t/>
-            </a:r>
             <a:endParaRPr lang="ko-KR" altLang="en-US"/>
           </a:p>
         </p:txBody>
@@ -3485,12 +3376,12 @@
   <p:clrMapOvr>
     <a:masterClrMapping/>
   </p:clrMapOvr>
-  <p:transition xmlns:mc="http://schemas.openxmlformats.org/markup-compatibility/2006" xmlns:hp="http://schemas.haansoft.com/office/presentation/8.0" mc:Ignorable="hp" hp:hslDur="500"/>
+  <p:transition/>
 </p:sldLayout>
 </file>
 
 <file path=ppt/slideMasters/slideMaster1.xml><?xml version="1.0" encoding="utf-8"?>
-<p:sldMaster xmlns:r="http://schemas.openxmlformats.org/officeDocument/2006/relationships" xmlns:c="http://schemas.openxmlformats.org/drawingml/2006/chart" xmlns:a="http://schemas.openxmlformats.org/drawingml/2006/main" xmlns:dgm="http://schemas.openxmlformats.org/drawingml/2006/diagram" xmlns:dsp="http://schemas.microsoft.com/office/drawing/2008/diagram" xmlns:p="http://schemas.openxmlformats.org/presentationml/2006/main">
+<p:sldMaster xmlns:a="http://schemas.openxmlformats.org/drawingml/2006/main" xmlns:r="http://schemas.openxmlformats.org/officeDocument/2006/relationships" xmlns:p="http://schemas.openxmlformats.org/presentationml/2006/main">
   <p:cSld name="한컴오피스">
     <p:bg>
       <p:bgRef idx="1001">
@@ -3518,7 +3409,7 @@
             <a:spLocks noGrp="1"/>
           </p:cNvSpPr>
           <p:nvPr>
-            <p:ph type="title" idx="0"/>
+            <p:ph type="title"/>
           </p:nvPr>
         </p:nvSpPr>
         <p:spPr>
@@ -3543,7 +3434,6 @@
               <a:rPr lang="ko-KR" altLang="en-US"/>
               <a:t>마스터 제목 스타일 편집</a:t>
             </a:r>
-            <a:endParaRPr lang="ko-KR" altLang="en-US"/>
           </a:p>
         </p:txBody>
       </p:sp>
@@ -3579,7 +3469,6 @@
               <a:rPr lang="ko-KR" altLang="en-US"/>
               <a:t>마스터 텍스트 스타일을 편집합니다</a:t>
             </a:r>
-            <a:endParaRPr lang="ko-KR" altLang="en-US"/>
           </a:p>
           <a:p>
             <a:pPr lvl="1">
@@ -3589,7 +3478,6 @@
               <a:rPr lang="ko-KR" altLang="en-US"/>
               <a:t>둘째 수준</a:t>
             </a:r>
-            <a:endParaRPr lang="ko-KR" altLang="en-US"/>
           </a:p>
           <a:p>
             <a:pPr lvl="2">
@@ -3599,7 +3487,6 @@
               <a:rPr lang="ko-KR" altLang="en-US"/>
               <a:t>셋째 수준</a:t>
             </a:r>
-            <a:endParaRPr lang="ko-KR" altLang="en-US"/>
           </a:p>
           <a:p>
             <a:pPr lvl="3">
@@ -3609,7 +3496,6 @@
               <a:rPr lang="ko-KR" altLang="en-US"/>
               <a:t>넷째 수준</a:t>
             </a:r>
-            <a:endParaRPr lang="ko-KR" altLang="en-US"/>
           </a:p>
           <a:p>
             <a:pPr lvl="4">
@@ -3619,7 +3505,6 @@
               <a:rPr lang="ko-KR" altLang="en-US"/>
               <a:t>다섯째 수준</a:t>
             </a:r>
-            <a:endParaRPr lang="ko-KR" altLang="en-US"/>
           </a:p>
         </p:txBody>
       </p:sp>
@@ -3664,7 +3549,7 @@
               <a:pPr lvl="0">
                 <a:defRPr/>
               </a:pPr>
-              <a:t>2024-07-01</a:t>
+              <a:t>2024-10-27</a:t>
             </a:fld>
             <a:endParaRPr lang="ko-KR" altLang="en-US"/>
           </a:p>
@@ -3706,10 +3591,6 @@
             <a:pPr lvl="0">
               <a:defRPr/>
             </a:pPr>
-            <a:r>
-              <a:rPr lang="ko-KR" altLang="en-US"/>
-              <a:t/>
-            </a:r>
             <a:endParaRPr lang="ko-KR" altLang="en-US"/>
           </a:p>
         </p:txBody>
@@ -3778,7 +3659,7 @@
     <p:sldLayoutId id="2147483671" r:id="rId11"/>
     <p:sldLayoutId id="2147483672" r:id="rId12"/>
   </p:sldLayoutIdLst>
-  <p:transition xmlns:mc="http://schemas.openxmlformats.org/markup-compatibility/2006" xmlns:hp="http://schemas.haansoft.com/office/presentation/8.0" mc:Ignorable="hp" hp:hslDur="500"/>
+  <p:transition/>
   <p:hf sldNum="0" hdr="0" ftr="0" dt="0"/>
   <p:txStyles>
     <p:titleStyle>
@@ -4090,7 +3971,7 @@
 </file>
 
 <file path=ppt/slides/slide1.xml><?xml version="1.0" encoding="utf-8"?>
-<p:sld xmlns:r="http://schemas.openxmlformats.org/officeDocument/2006/relationships" xmlns:c="http://schemas.openxmlformats.org/drawingml/2006/chart" xmlns:a="http://schemas.openxmlformats.org/drawingml/2006/main" xmlns:dgm="http://schemas.openxmlformats.org/drawingml/2006/diagram" xmlns:dsp="http://schemas.microsoft.com/office/drawing/2008/diagram" xmlns:p="http://schemas.openxmlformats.org/presentationml/2006/main">
+<p:sld xmlns:a="http://schemas.openxmlformats.org/drawingml/2006/main" xmlns:r="http://schemas.openxmlformats.org/officeDocument/2006/relationships" xmlns:p="http://schemas.openxmlformats.org/presentationml/2006/main">
   <p:cSld>
     <p:spTree>
       <p:nvGrpSpPr>
@@ -4108,12 +3989,12 @@
       </p:grpSpPr>
       <p:grpSp>
         <p:nvGrpSpPr>
-          <p:cNvPr id="9" name=""/>
+          <p:cNvPr id="9" name="Group 8"/>
           <p:cNvGrpSpPr/>
           <p:nvPr/>
         </p:nvGrpSpPr>
         <p:grpSpPr>
-          <a:xfrm rot="0">
+          <a:xfrm>
             <a:off x="1250281" y="3349835"/>
             <a:ext cx="9555413" cy="2546139"/>
             <a:chOff x="1250281" y="3349835"/>
@@ -4122,7 +4003,7 @@
         </p:grpSpPr>
         <p:sp>
           <p:nvSpPr>
-            <p:cNvPr id="2" name=""/>
+            <p:cNvPr id="2" name="TextBox 1"/>
             <p:cNvSpPr txBox="1"/>
             <p:nvPr/>
           </p:nvSpPr>
@@ -4139,6 +4020,7 @@
             <a:bodyPr wrap="square" lIns="0" tIns="0" rIns="0" bIns="0">
               <a:spAutoFit/>
             </a:bodyPr>
+            <a:lstStyle/>
             <a:p>
               <a:pPr>
                 <a:defRPr/>
@@ -4149,15 +4031,12 @@
                 </a:rPr>
                 <a:t>ESCAPE FROM</a:t>
               </a:r>
-              <a:endParaRPr lang="en-US" altLang="ko-KR" sz="6000">
-                <a:latin typeface="Bahnschrift SemiBold SemiConden"/>
-              </a:endParaRPr>
             </a:p>
           </p:txBody>
         </p:sp>
         <p:sp>
           <p:nvSpPr>
-            <p:cNvPr id="3" name=""/>
+            <p:cNvPr id="3" name="TextBox 2"/>
             <p:cNvSpPr txBox="1"/>
             <p:nvPr/>
           </p:nvSpPr>
@@ -4185,15 +4064,12 @@
                 </a:rPr>
                 <a:t>CHR</a:t>
               </a:r>
-              <a:endParaRPr lang="en-US" altLang="ko-KR" sz="12000">
-                <a:latin typeface="Bahnschrift Light SemiCondensed"/>
-              </a:endParaRPr>
             </a:p>
           </p:txBody>
         </p:sp>
         <p:sp>
           <p:nvSpPr>
-            <p:cNvPr id="4" name=""/>
+            <p:cNvPr id="4" name="TextBox 3"/>
             <p:cNvSpPr txBox="1"/>
             <p:nvPr/>
           </p:nvSpPr>
@@ -4227,15 +4103,12 @@
                 </a:rPr>
                 <a:t>SPACE</a:t>
               </a:r>
-              <a:endParaRPr lang="en-US" altLang="ko-KR" sz="12000" b="1">
-                <a:latin typeface="Bahnschrift SemiBold SemiConden"/>
-              </a:endParaRPr>
             </a:p>
           </p:txBody>
         </p:sp>
         <p:sp>
           <p:nvSpPr>
-            <p:cNvPr id="5" name=""/>
+            <p:cNvPr id="5" name="Circle: Hollow 4"/>
             <p:cNvSpPr/>
             <p:nvPr/>
           </p:nvSpPr>
@@ -4274,6 +4147,7 @@
           </p:style>
           <p:txBody>
             <a:bodyPr anchor="ctr"/>
+            <a:lstStyle/>
             <a:p>
               <a:pPr algn="ctr">
                 <a:defRPr/>
@@ -4284,7 +4158,7 @@
         </p:sp>
         <p:cxnSp>
           <p:nvCxnSpPr>
-            <p:cNvPr id="7" name=""/>
+            <p:cNvPr id="7" name="Straight Connector 6"/>
             <p:cNvCxnSpPr/>
             <p:nvPr/>
           </p:nvCxnSpPr>
@@ -4319,7 +4193,7 @@
         </p:cxnSp>
         <p:cxnSp>
           <p:nvCxnSpPr>
-            <p:cNvPr id="8" name=""/>
+            <p:cNvPr id="8" name="Straight Connector 7"/>
             <p:cNvCxnSpPr/>
             <p:nvPr/>
           </p:nvCxnSpPr>
@@ -4358,11 +4232,11 @@
   <p:clrMapOvr>
     <a:masterClrMapping/>
   </p:clrMapOvr>
-  <mc:AlternateContent xmlns:mc="http://schemas.openxmlformats.org/markup-compatibility/2006">
-    <mc:Choice xmlns:p14="http://schemas.microsoft.com/office/powerpoint/2010/main" Requires="p14">
-      <p:transition xmlns:mc="http://schemas.openxmlformats.org/markup-compatibility/2006" xmlns:p14="http://schemas.microsoft.com/office/powerpoint/2010/main" mc:Ignorable="p14" p14:dur="500"/>
+  <mc:AlternateContent xmlns:mc="http://schemas.openxmlformats.org/markup-compatibility/2006" xmlns:p14="http://schemas.microsoft.com/office/powerpoint/2010/main">
+    <mc:Choice Requires="p14">
+      <p:transition/>
     </mc:Choice>
-    <mc:Fallback>
+    <mc:Fallback xmlns:dsp="http://schemas.microsoft.com/office/drawing/2008/diagram" xmlns:dgm="http://schemas.openxmlformats.org/drawingml/2006/diagram" xmlns:c="http://schemas.openxmlformats.org/drawingml/2006/chart" xmlns="">
       <p:transition/>
     </mc:Fallback>
   </mc:AlternateContent>
@@ -4370,7 +4244,7 @@
 </file>
 
 <file path=ppt/slides/slide2.xml><?xml version="1.0" encoding="utf-8"?>
-<p:sld xmlns:r="http://schemas.openxmlformats.org/officeDocument/2006/relationships" xmlns:c="http://schemas.openxmlformats.org/drawingml/2006/chart" xmlns:a="http://schemas.openxmlformats.org/drawingml/2006/main" xmlns:dgm="http://schemas.openxmlformats.org/drawingml/2006/diagram" xmlns:dsp="http://schemas.microsoft.com/office/drawing/2008/diagram" xmlns:p="http://schemas.openxmlformats.org/presentationml/2006/main">
+<p:sld xmlns:a="http://schemas.openxmlformats.org/drawingml/2006/main" xmlns:r="http://schemas.openxmlformats.org/officeDocument/2006/relationships" xmlns:p="http://schemas.openxmlformats.org/presentationml/2006/main">
   <p:cSld>
     <p:spTree>
       <p:nvGrpSpPr>
@@ -4388,12 +4262,12 @@
       </p:grpSpPr>
       <p:grpSp>
         <p:nvGrpSpPr>
-          <p:cNvPr id="33" name=""/>
+          <p:cNvPr id="33" name="Group 32"/>
           <p:cNvGrpSpPr/>
           <p:nvPr/>
         </p:nvGrpSpPr>
         <p:grpSpPr>
-          <a:xfrm rot="0">
+          <a:xfrm>
             <a:off x="6366472" y="0"/>
             <a:ext cx="5825528" cy="3600450"/>
             <a:chOff x="6366472" y="0"/>
@@ -4402,7 +4276,7 @@
         </p:grpSpPr>
         <p:sp>
           <p:nvSpPr>
-            <p:cNvPr id="21" name=""/>
+            <p:cNvPr id="21" name="Rectangle 20"/>
             <p:cNvSpPr/>
             <p:nvPr/>
           </p:nvSpPr>
@@ -4450,7 +4324,7 @@
         </p:sp>
         <p:pic>
           <p:nvPicPr>
-            <p:cNvPr id="22" name=""/>
+            <p:cNvPr id="22" name="Picture 21"/>
             <p:cNvPicPr/>
             <p:nvPr/>
           </p:nvPicPr>
@@ -4472,7 +4346,7 @@
         </p:pic>
         <p:sp>
           <p:nvSpPr>
-            <p:cNvPr id="23" name=""/>
+            <p:cNvPr id="23" name="Rectangle 22"/>
             <p:cNvSpPr/>
             <p:nvPr/>
           </p:nvSpPr>
@@ -4520,7 +4394,7 @@
         </p:sp>
         <p:sp>
           <p:nvSpPr>
-            <p:cNvPr id="24" name=""/>
+            <p:cNvPr id="24" name="Rectangle 23"/>
             <p:cNvSpPr/>
             <p:nvPr/>
           </p:nvSpPr>
@@ -4570,7 +4444,7 @@
         </p:sp>
         <p:sp>
           <p:nvSpPr>
-            <p:cNvPr id="25" name=""/>
+            <p:cNvPr id="25" name="Rectangle 24"/>
             <p:cNvSpPr/>
             <p:nvPr/>
           </p:nvSpPr>
@@ -4620,7 +4494,7 @@
         </p:sp>
         <p:sp>
           <p:nvSpPr>
-            <p:cNvPr id="26" name=""/>
+            <p:cNvPr id="26" name="Rectangle 25"/>
             <p:cNvSpPr/>
             <p:nvPr/>
           </p:nvSpPr>
@@ -4670,7 +4544,7 @@
         </p:sp>
         <p:sp>
           <p:nvSpPr>
-            <p:cNvPr id="27" name=""/>
+            <p:cNvPr id="27" name="Rectangle 26"/>
             <p:cNvSpPr/>
             <p:nvPr/>
           </p:nvSpPr>
@@ -4720,7 +4594,7 @@
         </p:sp>
         <p:sp>
           <p:nvSpPr>
-            <p:cNvPr id="28" name=""/>
+            <p:cNvPr id="28" name="Rectangle 27"/>
             <p:cNvSpPr/>
             <p:nvPr/>
           </p:nvSpPr>
@@ -4770,7 +4644,7 @@
         </p:sp>
         <p:sp>
           <p:nvSpPr>
-            <p:cNvPr id="29" name=""/>
+            <p:cNvPr id="29" name="Rectangle 28"/>
             <p:cNvSpPr/>
             <p:nvPr/>
           </p:nvSpPr>
@@ -4820,7 +4694,7 @@
         </p:sp>
         <p:sp>
           <p:nvSpPr>
-            <p:cNvPr id="30" name=""/>
+            <p:cNvPr id="30" name="TextBox 29"/>
             <p:cNvSpPr txBox="1"/>
             <p:nvPr/>
           </p:nvSpPr>
@@ -4848,9 +4722,6 @@
                 </a:rPr>
                 <a:t>Universal </a:t>
               </a:r>
-              <a:endParaRPr lang="en-US" altLang="ko-KR" sz="3000">
-                <a:latin typeface="Bahnschrift SemiBold SemiConden"/>
-              </a:endParaRPr>
             </a:p>
             <a:p>
               <a:pPr>
@@ -4874,15 +4745,12 @@
                 </a:rPr>
                 <a:t>CARD</a:t>
               </a:r>
-              <a:endParaRPr lang="en-US" altLang="ko-KR" sz="3000">
-                <a:latin typeface="Bahnschrift SemiBold SemiConden"/>
-              </a:endParaRPr>
             </a:p>
           </p:txBody>
         </p:sp>
         <p:cxnSp>
           <p:nvCxnSpPr>
-            <p:cNvPr id="31" name=""/>
+            <p:cNvPr id="31" name="Straight Connector 30"/>
             <p:cNvCxnSpPr/>
             <p:nvPr/>
           </p:nvCxnSpPr>
@@ -4917,7 +4785,7 @@
         </p:cxnSp>
         <p:sp>
           <p:nvSpPr>
-            <p:cNvPr id="32" name=""/>
+            <p:cNvPr id="32" name="TextBox 31"/>
             <p:cNvSpPr txBox="1"/>
             <p:nvPr/>
           </p:nvSpPr>
@@ -4946,22 +4814,18 @@
                 </a:rPr>
                 <a:t>A10439501</a:t>
               </a:r>
-              <a:endParaRPr lang="en-US" altLang="ko-KR" sz="1500">
-                <a:latin typeface="Arial"/>
-                <a:cs typeface="Arial"/>
-              </a:endParaRPr>
             </a:p>
           </p:txBody>
         </p:sp>
       </p:grpSp>
       <p:grpSp>
         <p:nvGrpSpPr>
-          <p:cNvPr id="49" name=""/>
+          <p:cNvPr id="49" name="Group 48"/>
           <p:cNvGrpSpPr/>
           <p:nvPr/>
         </p:nvGrpSpPr>
         <p:grpSpPr>
-          <a:xfrm rot="0">
+          <a:xfrm>
             <a:off x="6366472" y="3600450"/>
             <a:ext cx="5825528" cy="3600450"/>
             <a:chOff x="6366472" y="3600450"/>
@@ -4970,7 +4834,7 @@
         </p:grpSpPr>
         <p:sp>
           <p:nvSpPr>
-            <p:cNvPr id="35" name=""/>
+            <p:cNvPr id="35" name="Rectangle 34"/>
             <p:cNvSpPr/>
             <p:nvPr/>
           </p:nvSpPr>
@@ -5018,12 +4882,12 @@
         </p:sp>
         <p:pic>
           <p:nvPicPr>
-            <p:cNvPr id="36" name=""/>
+            <p:cNvPr id="36" name="Picture 35"/>
             <p:cNvPicPr/>
             <p:nvPr/>
           </p:nvPicPr>
           <p:blipFill rotWithShape="1">
-            <a:blip r:embed="rId3"/>
+            <a:blip r:embed="rId2"/>
             <a:stretch>
               <a:fillRect/>
             </a:stretch>
@@ -5040,7 +4904,7 @@
         </p:pic>
         <p:sp>
           <p:nvSpPr>
-            <p:cNvPr id="37" name=""/>
+            <p:cNvPr id="37" name="Rectangle 36"/>
             <p:cNvSpPr/>
             <p:nvPr/>
           </p:nvSpPr>
@@ -5088,7 +4952,7 @@
         </p:sp>
         <p:sp>
           <p:nvSpPr>
-            <p:cNvPr id="38" name=""/>
+            <p:cNvPr id="38" name="Rectangle 37"/>
             <p:cNvSpPr/>
             <p:nvPr/>
           </p:nvSpPr>
@@ -5138,7 +5002,7 @@
         </p:sp>
         <p:sp>
           <p:nvSpPr>
-            <p:cNvPr id="39" name=""/>
+            <p:cNvPr id="39" name="Rectangle 38"/>
             <p:cNvSpPr/>
             <p:nvPr/>
           </p:nvSpPr>
@@ -5188,7 +5052,7 @@
         </p:sp>
         <p:sp>
           <p:nvSpPr>
-            <p:cNvPr id="40" name=""/>
+            <p:cNvPr id="40" name="Rectangle 39"/>
             <p:cNvSpPr/>
             <p:nvPr/>
           </p:nvSpPr>
@@ -5238,7 +5102,7 @@
         </p:sp>
         <p:sp>
           <p:nvSpPr>
-            <p:cNvPr id="41" name=""/>
+            <p:cNvPr id="41" name="Rectangle 40"/>
             <p:cNvSpPr/>
             <p:nvPr/>
           </p:nvSpPr>
@@ -5288,7 +5152,7 @@
         </p:sp>
         <p:sp>
           <p:nvSpPr>
-            <p:cNvPr id="42" name=""/>
+            <p:cNvPr id="42" name="Rectangle 41"/>
             <p:cNvSpPr/>
             <p:nvPr/>
           </p:nvSpPr>
@@ -5338,7 +5202,7 @@
         </p:sp>
         <p:sp>
           <p:nvSpPr>
-            <p:cNvPr id="43" name=""/>
+            <p:cNvPr id="43" name="Rectangle 42"/>
             <p:cNvSpPr/>
             <p:nvPr/>
           </p:nvSpPr>
@@ -5388,7 +5252,7 @@
         </p:sp>
         <p:sp>
           <p:nvSpPr>
-            <p:cNvPr id="46" name=""/>
+            <p:cNvPr id="46" name="TextBox 45"/>
             <p:cNvSpPr txBox="1"/>
             <p:nvPr/>
           </p:nvSpPr>
@@ -5419,10 +5283,6 @@
                 </a:rPr>
                 <a:t>Do not share with others.</a:t>
               </a:r>
-              <a:endParaRPr lang="en-US" altLang="ko-KR" sz="1500">
-                <a:latin typeface="Arial"/>
-                <a:cs typeface="Arial"/>
-              </a:endParaRPr>
             </a:p>
             <a:p>
               <a:pPr marL="214200" indent="-214200">
@@ -5437,10 +5297,6 @@
                 </a:rPr>
                 <a:t>Do not miss while using.</a:t>
               </a:r>
-              <a:endParaRPr lang="en-US" altLang="ko-KR" sz="1500">
-                <a:latin typeface="Arial"/>
-                <a:cs typeface="Arial"/>
-              </a:endParaRPr>
             </a:p>
             <a:p>
               <a:pPr marL="214200" indent="-214200">
@@ -5455,10 +5311,6 @@
                 </a:rPr>
                 <a:t>Always check the permission of card.</a:t>
               </a:r>
-              <a:endParaRPr lang="en-US" altLang="ko-KR" sz="1500">
-                <a:latin typeface="Arial"/>
-                <a:cs typeface="Arial"/>
-              </a:endParaRPr>
             </a:p>
             <a:p>
               <a:pPr marL="214200" indent="-214200">
@@ -5499,16 +5351,12 @@
                 </a:rPr>
                 <a:t>ChronoSpace Ltd via mail or office.</a:t>
               </a:r>
-              <a:endParaRPr lang="en-US" altLang="ko-KR" sz="1500">
-                <a:latin typeface="Arial"/>
-                <a:cs typeface="Arial"/>
-              </a:endParaRPr>
             </a:p>
           </p:txBody>
         </p:sp>
         <p:cxnSp>
           <p:nvCxnSpPr>
-            <p:cNvPr id="47" name=""/>
+            <p:cNvPr id="47" name="Straight Connector 46"/>
             <p:cNvCxnSpPr/>
             <p:nvPr/>
           </p:nvCxnSpPr>
@@ -5543,7 +5391,7 @@
         </p:cxnSp>
         <p:sp>
           <p:nvSpPr>
-            <p:cNvPr id="48" name=""/>
+            <p:cNvPr id="48" name="TextBox 47"/>
             <p:cNvSpPr txBox="1"/>
             <p:nvPr/>
           </p:nvSpPr>
@@ -5572,10 +5420,6 @@
                 </a:rPr>
                 <a:t>More info or QnA on</a:t>
               </a:r>
-              <a:endParaRPr lang="en-US" altLang="ko-KR" sz="1500">
-                <a:latin typeface="Arial"/>
-                <a:cs typeface="Arial"/>
-              </a:endParaRPr>
             </a:p>
             <a:p>
               <a:pPr algn="r">
@@ -5607,22 +5451,18 @@
                 </a:rPr>
                 <a:t>chronospace.com</a:t>
               </a:r>
-              <a:endParaRPr lang="en-US" altLang="ko-KR" sz="1500">
-                <a:latin typeface="Arial"/>
-                <a:cs typeface="Arial"/>
-              </a:endParaRPr>
             </a:p>
           </p:txBody>
         </p:sp>
       </p:grpSp>
       <p:grpSp>
         <p:nvGrpSpPr>
-          <p:cNvPr id="80" name=""/>
+          <p:cNvPr id="80" name="Group 79"/>
           <p:cNvGrpSpPr/>
           <p:nvPr/>
         </p:nvGrpSpPr>
         <p:grpSpPr>
-          <a:xfrm rot="0">
+          <a:xfrm>
             <a:off x="0" y="0"/>
             <a:ext cx="4572000" cy="9144000"/>
             <a:chOff x="0" y="0"/>
@@ -5631,7 +5471,7 @@
         </p:grpSpPr>
         <p:sp>
           <p:nvSpPr>
-            <p:cNvPr id="50" name=""/>
+            <p:cNvPr id="50" name="Rectangle 49"/>
             <p:cNvSpPr/>
             <p:nvPr/>
           </p:nvSpPr>
@@ -5668,6 +5508,7 @@
           </p:style>
           <p:txBody>
             <a:bodyPr anchor="ctr"/>
+            <a:lstStyle/>
             <a:p>
               <a:pPr algn="ctr">
                 <a:defRPr/>
@@ -5678,7 +5519,7 @@
         </p:sp>
         <p:sp>
           <p:nvSpPr>
-            <p:cNvPr id="16" name=""/>
+            <p:cNvPr id="16" name="Rectangle 15"/>
             <p:cNvSpPr/>
             <p:nvPr/>
           </p:nvSpPr>
@@ -5715,6 +5556,7 @@
           </p:style>
           <p:txBody>
             <a:bodyPr anchor="ctr"/>
+            <a:lstStyle/>
             <a:p>
               <a:pPr algn="ctr">
                 <a:defRPr/>
@@ -5725,7 +5567,7 @@
         </p:sp>
         <p:sp>
           <p:nvSpPr>
-            <p:cNvPr id="17" name=""/>
+            <p:cNvPr id="17" name="Rectangle 16"/>
             <p:cNvSpPr/>
             <p:nvPr/>
           </p:nvSpPr>
@@ -5775,12 +5617,12 @@
         </p:sp>
         <p:pic>
           <p:nvPicPr>
-            <p:cNvPr id="15" name=""/>
+            <p:cNvPr id="15" name="Picture 14"/>
             <p:cNvPicPr/>
             <p:nvPr/>
           </p:nvPicPr>
           <p:blipFill rotWithShape="1">
-            <a:blip r:embed="rId4"/>
+            <a:blip r:embed="rId2"/>
             <a:stretch>
               <a:fillRect/>
             </a:stretch>
@@ -5797,7 +5639,7 @@
         </p:pic>
         <p:sp>
           <p:nvSpPr>
-            <p:cNvPr id="18" name=""/>
+            <p:cNvPr id="18" name="TextBox 17"/>
             <p:cNvSpPr txBox="1"/>
             <p:nvPr/>
           </p:nvSpPr>
@@ -5814,25 +5656,23 @@
             <a:bodyPr wrap="none" anchor="ctr" anchorCtr="0">
               <a:noAutofit/>
             </a:bodyPr>
+            <a:lstStyle/>
             <a:p>
               <a:pPr algn="ctr">
                 <a:defRPr/>
               </a:pPr>
               <a:r>
-                <a:rPr lang="en-US" altLang="ko-KR" sz="20000">
-                  <a:latin typeface="Segment7"/>
+                <a:rPr lang="en-US" altLang="ko-KR" sz="14000" dirty="0">
+                  <a:latin typeface="DSEG14 Classic" panose="02000503000000000000" pitchFamily="2" charset="0"/>
                 </a:rPr>
                 <a:t>01</a:t>
               </a:r>
-              <a:endParaRPr lang="en-US" altLang="ko-KR" sz="20000">
-                <a:latin typeface="Segment7"/>
-              </a:endParaRPr>
             </a:p>
           </p:txBody>
         </p:sp>
         <p:sp>
           <p:nvSpPr>
-            <p:cNvPr id="19" name=""/>
+            <p:cNvPr id="19" name="TextBox 18"/>
             <p:cNvSpPr txBox="1"/>
             <p:nvPr/>
           </p:nvSpPr>
@@ -5855,30 +5695,22 @@
                 <a:defRPr/>
               </a:pPr>
               <a:r>
-                <a:rPr lang="en-US" altLang="ko-KR" sz="20000">
+                <a:rPr lang="en-US" altLang="ko-KR" sz="14000" dirty="0">
                   <a:solidFill>
                     <a:schemeClr val="tx1">
                       <a:alpha val="10000"/>
                     </a:schemeClr>
                   </a:solidFill>
-                  <a:latin typeface="Segment7"/>
+                  <a:latin typeface="DSEG14 Classic" panose="02000503000000000000" pitchFamily="2" charset="0"/>
                 </a:rPr>
                 <a:t>88</a:t>
               </a:r>
-              <a:endParaRPr lang="en-US" altLang="ko-KR" sz="20000">
-                <a:solidFill>
-                  <a:schemeClr val="tx1">
-                    <a:alpha val="10000"/>
-                  </a:schemeClr>
-                </a:solidFill>
-                <a:latin typeface="Segment7"/>
-              </a:endParaRPr>
             </a:p>
           </p:txBody>
         </p:sp>
         <p:cxnSp>
           <p:nvCxnSpPr>
-            <p:cNvPr id="20" name=""/>
+            <p:cNvPr id="20" name="Straight Connector 19"/>
             <p:cNvCxnSpPr>
               <a:stCxn id="16" idx="1"/>
               <a:endCxn id="16" idx="3"/>
@@ -5917,7 +5749,1114 @@
         </p:cxnSp>
         <p:sp>
           <p:nvSpPr>
-            <p:cNvPr id="51" name=""/>
+            <p:cNvPr id="51" name="TextBox 50"/>
+            <p:cNvSpPr txBox="1"/>
+            <p:nvPr/>
+          </p:nvSpPr>
+          <p:spPr>
+            <a:xfrm>
+              <a:off x="203761" y="565149"/>
+              <a:ext cx="4164478" cy="595597"/>
+            </a:xfrm>
+            <a:prstGeom prst="rect">
+              <a:avLst/>
+            </a:prstGeom>
+          </p:spPr>
+          <p:txBody>
+            <a:bodyPr wrap="square" lIns="72009" tIns="72009" rIns="72009" bIns="72009">
+              <a:spAutoFit/>
+            </a:bodyPr>
+            <a:lstStyle/>
+            <a:p>
+              <a:pPr algn="ctr">
+                <a:defRPr/>
+              </a:pPr>
+              <a:r>
+                <a:rPr lang="en-US" altLang="ko-KR" sz="3000" dirty="0">
+                  <a:latin typeface="Bahnschrift Light SemiCondensed"/>
+                </a:rPr>
+                <a:t>S E C T I</a:t>
+              </a:r>
+              <a:r>
+                <a:rPr lang="ko-KR" altLang="en-US" sz="3000" dirty="0">
+                  <a:latin typeface="Bahnschrift Light SemiCondensed"/>
+                </a:rPr>
+                <a:t> </a:t>
+              </a:r>
+              <a:r>
+                <a:rPr lang="en-US" altLang="ko-KR" sz="3000" dirty="0">
+                  <a:latin typeface="Bahnschrift Light SemiCondensed"/>
+                </a:rPr>
+                <a:t>O N</a:t>
+              </a:r>
+            </a:p>
+          </p:txBody>
+        </p:sp>
+        <p:grpSp>
+          <p:nvGrpSpPr>
+            <p:cNvPr id="63" name="Group 62"/>
+            <p:cNvGrpSpPr/>
+            <p:nvPr/>
+          </p:nvGrpSpPr>
+          <p:grpSpPr>
+            <a:xfrm>
+              <a:off x="866735" y="5400675"/>
+              <a:ext cx="2808011" cy="952521"/>
+              <a:chOff x="866735" y="5400675"/>
+              <a:chExt cx="2808011" cy="952521"/>
+            </a:xfrm>
+          </p:grpSpPr>
+          <p:grpSp>
+            <p:nvGrpSpPr>
+              <p:cNvPr id="54" name="Group 53"/>
+              <p:cNvGrpSpPr/>
+              <p:nvPr/>
+            </p:nvGrpSpPr>
+            <p:grpSpPr>
+              <a:xfrm>
+                <a:off x="866735" y="5400675"/>
+                <a:ext cx="592317" cy="952500"/>
+                <a:chOff x="866735" y="5400675"/>
+                <a:chExt cx="592317" cy="952500"/>
+              </a:xfrm>
+            </p:grpSpPr>
+            <p:sp>
+              <p:nvSpPr>
+                <p:cNvPr id="52" name="Rectangle 51"/>
+                <p:cNvSpPr/>
+                <p:nvPr/>
+              </p:nvSpPr>
+              <p:spPr>
+                <a:xfrm>
+                  <a:off x="866735" y="5400675"/>
+                  <a:ext cx="592317" cy="952500"/>
+                </a:xfrm>
+                <a:prstGeom prst="rect">
+                  <a:avLst/>
+                </a:prstGeom>
+                <a:noFill/>
+                <a:ln w="38100">
+                  <a:solidFill>
+                    <a:srgbClr val="BF61ED"/>
+                  </a:solidFill>
+                </a:ln>
+              </p:spPr>
+              <p:style>
+                <a:lnRef idx="2">
+                  <a:schemeClr val="accent1">
+                    <a:shade val="20000"/>
+                  </a:schemeClr>
+                </a:lnRef>
+                <a:fillRef idx="1">
+                  <a:schemeClr val="accent1"/>
+                </a:fillRef>
+                <a:effectRef idx="0">
+                  <a:schemeClr val="accent1"/>
+                </a:effectRef>
+                <a:fontRef idx="minor">
+                  <a:schemeClr val="lt1"/>
+                </a:fontRef>
+              </p:style>
+              <p:txBody>
+                <a:bodyPr anchor="ctr"/>
+                <a:lstStyle/>
+                <a:p>
+                  <a:pPr algn="ctr">
+                    <a:defRPr/>
+                  </a:pPr>
+                  <a:endParaRPr lang="ko-KR" altLang="en-US"/>
+                </a:p>
+              </p:txBody>
+            </p:sp>
+            <p:cxnSp>
+              <p:nvCxnSpPr>
+                <p:cNvPr id="53" name="Straight Connector 52"/>
+                <p:cNvCxnSpPr/>
+                <p:nvPr/>
+              </p:nvCxnSpPr>
+              <p:spPr>
+                <a:xfrm>
+                  <a:off x="866735" y="5679622"/>
+                  <a:ext cx="592317" cy="0"/>
+                </a:xfrm>
+                <a:prstGeom prst="line">
+                  <a:avLst/>
+                </a:prstGeom>
+                <a:ln w="38100">
+                  <a:solidFill>
+                    <a:srgbClr val="BF61ED"/>
+                  </a:solidFill>
+                  <a:prstDash val="solid"/>
+                </a:ln>
+              </p:spPr>
+              <p:style>
+                <a:lnRef idx="1">
+                  <a:schemeClr val="accent1"/>
+                </a:lnRef>
+                <a:fillRef idx="0">
+                  <a:schemeClr val="accent1"/>
+                </a:fillRef>
+                <a:effectRef idx="0">
+                  <a:schemeClr val="accent1"/>
+                </a:effectRef>
+                <a:fontRef idx="minor">
+                  <a:schemeClr val="tx1"/>
+                </a:fontRef>
+              </p:style>
+            </p:cxnSp>
+          </p:grpSp>
+          <p:grpSp>
+            <p:nvGrpSpPr>
+              <p:cNvPr id="61" name="Group 60"/>
+              <p:cNvGrpSpPr/>
+              <p:nvPr/>
+            </p:nvGrpSpPr>
+            <p:grpSpPr>
+              <a:xfrm>
+                <a:off x="2497322" y="5400696"/>
+                <a:ext cx="1177424" cy="952500"/>
+                <a:chOff x="2497322" y="5400695"/>
+                <a:chExt cx="1177424" cy="952500"/>
+              </a:xfrm>
+            </p:grpSpPr>
+            <p:sp>
+              <p:nvSpPr>
+                <p:cNvPr id="56" name="Rectangle 55"/>
+                <p:cNvSpPr/>
+                <p:nvPr/>
+              </p:nvSpPr>
+              <p:spPr>
+                <a:xfrm>
+                  <a:off x="2497322" y="5400696"/>
+                  <a:ext cx="1177424" cy="952500"/>
+                </a:xfrm>
+                <a:prstGeom prst="rect">
+                  <a:avLst/>
+                </a:prstGeom>
+                <a:noFill/>
+                <a:ln w="38100">
+                  <a:solidFill>
+                    <a:srgbClr val="BF61ED"/>
+                  </a:solidFill>
+                </a:ln>
+              </p:spPr>
+              <p:style>
+                <a:lnRef idx="2">
+                  <a:schemeClr val="accent1">
+                    <a:shade val="20000"/>
+                  </a:schemeClr>
+                </a:lnRef>
+                <a:fillRef idx="1">
+                  <a:schemeClr val="accent1"/>
+                </a:fillRef>
+                <a:effectRef idx="0">
+                  <a:schemeClr val="accent1"/>
+                </a:effectRef>
+                <a:fontRef idx="minor">
+                  <a:schemeClr val="lt1"/>
+                </a:fontRef>
+              </p:style>
+              <p:txBody>
+                <a:bodyPr anchor="ctr"/>
+                <a:lstStyle/>
+                <a:p>
+                  <a:pPr algn="ctr">
+                    <a:defRPr/>
+                  </a:pPr>
+                  <a:endParaRPr lang="ko-KR" altLang="en-US"/>
+                </a:p>
+              </p:txBody>
+            </p:sp>
+            <p:cxnSp>
+              <p:nvCxnSpPr>
+                <p:cNvPr id="57" name="Straight Connector 56"/>
+                <p:cNvCxnSpPr>
+                  <a:stCxn id="56" idx="0"/>
+                  <a:endCxn id="56" idx="2"/>
+                </p:cNvCxnSpPr>
+                <p:nvPr/>
+              </p:nvCxnSpPr>
+              <p:spPr>
+                <a:xfrm rot="16200000" flipH="1">
+                  <a:off x="2609795" y="5876935"/>
+                  <a:ext cx="952479" cy="0"/>
+                </a:xfrm>
+                <a:prstGeom prst="line">
+                  <a:avLst/>
+                </a:prstGeom>
+                <a:ln w="38100">
+                  <a:solidFill>
+                    <a:srgbClr val="BF61ED"/>
+                  </a:solidFill>
+                  <a:prstDash val="sysDot"/>
+                </a:ln>
+              </p:spPr>
+              <p:style>
+                <a:lnRef idx="1">
+                  <a:schemeClr val="accent1"/>
+                </a:lnRef>
+                <a:fillRef idx="0">
+                  <a:schemeClr val="accent1"/>
+                </a:fillRef>
+                <a:effectRef idx="0">
+                  <a:schemeClr val="accent1"/>
+                </a:effectRef>
+                <a:fontRef idx="minor">
+                  <a:schemeClr val="tx1"/>
+                </a:fontRef>
+              </p:style>
+            </p:cxnSp>
+            <p:cxnSp>
+              <p:nvCxnSpPr>
+                <p:cNvPr id="58" name="Straight Connector 57"/>
+                <p:cNvCxnSpPr/>
+                <p:nvPr/>
+              </p:nvCxnSpPr>
+              <p:spPr>
+                <a:xfrm rot="16200000" flipH="1">
+                  <a:off x="2302274" y="5876935"/>
+                  <a:ext cx="952479" cy="0"/>
+                </a:xfrm>
+                <a:prstGeom prst="line">
+                  <a:avLst/>
+                </a:prstGeom>
+                <a:ln w="38100">
+                  <a:solidFill>
+                    <a:srgbClr val="BF61ED"/>
+                  </a:solidFill>
+                  <a:prstDash val="solid"/>
+                </a:ln>
+              </p:spPr>
+              <p:style>
+                <a:lnRef idx="1">
+                  <a:schemeClr val="accent1"/>
+                </a:lnRef>
+                <a:fillRef idx="0">
+                  <a:schemeClr val="accent1"/>
+                </a:fillRef>
+                <a:effectRef idx="0">
+                  <a:schemeClr val="accent1"/>
+                </a:effectRef>
+                <a:fontRef idx="minor">
+                  <a:schemeClr val="tx1"/>
+                </a:fontRef>
+              </p:style>
+            </p:cxnSp>
+            <p:cxnSp>
+              <p:nvCxnSpPr>
+                <p:cNvPr id="59" name="Straight Connector 58"/>
+                <p:cNvCxnSpPr/>
+                <p:nvPr/>
+              </p:nvCxnSpPr>
+              <p:spPr>
+                <a:xfrm rot="16200000" flipH="1">
+                  <a:off x="2917316" y="5876956"/>
+                  <a:ext cx="952479" cy="0"/>
+                </a:xfrm>
+                <a:prstGeom prst="line">
+                  <a:avLst/>
+                </a:prstGeom>
+                <a:ln w="38100">
+                  <a:solidFill>
+                    <a:srgbClr val="BF61ED"/>
+                  </a:solidFill>
+                  <a:prstDash val="solid"/>
+                </a:ln>
+              </p:spPr>
+              <p:style>
+                <a:lnRef idx="1">
+                  <a:schemeClr val="accent1"/>
+                </a:lnRef>
+                <a:fillRef idx="0">
+                  <a:schemeClr val="accent1"/>
+                </a:fillRef>
+                <a:effectRef idx="0">
+                  <a:schemeClr val="accent1"/>
+                </a:effectRef>
+                <a:fontRef idx="minor">
+                  <a:schemeClr val="tx1"/>
+                </a:fontRef>
+              </p:style>
+            </p:cxnSp>
+          </p:grpSp>
+          <p:cxnSp>
+            <p:nvCxnSpPr>
+              <p:cNvPr id="62" name="Straight Arrow Connector 61"/>
+              <p:cNvCxnSpPr/>
+              <p:nvPr/>
+            </p:nvCxnSpPr>
+            <p:spPr>
+              <a:xfrm>
+                <a:off x="1696001" y="5876946"/>
+                <a:ext cx="589049" cy="0"/>
+              </a:xfrm>
+              <a:prstGeom prst="straightConnector1">
+                <a:avLst/>
+              </a:prstGeom>
+              <a:ln w="38100">
+                <a:solidFill>
+                  <a:srgbClr val="BF61ED"/>
+                </a:solidFill>
+                <a:tailEnd type="triangle"/>
+              </a:ln>
+            </p:spPr>
+            <p:style>
+              <a:lnRef idx="1">
+                <a:schemeClr val="accent1"/>
+              </a:lnRef>
+              <a:fillRef idx="0">
+                <a:schemeClr val="accent1"/>
+              </a:fillRef>
+              <a:effectRef idx="0">
+                <a:schemeClr val="accent1"/>
+              </a:effectRef>
+              <a:fontRef idx="minor">
+                <a:schemeClr val="tx1"/>
+              </a:fontRef>
+            </p:style>
+          </p:cxnSp>
+        </p:grpSp>
+        <p:grpSp>
+          <p:nvGrpSpPr>
+            <p:cNvPr id="79" name="Group 78"/>
+            <p:cNvGrpSpPr/>
+            <p:nvPr/>
+          </p:nvGrpSpPr>
+          <p:grpSpPr>
+            <a:xfrm>
+              <a:off x="866735" y="7012482"/>
+              <a:ext cx="2808012" cy="957221"/>
+              <a:chOff x="866735" y="6888657"/>
+              <a:chExt cx="2808012" cy="957221"/>
+            </a:xfrm>
+          </p:grpSpPr>
+          <p:grpSp>
+            <p:nvGrpSpPr>
+              <p:cNvPr id="65" name="Group 64"/>
+              <p:cNvGrpSpPr/>
+              <p:nvPr/>
+            </p:nvGrpSpPr>
+            <p:grpSpPr>
+              <a:xfrm>
+                <a:off x="866735" y="6893378"/>
+                <a:ext cx="592317" cy="952500"/>
+                <a:chOff x="866735" y="5400675"/>
+                <a:chExt cx="592317" cy="952500"/>
+              </a:xfrm>
+            </p:grpSpPr>
+            <p:sp>
+              <p:nvSpPr>
+                <p:cNvPr id="66" name="Rectangle 65"/>
+                <p:cNvSpPr/>
+                <p:nvPr/>
+              </p:nvSpPr>
+              <p:spPr>
+                <a:xfrm>
+                  <a:off x="866735" y="5400675"/>
+                  <a:ext cx="592317" cy="952500"/>
+                </a:xfrm>
+                <a:prstGeom prst="rect">
+                  <a:avLst/>
+                </a:prstGeom>
+                <a:noFill/>
+                <a:ln w="38100" cap="rnd">
+                  <a:solidFill>
+                    <a:srgbClr val="F88E63"/>
+                  </a:solidFill>
+                </a:ln>
+              </p:spPr>
+              <p:style>
+                <a:lnRef idx="2">
+                  <a:schemeClr val="accent1">
+                    <a:shade val="20000"/>
+                  </a:schemeClr>
+                </a:lnRef>
+                <a:fillRef idx="1">
+                  <a:schemeClr val="accent1"/>
+                </a:fillRef>
+                <a:effectRef idx="0">
+                  <a:schemeClr val="accent1"/>
+                </a:effectRef>
+                <a:fontRef idx="minor">
+                  <a:schemeClr val="lt1"/>
+                </a:fontRef>
+              </p:style>
+              <p:txBody>
+                <a:bodyPr anchor="ctr"/>
+                <a:lstStyle/>
+                <a:p>
+                  <a:pPr algn="ctr">
+                    <a:defRPr/>
+                  </a:pPr>
+                  <a:endParaRPr lang="ko-KR" altLang="en-US"/>
+                </a:p>
+              </p:txBody>
+            </p:sp>
+            <p:cxnSp>
+              <p:nvCxnSpPr>
+                <p:cNvPr id="67" name="Straight Connector 66"/>
+                <p:cNvCxnSpPr/>
+                <p:nvPr/>
+              </p:nvCxnSpPr>
+              <p:spPr>
+                <a:xfrm>
+                  <a:off x="866735" y="5679622"/>
+                  <a:ext cx="592317" cy="0"/>
+                </a:xfrm>
+                <a:prstGeom prst="line">
+                  <a:avLst/>
+                </a:prstGeom>
+                <a:ln w="38100" cap="rnd">
+                  <a:solidFill>
+                    <a:srgbClr val="F88E63"/>
+                  </a:solidFill>
+                  <a:prstDash val="solid"/>
+                </a:ln>
+              </p:spPr>
+              <p:style>
+                <a:lnRef idx="1">
+                  <a:schemeClr val="accent1"/>
+                </a:lnRef>
+                <a:fillRef idx="0">
+                  <a:schemeClr val="accent1"/>
+                </a:fillRef>
+                <a:effectRef idx="0">
+                  <a:schemeClr val="accent1"/>
+                </a:effectRef>
+                <a:fontRef idx="minor">
+                  <a:schemeClr val="tx1"/>
+                </a:fontRef>
+              </p:style>
+            </p:cxnSp>
+          </p:grpSp>
+          <p:sp>
+            <p:nvSpPr>
+              <p:cNvPr id="69" name="Free-form: Shape 68"/>
+              <p:cNvSpPr/>
+              <p:nvPr/>
+            </p:nvSpPr>
+            <p:spPr>
+              <a:xfrm>
+                <a:off x="2502085" y="6893399"/>
+                <a:ext cx="1172662" cy="947737"/>
+              </a:xfrm>
+              <a:custGeom>
+                <a:avLst/>
+                <a:gdLst>
+                  <a:gd name="connsiteX0" fmla="*/ -4762 w 1172662"/>
+                  <a:gd name="connsiteY0" fmla="*/ 0 h 947737"/>
+                  <a:gd name="connsiteX1" fmla="*/ 1172662 w 1172662"/>
+                  <a:gd name="connsiteY1" fmla="*/ 0 h 947737"/>
+                  <a:gd name="connsiteX2" fmla="*/ 1172662 w 1172662"/>
+                  <a:gd name="connsiteY2" fmla="*/ 952500 h 947737"/>
+                </a:gdLst>
+                <a:ahLst/>
+                <a:cxnLst>
+                  <a:cxn ang="0">
+                    <a:pos x="connsiteX0" y="connsiteY0"/>
+                  </a:cxn>
+                  <a:cxn ang="0">
+                    <a:pos x="connsiteX1" y="connsiteY1"/>
+                  </a:cxn>
+                  <a:cxn ang="0">
+                    <a:pos x="connsiteX2" y="connsiteY2"/>
+                  </a:cxn>
+                </a:cxnLst>
+                <a:rect l="l" t="t" r="r" b="b"/>
+                <a:pathLst>
+                  <a:path w="1172662" h="947737">
+                    <a:moveTo>
+                      <a:pt x="-4762" y="0"/>
+                    </a:moveTo>
+                    <a:lnTo>
+                      <a:pt x="1172662" y="0"/>
+                    </a:lnTo>
+                    <a:lnTo>
+                      <a:pt x="1172662" y="952500"/>
+                    </a:lnTo>
+                  </a:path>
+                </a:pathLst>
+              </a:custGeom>
+              <a:noFill/>
+              <a:ln w="38100" cap="rnd">
+                <a:solidFill>
+                  <a:srgbClr val="F88E63"/>
+                </a:solidFill>
+              </a:ln>
+            </p:spPr>
+            <p:style>
+              <a:lnRef idx="2">
+                <a:schemeClr val="accent1">
+                  <a:shade val="20000"/>
+                </a:schemeClr>
+              </a:lnRef>
+              <a:fillRef idx="1">
+                <a:schemeClr val="accent1"/>
+              </a:fillRef>
+              <a:effectRef idx="0">
+                <a:schemeClr val="accent1"/>
+              </a:effectRef>
+              <a:fontRef idx="minor">
+                <a:schemeClr val="lt1"/>
+              </a:fontRef>
+            </p:style>
+            <p:txBody>
+              <a:bodyPr anchor="ctr"/>
+              <a:lstStyle/>
+              <a:p>
+                <a:pPr algn="ctr">
+                  <a:defRPr/>
+                </a:pPr>
+                <a:endParaRPr lang="ko-KR" altLang="en-US"/>
+              </a:p>
+            </p:txBody>
+          </p:sp>
+          <p:cxnSp>
+            <p:nvCxnSpPr>
+              <p:cNvPr id="73" name="Straight Arrow Connector 72"/>
+              <p:cNvCxnSpPr/>
+              <p:nvPr/>
+            </p:nvCxnSpPr>
+            <p:spPr>
+              <a:xfrm>
+                <a:off x="1696001" y="7369649"/>
+                <a:ext cx="589049" cy="0"/>
+              </a:xfrm>
+              <a:prstGeom prst="straightConnector1">
+                <a:avLst/>
+              </a:prstGeom>
+              <a:ln w="38100" cap="rnd">
+                <a:solidFill>
+                  <a:srgbClr val="F88E63"/>
+                </a:solidFill>
+                <a:tailEnd type="triangle"/>
+              </a:ln>
+            </p:spPr>
+            <p:style>
+              <a:lnRef idx="1">
+                <a:schemeClr val="accent1"/>
+              </a:lnRef>
+              <a:fillRef idx="0">
+                <a:schemeClr val="accent1"/>
+              </a:fillRef>
+              <a:effectRef idx="0">
+                <a:schemeClr val="accent1"/>
+              </a:effectRef>
+              <a:fontRef idx="minor">
+                <a:schemeClr val="tx1"/>
+              </a:fontRef>
+            </p:style>
+          </p:cxnSp>
+          <p:cxnSp>
+            <p:nvCxnSpPr>
+              <p:cNvPr id="74" name="Straight Connector 73"/>
+              <p:cNvCxnSpPr/>
+              <p:nvPr/>
+            </p:nvCxnSpPr>
+            <p:spPr>
+              <a:xfrm rot="16200000" flipH="1">
+                <a:off x="2408556" y="6982185"/>
+                <a:ext cx="187056" cy="0"/>
+              </a:xfrm>
+              <a:prstGeom prst="line">
+                <a:avLst/>
+              </a:prstGeom>
+              <a:ln w="38100" cap="rnd">
+                <a:solidFill>
+                  <a:srgbClr val="F88E63"/>
+                </a:solidFill>
+                <a:prstDash val="solid"/>
+              </a:ln>
+            </p:spPr>
+            <p:style>
+              <a:lnRef idx="1">
+                <a:schemeClr val="accent1"/>
+              </a:lnRef>
+              <a:fillRef idx="0">
+                <a:schemeClr val="accent1"/>
+              </a:fillRef>
+              <a:effectRef idx="0">
+                <a:schemeClr val="accent1"/>
+              </a:effectRef>
+              <a:fontRef idx="minor">
+                <a:schemeClr val="tx1"/>
+              </a:fontRef>
+            </p:style>
+          </p:cxnSp>
+          <p:cxnSp>
+            <p:nvCxnSpPr>
+              <p:cNvPr id="75" name="Straight Connector 74"/>
+              <p:cNvCxnSpPr/>
+              <p:nvPr/>
+            </p:nvCxnSpPr>
+            <p:spPr>
+              <a:xfrm>
+                <a:off x="2502085" y="7075714"/>
+                <a:ext cx="1172662" cy="0"/>
+              </a:xfrm>
+              <a:prstGeom prst="line">
+                <a:avLst/>
+              </a:prstGeom>
+              <a:ln w="38100" cap="rnd">
+                <a:solidFill>
+                  <a:srgbClr val="F88E63"/>
+                </a:solidFill>
+                <a:prstDash val="solid"/>
+              </a:ln>
+            </p:spPr>
+            <p:style>
+              <a:lnRef idx="1">
+                <a:schemeClr val="accent1"/>
+              </a:lnRef>
+              <a:fillRef idx="0">
+                <a:schemeClr val="accent1"/>
+              </a:fillRef>
+              <a:effectRef idx="0">
+                <a:schemeClr val="accent1"/>
+              </a:effectRef>
+              <a:fontRef idx="minor">
+                <a:schemeClr val="tx1"/>
+              </a:fontRef>
+            </p:style>
+          </p:cxnSp>
+          <p:cxnSp>
+            <p:nvCxnSpPr>
+              <p:cNvPr id="76" name="Straight Connector 75"/>
+              <p:cNvCxnSpPr/>
+              <p:nvPr/>
+            </p:nvCxnSpPr>
+            <p:spPr>
+              <a:xfrm rot="16200000" flipH="1">
+                <a:off x="2408556" y="7747607"/>
+                <a:ext cx="187056" cy="0"/>
+              </a:xfrm>
+              <a:prstGeom prst="line">
+                <a:avLst/>
+              </a:prstGeom>
+              <a:ln w="38100" cap="flat">
+                <a:solidFill>
+                  <a:srgbClr val="F88E63"/>
+                </a:solidFill>
+                <a:prstDash val="sysDash"/>
+              </a:ln>
+            </p:spPr>
+            <p:style>
+              <a:lnRef idx="1">
+                <a:schemeClr val="accent1"/>
+              </a:lnRef>
+              <a:fillRef idx="0">
+                <a:schemeClr val="accent1"/>
+              </a:fillRef>
+              <a:effectRef idx="0">
+                <a:schemeClr val="accent1"/>
+              </a:effectRef>
+              <a:fontRef idx="minor">
+                <a:schemeClr val="tx1"/>
+              </a:fontRef>
+            </p:style>
+          </p:cxnSp>
+          <p:cxnSp>
+            <p:nvCxnSpPr>
+              <p:cNvPr id="77" name="Straight Connector 76"/>
+              <p:cNvCxnSpPr/>
+              <p:nvPr/>
+            </p:nvCxnSpPr>
+            <p:spPr>
+              <a:xfrm>
+                <a:off x="2502084" y="7841135"/>
+                <a:ext cx="1172662" cy="0"/>
+              </a:xfrm>
+              <a:prstGeom prst="line">
+                <a:avLst/>
+              </a:prstGeom>
+              <a:ln w="38100" cap="flat">
+                <a:solidFill>
+                  <a:srgbClr val="F88E63"/>
+                </a:solidFill>
+                <a:prstDash val="sysDash"/>
+              </a:ln>
+            </p:spPr>
+            <p:style>
+              <a:lnRef idx="1">
+                <a:schemeClr val="accent1"/>
+              </a:lnRef>
+              <a:fillRef idx="0">
+                <a:schemeClr val="accent1"/>
+              </a:fillRef>
+              <a:effectRef idx="0">
+                <a:schemeClr val="accent1"/>
+              </a:effectRef>
+              <a:fontRef idx="minor">
+                <a:schemeClr val="tx1"/>
+              </a:fontRef>
+            </p:style>
+          </p:cxnSp>
+          <p:cxnSp>
+            <p:nvCxnSpPr>
+              <p:cNvPr id="78" name="Straight Connector 77"/>
+              <p:cNvCxnSpPr/>
+              <p:nvPr/>
+            </p:nvCxnSpPr>
+            <p:spPr>
+              <a:xfrm>
+                <a:off x="2502085" y="7654078"/>
+                <a:ext cx="1172662" cy="0"/>
+              </a:xfrm>
+              <a:prstGeom prst="line">
+                <a:avLst/>
+              </a:prstGeom>
+              <a:ln w="38100" cap="flat">
+                <a:solidFill>
+                  <a:srgbClr val="F88E63"/>
+                </a:solidFill>
+                <a:prstDash val="sysDash"/>
+              </a:ln>
+            </p:spPr>
+            <p:style>
+              <a:lnRef idx="1">
+                <a:schemeClr val="accent1"/>
+              </a:lnRef>
+              <a:fillRef idx="0">
+                <a:schemeClr val="accent1"/>
+              </a:fillRef>
+              <a:effectRef idx="0">
+                <a:schemeClr val="accent1"/>
+              </a:effectRef>
+              <a:fontRef idx="minor">
+                <a:schemeClr val="tx1"/>
+              </a:fontRef>
+            </p:style>
+          </p:cxnSp>
+        </p:grpSp>
+      </p:grpSp>
+    </p:spTree>
+  </p:cSld>
+  <p:clrMapOvr>
+    <a:masterClrMapping/>
+  </p:clrMapOvr>
+  <mc:AlternateContent xmlns:mc="http://schemas.openxmlformats.org/markup-compatibility/2006" xmlns:p14="http://schemas.microsoft.com/office/powerpoint/2010/main">
+    <mc:Choice Requires="p14">
+      <p:transition/>
+    </mc:Choice>
+    <mc:Fallback xmlns:dsp="http://schemas.microsoft.com/office/drawing/2008/diagram" xmlns:dgm="http://schemas.openxmlformats.org/drawingml/2006/diagram" xmlns:c="http://schemas.openxmlformats.org/drawingml/2006/chart" xmlns="">
+      <p:transition/>
+    </mc:Fallback>
+  </mc:AlternateContent>
+</p:sld>
+</file>
+
+<file path=ppt/slides/slide3.xml><?xml version="1.0" encoding="utf-8"?>
+<p:sld xmlns:a="http://schemas.openxmlformats.org/drawingml/2006/main" xmlns:r="http://schemas.openxmlformats.org/officeDocument/2006/relationships" xmlns:p="http://schemas.openxmlformats.org/presentationml/2006/main">
+  <p:cSld>
+    <p:spTree>
+      <p:nvGrpSpPr>
+        <p:cNvPr id="1" name=""/>
+        <p:cNvGrpSpPr/>
+        <p:nvPr/>
+      </p:nvGrpSpPr>
+      <p:grpSpPr>
+        <a:xfrm>
+          <a:off x="0" y="0"/>
+          <a:ext cx="0" cy="0"/>
+          <a:chOff x="0" y="0"/>
+          <a:chExt cx="0" cy="0"/>
+        </a:xfrm>
+      </p:grpSpPr>
+      <p:grpSp>
+        <p:nvGrpSpPr>
+          <p:cNvPr id="52" name="Group 51"/>
+          <p:cNvGrpSpPr/>
+          <p:nvPr/>
+        </p:nvGrpSpPr>
+        <p:grpSpPr>
+          <a:xfrm>
+            <a:off x="0" y="0"/>
+            <a:ext cx="4572000" cy="9144000"/>
+            <a:chOff x="0" y="0"/>
+            <a:chExt cx="4572000" cy="9144000"/>
+          </a:xfrm>
+        </p:grpSpPr>
+        <p:sp>
+          <p:nvSpPr>
+            <p:cNvPr id="3" name="Rectangle 2"/>
+            <p:cNvSpPr/>
+            <p:nvPr/>
+          </p:nvSpPr>
+          <p:spPr>
+            <a:xfrm>
+              <a:off x="0" y="0"/>
+              <a:ext cx="4572000" cy="9144000"/>
+            </a:xfrm>
+            <a:prstGeom prst="rect">
+              <a:avLst/>
+            </a:prstGeom>
+            <a:solidFill>
+              <a:schemeClr val="lt1"/>
+            </a:solidFill>
+            <a:ln>
+              <a:noFill/>
+            </a:ln>
+          </p:spPr>
+          <p:style>
+            <a:lnRef idx="2">
+              <a:schemeClr val="accent1">
+                <a:shade val="20000"/>
+              </a:schemeClr>
+            </a:lnRef>
+            <a:fillRef idx="1">
+              <a:schemeClr val="accent1"/>
+            </a:fillRef>
+            <a:effectRef idx="0">
+              <a:schemeClr val="accent1"/>
+            </a:effectRef>
+            <a:fontRef idx="minor">
+              <a:schemeClr val="lt1"/>
+            </a:fontRef>
+          </p:style>
+          <p:txBody>
+            <a:bodyPr anchor="ctr"/>
+            <a:lstStyle/>
+            <a:p>
+              <a:pPr algn="ctr">
+                <a:defRPr/>
+              </a:pPr>
+              <a:endParaRPr lang="ko-KR" altLang="en-US"/>
+            </a:p>
+          </p:txBody>
+        </p:sp>
+        <p:sp>
+          <p:nvSpPr>
+            <p:cNvPr id="4" name="Rectangle 3"/>
+            <p:cNvSpPr/>
+            <p:nvPr/>
+          </p:nvSpPr>
+          <p:spPr>
+            <a:xfrm>
+              <a:off x="203761" y="235115"/>
+              <a:ext cx="4164478" cy="8718052"/>
+            </a:xfrm>
+            <a:prstGeom prst="rect">
+              <a:avLst/>
+            </a:prstGeom>
+            <a:noFill/>
+            <a:ln w="38100">
+              <a:solidFill>
+                <a:schemeClr val="dk1"/>
+              </a:solidFill>
+            </a:ln>
+          </p:spPr>
+          <p:style>
+            <a:lnRef idx="2">
+              <a:schemeClr val="accent1">
+                <a:shade val="20000"/>
+              </a:schemeClr>
+            </a:lnRef>
+            <a:fillRef idx="1">
+              <a:schemeClr val="accent1"/>
+            </a:fillRef>
+            <a:effectRef idx="0">
+              <a:schemeClr val="accent1"/>
+            </a:effectRef>
+            <a:fontRef idx="minor">
+              <a:schemeClr val="lt1"/>
+            </a:fontRef>
+          </p:style>
+          <p:txBody>
+            <a:bodyPr anchor="ctr"/>
+            <a:lstStyle/>
+            <a:p>
+              <a:pPr algn="ctr">
+                <a:defRPr/>
+              </a:pPr>
+              <a:endParaRPr lang="ko-KR" altLang="en-US"/>
+            </a:p>
+          </p:txBody>
+        </p:sp>
+        <p:sp>
+          <p:nvSpPr>
+            <p:cNvPr id="5" name="Rectangle 4"/>
+            <p:cNvSpPr/>
+            <p:nvPr/>
+          </p:nvSpPr>
+          <p:spPr>
+            <a:xfrm>
+              <a:off x="182646" y="8652049"/>
+              <a:ext cx="2024331" cy="320168"/>
+            </a:xfrm>
+            <a:prstGeom prst="rect">
+              <a:avLst/>
+            </a:prstGeom>
+            <a:solidFill>
+              <a:schemeClr val="lt1"/>
+            </a:solidFill>
+            <a:ln>
+              <a:solidFill>
+                <a:schemeClr val="lt1"/>
+              </a:solidFill>
+            </a:ln>
+          </p:spPr>
+          <p:style>
+            <a:lnRef idx="2">
+              <a:schemeClr val="accent1">
+                <a:shade val="20000"/>
+              </a:schemeClr>
+            </a:lnRef>
+            <a:fillRef idx="1">
+              <a:schemeClr val="accent1"/>
+            </a:fillRef>
+            <a:effectRef idx="0">
+              <a:schemeClr val="accent1"/>
+            </a:effectRef>
+            <a:fontRef idx="minor">
+              <a:schemeClr val="lt1"/>
+            </a:fontRef>
+          </p:style>
+          <p:txBody>
+            <a:bodyPr anchor="ctr"/>
+            <a:lstStyle/>
+            <a:p>
+              <a:pPr algn="ctr">
+                <a:defRPr/>
+              </a:pPr>
+              <a:endParaRPr lang="ko-KR" altLang="en-US"/>
+            </a:p>
+          </p:txBody>
+        </p:sp>
+        <p:pic>
+          <p:nvPicPr>
+            <p:cNvPr id="6" name="Picture 5"/>
+            <p:cNvPicPr/>
+            <p:nvPr/>
+          </p:nvPicPr>
+          <p:blipFill rotWithShape="1">
+            <a:blip r:embed="rId3"/>
+            <a:stretch>
+              <a:fillRect/>
+            </a:stretch>
+          </p:blipFill>
+          <p:spPr>
+            <a:xfrm>
+              <a:off x="182646" y="8623476"/>
+              <a:ext cx="1960497" cy="377317"/>
+            </a:xfrm>
+            <a:prstGeom prst="rect">
+              <a:avLst/>
+            </a:prstGeom>
+          </p:spPr>
+        </p:pic>
+        <p:sp>
+          <p:nvSpPr>
+            <p:cNvPr id="7" name="TextBox 6"/>
+            <p:cNvSpPr txBox="1"/>
+            <p:nvPr/>
+          </p:nvSpPr>
+          <p:spPr>
+            <a:xfrm>
+              <a:off x="259013" y="1332196"/>
+              <a:ext cx="4109226" cy="2539900"/>
+            </a:xfrm>
+            <a:prstGeom prst="rect">
+              <a:avLst/>
+            </a:prstGeom>
+          </p:spPr>
+          <p:txBody>
+            <a:bodyPr wrap="none" anchor="ctr" anchorCtr="0">
+              <a:noAutofit/>
+            </a:bodyPr>
+            <a:lstStyle/>
+            <a:p>
+              <a:pPr algn="ctr">
+                <a:defRPr/>
+              </a:pPr>
+              <a:r>
+                <a:rPr lang="en-US" altLang="ko-KR" sz="14000" dirty="0">
+                  <a:latin typeface="DSEG14 Classic" panose="02000503000000000000" pitchFamily="2" charset="0"/>
+                </a:rPr>
+                <a:t>02</a:t>
+              </a:r>
+            </a:p>
+          </p:txBody>
+        </p:sp>
+        <p:sp>
+          <p:nvSpPr>
+            <p:cNvPr id="8" name="TextBox 7"/>
+            <p:cNvSpPr txBox="1"/>
+            <p:nvPr/>
+          </p:nvSpPr>
+          <p:spPr>
+            <a:xfrm>
+              <a:off x="203761" y="1332196"/>
+              <a:ext cx="4164478" cy="2539900"/>
+            </a:xfrm>
+            <a:prstGeom prst="rect">
+              <a:avLst/>
+            </a:prstGeom>
+          </p:spPr>
+          <p:txBody>
+            <a:bodyPr wrap="none" anchor="ctr" anchorCtr="0">
+              <a:noAutofit/>
+            </a:bodyPr>
+            <a:lstStyle/>
+            <a:p>
+              <a:pPr algn="ctr">
+                <a:defRPr/>
+              </a:pPr>
+              <a:r>
+                <a:rPr lang="en-US" altLang="ko-KR" sz="14000" dirty="0">
+                  <a:solidFill>
+                    <a:schemeClr val="tx1">
+                      <a:alpha val="10000"/>
+                    </a:schemeClr>
+                  </a:solidFill>
+                  <a:latin typeface="DSEG14 Classic" panose="02000503000000000000" pitchFamily="2" charset="0"/>
+                </a:rPr>
+                <a:t>88</a:t>
+              </a:r>
+            </a:p>
+          </p:txBody>
+        </p:sp>
+        <p:cxnSp>
+          <p:nvCxnSpPr>
+            <p:cNvPr id="9" name="Straight Connector 8"/>
+            <p:cNvCxnSpPr>
+              <a:stCxn id="4" idx="1"/>
+              <a:endCxn id="4" idx="3"/>
+            </p:cNvCxnSpPr>
+            <p:nvPr/>
+          </p:nvCxnSpPr>
+          <p:spPr>
+            <a:xfrm>
+              <a:off x="203761" y="4594141"/>
+              <a:ext cx="4164478" cy="0"/>
+            </a:xfrm>
+            <a:prstGeom prst="line">
+              <a:avLst/>
+            </a:prstGeom>
+            <a:ln w="38100">
+              <a:solidFill>
+                <a:schemeClr val="dk1"/>
+              </a:solidFill>
+              <a:prstDash val="sysDash"/>
+            </a:ln>
+          </p:spPr>
+          <p:style>
+            <a:lnRef idx="1">
+              <a:schemeClr val="accent1"/>
+            </a:lnRef>
+            <a:fillRef idx="0">
+              <a:schemeClr val="accent1"/>
+            </a:fillRef>
+            <a:effectRef idx="0">
+              <a:schemeClr val="accent1"/>
+            </a:effectRef>
+            <a:fontRef idx="minor">
+              <a:schemeClr val="tx1"/>
+            </a:fontRef>
+          </p:style>
+        </p:cxnSp>
+        <p:sp>
+          <p:nvSpPr>
+            <p:cNvPr id="10" name="TextBox 9"/>
             <p:cNvSpPr txBox="1"/>
             <p:nvPr/>
           </p:nvSpPr>
@@ -5957,1139 +6896,17 @@
                 </a:rPr>
                 <a:t>O N</a:t>
               </a:r>
-              <a:endParaRPr lang="en-US" altLang="ko-KR" sz="3000">
-                <a:latin typeface="Bahnschrift Light SemiCondensed"/>
-              </a:endParaRPr>
             </a:p>
           </p:txBody>
         </p:sp>
         <p:grpSp>
           <p:nvGrpSpPr>
-            <p:cNvPr id="63" name=""/>
+            <p:cNvPr id="35" name="Group 34"/>
             <p:cNvGrpSpPr/>
             <p:nvPr/>
           </p:nvGrpSpPr>
           <p:grpSpPr>
-            <a:xfrm rot="0">
-              <a:off x="866735" y="5400675"/>
-              <a:ext cx="2808011" cy="952521"/>
-              <a:chOff x="866735" y="5400675"/>
-              <a:chExt cx="2808011" cy="952521"/>
-            </a:xfrm>
-          </p:grpSpPr>
-          <p:grpSp>
-            <p:nvGrpSpPr>
-              <p:cNvPr id="54" name=""/>
-              <p:cNvGrpSpPr/>
-              <p:nvPr/>
-            </p:nvGrpSpPr>
-            <p:grpSpPr>
-              <a:xfrm rot="0">
-                <a:off x="866735" y="5400675"/>
-                <a:ext cx="592317" cy="952500"/>
-                <a:chOff x="866735" y="5400675"/>
-                <a:chExt cx="592317" cy="952500"/>
-              </a:xfrm>
-            </p:grpSpPr>
-            <p:sp>
-              <p:nvSpPr>
-                <p:cNvPr id="52" name=""/>
-                <p:cNvSpPr/>
-                <p:nvPr/>
-              </p:nvSpPr>
-              <p:spPr>
-                <a:xfrm>
-                  <a:off x="866735" y="5400675"/>
-                  <a:ext cx="592317" cy="952500"/>
-                </a:xfrm>
-                <a:prstGeom prst="rect">
-                  <a:avLst/>
-                </a:prstGeom>
-                <a:noFill/>
-                <a:ln w="38100">
-                  <a:solidFill>
-                    <a:srgbClr val="bf61ed"/>
-                  </a:solidFill>
-                </a:ln>
-              </p:spPr>
-              <p:style>
-                <a:lnRef idx="2">
-                  <a:schemeClr val="accent1">
-                    <a:shade val="20000"/>
-                  </a:schemeClr>
-                </a:lnRef>
-                <a:fillRef idx="1">
-                  <a:schemeClr val="accent1"/>
-                </a:fillRef>
-                <a:effectRef idx="0">
-                  <a:schemeClr val="accent1"/>
-                </a:effectRef>
-                <a:fontRef idx="minor">
-                  <a:schemeClr val="lt1"/>
-                </a:fontRef>
-              </p:style>
-              <p:txBody>
-                <a:bodyPr anchor="ctr"/>
-                <a:p>
-                  <a:pPr algn="ctr">
-                    <a:defRPr/>
-                  </a:pPr>
-                  <a:endParaRPr lang="ko-KR" altLang="en-US"/>
-                </a:p>
-              </p:txBody>
-            </p:sp>
-            <p:cxnSp>
-              <p:nvCxnSpPr>
-                <p:cNvPr id="53" name=""/>
-                <p:cNvCxnSpPr/>
-                <p:nvPr/>
-              </p:nvCxnSpPr>
-              <p:spPr>
-                <a:xfrm>
-                  <a:off x="866735" y="5679622"/>
-                  <a:ext cx="592317" cy="0"/>
-                </a:xfrm>
-                <a:prstGeom prst="line">
-                  <a:avLst/>
-                </a:prstGeom>
-                <a:ln w="38100">
-                  <a:solidFill>
-                    <a:srgbClr val="bf61ed"/>
-                  </a:solidFill>
-                  <a:prstDash val="solid"/>
-                </a:ln>
-              </p:spPr>
-              <p:style>
-                <a:lnRef idx="1">
-                  <a:schemeClr val="accent1"/>
-                </a:lnRef>
-                <a:fillRef idx="0">
-                  <a:schemeClr val="accent1"/>
-                </a:fillRef>
-                <a:effectRef idx="0">
-                  <a:schemeClr val="accent1"/>
-                </a:effectRef>
-                <a:fontRef idx="minor">
-                  <a:schemeClr val="tx1"/>
-                </a:fontRef>
-              </p:style>
-            </p:cxnSp>
-          </p:grpSp>
-          <p:grpSp>
-            <p:nvGrpSpPr>
-              <p:cNvPr id="61" name=""/>
-              <p:cNvGrpSpPr/>
-              <p:nvPr/>
-            </p:nvGrpSpPr>
-            <p:grpSpPr>
-              <a:xfrm rot="0">
-                <a:off x="2497322" y="5400696"/>
-                <a:ext cx="1177424" cy="952500"/>
-                <a:chOff x="2497322" y="5400695"/>
-                <a:chExt cx="1177424" cy="952500"/>
-              </a:xfrm>
-            </p:grpSpPr>
-            <p:sp>
-              <p:nvSpPr>
-                <p:cNvPr id="56" name=""/>
-                <p:cNvSpPr/>
-                <p:nvPr/>
-              </p:nvSpPr>
-              <p:spPr>
-                <a:xfrm>
-                  <a:off x="2497322" y="5400696"/>
-                  <a:ext cx="1177424" cy="952500"/>
-                </a:xfrm>
-                <a:prstGeom prst="rect">
-                  <a:avLst/>
-                </a:prstGeom>
-                <a:noFill/>
-                <a:ln w="38100">
-                  <a:solidFill>
-                    <a:srgbClr val="bf61ed"/>
-                  </a:solidFill>
-                </a:ln>
-              </p:spPr>
-              <p:style>
-                <a:lnRef idx="2">
-                  <a:schemeClr val="accent1">
-                    <a:shade val="20000"/>
-                  </a:schemeClr>
-                </a:lnRef>
-                <a:fillRef idx="1">
-                  <a:schemeClr val="accent1"/>
-                </a:fillRef>
-                <a:effectRef idx="0">
-                  <a:schemeClr val="accent1"/>
-                </a:effectRef>
-                <a:fontRef idx="minor">
-                  <a:schemeClr val="lt1"/>
-                </a:fontRef>
-              </p:style>
-              <p:txBody>
-                <a:bodyPr anchor="ctr"/>
-                <a:lstStyle/>
-                <a:p>
-                  <a:pPr algn="ctr">
-                    <a:defRPr/>
-                  </a:pPr>
-                  <a:endParaRPr lang="ko-KR" altLang="en-US"/>
-                </a:p>
-              </p:txBody>
-            </p:sp>
-            <p:cxnSp>
-              <p:nvCxnSpPr>
-                <p:cNvPr id="57" name=""/>
-                <p:cNvCxnSpPr>
-                  <a:stCxn id="56" idx="0"/>
-                  <a:endCxn id="56" idx="2"/>
-                </p:cNvCxnSpPr>
-                <p:nvPr/>
-              </p:nvCxnSpPr>
-              <p:spPr>
-                <a:xfrm rot="16200000" flipH="1">
-                  <a:off x="2609795" y="5876935"/>
-                  <a:ext cx="952479" cy="0"/>
-                </a:xfrm>
-                <a:prstGeom prst="line">
-                  <a:avLst/>
-                </a:prstGeom>
-                <a:ln w="38100">
-                  <a:solidFill>
-                    <a:srgbClr val="bf61ed"/>
-                  </a:solidFill>
-                  <a:prstDash val="sysDot"/>
-                </a:ln>
-              </p:spPr>
-              <p:style>
-                <a:lnRef idx="1">
-                  <a:schemeClr val="accent1"/>
-                </a:lnRef>
-                <a:fillRef idx="0">
-                  <a:schemeClr val="accent1"/>
-                </a:fillRef>
-                <a:effectRef idx="0">
-                  <a:schemeClr val="accent1"/>
-                </a:effectRef>
-                <a:fontRef idx="minor">
-                  <a:schemeClr val="tx1"/>
-                </a:fontRef>
-              </p:style>
-            </p:cxnSp>
-            <p:cxnSp>
-              <p:nvCxnSpPr>
-                <p:cNvPr id="58" name=""/>
-                <p:cNvCxnSpPr/>
-                <p:nvPr/>
-              </p:nvCxnSpPr>
-              <p:spPr>
-                <a:xfrm rot="16200000" flipH="1">
-                  <a:off x="2302274" y="5876935"/>
-                  <a:ext cx="952479" cy="0"/>
-                </a:xfrm>
-                <a:prstGeom prst="line">
-                  <a:avLst/>
-                </a:prstGeom>
-                <a:ln w="38100">
-                  <a:solidFill>
-                    <a:srgbClr val="bf61ed"/>
-                  </a:solidFill>
-                  <a:prstDash val="solid"/>
-                </a:ln>
-              </p:spPr>
-              <p:style>
-                <a:lnRef idx="1">
-                  <a:schemeClr val="accent1"/>
-                </a:lnRef>
-                <a:fillRef idx="0">
-                  <a:schemeClr val="accent1"/>
-                </a:fillRef>
-                <a:effectRef idx="0">
-                  <a:schemeClr val="accent1"/>
-                </a:effectRef>
-                <a:fontRef idx="minor">
-                  <a:schemeClr val="tx1"/>
-                </a:fontRef>
-              </p:style>
-            </p:cxnSp>
-            <p:cxnSp>
-              <p:nvCxnSpPr>
-                <p:cNvPr id="59" name=""/>
-                <p:cNvCxnSpPr/>
-                <p:nvPr/>
-              </p:nvCxnSpPr>
-              <p:spPr>
-                <a:xfrm rot="16200000" flipH="1">
-                  <a:off x="2917316" y="5876956"/>
-                  <a:ext cx="952479" cy="0"/>
-                </a:xfrm>
-                <a:prstGeom prst="line">
-                  <a:avLst/>
-                </a:prstGeom>
-                <a:ln w="38100">
-                  <a:solidFill>
-                    <a:srgbClr val="bf61ed"/>
-                  </a:solidFill>
-                  <a:prstDash val="solid"/>
-                </a:ln>
-              </p:spPr>
-              <p:style>
-                <a:lnRef idx="1">
-                  <a:schemeClr val="accent1"/>
-                </a:lnRef>
-                <a:fillRef idx="0">
-                  <a:schemeClr val="accent1"/>
-                </a:fillRef>
-                <a:effectRef idx="0">
-                  <a:schemeClr val="accent1"/>
-                </a:effectRef>
-                <a:fontRef idx="minor">
-                  <a:schemeClr val="tx1"/>
-                </a:fontRef>
-              </p:style>
-            </p:cxnSp>
-          </p:grpSp>
-          <p:cxnSp>
-            <p:nvCxnSpPr>
-              <p:cNvPr id="62" name=""/>
-              <p:cNvCxnSpPr/>
-              <p:nvPr/>
-            </p:nvCxnSpPr>
-            <p:spPr>
-              <a:xfrm>
-                <a:off x="1696001" y="5876946"/>
-                <a:ext cx="589049" cy="0"/>
-              </a:xfrm>
-              <a:prstGeom prst="straightConnector1">
-                <a:avLst/>
-              </a:prstGeom>
-              <a:ln w="38100">
-                <a:solidFill>
-                  <a:srgbClr val="bf61ed"/>
-                </a:solidFill>
-                <a:tailEnd type="triangle"/>
-              </a:ln>
-            </p:spPr>
-            <p:style>
-              <a:lnRef idx="1">
-                <a:schemeClr val="accent1"/>
-              </a:lnRef>
-              <a:fillRef idx="0">
-                <a:schemeClr val="accent1"/>
-              </a:fillRef>
-              <a:effectRef idx="0">
-                <a:schemeClr val="accent1"/>
-              </a:effectRef>
-              <a:fontRef idx="minor">
-                <a:schemeClr val="tx1"/>
-              </a:fontRef>
-            </p:style>
-          </p:cxnSp>
-        </p:grpSp>
-        <p:grpSp>
-          <p:nvGrpSpPr>
-            <p:cNvPr id="79" name=""/>
-            <p:cNvGrpSpPr/>
-            <p:nvPr/>
-          </p:nvGrpSpPr>
-          <p:grpSpPr>
-            <a:xfrm rot="0">
-              <a:off x="866735" y="7012482"/>
-              <a:ext cx="2808012" cy="957221"/>
-              <a:chOff x="866735" y="6888657"/>
-              <a:chExt cx="2808012" cy="957221"/>
-            </a:xfrm>
-          </p:grpSpPr>
-          <p:grpSp>
-            <p:nvGrpSpPr>
-              <p:cNvPr id="65" name=""/>
-              <p:cNvGrpSpPr/>
-              <p:nvPr/>
-            </p:nvGrpSpPr>
-            <p:grpSpPr>
-              <a:xfrm rot="0">
-                <a:off x="866735" y="6893378"/>
-                <a:ext cx="592317" cy="952500"/>
-                <a:chOff x="866735" y="5400675"/>
-                <a:chExt cx="592317" cy="952500"/>
-              </a:xfrm>
-            </p:grpSpPr>
-            <p:sp>
-              <p:nvSpPr>
-                <p:cNvPr id="66" name=""/>
-                <p:cNvSpPr/>
-                <p:nvPr/>
-              </p:nvSpPr>
-              <p:spPr>
-                <a:xfrm>
-                  <a:off x="866735" y="5400675"/>
-                  <a:ext cx="592317" cy="952500"/>
-                </a:xfrm>
-                <a:prstGeom prst="rect">
-                  <a:avLst/>
-                </a:prstGeom>
-                <a:noFill/>
-                <a:ln w="38100" cap="rnd">
-                  <a:solidFill>
-                    <a:srgbClr val="f88e63"/>
-                  </a:solidFill>
-                </a:ln>
-              </p:spPr>
-              <p:style>
-                <a:lnRef idx="2">
-                  <a:schemeClr val="accent1">
-                    <a:shade val="20000"/>
-                  </a:schemeClr>
-                </a:lnRef>
-                <a:fillRef idx="1">
-                  <a:schemeClr val="accent1"/>
-                </a:fillRef>
-                <a:effectRef idx="0">
-                  <a:schemeClr val="accent1"/>
-                </a:effectRef>
-                <a:fontRef idx="minor">
-                  <a:schemeClr val="lt1"/>
-                </a:fontRef>
-              </p:style>
-              <p:txBody>
-                <a:bodyPr anchor="ctr"/>
-                <a:lstStyle/>
-                <a:p>
-                  <a:pPr algn="ctr">
-                    <a:defRPr/>
-                  </a:pPr>
-                  <a:endParaRPr lang="ko-KR" altLang="en-US"/>
-                </a:p>
-              </p:txBody>
-            </p:sp>
-            <p:cxnSp>
-              <p:nvCxnSpPr>
-                <p:cNvPr id="67" name=""/>
-                <p:cNvCxnSpPr/>
-                <p:nvPr/>
-              </p:nvCxnSpPr>
-              <p:spPr>
-                <a:xfrm>
-                  <a:off x="866735" y="5679622"/>
-                  <a:ext cx="592317" cy="0"/>
-                </a:xfrm>
-                <a:prstGeom prst="line">
-                  <a:avLst/>
-                </a:prstGeom>
-                <a:ln w="38100" cap="rnd">
-                  <a:solidFill>
-                    <a:srgbClr val="f88e63"/>
-                  </a:solidFill>
-                  <a:prstDash val="solid"/>
-                </a:ln>
-              </p:spPr>
-              <p:style>
-                <a:lnRef idx="1">
-                  <a:schemeClr val="accent1"/>
-                </a:lnRef>
-                <a:fillRef idx="0">
-                  <a:schemeClr val="accent1"/>
-                </a:fillRef>
-                <a:effectRef idx="0">
-                  <a:schemeClr val="accent1"/>
-                </a:effectRef>
-                <a:fontRef idx="minor">
-                  <a:schemeClr val="tx1"/>
-                </a:fontRef>
-              </p:style>
-            </p:cxnSp>
-          </p:grpSp>
-          <p:sp>
-            <p:nvSpPr>
-              <p:cNvPr id="69" name=""/>
-              <p:cNvSpPr/>
-              <p:nvPr/>
-            </p:nvSpPr>
-            <p:spPr>
-              <a:xfrm>
-                <a:off x="2502085" y="6893399"/>
-                <a:ext cx="1172662" cy="947737"/>
-              </a:xfrm>
-              <a:custGeom>
-                <a:avLst/>
-                <a:gdLst>
-                  <a:gd name="connsiteX0" fmla="*/ -4762 w 1172662"/>
-                  <a:gd name="connsiteY0" fmla="*/ 0 h 947737"/>
-                  <a:gd name="connsiteX1" fmla="*/ 1172662 w 1172662"/>
-                  <a:gd name="connsiteY1" fmla="*/ 0 h 947737"/>
-                  <a:gd name="connsiteX2" fmla="*/ 1172662 w 1172662"/>
-                  <a:gd name="connsiteY2" fmla="*/ 952500 h 947737"/>
-                </a:gdLst>
-                <a:cxnLst>
-                  <a:cxn ang="0">
-                    <a:pos x="connsiteX0" y="connsiteY0"/>
-                  </a:cxn>
-                  <a:cxn ang="0">
-                    <a:pos x="connsiteX1" y="connsiteY1"/>
-                  </a:cxn>
-                  <a:cxn ang="0">
-                    <a:pos x="connsiteX2" y="connsiteY2"/>
-                  </a:cxn>
-                </a:cxnLst>
-                <a:rect l="l" t="t" r="r" b="b"/>
-                <a:pathLst>
-                  <a:path w="1172662" h="947737">
-                    <a:moveTo>
-                      <a:pt x="-4762" y="0"/>
-                    </a:moveTo>
-                    <a:lnTo>
-                      <a:pt x="1172662" y="0"/>
-                    </a:lnTo>
-                    <a:lnTo>
-                      <a:pt x="1172662" y="952500"/>
-                    </a:lnTo>
-                  </a:path>
-                </a:pathLst>
-              </a:custGeom>
-              <a:noFill/>
-              <a:ln w="38100" cap="rnd">
-                <a:solidFill>
-                  <a:srgbClr val="f88e63"/>
-                </a:solidFill>
-              </a:ln>
-            </p:spPr>
-            <p:style>
-              <a:lnRef idx="2">
-                <a:schemeClr val="accent1">
-                  <a:shade val="20000"/>
-                </a:schemeClr>
-              </a:lnRef>
-              <a:fillRef idx="1">
-                <a:schemeClr val="accent1"/>
-              </a:fillRef>
-              <a:effectRef idx="0">
-                <a:schemeClr val="accent1"/>
-              </a:effectRef>
-              <a:fontRef idx="minor">
-                <a:schemeClr val="lt1"/>
-              </a:fontRef>
-            </p:style>
-            <p:txBody>
-              <a:bodyPr anchor="ctr"/>
-              <a:lstStyle/>
-              <a:p>
-                <a:pPr algn="ctr">
-                  <a:defRPr/>
-                </a:pPr>
-                <a:endParaRPr lang="ko-KR" altLang="en-US"/>
-              </a:p>
-            </p:txBody>
-          </p:sp>
-          <p:cxnSp>
-            <p:nvCxnSpPr>
-              <p:cNvPr id="73" name=""/>
-              <p:cNvCxnSpPr/>
-              <p:nvPr/>
-            </p:nvCxnSpPr>
-            <p:spPr>
-              <a:xfrm>
-                <a:off x="1696001" y="7369649"/>
-                <a:ext cx="589049" cy="0"/>
-              </a:xfrm>
-              <a:prstGeom prst="straightConnector1">
-                <a:avLst/>
-              </a:prstGeom>
-              <a:ln w="38100" cap="rnd">
-                <a:solidFill>
-                  <a:srgbClr val="f88e63"/>
-                </a:solidFill>
-                <a:tailEnd type="triangle"/>
-              </a:ln>
-            </p:spPr>
-            <p:style>
-              <a:lnRef idx="1">
-                <a:schemeClr val="accent1"/>
-              </a:lnRef>
-              <a:fillRef idx="0">
-                <a:schemeClr val="accent1"/>
-              </a:fillRef>
-              <a:effectRef idx="0">
-                <a:schemeClr val="accent1"/>
-              </a:effectRef>
-              <a:fontRef idx="minor">
-                <a:schemeClr val="tx1"/>
-              </a:fontRef>
-            </p:style>
-          </p:cxnSp>
-          <p:cxnSp>
-            <p:nvCxnSpPr>
-              <p:cNvPr id="74" name=""/>
-              <p:cNvCxnSpPr/>
-              <p:nvPr/>
-            </p:nvCxnSpPr>
-            <p:spPr>
-              <a:xfrm rot="16200000" flipH="1">
-                <a:off x="2408556" y="6982185"/>
-                <a:ext cx="187056" cy="0"/>
-              </a:xfrm>
-              <a:prstGeom prst="line">
-                <a:avLst/>
-              </a:prstGeom>
-              <a:ln w="38100" cap="rnd">
-                <a:solidFill>
-                  <a:srgbClr val="f88e63"/>
-                </a:solidFill>
-                <a:prstDash val="solid"/>
-              </a:ln>
-            </p:spPr>
-            <p:style>
-              <a:lnRef idx="1">
-                <a:schemeClr val="accent1"/>
-              </a:lnRef>
-              <a:fillRef idx="0">
-                <a:schemeClr val="accent1"/>
-              </a:fillRef>
-              <a:effectRef idx="0">
-                <a:schemeClr val="accent1"/>
-              </a:effectRef>
-              <a:fontRef idx="minor">
-                <a:schemeClr val="tx1"/>
-              </a:fontRef>
-            </p:style>
-          </p:cxnSp>
-          <p:cxnSp>
-            <p:nvCxnSpPr>
-              <p:cNvPr id="75" name=""/>
-              <p:cNvCxnSpPr/>
-              <p:nvPr/>
-            </p:nvCxnSpPr>
-            <p:spPr>
-              <a:xfrm>
-                <a:off x="2502085" y="7075714"/>
-                <a:ext cx="1172662" cy="0"/>
-              </a:xfrm>
-              <a:prstGeom prst="line">
-                <a:avLst/>
-              </a:prstGeom>
-              <a:ln w="38100" cap="rnd">
-                <a:solidFill>
-                  <a:srgbClr val="f88e63"/>
-                </a:solidFill>
-                <a:prstDash val="solid"/>
-              </a:ln>
-            </p:spPr>
-            <p:style>
-              <a:lnRef idx="1">
-                <a:schemeClr val="accent1"/>
-              </a:lnRef>
-              <a:fillRef idx="0">
-                <a:schemeClr val="accent1"/>
-              </a:fillRef>
-              <a:effectRef idx="0">
-                <a:schemeClr val="accent1"/>
-              </a:effectRef>
-              <a:fontRef idx="minor">
-                <a:schemeClr val="tx1"/>
-              </a:fontRef>
-            </p:style>
-          </p:cxnSp>
-          <p:cxnSp>
-            <p:nvCxnSpPr>
-              <p:cNvPr id="76" name=""/>
-              <p:cNvCxnSpPr/>
-              <p:nvPr/>
-            </p:nvCxnSpPr>
-            <p:spPr>
-              <a:xfrm rot="16200000" flipH="1">
-                <a:off x="2408556" y="7747607"/>
-                <a:ext cx="187056" cy="0"/>
-              </a:xfrm>
-              <a:prstGeom prst="line">
-                <a:avLst/>
-              </a:prstGeom>
-              <a:ln w="38100" cap="flat">
-                <a:solidFill>
-                  <a:srgbClr val="f88e63"/>
-                </a:solidFill>
-                <a:prstDash val="sysDash"/>
-              </a:ln>
-            </p:spPr>
-            <p:style>
-              <a:lnRef idx="1">
-                <a:schemeClr val="accent1"/>
-              </a:lnRef>
-              <a:fillRef idx="0">
-                <a:schemeClr val="accent1"/>
-              </a:fillRef>
-              <a:effectRef idx="0">
-                <a:schemeClr val="accent1"/>
-              </a:effectRef>
-              <a:fontRef idx="minor">
-                <a:schemeClr val="tx1"/>
-              </a:fontRef>
-            </p:style>
-          </p:cxnSp>
-          <p:cxnSp>
-            <p:nvCxnSpPr>
-              <p:cNvPr id="77" name=""/>
-              <p:cNvCxnSpPr/>
-              <p:nvPr/>
-            </p:nvCxnSpPr>
-            <p:spPr>
-              <a:xfrm>
-                <a:off x="2502084" y="7841135"/>
-                <a:ext cx="1172662" cy="0"/>
-              </a:xfrm>
-              <a:prstGeom prst="line">
-                <a:avLst/>
-              </a:prstGeom>
-              <a:ln w="38100" cap="flat">
-                <a:solidFill>
-                  <a:srgbClr val="f88e63"/>
-                </a:solidFill>
-                <a:prstDash val="sysDash"/>
-              </a:ln>
-            </p:spPr>
-            <p:style>
-              <a:lnRef idx="1">
-                <a:schemeClr val="accent1"/>
-              </a:lnRef>
-              <a:fillRef idx="0">
-                <a:schemeClr val="accent1"/>
-              </a:fillRef>
-              <a:effectRef idx="0">
-                <a:schemeClr val="accent1"/>
-              </a:effectRef>
-              <a:fontRef idx="minor">
-                <a:schemeClr val="tx1"/>
-              </a:fontRef>
-            </p:style>
-          </p:cxnSp>
-          <p:cxnSp>
-            <p:nvCxnSpPr>
-              <p:cNvPr id="78" name=""/>
-              <p:cNvCxnSpPr/>
-              <p:nvPr/>
-            </p:nvCxnSpPr>
-            <p:spPr>
-              <a:xfrm>
-                <a:off x="2502085" y="7654078"/>
-                <a:ext cx="1172662" cy="0"/>
-              </a:xfrm>
-              <a:prstGeom prst="line">
-                <a:avLst/>
-              </a:prstGeom>
-              <a:ln w="38100" cap="flat">
-                <a:solidFill>
-                  <a:srgbClr val="f88e63"/>
-                </a:solidFill>
-                <a:prstDash val="sysDash"/>
-              </a:ln>
-            </p:spPr>
-            <p:style>
-              <a:lnRef idx="1">
-                <a:schemeClr val="accent1"/>
-              </a:lnRef>
-              <a:fillRef idx="0">
-                <a:schemeClr val="accent1"/>
-              </a:fillRef>
-              <a:effectRef idx="0">
-                <a:schemeClr val="accent1"/>
-              </a:effectRef>
-              <a:fontRef idx="minor">
-                <a:schemeClr val="tx1"/>
-              </a:fontRef>
-            </p:style>
-          </p:cxnSp>
-        </p:grpSp>
-      </p:grpSp>
-    </p:spTree>
-  </p:cSld>
-  <p:clrMapOvr>
-    <a:masterClrMapping/>
-  </p:clrMapOvr>
-  <mc:AlternateContent xmlns:mc="http://schemas.openxmlformats.org/markup-compatibility/2006">
-    <mc:Choice xmlns:p14="http://schemas.microsoft.com/office/powerpoint/2010/main" Requires="p14">
-      <p:transition xmlns:mc="http://schemas.openxmlformats.org/markup-compatibility/2006" xmlns:p14="http://schemas.microsoft.com/office/powerpoint/2010/main" mc:Ignorable="p14" p14:dur="500"/>
-    </mc:Choice>
-    <mc:Fallback>
-      <p:transition/>
-    </mc:Fallback>
-  </mc:AlternateContent>
-</p:sld>
-</file>
-
-<file path=ppt/slides/slide3.xml><?xml version="1.0" encoding="utf-8"?>
-<p:sld xmlns:r="http://schemas.openxmlformats.org/officeDocument/2006/relationships" xmlns:c="http://schemas.openxmlformats.org/drawingml/2006/chart" xmlns:a="http://schemas.openxmlformats.org/drawingml/2006/main" xmlns:dgm="http://schemas.openxmlformats.org/drawingml/2006/diagram" xmlns:dsp="http://schemas.microsoft.com/office/drawing/2008/diagram" xmlns:p="http://schemas.openxmlformats.org/presentationml/2006/main">
-  <p:cSld>
-    <p:spTree>
-      <p:nvGrpSpPr>
-        <p:cNvPr id="1" name=""/>
-        <p:cNvGrpSpPr/>
-        <p:nvPr/>
-      </p:nvGrpSpPr>
-      <p:grpSpPr>
-        <a:xfrm>
-          <a:off x="0" y="0"/>
-          <a:ext cx="0" cy="0"/>
-          <a:chOff x="0" y="0"/>
-          <a:chExt cx="0" cy="0"/>
-        </a:xfrm>
-      </p:grpSpPr>
-      <p:grpSp>
-        <p:nvGrpSpPr>
-          <p:cNvPr id="52" name=""/>
-          <p:cNvGrpSpPr/>
-          <p:nvPr/>
-        </p:nvGrpSpPr>
-        <p:grpSpPr>
-          <a:xfrm rot="0">
-            <a:off x="0" y="0"/>
-            <a:ext cx="4572000" cy="9144000"/>
-            <a:chOff x="0" y="0"/>
-            <a:chExt cx="4572000" cy="9144000"/>
-          </a:xfrm>
-        </p:grpSpPr>
-        <p:sp>
-          <p:nvSpPr>
-            <p:cNvPr id="3" name=""/>
-            <p:cNvSpPr/>
-            <p:nvPr/>
-          </p:nvSpPr>
-          <p:spPr>
             <a:xfrm>
-              <a:off x="0" y="0"/>
-              <a:ext cx="4572000" cy="9144000"/>
-            </a:xfrm>
-            <a:prstGeom prst="rect">
-              <a:avLst/>
-            </a:prstGeom>
-            <a:solidFill>
-              <a:schemeClr val="lt1"/>
-            </a:solidFill>
-            <a:ln>
-              <a:noFill/>
-            </a:ln>
-          </p:spPr>
-          <p:style>
-            <a:lnRef idx="2">
-              <a:schemeClr val="accent1">
-                <a:shade val="20000"/>
-              </a:schemeClr>
-            </a:lnRef>
-            <a:fillRef idx="1">
-              <a:schemeClr val="accent1"/>
-            </a:fillRef>
-            <a:effectRef idx="0">
-              <a:schemeClr val="accent1"/>
-            </a:effectRef>
-            <a:fontRef idx="minor">
-              <a:schemeClr val="lt1"/>
-            </a:fontRef>
-          </p:style>
-          <p:txBody>
-            <a:bodyPr anchor="ctr"/>
-            <a:lstStyle/>
-            <a:p>
-              <a:pPr algn="ctr">
-                <a:defRPr/>
-              </a:pPr>
-              <a:endParaRPr lang="ko-KR" altLang="en-US"/>
-            </a:p>
-          </p:txBody>
-        </p:sp>
-        <p:sp>
-          <p:nvSpPr>
-            <p:cNvPr id="4" name=""/>
-            <p:cNvSpPr/>
-            <p:nvPr/>
-          </p:nvSpPr>
-          <p:spPr>
-            <a:xfrm>
-              <a:off x="203761" y="235115"/>
-              <a:ext cx="4164478" cy="8718052"/>
-            </a:xfrm>
-            <a:prstGeom prst="rect">
-              <a:avLst/>
-            </a:prstGeom>
-            <a:noFill/>
-            <a:ln w="38100">
-              <a:solidFill>
-                <a:schemeClr val="dk1"/>
-              </a:solidFill>
-            </a:ln>
-          </p:spPr>
-          <p:style>
-            <a:lnRef idx="2">
-              <a:schemeClr val="accent1">
-                <a:shade val="20000"/>
-              </a:schemeClr>
-            </a:lnRef>
-            <a:fillRef idx="1">
-              <a:schemeClr val="accent1"/>
-            </a:fillRef>
-            <a:effectRef idx="0">
-              <a:schemeClr val="accent1"/>
-            </a:effectRef>
-            <a:fontRef idx="minor">
-              <a:schemeClr val="lt1"/>
-            </a:fontRef>
-          </p:style>
-          <p:txBody>
-            <a:bodyPr anchor="ctr"/>
-            <a:lstStyle/>
-            <a:p>
-              <a:pPr algn="ctr">
-                <a:defRPr/>
-              </a:pPr>
-              <a:endParaRPr lang="ko-KR" altLang="en-US"/>
-            </a:p>
-          </p:txBody>
-        </p:sp>
-        <p:sp>
-          <p:nvSpPr>
-            <p:cNvPr id="5" name=""/>
-            <p:cNvSpPr/>
-            <p:nvPr/>
-          </p:nvSpPr>
-          <p:spPr>
-            <a:xfrm>
-              <a:off x="182646" y="8652049"/>
-              <a:ext cx="2024331" cy="320168"/>
-            </a:xfrm>
-            <a:prstGeom prst="rect">
-              <a:avLst/>
-            </a:prstGeom>
-            <a:solidFill>
-              <a:schemeClr val="lt1"/>
-            </a:solidFill>
-            <a:ln>
-              <a:solidFill>
-                <a:schemeClr val="lt1"/>
-              </a:solidFill>
-            </a:ln>
-          </p:spPr>
-          <p:style>
-            <a:lnRef idx="2">
-              <a:schemeClr val="accent1">
-                <a:shade val="20000"/>
-              </a:schemeClr>
-            </a:lnRef>
-            <a:fillRef idx="1">
-              <a:schemeClr val="accent1"/>
-            </a:fillRef>
-            <a:effectRef idx="0">
-              <a:schemeClr val="accent1"/>
-            </a:effectRef>
-            <a:fontRef idx="minor">
-              <a:schemeClr val="lt1"/>
-            </a:fontRef>
-          </p:style>
-          <p:txBody>
-            <a:bodyPr anchor="ctr"/>
-            <a:lstStyle/>
-            <a:p>
-              <a:pPr algn="ctr">
-                <a:defRPr/>
-              </a:pPr>
-              <a:endParaRPr lang="ko-KR" altLang="en-US"/>
-            </a:p>
-          </p:txBody>
-        </p:sp>
-        <p:pic>
-          <p:nvPicPr>
-            <p:cNvPr id="6" name=""/>
-            <p:cNvPicPr/>
-            <p:nvPr/>
-          </p:nvPicPr>
-          <p:blipFill rotWithShape="1">
-            <a:blip r:embed="rId3"/>
-            <a:stretch>
-              <a:fillRect/>
-            </a:stretch>
-          </p:blipFill>
-          <p:spPr>
-            <a:xfrm>
-              <a:off x="182646" y="8623476"/>
-              <a:ext cx="1960497" cy="377317"/>
-            </a:xfrm>
-            <a:prstGeom prst="rect">
-              <a:avLst/>
-            </a:prstGeom>
-          </p:spPr>
-        </p:pic>
-        <p:sp>
-          <p:nvSpPr>
-            <p:cNvPr id="7" name=""/>
-            <p:cNvSpPr txBox="1"/>
-            <p:nvPr/>
-          </p:nvSpPr>
-          <p:spPr>
-            <a:xfrm>
-              <a:off x="259013" y="1332196"/>
-              <a:ext cx="4109226" cy="2539900"/>
-            </a:xfrm>
-            <a:prstGeom prst="rect">
-              <a:avLst/>
-            </a:prstGeom>
-          </p:spPr>
-          <p:txBody>
-            <a:bodyPr wrap="none" anchor="ctr" anchorCtr="0">
-              <a:noAutofit/>
-            </a:bodyPr>
-            <a:lstStyle/>
-            <a:p>
-              <a:pPr algn="ctr">
-                <a:defRPr/>
-              </a:pPr>
-              <a:r>
-                <a:rPr lang="en-US" altLang="ko-KR" sz="20000">
-                  <a:latin typeface="Segment7"/>
-                </a:rPr>
-                <a:t>02</a:t>
-              </a:r>
-              <a:endParaRPr lang="en-US" altLang="ko-KR" sz="20000">
-                <a:latin typeface="Segment7"/>
-              </a:endParaRPr>
-            </a:p>
-          </p:txBody>
-        </p:sp>
-        <p:sp>
-          <p:nvSpPr>
-            <p:cNvPr id="8" name=""/>
-            <p:cNvSpPr txBox="1"/>
-            <p:nvPr/>
-          </p:nvSpPr>
-          <p:spPr>
-            <a:xfrm>
-              <a:off x="203761" y="1332196"/>
-              <a:ext cx="4164478" cy="2539900"/>
-            </a:xfrm>
-            <a:prstGeom prst="rect">
-              <a:avLst/>
-            </a:prstGeom>
-          </p:spPr>
-          <p:txBody>
-            <a:bodyPr wrap="none" anchor="ctr" anchorCtr="0">
-              <a:noAutofit/>
-            </a:bodyPr>
-            <a:lstStyle/>
-            <a:p>
-              <a:pPr algn="ctr">
-                <a:defRPr/>
-              </a:pPr>
-              <a:r>
-                <a:rPr lang="en-US" altLang="ko-KR" sz="20000">
-                  <a:solidFill>
-                    <a:schemeClr val="tx1">
-                      <a:alpha val="10000"/>
-                    </a:schemeClr>
-                  </a:solidFill>
-                  <a:latin typeface="Segment7"/>
-                </a:rPr>
-                <a:t>88</a:t>
-              </a:r>
-              <a:endParaRPr lang="en-US" altLang="ko-KR" sz="20000">
-                <a:solidFill>
-                  <a:schemeClr val="tx1">
-                    <a:alpha val="10000"/>
-                  </a:schemeClr>
-                </a:solidFill>
-                <a:latin typeface="Segment7"/>
-              </a:endParaRPr>
-            </a:p>
-          </p:txBody>
-        </p:sp>
-        <p:cxnSp>
-          <p:nvCxnSpPr>
-            <p:cNvPr id="9" name=""/>
-            <p:cNvCxnSpPr>
-              <a:stCxn id="4" idx="1"/>
-              <a:endCxn id="4" idx="3"/>
-            </p:cNvCxnSpPr>
-            <p:nvPr/>
-          </p:nvCxnSpPr>
-          <p:spPr>
-            <a:xfrm>
-              <a:off x="203761" y="4594141"/>
-              <a:ext cx="4164478" cy="0"/>
-            </a:xfrm>
-            <a:prstGeom prst="line">
-              <a:avLst/>
-            </a:prstGeom>
-            <a:ln w="38100">
-              <a:solidFill>
-                <a:schemeClr val="dk1"/>
-              </a:solidFill>
-              <a:prstDash val="sysDash"/>
-            </a:ln>
-          </p:spPr>
-          <p:style>
-            <a:lnRef idx="1">
-              <a:schemeClr val="accent1"/>
-            </a:lnRef>
-            <a:fillRef idx="0">
-              <a:schemeClr val="accent1"/>
-            </a:fillRef>
-            <a:effectRef idx="0">
-              <a:schemeClr val="accent1"/>
-            </a:effectRef>
-            <a:fontRef idx="minor">
-              <a:schemeClr val="tx1"/>
-            </a:fontRef>
-          </p:style>
-        </p:cxnSp>
-        <p:sp>
-          <p:nvSpPr>
-            <p:cNvPr id="10" name=""/>
-            <p:cNvSpPr txBox="1"/>
-            <p:nvPr/>
-          </p:nvSpPr>
-          <p:spPr>
-            <a:xfrm>
-              <a:off x="203761" y="565149"/>
-              <a:ext cx="4164478" cy="595597"/>
-            </a:xfrm>
-            <a:prstGeom prst="rect">
-              <a:avLst/>
-            </a:prstGeom>
-          </p:spPr>
-          <p:txBody>
-            <a:bodyPr wrap="square" lIns="72009" tIns="72009" rIns="72009" bIns="72009">
-              <a:spAutoFit/>
-            </a:bodyPr>
-            <a:lstStyle/>
-            <a:p>
-              <a:pPr algn="ctr">
-                <a:defRPr/>
-              </a:pPr>
-              <a:r>
-                <a:rPr lang="en-US" altLang="ko-KR" sz="3000">
-                  <a:latin typeface="Bahnschrift Light SemiCondensed"/>
-                </a:rPr>
-                <a:t>S E C T I</a:t>
-              </a:r>
-              <a:r>
-                <a:rPr lang="ko-KR" altLang="en-US" sz="3000">
-                  <a:latin typeface="Bahnschrift Light SemiCondensed"/>
-                </a:rPr>
-                <a:t> </a:t>
-              </a:r>
-              <a:r>
-                <a:rPr lang="en-US" altLang="ko-KR" sz="3000">
-                  <a:latin typeface="Bahnschrift Light SemiCondensed"/>
-                </a:rPr>
-                <a:t>O N</a:t>
-              </a:r>
-              <a:endParaRPr lang="en-US" altLang="ko-KR" sz="3000">
-                <a:latin typeface="Bahnschrift Light SemiCondensed"/>
-              </a:endParaRPr>
-            </a:p>
-          </p:txBody>
-        </p:sp>
-        <p:grpSp>
-          <p:nvGrpSpPr>
-            <p:cNvPr id="35" name=""/>
-            <p:cNvGrpSpPr/>
-            <p:nvPr/>
-          </p:nvGrpSpPr>
-          <p:grpSpPr>
-            <a:xfrm rot="0">
               <a:off x="721087" y="6395358"/>
               <a:ext cx="3129826" cy="1435552"/>
               <a:chOff x="870857" y="6136821"/>
@@ -7098,7 +6915,7 @@
           </p:grpSpPr>
           <p:cxnSp>
             <p:nvCxnSpPr>
-              <p:cNvPr id="32" name=""/>
+              <p:cNvPr id="32" name="Straight Connector 31"/>
               <p:cNvCxnSpPr/>
               <p:nvPr/>
             </p:nvCxnSpPr>
@@ -7133,7 +6950,7 @@
           </p:cxnSp>
           <p:cxnSp>
             <p:nvCxnSpPr>
-              <p:cNvPr id="33" name=""/>
+              <p:cNvPr id="33" name="Straight Connector 32"/>
               <p:cNvCxnSpPr/>
               <p:nvPr/>
             </p:nvCxnSpPr>
@@ -7168,7 +6985,7 @@
           </p:cxnSp>
           <p:cxnSp>
             <p:nvCxnSpPr>
-              <p:cNvPr id="34" name=""/>
+              <p:cNvPr id="34" name="Straight Connector 33"/>
               <p:cNvCxnSpPr/>
               <p:nvPr/>
             </p:nvCxnSpPr>
@@ -7204,12 +7021,12 @@
         </p:grpSp>
         <p:grpSp>
           <p:nvGrpSpPr>
-            <p:cNvPr id="42" name=""/>
+            <p:cNvPr id="42" name="Group 41"/>
             <p:cNvGrpSpPr/>
             <p:nvPr/>
           </p:nvGrpSpPr>
           <p:grpSpPr>
-            <a:xfrm rot="0">
+            <a:xfrm>
               <a:off x="919266" y="6633482"/>
               <a:ext cx="551089" cy="959303"/>
               <a:chOff x="5684384" y="4408714"/>
@@ -7218,753 +7035,7 @@
           </p:grpSpPr>
           <p:sp>
             <p:nvSpPr>
-              <p:cNvPr id="40" name=""/>
-              <p:cNvSpPr/>
-              <p:nvPr/>
-            </p:nvSpPr>
-            <p:spPr>
-              <a:xfrm>
-                <a:off x="5776232" y="4408714"/>
-                <a:ext cx="367393" cy="367393"/>
-              </a:xfrm>
-              <a:prstGeom prst="ellipse">
-                <a:avLst/>
-              </a:prstGeom>
-              <a:noFill/>
-              <a:ln w="38100" cap="flat">
-                <a:solidFill>
-                  <a:schemeClr val="dk1"/>
-                </a:solidFill>
-                <a:prstDash val="sysDash"/>
-              </a:ln>
-            </p:spPr>
-            <p:style>
-              <a:lnRef idx="2">
-                <a:schemeClr val="accent1">
-                  <a:shade val="20000"/>
-                </a:schemeClr>
-              </a:lnRef>
-              <a:fillRef idx="1">
-                <a:schemeClr val="accent1"/>
-              </a:fillRef>
-              <a:effectRef idx="0">
-                <a:schemeClr val="accent1"/>
-              </a:effectRef>
-              <a:fontRef idx="minor">
-                <a:schemeClr val="lt1"/>
-              </a:fontRef>
-            </p:style>
-            <p:txBody>
-              <a:bodyPr anchor="ctr"/>
-              <a:p>
-                <a:pPr algn="ctr">
-                  <a:defRPr/>
-                </a:pPr>
-                <a:endParaRPr lang="ko-KR" altLang="en-US"/>
-              </a:p>
-            </p:txBody>
-          </p:sp>
-          <p:sp>
-            <p:nvSpPr>
-              <p:cNvPr id="41" name=""/>
-              <p:cNvSpPr/>
-              <p:nvPr/>
-            </p:nvSpPr>
-            <p:spPr>
-              <a:xfrm rot="16200000">
-                <a:off x="5704795" y="4837339"/>
-                <a:ext cx="510268" cy="551089"/>
-              </a:xfrm>
-              <a:prstGeom prst="homePlate">
-                <a:avLst>
-                  <a:gd name="adj" fmla="val 28125"/>
-                </a:avLst>
-              </a:prstGeom>
-              <a:noFill/>
-              <a:ln w="38100" cap="flat">
-                <a:solidFill>
-                  <a:schemeClr val="dk1"/>
-                </a:solidFill>
-                <a:prstDash val="sysDash"/>
-              </a:ln>
-            </p:spPr>
-            <p:style>
-              <a:lnRef idx="2">
-                <a:schemeClr val="accent1">
-                  <a:shade val="20000"/>
-                </a:schemeClr>
-              </a:lnRef>
-              <a:fillRef idx="1">
-                <a:schemeClr val="accent1"/>
-              </a:fillRef>
-              <a:effectRef idx="0">
-                <a:schemeClr val="accent1"/>
-              </a:effectRef>
-              <a:fontRef idx="minor">
-                <a:schemeClr val="lt1"/>
-              </a:fontRef>
-            </p:style>
-            <p:txBody>
-              <a:bodyPr anchor="ctr"/>
-              <a:p>
-                <a:pPr algn="ctr">
-                  <a:defRPr/>
-                </a:pPr>
-                <a:endParaRPr lang="ko-KR" altLang="en-US"/>
-              </a:p>
-            </p:txBody>
-          </p:sp>
-        </p:grpSp>
-        <p:grpSp>
-          <p:nvGrpSpPr>
-            <p:cNvPr id="43" name=""/>
-            <p:cNvGrpSpPr/>
-            <p:nvPr/>
-          </p:nvGrpSpPr>
-          <p:grpSpPr>
-            <a:xfrm rot="0">
-              <a:off x="3138651" y="5221060"/>
-              <a:ext cx="551089" cy="959303"/>
-              <a:chOff x="5684384" y="4408714"/>
-              <a:chExt cx="551089" cy="959303"/>
-            </a:xfrm>
-          </p:grpSpPr>
-          <p:sp>
-            <p:nvSpPr>
-              <p:cNvPr id="44" name=""/>
-              <p:cNvSpPr/>
-              <p:nvPr/>
-            </p:nvSpPr>
-            <p:spPr>
-              <a:xfrm>
-                <a:off x="5776232" y="4408714"/>
-                <a:ext cx="367393" cy="367393"/>
-              </a:xfrm>
-              <a:prstGeom prst="ellipse">
-                <a:avLst/>
-              </a:prstGeom>
-              <a:noFill/>
-              <a:ln w="38100">
-                <a:solidFill>
-                  <a:schemeClr val="dk1"/>
-                </a:solidFill>
-              </a:ln>
-            </p:spPr>
-            <p:style>
-              <a:lnRef idx="2">
-                <a:schemeClr val="accent1">
-                  <a:shade val="20000"/>
-                </a:schemeClr>
-              </a:lnRef>
-              <a:fillRef idx="1">
-                <a:schemeClr val="accent1"/>
-              </a:fillRef>
-              <a:effectRef idx="0">
-                <a:schemeClr val="accent1"/>
-              </a:effectRef>
-              <a:fontRef idx="minor">
-                <a:schemeClr val="lt1"/>
-              </a:fontRef>
-            </p:style>
-            <p:txBody>
-              <a:bodyPr anchor="ctr"/>
-              <a:lstStyle/>
-              <a:p>
-                <a:pPr algn="ctr">
-                  <a:defRPr/>
-                </a:pPr>
-                <a:endParaRPr lang="ko-KR" altLang="en-US"/>
-              </a:p>
-            </p:txBody>
-          </p:sp>
-          <p:sp>
-            <p:nvSpPr>
-              <p:cNvPr id="45" name=""/>
-              <p:cNvSpPr/>
-              <p:nvPr/>
-            </p:nvSpPr>
-            <p:spPr>
-              <a:xfrm rot="16200000">
-                <a:off x="5704795" y="4837339"/>
-                <a:ext cx="510268" cy="551089"/>
-              </a:xfrm>
-              <a:prstGeom prst="homePlate">
-                <a:avLst>
-                  <a:gd name="adj" fmla="val 28125"/>
-                </a:avLst>
-              </a:prstGeom>
-              <a:noFill/>
-              <a:ln w="38100">
-                <a:solidFill>
-                  <a:schemeClr val="dk1"/>
-                </a:solidFill>
-              </a:ln>
-            </p:spPr>
-            <p:style>
-              <a:lnRef idx="2">
-                <a:schemeClr val="accent1">
-                  <a:shade val="20000"/>
-                </a:schemeClr>
-              </a:lnRef>
-              <a:fillRef idx="1">
-                <a:schemeClr val="accent1"/>
-              </a:fillRef>
-              <a:effectRef idx="0">
-                <a:schemeClr val="accent1"/>
-              </a:effectRef>
-              <a:fontRef idx="minor">
-                <a:schemeClr val="lt1"/>
-              </a:fontRef>
-            </p:style>
-            <p:txBody>
-              <a:bodyPr anchor="ctr"/>
-              <a:lstStyle/>
-              <a:p>
-                <a:pPr algn="ctr">
-                  <a:defRPr/>
-                </a:pPr>
-                <a:endParaRPr lang="ko-KR" altLang="en-US"/>
-              </a:p>
-            </p:txBody>
-          </p:sp>
-        </p:grpSp>
-        <p:grpSp>
-          <p:nvGrpSpPr>
-            <p:cNvPr id="49" name=""/>
-            <p:cNvGrpSpPr/>
-            <p:nvPr/>
-          </p:nvGrpSpPr>
-          <p:grpSpPr>
-            <a:xfrm rot="0">
-              <a:off x="1728106" y="7113134"/>
-              <a:ext cx="312964" cy="312964"/>
-              <a:chOff x="1728106" y="7113134"/>
-              <a:chExt cx="312964" cy="312964"/>
-            </a:xfrm>
-          </p:grpSpPr>
-          <p:sp>
-            <p:nvSpPr>
-              <p:cNvPr id="47" name=""/>
-              <p:cNvSpPr/>
-              <p:nvPr/>
-            </p:nvSpPr>
-            <p:spPr>
-              <a:xfrm>
-                <a:off x="1728106" y="7113134"/>
-                <a:ext cx="312964" cy="312964"/>
-              </a:xfrm>
-              <a:prstGeom prst="rect">
-                <a:avLst/>
-              </a:prstGeom>
-              <a:noFill/>
-              <a:ln w="38100">
-                <a:solidFill>
-                  <a:srgbClr val="4dbe2d"/>
-                </a:solidFill>
-              </a:ln>
-            </p:spPr>
-            <p:style>
-              <a:lnRef idx="2">
-                <a:schemeClr val="accent1">
-                  <a:shade val="20000"/>
-                </a:schemeClr>
-              </a:lnRef>
-              <a:fillRef idx="1">
-                <a:schemeClr val="accent1"/>
-              </a:fillRef>
-              <a:effectRef idx="0">
-                <a:schemeClr val="accent1"/>
-              </a:effectRef>
-              <a:fontRef idx="minor">
-                <a:schemeClr val="lt1"/>
-              </a:fontRef>
-            </p:style>
-            <p:txBody>
-              <a:bodyPr anchor="ctr"/>
-              <a:p>
-                <a:pPr algn="ctr">
-                  <a:defRPr/>
-                </a:pPr>
-                <a:endParaRPr lang="ko-KR" altLang="en-US"/>
-              </a:p>
-            </p:txBody>
-          </p:sp>
-          <p:cxnSp>
-            <p:nvCxnSpPr>
-              <p:cNvPr id="48" name=""/>
-              <p:cNvCxnSpPr/>
-              <p:nvPr/>
-            </p:nvCxnSpPr>
-            <p:spPr>
-              <a:xfrm rot="5400000" flipH="1" flipV="1">
-                <a:off x="1738323" y="7123351"/>
-                <a:ext cx="292529" cy="292529"/>
-              </a:xfrm>
-              <a:prstGeom prst="line">
-                <a:avLst/>
-              </a:prstGeom>
-              <a:ln w="38100" cap="rnd">
-                <a:solidFill>
-                  <a:srgbClr val="4dbe2d"/>
-                </a:solidFill>
-              </a:ln>
-            </p:spPr>
-            <p:style>
-              <a:lnRef idx="1">
-                <a:schemeClr val="accent1"/>
-              </a:lnRef>
-              <a:fillRef idx="0">
-                <a:schemeClr val="accent1"/>
-              </a:fillRef>
-              <a:effectRef idx="0">
-                <a:schemeClr val="accent1"/>
-              </a:effectRef>
-              <a:fontRef idx="minor">
-                <a:schemeClr val="tx1"/>
-              </a:fontRef>
-            </p:style>
-          </p:cxnSp>
-        </p:grpSp>
-        <p:cxnSp>
-          <p:nvCxnSpPr>
-            <p:cNvPr id="50" name=""/>
-            <p:cNvCxnSpPr/>
-            <p:nvPr/>
-          </p:nvCxnSpPr>
-          <p:spPr>
-            <a:xfrm rot="5400000" flipH="1" flipV="1">
-              <a:off x="1413509" y="5725302"/>
-              <a:ext cx="670051" cy="670050"/>
-            </a:xfrm>
-            <a:prstGeom prst="line">
-              <a:avLst/>
-            </a:prstGeom>
-            <a:ln w="38100" cap="rnd">
-              <a:solidFill>
-                <a:schemeClr val="dk1"/>
-              </a:solidFill>
-            </a:ln>
-          </p:spPr>
-          <p:style>
-            <a:lnRef idx="1">
-              <a:schemeClr val="accent1"/>
-            </a:lnRef>
-            <a:fillRef idx="0">
-              <a:schemeClr val="accent1"/>
-            </a:fillRef>
-            <a:effectRef idx="0">
-              <a:schemeClr val="accent1"/>
-            </a:effectRef>
-            <a:fontRef idx="minor">
-              <a:schemeClr val="tx1"/>
-            </a:fontRef>
-          </p:style>
-        </p:cxnSp>
-        <p:cxnSp>
-          <p:nvCxnSpPr>
-            <p:cNvPr id="51" name=""/>
-            <p:cNvCxnSpPr/>
-            <p:nvPr/>
-          </p:nvCxnSpPr>
-          <p:spPr>
-            <a:xfrm>
-              <a:off x="2083560" y="5725302"/>
-              <a:ext cx="681187" cy="0"/>
-            </a:xfrm>
-            <a:prstGeom prst="line">
-              <a:avLst/>
-            </a:prstGeom>
-            <a:ln w="38100" cap="rnd">
-              <a:solidFill>
-                <a:schemeClr val="dk1"/>
-              </a:solidFill>
-              <a:tailEnd type="triangle" w="med" len="sm"/>
-            </a:ln>
-          </p:spPr>
-          <p:style>
-            <a:lnRef idx="1">
-              <a:schemeClr val="accent1"/>
-            </a:lnRef>
-            <a:fillRef idx="0">
-              <a:schemeClr val="accent1"/>
-            </a:fillRef>
-            <a:effectRef idx="0">
-              <a:schemeClr val="accent1"/>
-            </a:effectRef>
-            <a:fontRef idx="minor">
-              <a:schemeClr val="tx1"/>
-            </a:fontRef>
-          </p:style>
-        </p:cxnSp>
-      </p:grpSp>
-      <p:grpSp>
-        <p:nvGrpSpPr>
-          <p:cNvPr id="93" name=""/>
-          <p:cNvGrpSpPr/>
-          <p:nvPr/>
-        </p:nvGrpSpPr>
-        <p:grpSpPr>
-          <a:xfrm rot="0">
-            <a:off x="4572000" y="0"/>
-            <a:ext cx="4572000" cy="9144000"/>
-            <a:chOff x="4572000" y="0"/>
-            <a:chExt cx="4572000" cy="9144000"/>
-          </a:xfrm>
-        </p:grpSpPr>
-        <p:sp>
-          <p:nvSpPr>
-            <p:cNvPr id="54" name=""/>
-            <p:cNvSpPr/>
-            <p:nvPr/>
-          </p:nvSpPr>
-          <p:spPr>
-            <a:xfrm>
-              <a:off x="4572000" y="0"/>
-              <a:ext cx="4572000" cy="9144000"/>
-            </a:xfrm>
-            <a:prstGeom prst="rect">
-              <a:avLst/>
-            </a:prstGeom>
-            <a:solidFill>
-              <a:schemeClr val="lt1"/>
-            </a:solidFill>
-            <a:ln>
-              <a:noFill/>
-            </a:ln>
-          </p:spPr>
-          <p:style>
-            <a:lnRef idx="2">
-              <a:schemeClr val="accent1">
-                <a:shade val="20000"/>
-              </a:schemeClr>
-            </a:lnRef>
-            <a:fillRef idx="1">
-              <a:schemeClr val="accent1"/>
-            </a:fillRef>
-            <a:effectRef idx="0">
-              <a:schemeClr val="accent1"/>
-            </a:effectRef>
-            <a:fontRef idx="minor">
-              <a:schemeClr val="lt1"/>
-            </a:fontRef>
-          </p:style>
-          <p:txBody>
-            <a:bodyPr anchor="ctr"/>
-            <a:lstStyle/>
-            <a:p>
-              <a:pPr algn="ctr">
-                <a:defRPr/>
-              </a:pPr>
-              <a:endParaRPr lang="ko-KR" altLang="en-US"/>
-            </a:p>
-          </p:txBody>
-        </p:sp>
-        <p:sp>
-          <p:nvSpPr>
-            <p:cNvPr id="55" name=""/>
-            <p:cNvSpPr/>
-            <p:nvPr/>
-          </p:nvSpPr>
-          <p:spPr>
-            <a:xfrm>
-              <a:off x="4775761" y="235115"/>
-              <a:ext cx="4164478" cy="8718052"/>
-            </a:xfrm>
-            <a:prstGeom prst="rect">
-              <a:avLst/>
-            </a:prstGeom>
-            <a:noFill/>
-            <a:ln w="38100">
-              <a:solidFill>
-                <a:schemeClr val="dk1"/>
-              </a:solidFill>
-            </a:ln>
-          </p:spPr>
-          <p:style>
-            <a:lnRef idx="2">
-              <a:schemeClr val="accent1">
-                <a:shade val="20000"/>
-              </a:schemeClr>
-            </a:lnRef>
-            <a:fillRef idx="1">
-              <a:schemeClr val="accent1"/>
-            </a:fillRef>
-            <a:effectRef idx="0">
-              <a:schemeClr val="accent1"/>
-            </a:effectRef>
-            <a:fontRef idx="minor">
-              <a:schemeClr val="lt1"/>
-            </a:fontRef>
-          </p:style>
-          <p:txBody>
-            <a:bodyPr anchor="ctr"/>
-            <a:lstStyle/>
-            <a:p>
-              <a:pPr algn="ctr">
-                <a:defRPr/>
-              </a:pPr>
-              <a:endParaRPr lang="ko-KR" altLang="en-US"/>
-            </a:p>
-          </p:txBody>
-        </p:sp>
-        <p:sp>
-          <p:nvSpPr>
-            <p:cNvPr id="56" name=""/>
-            <p:cNvSpPr/>
-            <p:nvPr/>
-          </p:nvSpPr>
-          <p:spPr>
-            <a:xfrm>
-              <a:off x="4754646" y="8652049"/>
-              <a:ext cx="2024331" cy="320168"/>
-            </a:xfrm>
-            <a:prstGeom prst="rect">
-              <a:avLst/>
-            </a:prstGeom>
-            <a:solidFill>
-              <a:schemeClr val="lt1"/>
-            </a:solidFill>
-            <a:ln>
-              <a:solidFill>
-                <a:schemeClr val="lt1"/>
-              </a:solidFill>
-            </a:ln>
-          </p:spPr>
-          <p:style>
-            <a:lnRef idx="2">
-              <a:schemeClr val="accent1">
-                <a:shade val="20000"/>
-              </a:schemeClr>
-            </a:lnRef>
-            <a:fillRef idx="1">
-              <a:schemeClr val="accent1"/>
-            </a:fillRef>
-            <a:effectRef idx="0">
-              <a:schemeClr val="accent1"/>
-            </a:effectRef>
-            <a:fontRef idx="minor">
-              <a:schemeClr val="lt1"/>
-            </a:fontRef>
-          </p:style>
-          <p:txBody>
-            <a:bodyPr anchor="ctr"/>
-            <a:lstStyle/>
-            <a:p>
-              <a:pPr algn="ctr">
-                <a:defRPr/>
-              </a:pPr>
-              <a:endParaRPr lang="ko-KR" altLang="en-US"/>
-            </a:p>
-          </p:txBody>
-        </p:sp>
-        <p:pic>
-          <p:nvPicPr>
-            <p:cNvPr id="57" name=""/>
-            <p:cNvPicPr/>
-            <p:nvPr/>
-          </p:nvPicPr>
-          <p:blipFill rotWithShape="1">
-            <a:blip r:embed="rId4"/>
-            <a:stretch>
-              <a:fillRect/>
-            </a:stretch>
-          </p:blipFill>
-          <p:spPr>
-            <a:xfrm>
-              <a:off x="4754646" y="8623476"/>
-              <a:ext cx="1960497" cy="377317"/>
-            </a:xfrm>
-            <a:prstGeom prst="rect">
-              <a:avLst/>
-            </a:prstGeom>
-          </p:spPr>
-        </p:pic>
-        <p:sp>
-          <p:nvSpPr>
-            <p:cNvPr id="58" name=""/>
-            <p:cNvSpPr txBox="1"/>
-            <p:nvPr/>
-          </p:nvSpPr>
-          <p:spPr>
-            <a:xfrm>
-              <a:off x="4831013" y="1332196"/>
-              <a:ext cx="4109226" cy="2539900"/>
-            </a:xfrm>
-            <a:prstGeom prst="rect">
-              <a:avLst/>
-            </a:prstGeom>
-          </p:spPr>
-          <p:txBody>
-            <a:bodyPr wrap="none" anchor="ctr" anchorCtr="0">
-              <a:noAutofit/>
-            </a:bodyPr>
-            <a:lstStyle/>
-            <a:p>
-              <a:pPr algn="ctr">
-                <a:defRPr/>
-              </a:pPr>
-              <a:r>
-                <a:rPr lang="en-US" altLang="ko-KR" sz="20000">
-                  <a:latin typeface="Segment7"/>
-                </a:rPr>
-                <a:t>03</a:t>
-              </a:r>
-              <a:endParaRPr lang="en-US" altLang="ko-KR" sz="20000">
-                <a:latin typeface="Segment7"/>
-              </a:endParaRPr>
-            </a:p>
-          </p:txBody>
-        </p:sp>
-        <p:sp>
-          <p:nvSpPr>
-            <p:cNvPr id="59" name=""/>
-            <p:cNvSpPr txBox="1"/>
-            <p:nvPr/>
-          </p:nvSpPr>
-          <p:spPr>
-            <a:xfrm>
-              <a:off x="4775761" y="1332196"/>
-              <a:ext cx="4164478" cy="2539900"/>
-            </a:xfrm>
-            <a:prstGeom prst="rect">
-              <a:avLst/>
-            </a:prstGeom>
-          </p:spPr>
-          <p:txBody>
-            <a:bodyPr wrap="none" anchor="ctr" anchorCtr="0">
-              <a:noAutofit/>
-            </a:bodyPr>
-            <a:lstStyle/>
-            <a:p>
-              <a:pPr algn="ctr">
-                <a:defRPr/>
-              </a:pPr>
-              <a:r>
-                <a:rPr lang="en-US" altLang="ko-KR" sz="20000">
-                  <a:solidFill>
-                    <a:schemeClr val="tx1">
-                      <a:alpha val="10000"/>
-                    </a:schemeClr>
-                  </a:solidFill>
-                  <a:latin typeface="Segment7"/>
-                </a:rPr>
-                <a:t>88</a:t>
-              </a:r>
-              <a:endParaRPr lang="en-US" altLang="ko-KR" sz="20000">
-                <a:solidFill>
-                  <a:schemeClr val="tx1">
-                    <a:alpha val="10000"/>
-                  </a:schemeClr>
-                </a:solidFill>
-                <a:latin typeface="Segment7"/>
-              </a:endParaRPr>
-            </a:p>
-          </p:txBody>
-        </p:sp>
-        <p:cxnSp>
-          <p:nvCxnSpPr>
-            <p:cNvPr id="60" name=""/>
-            <p:cNvCxnSpPr>
-              <a:stCxn id="55" idx="1"/>
-              <a:endCxn id="55" idx="3"/>
-            </p:cNvCxnSpPr>
-            <p:nvPr/>
-          </p:nvCxnSpPr>
-          <p:spPr>
-            <a:xfrm>
-              <a:off x="4775761" y="4594141"/>
-              <a:ext cx="4164478" cy="0"/>
-            </a:xfrm>
-            <a:prstGeom prst="line">
-              <a:avLst/>
-            </a:prstGeom>
-            <a:ln w="38100">
-              <a:solidFill>
-                <a:schemeClr val="dk1"/>
-              </a:solidFill>
-              <a:prstDash val="sysDash"/>
-            </a:ln>
-          </p:spPr>
-          <p:style>
-            <a:lnRef idx="1">
-              <a:schemeClr val="accent1"/>
-            </a:lnRef>
-            <a:fillRef idx="0">
-              <a:schemeClr val="accent1"/>
-            </a:fillRef>
-            <a:effectRef idx="0">
-              <a:schemeClr val="accent1"/>
-            </a:effectRef>
-            <a:fontRef idx="minor">
-              <a:schemeClr val="tx1"/>
-            </a:fontRef>
-          </p:style>
-        </p:cxnSp>
-        <p:sp>
-          <p:nvSpPr>
-            <p:cNvPr id="61" name=""/>
-            <p:cNvSpPr txBox="1"/>
-            <p:nvPr/>
-          </p:nvSpPr>
-          <p:spPr>
-            <a:xfrm>
-              <a:off x="4775761" y="565149"/>
-              <a:ext cx="4164478" cy="595597"/>
-            </a:xfrm>
-            <a:prstGeom prst="rect">
-              <a:avLst/>
-            </a:prstGeom>
-          </p:spPr>
-          <p:txBody>
-            <a:bodyPr wrap="square" lIns="72009" tIns="72009" rIns="72009" bIns="72009">
-              <a:spAutoFit/>
-            </a:bodyPr>
-            <a:lstStyle/>
-            <a:p>
-              <a:pPr algn="ctr">
-                <a:defRPr/>
-              </a:pPr>
-              <a:r>
-                <a:rPr lang="en-US" altLang="ko-KR" sz="3000">
-                  <a:latin typeface="Bahnschrift Light SemiCondensed"/>
-                </a:rPr>
-                <a:t>S E C T I</a:t>
-              </a:r>
-              <a:r>
-                <a:rPr lang="ko-KR" altLang="en-US" sz="3000">
-                  <a:latin typeface="Bahnschrift Light SemiCondensed"/>
-                </a:rPr>
-                <a:t> </a:t>
-              </a:r>
-              <a:r>
-                <a:rPr lang="en-US" altLang="ko-KR" sz="3000">
-                  <a:latin typeface="Bahnschrift Light SemiCondensed"/>
-                </a:rPr>
-                <a:t>O N</a:t>
-              </a:r>
-              <a:endParaRPr lang="en-US" altLang="ko-KR" sz="3000">
-                <a:latin typeface="Bahnschrift Light SemiCondensed"/>
-              </a:endParaRPr>
-            </a:p>
-          </p:txBody>
-        </p:sp>
-        <p:grpSp>
-          <p:nvGrpSpPr>
-            <p:cNvPr id="66" name=""/>
-            <p:cNvGrpSpPr/>
-            <p:nvPr/>
-          </p:nvGrpSpPr>
-          <p:grpSpPr>
-            <a:xfrm rot="0">
-              <a:off x="5491267" y="6900182"/>
-              <a:ext cx="551089" cy="959303"/>
-              <a:chOff x="5684384" y="4408714"/>
-              <a:chExt cx="551089" cy="959303"/>
-            </a:xfrm>
-          </p:grpSpPr>
-          <p:sp>
-            <p:nvSpPr>
-              <p:cNvPr id="67" name=""/>
+              <p:cNvPr id="40" name="Oval 39"/>
               <p:cNvSpPr/>
               <p:nvPr/>
             </p:nvSpPr>
@@ -8013,7 +7084,7 @@
           </p:sp>
           <p:sp>
             <p:nvSpPr>
-              <p:cNvPr id="68" name=""/>
+              <p:cNvPr id="41" name="Arrow: Pentagon 40"/>
               <p:cNvSpPr/>
               <p:nvPr/>
             </p:nvSpPr>
@@ -8065,13 +7136,13 @@
         </p:grpSp>
         <p:grpSp>
           <p:nvGrpSpPr>
-            <p:cNvPr id="69" name=""/>
+            <p:cNvPr id="43" name="Group 42"/>
             <p:cNvGrpSpPr/>
             <p:nvPr/>
           </p:nvGrpSpPr>
           <p:grpSpPr>
-            <a:xfrm rot="0">
-              <a:off x="7681343" y="6900182"/>
+            <a:xfrm>
+              <a:off x="3138651" y="5221060"/>
               <a:ext cx="551089" cy="959303"/>
               <a:chOff x="5684384" y="4408714"/>
               <a:chExt cx="551089" cy="959303"/>
@@ -8079,7 +7150,7 @@
           </p:grpSpPr>
           <p:sp>
             <p:nvSpPr>
-              <p:cNvPr id="70" name=""/>
+              <p:cNvPr id="44" name="Oval 43"/>
               <p:cNvSpPr/>
               <p:nvPr/>
             </p:nvSpPr>
@@ -8127,7 +7198,7 @@
           </p:sp>
           <p:sp>
             <p:nvSpPr>
-              <p:cNvPr id="71" name=""/>
+              <p:cNvPr id="45" name="Arrow: Pentagon 44"/>
               <p:cNvSpPr/>
               <p:nvPr/>
             </p:nvSpPr>
@@ -8176,74 +7247,38 @@
             </p:txBody>
           </p:sp>
         </p:grpSp>
-        <p:cxnSp>
-          <p:nvCxnSpPr>
-            <p:cNvPr id="76" name=""/>
-            <p:cNvCxnSpPr/>
-            <p:nvPr/>
-          </p:nvCxnSpPr>
-          <p:spPr>
-            <a:xfrm>
-              <a:off x="6192498" y="7127244"/>
-              <a:ext cx="1386256" cy="0"/>
-            </a:xfrm>
-            <a:prstGeom prst="line">
-              <a:avLst/>
-            </a:prstGeom>
-            <a:ln w="38100" cap="rnd">
-              <a:solidFill>
-                <a:schemeClr val="dk1"/>
-              </a:solidFill>
-              <a:tailEnd type="triangle" w="med" len="sm"/>
-            </a:ln>
-          </p:spPr>
-          <p:style>
-            <a:lnRef idx="1">
-              <a:schemeClr val="accent1"/>
-            </a:lnRef>
-            <a:fillRef idx="0">
-              <a:schemeClr val="accent1"/>
-            </a:fillRef>
-            <a:effectRef idx="0">
-              <a:schemeClr val="accent1"/>
-            </a:effectRef>
-            <a:fontRef idx="minor">
-              <a:schemeClr val="tx1"/>
-            </a:fontRef>
-          </p:style>
-        </p:cxnSp>
         <p:grpSp>
           <p:nvGrpSpPr>
-            <p:cNvPr id="80" name=""/>
+            <p:cNvPr id="49" name="Group 48"/>
             <p:cNvGrpSpPr/>
             <p:nvPr/>
           </p:nvGrpSpPr>
           <p:grpSpPr>
-            <a:xfrm rot="0">
-              <a:off x="6300106" y="7379834"/>
+            <a:xfrm>
+              <a:off x="1728106" y="7113134"/>
               <a:ext cx="312964" cy="312964"/>
-              <a:chOff x="6515990" y="5421922"/>
-              <a:chExt cx="684020" cy="684020"/>
+              <a:chOff x="1728106" y="7113134"/>
+              <a:chExt cx="312964" cy="312964"/>
             </a:xfrm>
           </p:grpSpPr>
           <p:sp>
             <p:nvSpPr>
-              <p:cNvPr id="77" name=""/>
+              <p:cNvPr id="47" name="Rectangle 46"/>
               <p:cNvSpPr/>
               <p:nvPr/>
             </p:nvSpPr>
             <p:spPr>
               <a:xfrm>
-                <a:off x="6515990" y="5421923"/>
-                <a:ext cx="684020" cy="684020"/>
+                <a:off x="1728106" y="7113134"/>
+                <a:ext cx="312964" cy="312964"/>
               </a:xfrm>
-              <a:prstGeom prst="ellipse">
+              <a:prstGeom prst="rect">
                 <a:avLst/>
               </a:prstGeom>
               <a:noFill/>
               <a:ln w="38100">
                 <a:solidFill>
-                  <a:srgbClr val="1985e6"/>
+                  <a:srgbClr val="4DBE2D"/>
                 </a:solidFill>
               </a:ln>
             </p:spPr>
@@ -8265,6 +7300,7 @@
             </p:style>
             <p:txBody>
               <a:bodyPr anchor="ctr"/>
+              <a:lstStyle/>
               <a:p>
                 <a:pPr algn="ctr">
                   <a:defRPr/>
@@ -8275,58 +7311,21 @@
           </p:sp>
           <p:cxnSp>
             <p:nvCxnSpPr>
-              <p:cNvPr id="78" name=""/>
+              <p:cNvPr id="48" name="Straight Connector 47"/>
               <p:cNvCxnSpPr/>
               <p:nvPr/>
             </p:nvCxnSpPr>
             <p:spPr>
-              <a:xfrm>
-                <a:off x="6858000" y="5763933"/>
-                <a:ext cx="171005" cy="87989"/>
+              <a:xfrm rot="5400000" flipH="1" flipV="1">
+                <a:off x="1738323" y="7123351"/>
+                <a:ext cx="292529" cy="292529"/>
               </a:xfrm>
               <a:prstGeom prst="line">
                 <a:avLst/>
               </a:prstGeom>
               <a:ln w="38100" cap="rnd">
                 <a:solidFill>
-                  <a:srgbClr val="1985e6"/>
-                </a:solidFill>
-              </a:ln>
-            </p:spPr>
-            <p:style>
-              <a:lnRef idx="1">
-                <a:schemeClr val="accent1"/>
-              </a:lnRef>
-              <a:fillRef idx="0">
-                <a:schemeClr val="accent1"/>
-              </a:fillRef>
-              <a:effectRef idx="0">
-                <a:schemeClr val="accent1"/>
-              </a:effectRef>
-              <a:fontRef idx="minor">
-                <a:schemeClr val="tx1"/>
-              </a:fontRef>
-            </p:style>
-          </p:cxnSp>
-          <p:cxnSp>
-            <p:nvCxnSpPr>
-              <p:cNvPr id="79" name=""/>
-              <p:cNvCxnSpPr>
-                <a:stCxn id="77" idx="0"/>
-              </p:cNvCxnSpPr>
-              <p:nvPr/>
-            </p:nvCxnSpPr>
-            <p:spPr>
-              <a:xfrm rot="16200000" flipH="1" flipV="1">
-                <a:off x="6686995" y="5592927"/>
-                <a:ext cx="342010" cy="1"/>
-              </a:xfrm>
-              <a:prstGeom prst="line">
-                <a:avLst/>
-              </a:prstGeom>
-              <a:ln w="38100" cap="rnd">
-                <a:solidFill>
-                  <a:srgbClr val="1985e6"/>
+                  <a:srgbClr val="4DBE2D"/>
                 </a:solidFill>
               </a:ln>
             </p:spPr>
@@ -8346,15 +7345,424 @@
             </p:style>
           </p:cxnSp>
         </p:grpSp>
+        <p:cxnSp>
+          <p:nvCxnSpPr>
+            <p:cNvPr id="50" name="Straight Connector 49"/>
+            <p:cNvCxnSpPr/>
+            <p:nvPr/>
+          </p:nvCxnSpPr>
+          <p:spPr>
+            <a:xfrm rot="5400000" flipH="1" flipV="1">
+              <a:off x="1413509" y="5725302"/>
+              <a:ext cx="670051" cy="670050"/>
+            </a:xfrm>
+            <a:prstGeom prst="line">
+              <a:avLst/>
+            </a:prstGeom>
+            <a:ln w="38100" cap="rnd">
+              <a:solidFill>
+                <a:schemeClr val="dk1"/>
+              </a:solidFill>
+            </a:ln>
+          </p:spPr>
+          <p:style>
+            <a:lnRef idx="1">
+              <a:schemeClr val="accent1"/>
+            </a:lnRef>
+            <a:fillRef idx="0">
+              <a:schemeClr val="accent1"/>
+            </a:fillRef>
+            <a:effectRef idx="0">
+              <a:schemeClr val="accent1"/>
+            </a:effectRef>
+            <a:fontRef idx="minor">
+              <a:schemeClr val="tx1"/>
+            </a:fontRef>
+          </p:style>
+        </p:cxnSp>
+        <p:cxnSp>
+          <p:nvCxnSpPr>
+            <p:cNvPr id="51" name="Straight Connector 50"/>
+            <p:cNvCxnSpPr/>
+            <p:nvPr/>
+          </p:nvCxnSpPr>
+          <p:spPr>
+            <a:xfrm>
+              <a:off x="2083560" y="5725302"/>
+              <a:ext cx="681187" cy="0"/>
+            </a:xfrm>
+            <a:prstGeom prst="line">
+              <a:avLst/>
+            </a:prstGeom>
+            <a:ln w="38100" cap="rnd">
+              <a:solidFill>
+                <a:schemeClr val="dk1"/>
+              </a:solidFill>
+              <a:tailEnd type="triangle" w="med" len="sm"/>
+            </a:ln>
+          </p:spPr>
+          <p:style>
+            <a:lnRef idx="1">
+              <a:schemeClr val="accent1"/>
+            </a:lnRef>
+            <a:fillRef idx="0">
+              <a:schemeClr val="accent1"/>
+            </a:fillRef>
+            <a:effectRef idx="0">
+              <a:schemeClr val="accent1"/>
+            </a:effectRef>
+            <a:fontRef idx="minor">
+              <a:schemeClr val="tx1"/>
+            </a:fontRef>
+          </p:style>
+        </p:cxnSp>
+      </p:grpSp>
+      <p:grpSp>
+        <p:nvGrpSpPr>
+          <p:cNvPr id="93" name="Group 92"/>
+          <p:cNvGrpSpPr/>
+          <p:nvPr/>
+        </p:nvGrpSpPr>
+        <p:grpSpPr>
+          <a:xfrm>
+            <a:off x="4572000" y="0"/>
+            <a:ext cx="4572000" cy="9144000"/>
+            <a:chOff x="4572000" y="0"/>
+            <a:chExt cx="4572000" cy="9144000"/>
+          </a:xfrm>
+        </p:grpSpPr>
+        <p:sp>
+          <p:nvSpPr>
+            <p:cNvPr id="54" name="Rectangle 53"/>
+            <p:cNvSpPr/>
+            <p:nvPr/>
+          </p:nvSpPr>
+          <p:spPr>
+            <a:xfrm>
+              <a:off x="4572000" y="0"/>
+              <a:ext cx="4572000" cy="9144000"/>
+            </a:xfrm>
+            <a:prstGeom prst="rect">
+              <a:avLst/>
+            </a:prstGeom>
+            <a:solidFill>
+              <a:schemeClr val="lt1"/>
+            </a:solidFill>
+            <a:ln>
+              <a:noFill/>
+            </a:ln>
+          </p:spPr>
+          <p:style>
+            <a:lnRef idx="2">
+              <a:schemeClr val="accent1">
+                <a:shade val="20000"/>
+              </a:schemeClr>
+            </a:lnRef>
+            <a:fillRef idx="1">
+              <a:schemeClr val="accent1"/>
+            </a:fillRef>
+            <a:effectRef idx="0">
+              <a:schemeClr val="accent1"/>
+            </a:effectRef>
+            <a:fontRef idx="minor">
+              <a:schemeClr val="lt1"/>
+            </a:fontRef>
+          </p:style>
+          <p:txBody>
+            <a:bodyPr anchor="ctr"/>
+            <a:lstStyle/>
+            <a:p>
+              <a:pPr algn="ctr">
+                <a:defRPr/>
+              </a:pPr>
+              <a:endParaRPr lang="ko-KR" altLang="en-US"/>
+            </a:p>
+          </p:txBody>
+        </p:sp>
+        <p:sp>
+          <p:nvSpPr>
+            <p:cNvPr id="55" name="Rectangle 54"/>
+            <p:cNvSpPr/>
+            <p:nvPr/>
+          </p:nvSpPr>
+          <p:spPr>
+            <a:xfrm>
+              <a:off x="4775761" y="235115"/>
+              <a:ext cx="4164478" cy="8718052"/>
+            </a:xfrm>
+            <a:prstGeom prst="rect">
+              <a:avLst/>
+            </a:prstGeom>
+            <a:noFill/>
+            <a:ln w="38100">
+              <a:solidFill>
+                <a:schemeClr val="dk1"/>
+              </a:solidFill>
+            </a:ln>
+          </p:spPr>
+          <p:style>
+            <a:lnRef idx="2">
+              <a:schemeClr val="accent1">
+                <a:shade val="20000"/>
+              </a:schemeClr>
+            </a:lnRef>
+            <a:fillRef idx="1">
+              <a:schemeClr val="accent1"/>
+            </a:fillRef>
+            <a:effectRef idx="0">
+              <a:schemeClr val="accent1"/>
+            </a:effectRef>
+            <a:fontRef idx="minor">
+              <a:schemeClr val="lt1"/>
+            </a:fontRef>
+          </p:style>
+          <p:txBody>
+            <a:bodyPr anchor="ctr"/>
+            <a:lstStyle/>
+            <a:p>
+              <a:pPr algn="ctr">
+                <a:defRPr/>
+              </a:pPr>
+              <a:endParaRPr lang="ko-KR" altLang="en-US"/>
+            </a:p>
+          </p:txBody>
+        </p:sp>
+        <p:sp>
+          <p:nvSpPr>
+            <p:cNvPr id="56" name="Rectangle 55"/>
+            <p:cNvSpPr/>
+            <p:nvPr/>
+          </p:nvSpPr>
+          <p:spPr>
+            <a:xfrm>
+              <a:off x="4754646" y="8652049"/>
+              <a:ext cx="2024331" cy="320168"/>
+            </a:xfrm>
+            <a:prstGeom prst="rect">
+              <a:avLst/>
+            </a:prstGeom>
+            <a:solidFill>
+              <a:schemeClr val="lt1"/>
+            </a:solidFill>
+            <a:ln>
+              <a:solidFill>
+                <a:schemeClr val="lt1"/>
+              </a:solidFill>
+            </a:ln>
+          </p:spPr>
+          <p:style>
+            <a:lnRef idx="2">
+              <a:schemeClr val="accent1">
+                <a:shade val="20000"/>
+              </a:schemeClr>
+            </a:lnRef>
+            <a:fillRef idx="1">
+              <a:schemeClr val="accent1"/>
+            </a:fillRef>
+            <a:effectRef idx="0">
+              <a:schemeClr val="accent1"/>
+            </a:effectRef>
+            <a:fontRef idx="minor">
+              <a:schemeClr val="lt1"/>
+            </a:fontRef>
+          </p:style>
+          <p:txBody>
+            <a:bodyPr anchor="ctr"/>
+            <a:lstStyle/>
+            <a:p>
+              <a:pPr algn="ctr">
+                <a:defRPr/>
+              </a:pPr>
+              <a:endParaRPr lang="ko-KR" altLang="en-US"/>
+            </a:p>
+          </p:txBody>
+        </p:sp>
+        <p:pic>
+          <p:nvPicPr>
+            <p:cNvPr id="57" name="Picture 56"/>
+            <p:cNvPicPr/>
+            <p:nvPr/>
+          </p:nvPicPr>
+          <p:blipFill rotWithShape="1">
+            <a:blip r:embed="rId3"/>
+            <a:stretch>
+              <a:fillRect/>
+            </a:stretch>
+          </p:blipFill>
+          <p:spPr>
+            <a:xfrm>
+              <a:off x="4754646" y="8623476"/>
+              <a:ext cx="1960497" cy="377317"/>
+            </a:xfrm>
+            <a:prstGeom prst="rect">
+              <a:avLst/>
+            </a:prstGeom>
+          </p:spPr>
+        </p:pic>
+        <p:sp>
+          <p:nvSpPr>
+            <p:cNvPr id="58" name="TextBox 57"/>
+            <p:cNvSpPr txBox="1"/>
+            <p:nvPr/>
+          </p:nvSpPr>
+          <p:spPr>
+            <a:xfrm>
+              <a:off x="4831013" y="1332196"/>
+              <a:ext cx="4109226" cy="2539900"/>
+            </a:xfrm>
+            <a:prstGeom prst="rect">
+              <a:avLst/>
+            </a:prstGeom>
+          </p:spPr>
+          <p:txBody>
+            <a:bodyPr wrap="none" anchor="ctr" anchorCtr="0">
+              <a:noAutofit/>
+            </a:bodyPr>
+            <a:lstStyle/>
+            <a:p>
+              <a:pPr algn="ctr">
+                <a:defRPr/>
+              </a:pPr>
+              <a:r>
+                <a:rPr lang="en-US" altLang="ko-KR" sz="14000" dirty="0">
+                  <a:latin typeface="DSEG14 Classic" panose="02000503000000000000" pitchFamily="2" charset="0"/>
+                </a:rPr>
+                <a:t>03</a:t>
+              </a:r>
+            </a:p>
+          </p:txBody>
+        </p:sp>
+        <p:sp>
+          <p:nvSpPr>
+            <p:cNvPr id="59" name="TextBox 58"/>
+            <p:cNvSpPr txBox="1"/>
+            <p:nvPr/>
+          </p:nvSpPr>
+          <p:spPr>
+            <a:xfrm>
+              <a:off x="4775761" y="1332196"/>
+              <a:ext cx="4164478" cy="2539900"/>
+            </a:xfrm>
+            <a:prstGeom prst="rect">
+              <a:avLst/>
+            </a:prstGeom>
+          </p:spPr>
+          <p:txBody>
+            <a:bodyPr wrap="none" anchor="ctr" anchorCtr="0">
+              <a:noAutofit/>
+            </a:bodyPr>
+            <a:lstStyle/>
+            <a:p>
+              <a:pPr algn="ctr">
+                <a:defRPr/>
+              </a:pPr>
+              <a:r>
+                <a:rPr lang="en-US" altLang="ko-KR" sz="14000" dirty="0">
+                  <a:solidFill>
+                    <a:schemeClr val="tx1">
+                      <a:alpha val="10000"/>
+                    </a:schemeClr>
+                  </a:solidFill>
+                  <a:latin typeface="DSEG14 Classic" panose="02000503000000000000" pitchFamily="2" charset="0"/>
+                </a:rPr>
+                <a:t>88</a:t>
+              </a:r>
+            </a:p>
+          </p:txBody>
+        </p:sp>
+        <p:cxnSp>
+          <p:nvCxnSpPr>
+            <p:cNvPr id="60" name="Straight Connector 59"/>
+            <p:cNvCxnSpPr>
+              <a:stCxn id="55" idx="1"/>
+              <a:endCxn id="55" idx="3"/>
+            </p:cNvCxnSpPr>
+            <p:nvPr/>
+          </p:nvCxnSpPr>
+          <p:spPr>
+            <a:xfrm>
+              <a:off x="4775761" y="4594141"/>
+              <a:ext cx="4164478" cy="0"/>
+            </a:xfrm>
+            <a:prstGeom prst="line">
+              <a:avLst/>
+            </a:prstGeom>
+            <a:ln w="38100">
+              <a:solidFill>
+                <a:schemeClr val="dk1"/>
+              </a:solidFill>
+              <a:prstDash val="sysDash"/>
+            </a:ln>
+          </p:spPr>
+          <p:style>
+            <a:lnRef idx="1">
+              <a:schemeClr val="accent1"/>
+            </a:lnRef>
+            <a:fillRef idx="0">
+              <a:schemeClr val="accent1"/>
+            </a:fillRef>
+            <a:effectRef idx="0">
+              <a:schemeClr val="accent1"/>
+            </a:effectRef>
+            <a:fontRef idx="minor">
+              <a:schemeClr val="tx1"/>
+            </a:fontRef>
+          </p:style>
+        </p:cxnSp>
+        <p:sp>
+          <p:nvSpPr>
+            <p:cNvPr id="61" name="TextBox 60"/>
+            <p:cNvSpPr txBox="1"/>
+            <p:nvPr/>
+          </p:nvSpPr>
+          <p:spPr>
+            <a:xfrm>
+              <a:off x="4775761" y="565149"/>
+              <a:ext cx="4164478" cy="595597"/>
+            </a:xfrm>
+            <a:prstGeom prst="rect">
+              <a:avLst/>
+            </a:prstGeom>
+          </p:spPr>
+          <p:txBody>
+            <a:bodyPr wrap="square" lIns="72009" tIns="72009" rIns="72009" bIns="72009">
+              <a:spAutoFit/>
+            </a:bodyPr>
+            <a:lstStyle/>
+            <a:p>
+              <a:pPr algn="ctr">
+                <a:defRPr/>
+              </a:pPr>
+              <a:r>
+                <a:rPr lang="en-US" altLang="ko-KR" sz="3000">
+                  <a:latin typeface="Bahnschrift Light SemiCondensed"/>
+                </a:rPr>
+                <a:t>S E C T I</a:t>
+              </a:r>
+              <a:r>
+                <a:rPr lang="ko-KR" altLang="en-US" sz="3000">
+                  <a:latin typeface="Bahnschrift Light SemiCondensed"/>
+                </a:rPr>
+                <a:t> </a:t>
+              </a:r>
+              <a:r>
+                <a:rPr lang="en-US" altLang="ko-KR" sz="3000">
+                  <a:latin typeface="Bahnschrift Light SemiCondensed"/>
+                </a:rPr>
+                <a:t>O N</a:t>
+              </a:r>
+            </a:p>
+          </p:txBody>
+        </p:sp>
         <p:grpSp>
           <p:nvGrpSpPr>
-            <p:cNvPr id="86" name=""/>
+            <p:cNvPr id="66" name="Group 65"/>
             <p:cNvGrpSpPr/>
             <p:nvPr/>
           </p:nvGrpSpPr>
           <p:grpSpPr>
-            <a:xfrm rot="0">
-              <a:off x="5544910" y="5340199"/>
+            <a:xfrm>
+              <a:off x="5491267" y="6900182"/>
               <a:ext cx="551089" cy="959303"/>
               <a:chOff x="5684384" y="4408714"/>
               <a:chExt cx="551089" cy="959303"/>
@@ -8362,7 +7770,7 @@
           </p:grpSpPr>
           <p:sp>
             <p:nvSpPr>
-              <p:cNvPr id="87" name=""/>
+              <p:cNvPr id="67" name="Oval 66"/>
               <p:cNvSpPr/>
               <p:nvPr/>
             </p:nvSpPr>
@@ -8411,7 +7819,7 @@
           </p:sp>
           <p:sp>
             <p:nvSpPr>
-              <p:cNvPr id="88" name=""/>
+              <p:cNvPr id="68" name="Arrow: Pentagon 67"/>
               <p:cNvSpPr/>
               <p:nvPr/>
             </p:nvSpPr>
@@ -8463,13 +7871,13 @@
         </p:grpSp>
         <p:grpSp>
           <p:nvGrpSpPr>
-            <p:cNvPr id="89" name=""/>
+            <p:cNvPr id="69" name="Group 68"/>
             <p:cNvGrpSpPr/>
             <p:nvPr/>
           </p:nvGrpSpPr>
           <p:grpSpPr>
-            <a:xfrm rot="0">
-              <a:off x="6610081" y="5340199"/>
+            <a:xfrm>
+              <a:off x="7681343" y="6900182"/>
               <a:ext cx="551089" cy="959303"/>
               <a:chOff x="5684384" y="4408714"/>
               <a:chExt cx="551089" cy="959303"/>
@@ -8477,7 +7885,7 @@
           </p:grpSpPr>
           <p:sp>
             <p:nvSpPr>
-              <p:cNvPr id="90" name=""/>
+              <p:cNvPr id="70" name="Oval 69"/>
               <p:cNvSpPr/>
               <p:nvPr/>
             </p:nvSpPr>
@@ -8525,7 +7933,7 @@
           </p:sp>
           <p:sp>
             <p:nvSpPr>
-              <p:cNvPr id="91" name=""/>
+              <p:cNvPr id="71" name="Arrow: Pentagon 70"/>
               <p:cNvSpPr/>
               <p:nvPr/>
             </p:nvSpPr>
@@ -8576,7 +7984,406 @@
         </p:grpSp>
         <p:cxnSp>
           <p:nvCxnSpPr>
-            <p:cNvPr id="92" name=""/>
+            <p:cNvPr id="76" name="Straight Connector 75"/>
+            <p:cNvCxnSpPr/>
+            <p:nvPr/>
+          </p:nvCxnSpPr>
+          <p:spPr>
+            <a:xfrm>
+              <a:off x="6192498" y="7127244"/>
+              <a:ext cx="1386256" cy="0"/>
+            </a:xfrm>
+            <a:prstGeom prst="line">
+              <a:avLst/>
+            </a:prstGeom>
+            <a:ln w="38100" cap="rnd">
+              <a:solidFill>
+                <a:schemeClr val="dk1"/>
+              </a:solidFill>
+              <a:tailEnd type="triangle" w="med" len="sm"/>
+            </a:ln>
+          </p:spPr>
+          <p:style>
+            <a:lnRef idx="1">
+              <a:schemeClr val="accent1"/>
+            </a:lnRef>
+            <a:fillRef idx="0">
+              <a:schemeClr val="accent1"/>
+            </a:fillRef>
+            <a:effectRef idx="0">
+              <a:schemeClr val="accent1"/>
+            </a:effectRef>
+            <a:fontRef idx="minor">
+              <a:schemeClr val="tx1"/>
+            </a:fontRef>
+          </p:style>
+        </p:cxnSp>
+        <p:grpSp>
+          <p:nvGrpSpPr>
+            <p:cNvPr id="80" name="Group 79"/>
+            <p:cNvGrpSpPr/>
+            <p:nvPr/>
+          </p:nvGrpSpPr>
+          <p:grpSpPr>
+            <a:xfrm>
+              <a:off x="6300106" y="7379834"/>
+              <a:ext cx="312964" cy="312964"/>
+              <a:chOff x="6515990" y="5421922"/>
+              <a:chExt cx="684020" cy="684020"/>
+            </a:xfrm>
+          </p:grpSpPr>
+          <p:sp>
+            <p:nvSpPr>
+              <p:cNvPr id="77" name="Oval 76"/>
+              <p:cNvSpPr/>
+              <p:nvPr/>
+            </p:nvSpPr>
+            <p:spPr>
+              <a:xfrm>
+                <a:off x="6515990" y="5421923"/>
+                <a:ext cx="684020" cy="684020"/>
+              </a:xfrm>
+              <a:prstGeom prst="ellipse">
+                <a:avLst/>
+              </a:prstGeom>
+              <a:noFill/>
+              <a:ln w="38100">
+                <a:solidFill>
+                  <a:srgbClr val="1985E6"/>
+                </a:solidFill>
+              </a:ln>
+            </p:spPr>
+            <p:style>
+              <a:lnRef idx="2">
+                <a:schemeClr val="accent1">
+                  <a:shade val="20000"/>
+                </a:schemeClr>
+              </a:lnRef>
+              <a:fillRef idx="1">
+                <a:schemeClr val="accent1"/>
+              </a:fillRef>
+              <a:effectRef idx="0">
+                <a:schemeClr val="accent1"/>
+              </a:effectRef>
+              <a:fontRef idx="minor">
+                <a:schemeClr val="lt1"/>
+              </a:fontRef>
+            </p:style>
+            <p:txBody>
+              <a:bodyPr anchor="ctr"/>
+              <a:lstStyle/>
+              <a:p>
+                <a:pPr algn="ctr">
+                  <a:defRPr/>
+                </a:pPr>
+                <a:endParaRPr lang="ko-KR" altLang="en-US"/>
+              </a:p>
+            </p:txBody>
+          </p:sp>
+          <p:cxnSp>
+            <p:nvCxnSpPr>
+              <p:cNvPr id="78" name="Straight Connector 77"/>
+              <p:cNvCxnSpPr/>
+              <p:nvPr/>
+            </p:nvCxnSpPr>
+            <p:spPr>
+              <a:xfrm>
+                <a:off x="6858000" y="5763933"/>
+                <a:ext cx="171005" cy="87989"/>
+              </a:xfrm>
+              <a:prstGeom prst="line">
+                <a:avLst/>
+              </a:prstGeom>
+              <a:ln w="38100" cap="rnd">
+                <a:solidFill>
+                  <a:srgbClr val="1985E6"/>
+                </a:solidFill>
+              </a:ln>
+            </p:spPr>
+            <p:style>
+              <a:lnRef idx="1">
+                <a:schemeClr val="accent1"/>
+              </a:lnRef>
+              <a:fillRef idx="0">
+                <a:schemeClr val="accent1"/>
+              </a:fillRef>
+              <a:effectRef idx="0">
+                <a:schemeClr val="accent1"/>
+              </a:effectRef>
+              <a:fontRef idx="minor">
+                <a:schemeClr val="tx1"/>
+              </a:fontRef>
+            </p:style>
+          </p:cxnSp>
+          <p:cxnSp>
+            <p:nvCxnSpPr>
+              <p:cNvPr id="79" name="Straight Connector 78"/>
+              <p:cNvCxnSpPr>
+                <a:stCxn id="77" idx="0"/>
+              </p:cNvCxnSpPr>
+              <p:nvPr/>
+            </p:nvCxnSpPr>
+            <p:spPr>
+              <a:xfrm rot="16200000" flipH="1" flipV="1">
+                <a:off x="6686995" y="5592927"/>
+                <a:ext cx="342010" cy="1"/>
+              </a:xfrm>
+              <a:prstGeom prst="line">
+                <a:avLst/>
+              </a:prstGeom>
+              <a:ln w="38100" cap="rnd">
+                <a:solidFill>
+                  <a:srgbClr val="1985E6"/>
+                </a:solidFill>
+              </a:ln>
+            </p:spPr>
+            <p:style>
+              <a:lnRef idx="1">
+                <a:schemeClr val="accent1"/>
+              </a:lnRef>
+              <a:fillRef idx="0">
+                <a:schemeClr val="accent1"/>
+              </a:fillRef>
+              <a:effectRef idx="0">
+                <a:schemeClr val="accent1"/>
+              </a:effectRef>
+              <a:fontRef idx="minor">
+                <a:schemeClr val="tx1"/>
+              </a:fontRef>
+            </p:style>
+          </p:cxnSp>
+        </p:grpSp>
+        <p:grpSp>
+          <p:nvGrpSpPr>
+            <p:cNvPr id="86" name="Group 85"/>
+            <p:cNvGrpSpPr/>
+            <p:nvPr/>
+          </p:nvGrpSpPr>
+          <p:grpSpPr>
+            <a:xfrm>
+              <a:off x="5544910" y="5340199"/>
+              <a:ext cx="551089" cy="959303"/>
+              <a:chOff x="5684384" y="4408714"/>
+              <a:chExt cx="551089" cy="959303"/>
+            </a:xfrm>
+          </p:grpSpPr>
+          <p:sp>
+            <p:nvSpPr>
+              <p:cNvPr id="87" name="Oval 86"/>
+              <p:cNvSpPr/>
+              <p:nvPr/>
+            </p:nvSpPr>
+            <p:spPr>
+              <a:xfrm>
+                <a:off x="5776232" y="4408714"/>
+                <a:ext cx="367393" cy="367393"/>
+              </a:xfrm>
+              <a:prstGeom prst="ellipse">
+                <a:avLst/>
+              </a:prstGeom>
+              <a:noFill/>
+              <a:ln w="38100" cap="flat">
+                <a:solidFill>
+                  <a:schemeClr val="dk1"/>
+                </a:solidFill>
+                <a:prstDash val="sysDash"/>
+              </a:ln>
+            </p:spPr>
+            <p:style>
+              <a:lnRef idx="2">
+                <a:schemeClr val="accent1">
+                  <a:shade val="20000"/>
+                </a:schemeClr>
+              </a:lnRef>
+              <a:fillRef idx="1">
+                <a:schemeClr val="accent1"/>
+              </a:fillRef>
+              <a:effectRef idx="0">
+                <a:schemeClr val="accent1"/>
+              </a:effectRef>
+              <a:fontRef idx="minor">
+                <a:schemeClr val="lt1"/>
+              </a:fontRef>
+            </p:style>
+            <p:txBody>
+              <a:bodyPr anchor="ctr"/>
+              <a:lstStyle/>
+              <a:p>
+                <a:pPr algn="ctr">
+                  <a:defRPr/>
+                </a:pPr>
+                <a:endParaRPr lang="ko-KR" altLang="en-US"/>
+              </a:p>
+            </p:txBody>
+          </p:sp>
+          <p:sp>
+            <p:nvSpPr>
+              <p:cNvPr id="88" name="Arrow: Pentagon 87"/>
+              <p:cNvSpPr/>
+              <p:nvPr/>
+            </p:nvSpPr>
+            <p:spPr>
+              <a:xfrm rot="16200000">
+                <a:off x="5704795" y="4837339"/>
+                <a:ext cx="510268" cy="551089"/>
+              </a:xfrm>
+              <a:prstGeom prst="homePlate">
+                <a:avLst>
+                  <a:gd name="adj" fmla="val 28125"/>
+                </a:avLst>
+              </a:prstGeom>
+              <a:noFill/>
+              <a:ln w="38100" cap="flat">
+                <a:solidFill>
+                  <a:schemeClr val="dk1"/>
+                </a:solidFill>
+                <a:prstDash val="sysDash"/>
+              </a:ln>
+            </p:spPr>
+            <p:style>
+              <a:lnRef idx="2">
+                <a:schemeClr val="accent1">
+                  <a:shade val="20000"/>
+                </a:schemeClr>
+              </a:lnRef>
+              <a:fillRef idx="1">
+                <a:schemeClr val="accent1"/>
+              </a:fillRef>
+              <a:effectRef idx="0">
+                <a:schemeClr val="accent1"/>
+              </a:effectRef>
+              <a:fontRef idx="minor">
+                <a:schemeClr val="lt1"/>
+              </a:fontRef>
+            </p:style>
+            <p:txBody>
+              <a:bodyPr anchor="ctr"/>
+              <a:lstStyle/>
+              <a:p>
+                <a:pPr algn="ctr">
+                  <a:defRPr/>
+                </a:pPr>
+                <a:endParaRPr lang="ko-KR" altLang="en-US"/>
+              </a:p>
+            </p:txBody>
+          </p:sp>
+        </p:grpSp>
+        <p:grpSp>
+          <p:nvGrpSpPr>
+            <p:cNvPr id="89" name="Group 88"/>
+            <p:cNvGrpSpPr/>
+            <p:nvPr/>
+          </p:nvGrpSpPr>
+          <p:grpSpPr>
+            <a:xfrm>
+              <a:off x="6610081" y="5340199"/>
+              <a:ext cx="551089" cy="959303"/>
+              <a:chOff x="5684384" y="4408714"/>
+              <a:chExt cx="551089" cy="959303"/>
+            </a:xfrm>
+          </p:grpSpPr>
+          <p:sp>
+            <p:nvSpPr>
+              <p:cNvPr id="90" name="Oval 89"/>
+              <p:cNvSpPr/>
+              <p:nvPr/>
+            </p:nvSpPr>
+            <p:spPr>
+              <a:xfrm>
+                <a:off x="5776232" y="4408714"/>
+                <a:ext cx="367393" cy="367393"/>
+              </a:xfrm>
+              <a:prstGeom prst="ellipse">
+                <a:avLst/>
+              </a:prstGeom>
+              <a:noFill/>
+              <a:ln w="38100">
+                <a:solidFill>
+                  <a:schemeClr val="dk1"/>
+                </a:solidFill>
+              </a:ln>
+            </p:spPr>
+            <p:style>
+              <a:lnRef idx="2">
+                <a:schemeClr val="accent1">
+                  <a:shade val="20000"/>
+                </a:schemeClr>
+              </a:lnRef>
+              <a:fillRef idx="1">
+                <a:schemeClr val="accent1"/>
+              </a:fillRef>
+              <a:effectRef idx="0">
+                <a:schemeClr val="accent1"/>
+              </a:effectRef>
+              <a:fontRef idx="minor">
+                <a:schemeClr val="lt1"/>
+              </a:fontRef>
+            </p:style>
+            <p:txBody>
+              <a:bodyPr anchor="ctr"/>
+              <a:lstStyle/>
+              <a:p>
+                <a:pPr algn="ctr">
+                  <a:defRPr/>
+                </a:pPr>
+                <a:endParaRPr lang="ko-KR" altLang="en-US"/>
+              </a:p>
+            </p:txBody>
+          </p:sp>
+          <p:sp>
+            <p:nvSpPr>
+              <p:cNvPr id="91" name="Arrow: Pentagon 90"/>
+              <p:cNvSpPr/>
+              <p:nvPr/>
+            </p:nvSpPr>
+            <p:spPr>
+              <a:xfrm rot="16200000">
+                <a:off x="5704795" y="4837339"/>
+                <a:ext cx="510268" cy="551089"/>
+              </a:xfrm>
+              <a:prstGeom prst="homePlate">
+                <a:avLst>
+                  <a:gd name="adj" fmla="val 28125"/>
+                </a:avLst>
+              </a:prstGeom>
+              <a:noFill/>
+              <a:ln w="38100">
+                <a:solidFill>
+                  <a:schemeClr val="dk1"/>
+                </a:solidFill>
+              </a:ln>
+            </p:spPr>
+            <p:style>
+              <a:lnRef idx="2">
+                <a:schemeClr val="accent1">
+                  <a:shade val="20000"/>
+                </a:schemeClr>
+              </a:lnRef>
+              <a:fillRef idx="1">
+                <a:schemeClr val="accent1"/>
+              </a:fillRef>
+              <a:effectRef idx="0">
+                <a:schemeClr val="accent1"/>
+              </a:effectRef>
+              <a:fontRef idx="minor">
+                <a:schemeClr val="lt1"/>
+              </a:fontRef>
+            </p:style>
+            <p:txBody>
+              <a:bodyPr anchor="ctr"/>
+              <a:lstStyle/>
+              <a:p>
+                <a:pPr algn="ctr">
+                  <a:defRPr/>
+                </a:pPr>
+                <a:endParaRPr lang="ko-KR" altLang="en-US"/>
+              </a:p>
+            </p:txBody>
+          </p:sp>
+        </p:grpSp>
+        <p:cxnSp>
+          <p:nvCxnSpPr>
+            <p:cNvPr id="92" name="Straight Connector 91"/>
             <p:cNvCxnSpPr/>
             <p:nvPr/>
           </p:nvCxnSpPr>
@@ -8616,11 +8423,11 @@
   <p:clrMapOvr>
     <a:masterClrMapping/>
   </p:clrMapOvr>
-  <mc:AlternateContent xmlns:mc="http://schemas.openxmlformats.org/markup-compatibility/2006">
-    <mc:Choice xmlns:p14="http://schemas.microsoft.com/office/powerpoint/2010/main" Requires="p14">
-      <p:transition xmlns:mc="http://schemas.openxmlformats.org/markup-compatibility/2006" xmlns:p14="http://schemas.microsoft.com/office/powerpoint/2010/main" mc:Ignorable="p14" p14:dur="500"/>
+  <mc:AlternateContent xmlns:mc="http://schemas.openxmlformats.org/markup-compatibility/2006" xmlns:p14="http://schemas.microsoft.com/office/powerpoint/2010/main">
+    <mc:Choice Requires="p14">
+      <p:transition/>
     </mc:Choice>
-    <mc:Fallback>
+    <mc:Fallback xmlns:dsp="http://schemas.microsoft.com/office/drawing/2008/diagram" xmlns:dgm="http://schemas.openxmlformats.org/drawingml/2006/diagram" xmlns:c="http://schemas.openxmlformats.org/drawingml/2006/chart" xmlns="">
       <p:transition/>
     </mc:Fallback>
   </mc:AlternateContent>
@@ -8628,7 +8435,7 @@
 </file>
 
 <file path=ppt/slides/slide4.xml><?xml version="1.0" encoding="utf-8"?>
-<p:sld xmlns:r="http://schemas.openxmlformats.org/officeDocument/2006/relationships" xmlns:c="http://schemas.openxmlformats.org/drawingml/2006/chart" xmlns:a="http://schemas.openxmlformats.org/drawingml/2006/main" xmlns:dgm="http://schemas.openxmlformats.org/drawingml/2006/diagram" xmlns:dsp="http://schemas.microsoft.com/office/drawing/2008/diagram" xmlns:p="http://schemas.openxmlformats.org/presentationml/2006/main">
+<p:sld xmlns:a="http://schemas.openxmlformats.org/drawingml/2006/main" xmlns:r="http://schemas.openxmlformats.org/officeDocument/2006/relationships" xmlns:p="http://schemas.openxmlformats.org/presentationml/2006/main">
   <p:cSld>
     <p:spTree>
       <p:nvGrpSpPr>
@@ -8646,12 +8453,12 @@
       </p:grpSpPr>
       <p:grpSp>
         <p:nvGrpSpPr>
-          <p:cNvPr id="101" name=""/>
+          <p:cNvPr id="101" name="Group 100"/>
           <p:cNvGrpSpPr/>
           <p:nvPr/>
         </p:nvGrpSpPr>
         <p:grpSpPr>
-          <a:xfrm rot="0">
+          <a:xfrm>
             <a:off x="0" y="0"/>
             <a:ext cx="4572000" cy="9144000"/>
             <a:chOff x="0" y="0"/>
@@ -8660,7 +8467,7 @@
         </p:grpSpPr>
         <p:sp>
           <p:nvSpPr>
-            <p:cNvPr id="3" name=""/>
+            <p:cNvPr id="3" name="Rectangle 2"/>
             <p:cNvSpPr/>
             <p:nvPr/>
           </p:nvSpPr>
@@ -8708,7 +8515,7 @@
         </p:sp>
         <p:sp>
           <p:nvSpPr>
-            <p:cNvPr id="4" name=""/>
+            <p:cNvPr id="4" name="Rectangle 3"/>
             <p:cNvSpPr/>
             <p:nvPr/>
           </p:nvSpPr>
@@ -8756,7 +8563,7 @@
         </p:sp>
         <p:sp>
           <p:nvSpPr>
-            <p:cNvPr id="5" name=""/>
+            <p:cNvPr id="5" name="Rectangle 4"/>
             <p:cNvSpPr/>
             <p:nvPr/>
           </p:nvSpPr>
@@ -8806,7 +8613,7 @@
         </p:sp>
         <p:pic>
           <p:nvPicPr>
-            <p:cNvPr id="6" name=""/>
+            <p:cNvPr id="6" name="Picture 5"/>
             <p:cNvPicPr/>
             <p:nvPr/>
           </p:nvPicPr>
@@ -8828,7 +8635,7 @@
         </p:pic>
         <p:sp>
           <p:nvSpPr>
-            <p:cNvPr id="7" name=""/>
+            <p:cNvPr id="7" name="TextBox 6"/>
             <p:cNvSpPr txBox="1"/>
             <p:nvPr/>
           </p:nvSpPr>
@@ -8851,20 +8658,17 @@
                 <a:defRPr/>
               </a:pPr>
               <a:r>
-                <a:rPr lang="en-US" altLang="ko-KR" sz="20000">
-                  <a:latin typeface="Segment7"/>
+                <a:rPr lang="en-US" altLang="ko-KR" sz="14000" dirty="0">
+                  <a:latin typeface="DSEG14 Classic" panose="02000503000000000000" pitchFamily="2" charset="0"/>
                 </a:rPr>
                 <a:t>04</a:t>
               </a:r>
-              <a:endParaRPr lang="en-US" altLang="ko-KR" sz="20000">
-                <a:latin typeface="Segment7"/>
-              </a:endParaRPr>
             </a:p>
           </p:txBody>
         </p:sp>
         <p:sp>
           <p:nvSpPr>
-            <p:cNvPr id="8" name=""/>
+            <p:cNvPr id="8" name="TextBox 7"/>
             <p:cNvSpPr txBox="1"/>
             <p:nvPr/>
           </p:nvSpPr>
@@ -8887,30 +8691,22 @@
                 <a:defRPr/>
               </a:pPr>
               <a:r>
-                <a:rPr lang="en-US" altLang="ko-KR" sz="20000">
+                <a:rPr lang="en-US" altLang="ko-KR" sz="14000" dirty="0">
                   <a:solidFill>
                     <a:schemeClr val="tx1">
                       <a:alpha val="10000"/>
                     </a:schemeClr>
                   </a:solidFill>
-                  <a:latin typeface="Segment7"/>
+                  <a:latin typeface="DSEG14 Classic" panose="02000503000000000000" pitchFamily="2" charset="0"/>
                 </a:rPr>
                 <a:t>88</a:t>
               </a:r>
-              <a:endParaRPr lang="en-US" altLang="ko-KR" sz="20000">
-                <a:solidFill>
-                  <a:schemeClr val="tx1">
-                    <a:alpha val="10000"/>
-                  </a:schemeClr>
-                </a:solidFill>
-                <a:latin typeface="Segment7"/>
-              </a:endParaRPr>
             </a:p>
           </p:txBody>
         </p:sp>
         <p:cxnSp>
           <p:nvCxnSpPr>
-            <p:cNvPr id="9" name=""/>
+            <p:cNvPr id="9" name="Straight Connector 8"/>
             <p:cNvCxnSpPr>
               <a:stCxn id="4" idx="1"/>
               <a:endCxn id="4" idx="3"/>
@@ -8949,7 +8745,7 @@
         </p:cxnSp>
         <p:sp>
           <p:nvSpPr>
-            <p:cNvPr id="10" name=""/>
+            <p:cNvPr id="10" name="TextBox 9"/>
             <p:cNvSpPr txBox="1"/>
             <p:nvPr/>
           </p:nvSpPr>
@@ -8989,20 +8785,17 @@
                 </a:rPr>
                 <a:t>O N</a:t>
               </a:r>
-              <a:endParaRPr lang="en-US" altLang="ko-KR" sz="3000">
-                <a:latin typeface="Bahnschrift Light SemiCondensed"/>
-              </a:endParaRPr>
             </a:p>
           </p:txBody>
         </p:sp>
         <p:grpSp>
           <p:nvGrpSpPr>
-            <p:cNvPr id="49" name=""/>
+            <p:cNvPr id="49" name="Group 48"/>
             <p:cNvGrpSpPr/>
             <p:nvPr/>
           </p:nvGrpSpPr>
           <p:grpSpPr>
-            <a:xfrm rot="0">
+            <a:xfrm>
               <a:off x="2129518" y="6562800"/>
               <a:ext cx="312964" cy="312964"/>
               <a:chOff x="1728106" y="7113134"/>
@@ -9011,7 +8804,7 @@
           </p:grpSpPr>
           <p:sp>
             <p:nvSpPr>
-              <p:cNvPr id="47" name=""/>
+              <p:cNvPr id="47" name="Rectangle 46"/>
               <p:cNvSpPr/>
               <p:nvPr/>
             </p:nvSpPr>
@@ -9026,7 +8819,7 @@
               <a:noFill/>
               <a:ln w="38100">
                 <a:solidFill>
-                  <a:srgbClr val="f62d2d"/>
+                  <a:srgbClr val="F62D2D"/>
                 </a:solidFill>
               </a:ln>
             </p:spPr>
@@ -9048,6 +8841,7 @@
             </p:style>
             <p:txBody>
               <a:bodyPr anchor="ctr"/>
+              <a:lstStyle/>
               <a:p>
                 <a:pPr algn="ctr">
                   <a:defRPr/>
@@ -9058,7 +8852,7 @@
           </p:sp>
           <p:cxnSp>
             <p:nvCxnSpPr>
-              <p:cNvPr id="48" name=""/>
+              <p:cNvPr id="48" name="Straight Connector 47"/>
               <p:cNvCxnSpPr/>
               <p:nvPr/>
             </p:nvCxnSpPr>
@@ -9072,7 +8866,7 @@
               </a:prstGeom>
               <a:ln w="38100" cap="rnd">
                 <a:solidFill>
-                  <a:srgbClr val="f62d2d"/>
+                  <a:srgbClr val="F62D2D"/>
                 </a:solidFill>
               </a:ln>
             </p:spPr>
@@ -9094,7 +8888,7 @@
         </p:grpSp>
         <p:sp>
           <p:nvSpPr>
-            <p:cNvPr id="93" name=""/>
+            <p:cNvPr id="93" name="Oval 92"/>
             <p:cNvSpPr/>
             <p:nvPr/>
           </p:nvSpPr>
@@ -9131,6 +8925,7 @@
           </p:style>
           <p:txBody>
             <a:bodyPr anchor="ctr"/>
+            <a:lstStyle/>
             <a:p>
               <a:pPr algn="ctr">
                 <a:defRPr/>
@@ -9141,7 +8936,7 @@
         </p:sp>
         <p:sp>
           <p:nvSpPr>
-            <p:cNvPr id="94" name=""/>
+            <p:cNvPr id="94" name="Oval 93"/>
             <p:cNvSpPr/>
             <p:nvPr/>
           </p:nvSpPr>
@@ -9189,7 +8984,7 @@
         </p:sp>
         <p:sp>
           <p:nvSpPr>
-            <p:cNvPr id="95" name=""/>
+            <p:cNvPr id="95" name="Oval 94"/>
             <p:cNvSpPr/>
             <p:nvPr/>
           </p:nvSpPr>
@@ -9237,7 +9032,7 @@
         </p:sp>
         <p:sp>
           <p:nvSpPr>
-            <p:cNvPr id="96" name=""/>
+            <p:cNvPr id="96" name="Oval 95"/>
             <p:cNvSpPr/>
             <p:nvPr/>
           </p:nvSpPr>
@@ -9285,7 +9080,7 @@
         </p:sp>
         <p:sp>
           <p:nvSpPr>
-            <p:cNvPr id="97" name=""/>
+            <p:cNvPr id="97" name="Oval 96"/>
             <p:cNvSpPr/>
             <p:nvPr/>
           </p:nvSpPr>
@@ -9334,7 +9129,7 @@
         </p:sp>
         <p:sp>
           <p:nvSpPr>
-            <p:cNvPr id="98" name=""/>
+            <p:cNvPr id="98" name="Oval 97"/>
             <p:cNvSpPr/>
             <p:nvPr/>
           </p:nvSpPr>
@@ -9383,7 +9178,7 @@
         </p:sp>
         <p:sp>
           <p:nvSpPr>
-            <p:cNvPr id="99" name=""/>
+            <p:cNvPr id="99" name="Oval 98"/>
             <p:cNvSpPr/>
             <p:nvPr/>
           </p:nvSpPr>
@@ -9432,7 +9227,7 @@
         </p:sp>
         <p:sp>
           <p:nvSpPr>
-            <p:cNvPr id="100" name=""/>
+            <p:cNvPr id="100" name="Oval 99"/>
             <p:cNvSpPr/>
             <p:nvPr/>
           </p:nvSpPr>
@@ -9480,16 +9275,739 @@
           </p:txBody>
         </p:sp>
       </p:grpSp>
+      <p:grpSp>
+        <p:nvGrpSpPr>
+          <p:cNvPr id="45" name="Group 44">
+            <a:extLst>
+              <a:ext uri="{FF2B5EF4-FFF2-40B4-BE49-F238E27FC236}">
+                <a16:creationId xmlns:a16="http://schemas.microsoft.com/office/drawing/2014/main" id="{C3AA1E06-2532-F146-2CEF-AA1CC5C5223E}"/>
+              </a:ext>
+            </a:extLst>
+          </p:cNvPr>
+          <p:cNvGrpSpPr/>
+          <p:nvPr/>
+        </p:nvGrpSpPr>
+        <p:grpSpPr>
+          <a:xfrm>
+            <a:off x="4568845" y="0"/>
+            <a:ext cx="4572000" cy="9144000"/>
+            <a:chOff x="4568845" y="0"/>
+            <a:chExt cx="4572000" cy="9144000"/>
+          </a:xfrm>
+        </p:grpSpPr>
+        <p:sp>
+          <p:nvSpPr>
+            <p:cNvPr id="11" name="Rectangle 10">
+              <a:extLst>
+                <a:ext uri="{FF2B5EF4-FFF2-40B4-BE49-F238E27FC236}">
+                  <a16:creationId xmlns:a16="http://schemas.microsoft.com/office/drawing/2014/main" id="{0CCD1A14-B339-9D67-ACF7-81BA30F7F21A}"/>
+                </a:ext>
+              </a:extLst>
+            </p:cNvPr>
+            <p:cNvSpPr/>
+            <p:nvPr/>
+          </p:nvSpPr>
+          <p:spPr>
+            <a:xfrm>
+              <a:off x="4568845" y="0"/>
+              <a:ext cx="4572000" cy="9144000"/>
+            </a:xfrm>
+            <a:prstGeom prst="rect">
+              <a:avLst/>
+            </a:prstGeom>
+            <a:solidFill>
+              <a:schemeClr val="lt1"/>
+            </a:solidFill>
+            <a:ln>
+              <a:noFill/>
+            </a:ln>
+          </p:spPr>
+          <p:style>
+            <a:lnRef idx="2">
+              <a:schemeClr val="accent1">
+                <a:shade val="20000"/>
+              </a:schemeClr>
+            </a:lnRef>
+            <a:fillRef idx="1">
+              <a:schemeClr val="accent1"/>
+            </a:fillRef>
+            <a:effectRef idx="0">
+              <a:schemeClr val="accent1"/>
+            </a:effectRef>
+            <a:fontRef idx="minor">
+              <a:schemeClr val="lt1"/>
+            </a:fontRef>
+          </p:style>
+          <p:txBody>
+            <a:bodyPr anchor="ctr"/>
+            <a:lstStyle/>
+            <a:p>
+              <a:pPr algn="ctr">
+                <a:defRPr/>
+              </a:pPr>
+              <a:endParaRPr lang="ko-KR" altLang="en-US"/>
+            </a:p>
+          </p:txBody>
+        </p:sp>
+        <p:sp>
+          <p:nvSpPr>
+            <p:cNvPr id="12" name="Rectangle 11">
+              <a:extLst>
+                <a:ext uri="{FF2B5EF4-FFF2-40B4-BE49-F238E27FC236}">
+                  <a16:creationId xmlns:a16="http://schemas.microsoft.com/office/drawing/2014/main" id="{9B1F331C-A4CD-341E-FF06-9AA46CAB4EDC}"/>
+                </a:ext>
+              </a:extLst>
+            </p:cNvPr>
+            <p:cNvSpPr/>
+            <p:nvPr/>
+          </p:nvSpPr>
+          <p:spPr>
+            <a:xfrm>
+              <a:off x="4775761" y="235115"/>
+              <a:ext cx="4164478" cy="8718052"/>
+            </a:xfrm>
+            <a:prstGeom prst="rect">
+              <a:avLst/>
+            </a:prstGeom>
+            <a:noFill/>
+            <a:ln w="38100">
+              <a:solidFill>
+                <a:schemeClr val="dk1"/>
+              </a:solidFill>
+            </a:ln>
+          </p:spPr>
+          <p:style>
+            <a:lnRef idx="2">
+              <a:schemeClr val="accent1">
+                <a:shade val="20000"/>
+              </a:schemeClr>
+            </a:lnRef>
+            <a:fillRef idx="1">
+              <a:schemeClr val="accent1"/>
+            </a:fillRef>
+            <a:effectRef idx="0">
+              <a:schemeClr val="accent1"/>
+            </a:effectRef>
+            <a:fontRef idx="minor">
+              <a:schemeClr val="lt1"/>
+            </a:fontRef>
+          </p:style>
+          <p:txBody>
+            <a:bodyPr anchor="ctr"/>
+            <a:lstStyle/>
+            <a:p>
+              <a:pPr algn="ctr">
+                <a:defRPr/>
+              </a:pPr>
+              <a:endParaRPr lang="ko-KR" altLang="en-US"/>
+            </a:p>
+          </p:txBody>
+        </p:sp>
+        <p:sp>
+          <p:nvSpPr>
+            <p:cNvPr id="13" name="Rectangle 12">
+              <a:extLst>
+                <a:ext uri="{FF2B5EF4-FFF2-40B4-BE49-F238E27FC236}">
+                  <a16:creationId xmlns:a16="http://schemas.microsoft.com/office/drawing/2014/main" id="{3068A88D-2CBB-850E-A42E-B9250D369152}"/>
+                </a:ext>
+              </a:extLst>
+            </p:cNvPr>
+            <p:cNvSpPr/>
+            <p:nvPr/>
+          </p:nvSpPr>
+          <p:spPr>
+            <a:xfrm>
+              <a:off x="4754646" y="8652049"/>
+              <a:ext cx="2024331" cy="320168"/>
+            </a:xfrm>
+            <a:prstGeom prst="rect">
+              <a:avLst/>
+            </a:prstGeom>
+            <a:solidFill>
+              <a:schemeClr val="lt1"/>
+            </a:solidFill>
+            <a:ln>
+              <a:solidFill>
+                <a:schemeClr val="lt1"/>
+              </a:solidFill>
+            </a:ln>
+          </p:spPr>
+          <p:style>
+            <a:lnRef idx="2">
+              <a:schemeClr val="accent1">
+                <a:shade val="20000"/>
+              </a:schemeClr>
+            </a:lnRef>
+            <a:fillRef idx="1">
+              <a:schemeClr val="accent1"/>
+            </a:fillRef>
+            <a:effectRef idx="0">
+              <a:schemeClr val="accent1"/>
+            </a:effectRef>
+            <a:fontRef idx="minor">
+              <a:schemeClr val="lt1"/>
+            </a:fontRef>
+          </p:style>
+          <p:txBody>
+            <a:bodyPr anchor="ctr"/>
+            <a:lstStyle/>
+            <a:p>
+              <a:pPr algn="ctr">
+                <a:defRPr/>
+              </a:pPr>
+              <a:endParaRPr lang="ko-KR" altLang="en-US"/>
+            </a:p>
+          </p:txBody>
+        </p:sp>
+        <p:pic>
+          <p:nvPicPr>
+            <p:cNvPr id="14" name="Picture 13">
+              <a:extLst>
+                <a:ext uri="{FF2B5EF4-FFF2-40B4-BE49-F238E27FC236}">
+                  <a16:creationId xmlns:a16="http://schemas.microsoft.com/office/drawing/2014/main" id="{9E962E11-1CCA-F4F5-564F-6C6283A743E0}"/>
+                </a:ext>
+              </a:extLst>
+            </p:cNvPr>
+            <p:cNvPicPr/>
+            <p:nvPr/>
+          </p:nvPicPr>
+          <p:blipFill rotWithShape="1">
+            <a:blip r:embed="rId2"/>
+            <a:stretch>
+              <a:fillRect/>
+            </a:stretch>
+          </p:blipFill>
+          <p:spPr>
+            <a:xfrm>
+              <a:off x="4754646" y="8623476"/>
+              <a:ext cx="1960497" cy="377317"/>
+            </a:xfrm>
+            <a:prstGeom prst="rect">
+              <a:avLst/>
+            </a:prstGeom>
+          </p:spPr>
+        </p:pic>
+        <p:sp>
+          <p:nvSpPr>
+            <p:cNvPr id="15" name="TextBox 14">
+              <a:extLst>
+                <a:ext uri="{FF2B5EF4-FFF2-40B4-BE49-F238E27FC236}">
+                  <a16:creationId xmlns:a16="http://schemas.microsoft.com/office/drawing/2014/main" id="{F9F5335E-5614-A2CA-8A44-46F1B3DDF912}"/>
+                </a:ext>
+              </a:extLst>
+            </p:cNvPr>
+            <p:cNvSpPr txBox="1"/>
+            <p:nvPr/>
+          </p:nvSpPr>
+          <p:spPr>
+            <a:xfrm>
+              <a:off x="4831013" y="1332196"/>
+              <a:ext cx="4109226" cy="2539900"/>
+            </a:xfrm>
+            <a:prstGeom prst="rect">
+              <a:avLst/>
+            </a:prstGeom>
+          </p:spPr>
+          <p:txBody>
+            <a:bodyPr wrap="none" anchor="ctr" anchorCtr="0">
+              <a:noAutofit/>
+            </a:bodyPr>
+            <a:lstStyle/>
+            <a:p>
+              <a:pPr algn="ctr">
+                <a:defRPr/>
+              </a:pPr>
+              <a:r>
+                <a:rPr lang="en-US" altLang="ko-KR" sz="14000" dirty="0">
+                  <a:latin typeface="DSEG14 Classic" panose="02000503000000000000" pitchFamily="2" charset="0"/>
+                </a:rPr>
+                <a:t>05</a:t>
+              </a:r>
+            </a:p>
+          </p:txBody>
+        </p:sp>
+        <p:sp>
+          <p:nvSpPr>
+            <p:cNvPr id="16" name="TextBox 15">
+              <a:extLst>
+                <a:ext uri="{FF2B5EF4-FFF2-40B4-BE49-F238E27FC236}">
+                  <a16:creationId xmlns:a16="http://schemas.microsoft.com/office/drawing/2014/main" id="{00F57B4A-1F00-4C41-2D67-DCF6C9F7F9DE}"/>
+                </a:ext>
+              </a:extLst>
+            </p:cNvPr>
+            <p:cNvSpPr txBox="1"/>
+            <p:nvPr/>
+          </p:nvSpPr>
+          <p:spPr>
+            <a:xfrm>
+              <a:off x="4775761" y="1332196"/>
+              <a:ext cx="4164478" cy="2539900"/>
+            </a:xfrm>
+            <a:prstGeom prst="rect">
+              <a:avLst/>
+            </a:prstGeom>
+          </p:spPr>
+          <p:txBody>
+            <a:bodyPr wrap="none" anchor="ctr" anchorCtr="0">
+              <a:noAutofit/>
+            </a:bodyPr>
+            <a:lstStyle/>
+            <a:p>
+              <a:pPr algn="ctr">
+                <a:defRPr/>
+              </a:pPr>
+              <a:r>
+                <a:rPr lang="en-US" altLang="ko-KR" sz="14000" dirty="0">
+                  <a:solidFill>
+                    <a:schemeClr val="tx1">
+                      <a:alpha val="10000"/>
+                    </a:schemeClr>
+                  </a:solidFill>
+                  <a:latin typeface="DSEG14 Classic" panose="02000503000000000000" pitchFamily="2" charset="0"/>
+                </a:rPr>
+                <a:t>08</a:t>
+              </a:r>
+            </a:p>
+          </p:txBody>
+        </p:sp>
+        <p:cxnSp>
+          <p:nvCxnSpPr>
+            <p:cNvPr id="17" name="Straight Connector 16">
+              <a:extLst>
+                <a:ext uri="{FF2B5EF4-FFF2-40B4-BE49-F238E27FC236}">
+                  <a16:creationId xmlns:a16="http://schemas.microsoft.com/office/drawing/2014/main" id="{033C9664-880E-5203-F19A-74166B556A06}"/>
+                </a:ext>
+              </a:extLst>
+            </p:cNvPr>
+            <p:cNvCxnSpPr>
+              <a:stCxn id="12" idx="1"/>
+              <a:endCxn id="12" idx="3"/>
+            </p:cNvCxnSpPr>
+            <p:nvPr/>
+          </p:nvCxnSpPr>
+          <p:spPr>
+            <a:xfrm>
+              <a:off x="4775761" y="4594141"/>
+              <a:ext cx="4164478" cy="0"/>
+            </a:xfrm>
+            <a:prstGeom prst="line">
+              <a:avLst/>
+            </a:prstGeom>
+            <a:ln w="38100">
+              <a:solidFill>
+                <a:schemeClr val="dk1"/>
+              </a:solidFill>
+              <a:prstDash val="sysDash"/>
+            </a:ln>
+          </p:spPr>
+          <p:style>
+            <a:lnRef idx="1">
+              <a:schemeClr val="accent1"/>
+            </a:lnRef>
+            <a:fillRef idx="0">
+              <a:schemeClr val="accent1"/>
+            </a:fillRef>
+            <a:effectRef idx="0">
+              <a:schemeClr val="accent1"/>
+            </a:effectRef>
+            <a:fontRef idx="minor">
+              <a:schemeClr val="tx1"/>
+            </a:fontRef>
+          </p:style>
+        </p:cxnSp>
+        <p:sp>
+          <p:nvSpPr>
+            <p:cNvPr id="18" name="TextBox 17">
+              <a:extLst>
+                <a:ext uri="{FF2B5EF4-FFF2-40B4-BE49-F238E27FC236}">
+                  <a16:creationId xmlns:a16="http://schemas.microsoft.com/office/drawing/2014/main" id="{810F6E0A-7460-2591-B1B1-8E93D5DA26B7}"/>
+                </a:ext>
+              </a:extLst>
+            </p:cNvPr>
+            <p:cNvSpPr txBox="1"/>
+            <p:nvPr/>
+          </p:nvSpPr>
+          <p:spPr>
+            <a:xfrm>
+              <a:off x="4775761" y="565149"/>
+              <a:ext cx="4164478" cy="595597"/>
+            </a:xfrm>
+            <a:prstGeom prst="rect">
+              <a:avLst/>
+            </a:prstGeom>
+          </p:spPr>
+          <p:txBody>
+            <a:bodyPr wrap="square" lIns="72009" tIns="72009" rIns="72009" bIns="72009">
+              <a:spAutoFit/>
+            </a:bodyPr>
+            <a:lstStyle/>
+            <a:p>
+              <a:pPr algn="ctr">
+                <a:defRPr/>
+              </a:pPr>
+              <a:r>
+                <a:rPr lang="en-US" altLang="ko-KR" sz="3000">
+                  <a:latin typeface="Bahnschrift Light SemiCondensed"/>
+                </a:rPr>
+                <a:t>S E C T I</a:t>
+              </a:r>
+              <a:r>
+                <a:rPr lang="ko-KR" altLang="en-US" sz="3000">
+                  <a:latin typeface="Bahnschrift Light SemiCondensed"/>
+                </a:rPr>
+                <a:t> </a:t>
+              </a:r>
+              <a:r>
+                <a:rPr lang="en-US" altLang="ko-KR" sz="3000">
+                  <a:latin typeface="Bahnschrift Light SemiCondensed"/>
+                </a:rPr>
+                <a:t>O N</a:t>
+              </a:r>
+            </a:p>
+          </p:txBody>
+        </p:sp>
+        <p:grpSp>
+          <p:nvGrpSpPr>
+            <p:cNvPr id="44" name="Group 43">
+              <a:extLst>
+                <a:ext uri="{FF2B5EF4-FFF2-40B4-BE49-F238E27FC236}">
+                  <a16:creationId xmlns:a16="http://schemas.microsoft.com/office/drawing/2014/main" id="{EE36B086-187C-CA51-F3AE-0191BA3C8C94}"/>
+                </a:ext>
+              </a:extLst>
+            </p:cNvPr>
+            <p:cNvGrpSpPr/>
+            <p:nvPr/>
+          </p:nvGrpSpPr>
+          <p:grpSpPr>
+            <a:xfrm>
+              <a:off x="5553984" y="5793663"/>
+              <a:ext cx="2606254" cy="1851235"/>
+              <a:chOff x="5491266" y="6008251"/>
+              <a:chExt cx="2606254" cy="1851235"/>
+            </a:xfrm>
+          </p:grpSpPr>
+          <p:sp>
+            <p:nvSpPr>
+              <p:cNvPr id="36" name="Rectangle 35">
+                <a:extLst>
+                  <a:ext uri="{FF2B5EF4-FFF2-40B4-BE49-F238E27FC236}">
+                    <a16:creationId xmlns:a16="http://schemas.microsoft.com/office/drawing/2014/main" id="{9FA2DDFE-1011-E56D-32CA-67242CFE541B}"/>
+                  </a:ext>
+                </a:extLst>
+              </p:cNvPr>
+              <p:cNvSpPr/>
+              <p:nvPr/>
+            </p:nvSpPr>
+            <p:spPr>
+              <a:xfrm rot="16200000">
+                <a:off x="5511677" y="7328807"/>
+                <a:ext cx="510268" cy="551089"/>
+              </a:xfrm>
+              <a:prstGeom prst="rect">
+                <a:avLst/>
+              </a:prstGeom>
+              <a:noFill/>
+              <a:ln w="38100" cap="flat">
+                <a:solidFill>
+                  <a:schemeClr val="dk1"/>
+                </a:solidFill>
+                <a:prstDash val="sysDash"/>
+              </a:ln>
+            </p:spPr>
+            <p:style>
+              <a:lnRef idx="2">
+                <a:schemeClr val="accent1">
+                  <a:shade val="20000"/>
+                </a:schemeClr>
+              </a:lnRef>
+              <a:fillRef idx="1">
+                <a:schemeClr val="accent1"/>
+              </a:fillRef>
+              <a:effectRef idx="0">
+                <a:schemeClr val="accent1"/>
+              </a:effectRef>
+              <a:fontRef idx="minor">
+                <a:schemeClr val="lt1"/>
+              </a:fontRef>
+            </p:style>
+            <p:txBody>
+              <a:bodyPr anchor="ctr"/>
+              <a:lstStyle/>
+              <a:p>
+                <a:pPr algn="ctr">
+                  <a:defRPr/>
+                </a:pPr>
+                <a:endParaRPr lang="ko-KR" altLang="en-US"/>
+              </a:p>
+            </p:txBody>
+          </p:sp>
+          <p:cxnSp>
+            <p:nvCxnSpPr>
+              <p:cNvPr id="21" name="Straight Connector 20">
+                <a:extLst>
+                  <a:ext uri="{FF2B5EF4-FFF2-40B4-BE49-F238E27FC236}">
+                    <a16:creationId xmlns:a16="http://schemas.microsoft.com/office/drawing/2014/main" id="{BB989C11-B42D-825F-FB22-779530B113EA}"/>
+                  </a:ext>
+                </a:extLst>
+              </p:cNvPr>
+              <p:cNvCxnSpPr>
+                <a:cxnSpLocks/>
+              </p:cNvCxnSpPr>
+              <p:nvPr/>
+            </p:nvCxnSpPr>
+            <p:spPr>
+              <a:xfrm flipV="1">
+                <a:off x="5766811" y="6733681"/>
+                <a:ext cx="0" cy="407963"/>
+              </a:xfrm>
+              <a:prstGeom prst="line">
+                <a:avLst/>
+              </a:prstGeom>
+              <a:ln w="38100" cap="rnd">
+                <a:solidFill>
+                  <a:schemeClr val="dk1"/>
+                </a:solidFill>
+                <a:tailEnd type="triangle" w="med" len="sm"/>
+              </a:ln>
+            </p:spPr>
+            <p:style>
+              <a:lnRef idx="1">
+                <a:schemeClr val="accent1"/>
+              </a:lnRef>
+              <a:fillRef idx="0">
+                <a:schemeClr val="accent1"/>
+              </a:fillRef>
+              <a:effectRef idx="0">
+                <a:schemeClr val="accent1"/>
+              </a:effectRef>
+              <a:fontRef idx="minor">
+                <a:schemeClr val="tx1"/>
+              </a:fontRef>
+            </p:style>
+          </p:cxnSp>
+          <p:sp>
+            <p:nvSpPr>
+              <p:cNvPr id="38" name="Rectangle 37">
+                <a:extLst>
+                  <a:ext uri="{FF2B5EF4-FFF2-40B4-BE49-F238E27FC236}">
+                    <a16:creationId xmlns:a16="http://schemas.microsoft.com/office/drawing/2014/main" id="{65D33297-ED85-EC09-4C0B-8C3A9FDF11EA}"/>
+                  </a:ext>
+                </a:extLst>
+              </p:cNvPr>
+              <p:cNvSpPr/>
+              <p:nvPr/>
+            </p:nvSpPr>
+            <p:spPr>
+              <a:xfrm rot="16200000">
+                <a:off x="5511677" y="5987841"/>
+                <a:ext cx="510268" cy="551089"/>
+              </a:xfrm>
+              <a:prstGeom prst="rect">
+                <a:avLst/>
+              </a:prstGeom>
+              <a:noFill/>
+              <a:ln w="38100" cap="flat">
+                <a:solidFill>
+                  <a:schemeClr val="dk1"/>
+                </a:solidFill>
+                <a:prstDash val="solid"/>
+              </a:ln>
+            </p:spPr>
+            <p:style>
+              <a:lnRef idx="2">
+                <a:schemeClr val="accent1">
+                  <a:shade val="20000"/>
+                </a:schemeClr>
+              </a:lnRef>
+              <a:fillRef idx="1">
+                <a:schemeClr val="accent1"/>
+              </a:fillRef>
+              <a:effectRef idx="0">
+                <a:schemeClr val="accent1"/>
+              </a:effectRef>
+              <a:fontRef idx="minor">
+                <a:schemeClr val="lt1"/>
+              </a:fontRef>
+            </p:style>
+            <p:txBody>
+              <a:bodyPr anchor="ctr"/>
+              <a:lstStyle/>
+              <a:p>
+                <a:pPr algn="ctr">
+                  <a:defRPr/>
+                </a:pPr>
+                <a:endParaRPr lang="ko-KR" altLang="en-US"/>
+              </a:p>
+            </p:txBody>
+          </p:sp>
+          <p:sp>
+            <p:nvSpPr>
+              <p:cNvPr id="39" name="Rectangle 38">
+                <a:extLst>
+                  <a:ext uri="{FF2B5EF4-FFF2-40B4-BE49-F238E27FC236}">
+                    <a16:creationId xmlns:a16="http://schemas.microsoft.com/office/drawing/2014/main" id="{38D728D9-3A45-CB32-751E-820F6E1A94A8}"/>
+                  </a:ext>
+                </a:extLst>
+              </p:cNvPr>
+              <p:cNvSpPr/>
+              <p:nvPr/>
+            </p:nvSpPr>
+            <p:spPr>
+              <a:xfrm rot="16200000">
+                <a:off x="6261448" y="5987840"/>
+                <a:ext cx="510268" cy="551089"/>
+              </a:xfrm>
+              <a:prstGeom prst="rect">
+                <a:avLst/>
+              </a:prstGeom>
+              <a:noFill/>
+              <a:ln w="38100" cap="flat">
+                <a:solidFill>
+                  <a:schemeClr val="dk1"/>
+                </a:solidFill>
+                <a:prstDash val="solid"/>
+              </a:ln>
+            </p:spPr>
+            <p:style>
+              <a:lnRef idx="2">
+                <a:schemeClr val="accent1">
+                  <a:shade val="20000"/>
+                </a:schemeClr>
+              </a:lnRef>
+              <a:fillRef idx="1">
+                <a:schemeClr val="accent1"/>
+              </a:fillRef>
+              <a:effectRef idx="0">
+                <a:schemeClr val="accent1"/>
+              </a:effectRef>
+              <a:fontRef idx="minor">
+                <a:schemeClr val="lt1"/>
+              </a:fontRef>
+            </p:style>
+            <p:txBody>
+              <a:bodyPr anchor="ctr"/>
+              <a:lstStyle/>
+              <a:p>
+                <a:pPr algn="ctr">
+                  <a:defRPr/>
+                </a:pPr>
+                <a:endParaRPr lang="ko-KR" altLang="en-US"/>
+              </a:p>
+            </p:txBody>
+          </p:sp>
+          <p:sp>
+            <p:nvSpPr>
+              <p:cNvPr id="40" name="Rectangle 39">
+                <a:extLst>
+                  <a:ext uri="{FF2B5EF4-FFF2-40B4-BE49-F238E27FC236}">
+                    <a16:creationId xmlns:a16="http://schemas.microsoft.com/office/drawing/2014/main" id="{5F29AA0D-A6B8-D1B4-FDE0-3F6A249DE225}"/>
+                  </a:ext>
+                </a:extLst>
+              </p:cNvPr>
+              <p:cNvSpPr/>
+              <p:nvPr/>
+            </p:nvSpPr>
+            <p:spPr>
+              <a:xfrm rot="16200000">
+                <a:off x="7011219" y="5987841"/>
+                <a:ext cx="510268" cy="551089"/>
+              </a:xfrm>
+              <a:prstGeom prst="rect">
+                <a:avLst/>
+              </a:prstGeom>
+              <a:noFill/>
+              <a:ln w="38100" cap="flat">
+                <a:solidFill>
+                  <a:schemeClr val="dk1"/>
+                </a:solidFill>
+                <a:prstDash val="solid"/>
+              </a:ln>
+            </p:spPr>
+            <p:style>
+              <a:lnRef idx="2">
+                <a:schemeClr val="accent1">
+                  <a:shade val="20000"/>
+                </a:schemeClr>
+              </a:lnRef>
+              <a:fillRef idx="1">
+                <a:schemeClr val="accent1"/>
+              </a:fillRef>
+              <a:effectRef idx="0">
+                <a:schemeClr val="accent1"/>
+              </a:effectRef>
+              <a:fontRef idx="minor">
+                <a:schemeClr val="lt1"/>
+              </a:fontRef>
+            </p:style>
+            <p:txBody>
+              <a:bodyPr anchor="ctr"/>
+              <a:lstStyle/>
+              <a:p>
+                <a:pPr algn="ctr">
+                  <a:defRPr/>
+                </a:pPr>
+                <a:endParaRPr lang="ko-KR" altLang="en-US"/>
+              </a:p>
+            </p:txBody>
+          </p:sp>
+          <p:cxnSp>
+            <p:nvCxnSpPr>
+              <p:cNvPr id="41" name="Straight Connector 40">
+                <a:extLst>
+                  <a:ext uri="{FF2B5EF4-FFF2-40B4-BE49-F238E27FC236}">
+                    <a16:creationId xmlns:a16="http://schemas.microsoft.com/office/drawing/2014/main" id="{44938E8E-13BC-9654-01D3-6654A3B72A71}"/>
+                  </a:ext>
+                </a:extLst>
+              </p:cNvPr>
+              <p:cNvCxnSpPr>
+                <a:cxnSpLocks/>
+              </p:cNvCxnSpPr>
+              <p:nvPr/>
+            </p:nvCxnSpPr>
+            <p:spPr>
+              <a:xfrm flipH="1">
+                <a:off x="7727691" y="6263384"/>
+                <a:ext cx="369829" cy="0"/>
+              </a:xfrm>
+              <a:prstGeom prst="line">
+                <a:avLst/>
+              </a:prstGeom>
+              <a:ln w="38100" cap="rnd">
+                <a:solidFill>
+                  <a:schemeClr val="dk1"/>
+                </a:solidFill>
+                <a:prstDash val="sysDot"/>
+                <a:headEnd type="none" w="med" len="med"/>
+                <a:tailEnd type="none" w="med" len="med"/>
+              </a:ln>
+            </p:spPr>
+            <p:style>
+              <a:lnRef idx="1">
+                <a:schemeClr val="accent1"/>
+              </a:lnRef>
+              <a:fillRef idx="0">
+                <a:schemeClr val="accent1"/>
+              </a:fillRef>
+              <a:effectRef idx="0">
+                <a:schemeClr val="accent1"/>
+              </a:effectRef>
+              <a:fontRef idx="minor">
+                <a:schemeClr val="tx1"/>
+              </a:fontRef>
+            </p:style>
+          </p:cxnSp>
+        </p:grpSp>
+      </p:grpSp>
     </p:spTree>
   </p:cSld>
   <p:clrMapOvr>
     <a:masterClrMapping/>
   </p:clrMapOvr>
-  <mc:AlternateContent xmlns:mc="http://schemas.openxmlformats.org/markup-compatibility/2006">
-    <mc:Choice xmlns:p14="http://schemas.microsoft.com/office/powerpoint/2010/main" Requires="p14">
-      <p:transition xmlns:mc="http://schemas.openxmlformats.org/markup-compatibility/2006" xmlns:p14="http://schemas.microsoft.com/office/powerpoint/2010/main" mc:Ignorable="p14" p14:dur="500"/>
+  <mc:AlternateContent xmlns:mc="http://schemas.openxmlformats.org/markup-compatibility/2006" xmlns:p14="http://schemas.microsoft.com/office/powerpoint/2010/main">
+    <mc:Choice Requires="p14">
+      <p:transition/>
     </mc:Choice>
-    <mc:Fallback>
+    <mc:Fallback xmlns:dsp="http://schemas.microsoft.com/office/drawing/2008/diagram" xmlns:dgm="http://schemas.openxmlformats.org/drawingml/2006/diagram" xmlns:c="http://schemas.openxmlformats.org/drawingml/2006/chart" xmlns="">
       <p:transition/>
     </mc:Fallback>
   </mc:AlternateContent>
@@ -9497,13 +10015,1707 @@
 </file>
 
 <file path=ppt/slides/slide5.xml><?xml version="1.0" encoding="utf-8"?>
-<p:sld xmlns:r="http://schemas.openxmlformats.org/officeDocument/2006/relationships" xmlns:c="http://schemas.openxmlformats.org/drawingml/2006/chart" xmlns:a="http://schemas.openxmlformats.org/drawingml/2006/main" xmlns:dgm="http://schemas.openxmlformats.org/drawingml/2006/diagram" xmlns:dsp="http://schemas.microsoft.com/office/drawing/2008/diagram" xmlns:p="http://schemas.openxmlformats.org/presentationml/2006/main">
+<p:sld xmlns:a="http://schemas.openxmlformats.org/drawingml/2006/main" xmlns:r="http://schemas.openxmlformats.org/officeDocument/2006/relationships" xmlns:p="http://schemas.openxmlformats.org/presentationml/2006/main">
+  <p:cSld>
+    <p:spTree>
+      <p:nvGrpSpPr>
+        <p:cNvPr id="1" name="">
+          <a:extLst>
+            <a:ext uri="{FF2B5EF4-FFF2-40B4-BE49-F238E27FC236}">
+              <a16:creationId xmlns:a16="http://schemas.microsoft.com/office/drawing/2014/main" id="{7F5CF51E-4FD8-893B-FA58-E5A9DAFD56F1}"/>
+            </a:ext>
+          </a:extLst>
+        </p:cNvPr>
+        <p:cNvGrpSpPr/>
+        <p:nvPr/>
+      </p:nvGrpSpPr>
+      <p:grpSpPr>
+        <a:xfrm>
+          <a:off x="0" y="0"/>
+          <a:ext cx="0" cy="0"/>
+          <a:chOff x="0" y="0"/>
+          <a:chExt cx="0" cy="0"/>
+        </a:xfrm>
+      </p:grpSpPr>
+      <p:grpSp>
+        <p:nvGrpSpPr>
+          <p:cNvPr id="45" name="Group 44">
+            <a:extLst>
+              <a:ext uri="{FF2B5EF4-FFF2-40B4-BE49-F238E27FC236}">
+                <a16:creationId xmlns:a16="http://schemas.microsoft.com/office/drawing/2014/main" id="{CE23EA75-F540-C758-9179-EFA8F901323F}"/>
+              </a:ext>
+            </a:extLst>
+          </p:cNvPr>
+          <p:cNvGrpSpPr/>
+          <p:nvPr/>
+        </p:nvGrpSpPr>
+        <p:grpSpPr>
+          <a:xfrm>
+            <a:off x="4568845" y="0"/>
+            <a:ext cx="4572000" cy="9144000"/>
+            <a:chOff x="4568845" y="0"/>
+            <a:chExt cx="4572000" cy="9144000"/>
+          </a:xfrm>
+        </p:grpSpPr>
+        <p:sp>
+          <p:nvSpPr>
+            <p:cNvPr id="11" name="Rectangle 10">
+              <a:extLst>
+                <a:ext uri="{FF2B5EF4-FFF2-40B4-BE49-F238E27FC236}">
+                  <a16:creationId xmlns:a16="http://schemas.microsoft.com/office/drawing/2014/main" id="{A74D03D2-5FFA-056E-BB42-672BCF99C855}"/>
+                </a:ext>
+              </a:extLst>
+            </p:cNvPr>
+            <p:cNvSpPr/>
+            <p:nvPr/>
+          </p:nvSpPr>
+          <p:spPr>
+            <a:xfrm>
+              <a:off x="4568845" y="0"/>
+              <a:ext cx="4572000" cy="9144000"/>
+            </a:xfrm>
+            <a:prstGeom prst="rect">
+              <a:avLst/>
+            </a:prstGeom>
+            <a:solidFill>
+              <a:schemeClr val="lt1"/>
+            </a:solidFill>
+            <a:ln>
+              <a:noFill/>
+            </a:ln>
+          </p:spPr>
+          <p:style>
+            <a:lnRef idx="2">
+              <a:schemeClr val="accent1">
+                <a:shade val="20000"/>
+              </a:schemeClr>
+            </a:lnRef>
+            <a:fillRef idx="1">
+              <a:schemeClr val="accent1"/>
+            </a:fillRef>
+            <a:effectRef idx="0">
+              <a:schemeClr val="accent1"/>
+            </a:effectRef>
+            <a:fontRef idx="minor">
+              <a:schemeClr val="lt1"/>
+            </a:fontRef>
+          </p:style>
+          <p:txBody>
+            <a:bodyPr anchor="ctr"/>
+            <a:lstStyle/>
+            <a:p>
+              <a:pPr algn="ctr">
+                <a:defRPr/>
+              </a:pPr>
+              <a:endParaRPr lang="ko-KR" altLang="en-US" dirty="0"/>
+            </a:p>
+          </p:txBody>
+        </p:sp>
+        <p:sp>
+          <p:nvSpPr>
+            <p:cNvPr id="12" name="Rectangle 11">
+              <a:extLst>
+                <a:ext uri="{FF2B5EF4-FFF2-40B4-BE49-F238E27FC236}">
+                  <a16:creationId xmlns:a16="http://schemas.microsoft.com/office/drawing/2014/main" id="{2BE6350B-9D95-FF4A-8CDF-B76979482C15}"/>
+                </a:ext>
+              </a:extLst>
+            </p:cNvPr>
+            <p:cNvSpPr/>
+            <p:nvPr/>
+          </p:nvSpPr>
+          <p:spPr>
+            <a:xfrm>
+              <a:off x="4775761" y="235115"/>
+              <a:ext cx="4164478" cy="8718052"/>
+            </a:xfrm>
+            <a:prstGeom prst="rect">
+              <a:avLst/>
+            </a:prstGeom>
+            <a:noFill/>
+            <a:ln w="38100">
+              <a:solidFill>
+                <a:schemeClr val="dk1"/>
+              </a:solidFill>
+            </a:ln>
+          </p:spPr>
+          <p:style>
+            <a:lnRef idx="2">
+              <a:schemeClr val="accent1">
+                <a:shade val="20000"/>
+              </a:schemeClr>
+            </a:lnRef>
+            <a:fillRef idx="1">
+              <a:schemeClr val="accent1"/>
+            </a:fillRef>
+            <a:effectRef idx="0">
+              <a:schemeClr val="accent1"/>
+            </a:effectRef>
+            <a:fontRef idx="minor">
+              <a:schemeClr val="lt1"/>
+            </a:fontRef>
+          </p:style>
+          <p:txBody>
+            <a:bodyPr anchor="ctr"/>
+            <a:lstStyle/>
+            <a:p>
+              <a:pPr algn="ctr">
+                <a:defRPr/>
+              </a:pPr>
+              <a:endParaRPr lang="ko-KR" altLang="en-US"/>
+            </a:p>
+          </p:txBody>
+        </p:sp>
+        <p:sp>
+          <p:nvSpPr>
+            <p:cNvPr id="13" name="Rectangle 12">
+              <a:extLst>
+                <a:ext uri="{FF2B5EF4-FFF2-40B4-BE49-F238E27FC236}">
+                  <a16:creationId xmlns:a16="http://schemas.microsoft.com/office/drawing/2014/main" id="{2AB442B5-2D6D-B90B-D106-B1D2EF92DF07}"/>
+                </a:ext>
+              </a:extLst>
+            </p:cNvPr>
+            <p:cNvSpPr/>
+            <p:nvPr/>
+          </p:nvSpPr>
+          <p:spPr>
+            <a:xfrm>
+              <a:off x="4754646" y="8652049"/>
+              <a:ext cx="2024331" cy="320168"/>
+            </a:xfrm>
+            <a:prstGeom prst="rect">
+              <a:avLst/>
+            </a:prstGeom>
+            <a:solidFill>
+              <a:schemeClr val="lt1"/>
+            </a:solidFill>
+            <a:ln>
+              <a:solidFill>
+                <a:schemeClr val="lt1"/>
+              </a:solidFill>
+            </a:ln>
+          </p:spPr>
+          <p:style>
+            <a:lnRef idx="2">
+              <a:schemeClr val="accent1">
+                <a:shade val="20000"/>
+              </a:schemeClr>
+            </a:lnRef>
+            <a:fillRef idx="1">
+              <a:schemeClr val="accent1"/>
+            </a:fillRef>
+            <a:effectRef idx="0">
+              <a:schemeClr val="accent1"/>
+            </a:effectRef>
+            <a:fontRef idx="minor">
+              <a:schemeClr val="lt1"/>
+            </a:fontRef>
+          </p:style>
+          <p:txBody>
+            <a:bodyPr anchor="ctr"/>
+            <a:lstStyle/>
+            <a:p>
+              <a:pPr algn="ctr">
+                <a:defRPr/>
+              </a:pPr>
+              <a:endParaRPr lang="ko-KR" altLang="en-US"/>
+            </a:p>
+          </p:txBody>
+        </p:sp>
+        <p:pic>
+          <p:nvPicPr>
+            <p:cNvPr id="14" name="Picture 13">
+              <a:extLst>
+                <a:ext uri="{FF2B5EF4-FFF2-40B4-BE49-F238E27FC236}">
+                  <a16:creationId xmlns:a16="http://schemas.microsoft.com/office/drawing/2014/main" id="{745DE0B4-C617-F659-BA55-21DCFD22C276}"/>
+                </a:ext>
+              </a:extLst>
+            </p:cNvPr>
+            <p:cNvPicPr/>
+            <p:nvPr/>
+          </p:nvPicPr>
+          <p:blipFill rotWithShape="1">
+            <a:blip r:embed="rId2"/>
+            <a:stretch>
+              <a:fillRect/>
+            </a:stretch>
+          </p:blipFill>
+          <p:spPr>
+            <a:xfrm>
+              <a:off x="4754646" y="8623476"/>
+              <a:ext cx="1960497" cy="377317"/>
+            </a:xfrm>
+            <a:prstGeom prst="rect">
+              <a:avLst/>
+            </a:prstGeom>
+          </p:spPr>
+        </p:pic>
+        <p:sp>
+          <p:nvSpPr>
+            <p:cNvPr id="15" name="TextBox 14">
+              <a:extLst>
+                <a:ext uri="{FF2B5EF4-FFF2-40B4-BE49-F238E27FC236}">
+                  <a16:creationId xmlns:a16="http://schemas.microsoft.com/office/drawing/2014/main" id="{9E517E8E-1D29-0F2F-0828-CA77BCDB3FB6}"/>
+                </a:ext>
+              </a:extLst>
+            </p:cNvPr>
+            <p:cNvSpPr txBox="1"/>
+            <p:nvPr/>
+          </p:nvSpPr>
+          <p:spPr>
+            <a:xfrm>
+              <a:off x="4831013" y="1332196"/>
+              <a:ext cx="4109226" cy="2539900"/>
+            </a:xfrm>
+            <a:prstGeom prst="rect">
+              <a:avLst/>
+            </a:prstGeom>
+          </p:spPr>
+          <p:txBody>
+            <a:bodyPr wrap="none" anchor="ctr" anchorCtr="0">
+              <a:noAutofit/>
+            </a:bodyPr>
+            <a:lstStyle/>
+            <a:p>
+              <a:pPr algn="ctr">
+                <a:defRPr/>
+              </a:pPr>
+              <a:r>
+                <a:rPr lang="en-US" altLang="ko-KR" sz="14000" dirty="0">
+                  <a:latin typeface="DSEG14 Classic" panose="02000503000000000000" pitchFamily="2" charset="0"/>
+                </a:rPr>
+                <a:t>07</a:t>
+              </a:r>
+            </a:p>
+          </p:txBody>
+        </p:sp>
+        <p:sp>
+          <p:nvSpPr>
+            <p:cNvPr id="16" name="TextBox 15">
+              <a:extLst>
+                <a:ext uri="{FF2B5EF4-FFF2-40B4-BE49-F238E27FC236}">
+                  <a16:creationId xmlns:a16="http://schemas.microsoft.com/office/drawing/2014/main" id="{70902F4B-C12A-CA17-1EBE-D7A083D0FF6E}"/>
+                </a:ext>
+              </a:extLst>
+            </p:cNvPr>
+            <p:cNvSpPr txBox="1"/>
+            <p:nvPr/>
+          </p:nvSpPr>
+          <p:spPr>
+            <a:xfrm>
+              <a:off x="4775761" y="1332196"/>
+              <a:ext cx="4164478" cy="2539900"/>
+            </a:xfrm>
+            <a:prstGeom prst="rect">
+              <a:avLst/>
+            </a:prstGeom>
+          </p:spPr>
+          <p:txBody>
+            <a:bodyPr wrap="none" anchor="ctr" anchorCtr="0">
+              <a:noAutofit/>
+            </a:bodyPr>
+            <a:lstStyle/>
+            <a:p>
+              <a:pPr algn="ctr">
+                <a:defRPr/>
+              </a:pPr>
+              <a:r>
+                <a:rPr lang="en-US" altLang="ko-KR" sz="14000" dirty="0">
+                  <a:solidFill>
+                    <a:schemeClr val="tx1">
+                      <a:alpha val="10000"/>
+                    </a:schemeClr>
+                  </a:solidFill>
+                  <a:latin typeface="DSEG14 Classic" panose="02000503000000000000" pitchFamily="2" charset="0"/>
+                </a:rPr>
+                <a:t>88</a:t>
+              </a:r>
+            </a:p>
+          </p:txBody>
+        </p:sp>
+        <p:cxnSp>
+          <p:nvCxnSpPr>
+            <p:cNvPr id="17" name="Straight Connector 16">
+              <a:extLst>
+                <a:ext uri="{FF2B5EF4-FFF2-40B4-BE49-F238E27FC236}">
+                  <a16:creationId xmlns:a16="http://schemas.microsoft.com/office/drawing/2014/main" id="{1AA91726-1125-A274-F8F5-8790AF8E348A}"/>
+                </a:ext>
+              </a:extLst>
+            </p:cNvPr>
+            <p:cNvCxnSpPr>
+              <a:stCxn id="12" idx="1"/>
+              <a:endCxn id="12" idx="3"/>
+            </p:cNvCxnSpPr>
+            <p:nvPr/>
+          </p:nvCxnSpPr>
+          <p:spPr>
+            <a:xfrm>
+              <a:off x="4775761" y="4594141"/>
+              <a:ext cx="4164478" cy="0"/>
+            </a:xfrm>
+            <a:prstGeom prst="line">
+              <a:avLst/>
+            </a:prstGeom>
+            <a:ln w="38100">
+              <a:solidFill>
+                <a:schemeClr val="dk1"/>
+              </a:solidFill>
+              <a:prstDash val="sysDash"/>
+            </a:ln>
+          </p:spPr>
+          <p:style>
+            <a:lnRef idx="1">
+              <a:schemeClr val="accent1"/>
+            </a:lnRef>
+            <a:fillRef idx="0">
+              <a:schemeClr val="accent1"/>
+            </a:fillRef>
+            <a:effectRef idx="0">
+              <a:schemeClr val="accent1"/>
+            </a:effectRef>
+            <a:fontRef idx="minor">
+              <a:schemeClr val="tx1"/>
+            </a:fontRef>
+          </p:style>
+        </p:cxnSp>
+        <p:sp>
+          <p:nvSpPr>
+            <p:cNvPr id="18" name="TextBox 17">
+              <a:extLst>
+                <a:ext uri="{FF2B5EF4-FFF2-40B4-BE49-F238E27FC236}">
+                  <a16:creationId xmlns:a16="http://schemas.microsoft.com/office/drawing/2014/main" id="{8216C0B3-F2C0-B9A9-190F-52AEE625BCC6}"/>
+                </a:ext>
+              </a:extLst>
+            </p:cNvPr>
+            <p:cNvSpPr txBox="1"/>
+            <p:nvPr/>
+          </p:nvSpPr>
+          <p:spPr>
+            <a:xfrm>
+              <a:off x="4775761" y="565149"/>
+              <a:ext cx="4164478" cy="595597"/>
+            </a:xfrm>
+            <a:prstGeom prst="rect">
+              <a:avLst/>
+            </a:prstGeom>
+          </p:spPr>
+          <p:txBody>
+            <a:bodyPr wrap="square" lIns="72009" tIns="72009" rIns="72009" bIns="72009">
+              <a:spAutoFit/>
+            </a:bodyPr>
+            <a:lstStyle/>
+            <a:p>
+              <a:pPr algn="ctr">
+                <a:defRPr/>
+              </a:pPr>
+              <a:r>
+                <a:rPr lang="en-US" altLang="ko-KR" sz="3000">
+                  <a:latin typeface="Bahnschrift Light SemiCondensed"/>
+                </a:rPr>
+                <a:t>S E C T I</a:t>
+              </a:r>
+              <a:r>
+                <a:rPr lang="ko-KR" altLang="en-US" sz="3000">
+                  <a:latin typeface="Bahnschrift Light SemiCondensed"/>
+                </a:rPr>
+                <a:t> </a:t>
+              </a:r>
+              <a:r>
+                <a:rPr lang="en-US" altLang="ko-KR" sz="3000">
+                  <a:latin typeface="Bahnschrift Light SemiCondensed"/>
+                </a:rPr>
+                <a:t>O N</a:t>
+              </a:r>
+            </a:p>
+          </p:txBody>
+        </p:sp>
+        <p:grpSp>
+          <p:nvGrpSpPr>
+            <p:cNvPr id="44" name="Group 43">
+              <a:extLst>
+                <a:ext uri="{FF2B5EF4-FFF2-40B4-BE49-F238E27FC236}">
+                  <a16:creationId xmlns:a16="http://schemas.microsoft.com/office/drawing/2014/main" id="{059D03D7-3029-10A3-C676-A8C882388196}"/>
+                </a:ext>
+              </a:extLst>
+            </p:cNvPr>
+            <p:cNvGrpSpPr/>
+            <p:nvPr/>
+          </p:nvGrpSpPr>
+          <p:grpSpPr>
+            <a:xfrm>
+              <a:off x="5553984" y="5793663"/>
+              <a:ext cx="2606254" cy="1851235"/>
+              <a:chOff x="5491266" y="6008251"/>
+              <a:chExt cx="2606254" cy="1851235"/>
+            </a:xfrm>
+          </p:grpSpPr>
+          <p:sp>
+            <p:nvSpPr>
+              <p:cNvPr id="36" name="Rectangle 35">
+                <a:extLst>
+                  <a:ext uri="{FF2B5EF4-FFF2-40B4-BE49-F238E27FC236}">
+                    <a16:creationId xmlns:a16="http://schemas.microsoft.com/office/drawing/2014/main" id="{B2A63770-0E67-D62C-9C52-B9B730A8B79B}"/>
+                  </a:ext>
+                </a:extLst>
+              </p:cNvPr>
+              <p:cNvSpPr/>
+              <p:nvPr/>
+            </p:nvSpPr>
+            <p:spPr>
+              <a:xfrm rot="16200000">
+                <a:off x="5511677" y="7328807"/>
+                <a:ext cx="510268" cy="551089"/>
+              </a:xfrm>
+              <a:prstGeom prst="rect">
+                <a:avLst/>
+              </a:prstGeom>
+              <a:noFill/>
+              <a:ln w="38100" cap="flat">
+                <a:solidFill>
+                  <a:schemeClr val="dk1"/>
+                </a:solidFill>
+                <a:prstDash val="sysDash"/>
+              </a:ln>
+            </p:spPr>
+            <p:style>
+              <a:lnRef idx="2">
+                <a:schemeClr val="accent1">
+                  <a:shade val="20000"/>
+                </a:schemeClr>
+              </a:lnRef>
+              <a:fillRef idx="1">
+                <a:schemeClr val="accent1"/>
+              </a:fillRef>
+              <a:effectRef idx="0">
+                <a:schemeClr val="accent1"/>
+              </a:effectRef>
+              <a:fontRef idx="minor">
+                <a:schemeClr val="lt1"/>
+              </a:fontRef>
+            </p:style>
+            <p:txBody>
+              <a:bodyPr anchor="ctr"/>
+              <a:lstStyle/>
+              <a:p>
+                <a:pPr algn="ctr">
+                  <a:defRPr/>
+                </a:pPr>
+                <a:endParaRPr lang="ko-KR" altLang="en-US" dirty="0"/>
+              </a:p>
+            </p:txBody>
+          </p:sp>
+          <p:cxnSp>
+            <p:nvCxnSpPr>
+              <p:cNvPr id="21" name="Straight Connector 20">
+                <a:extLst>
+                  <a:ext uri="{FF2B5EF4-FFF2-40B4-BE49-F238E27FC236}">
+                    <a16:creationId xmlns:a16="http://schemas.microsoft.com/office/drawing/2014/main" id="{94E39ED0-E4B2-C7F8-D74C-703FC65B591A}"/>
+                  </a:ext>
+                </a:extLst>
+              </p:cNvPr>
+              <p:cNvCxnSpPr>
+                <a:cxnSpLocks/>
+              </p:cNvCxnSpPr>
+              <p:nvPr/>
+            </p:nvCxnSpPr>
+            <p:spPr>
+              <a:xfrm flipV="1">
+                <a:off x="5766811" y="6733681"/>
+                <a:ext cx="0" cy="407963"/>
+              </a:xfrm>
+              <a:prstGeom prst="line">
+                <a:avLst/>
+              </a:prstGeom>
+              <a:ln w="38100" cap="rnd">
+                <a:solidFill>
+                  <a:schemeClr val="dk1"/>
+                </a:solidFill>
+                <a:tailEnd type="triangle" w="med" len="sm"/>
+              </a:ln>
+            </p:spPr>
+            <p:style>
+              <a:lnRef idx="1">
+                <a:schemeClr val="accent1"/>
+              </a:lnRef>
+              <a:fillRef idx="0">
+                <a:schemeClr val="accent1"/>
+              </a:fillRef>
+              <a:effectRef idx="0">
+                <a:schemeClr val="accent1"/>
+              </a:effectRef>
+              <a:fontRef idx="minor">
+                <a:schemeClr val="tx1"/>
+              </a:fontRef>
+            </p:style>
+          </p:cxnSp>
+          <p:sp>
+            <p:nvSpPr>
+              <p:cNvPr id="38" name="Rectangle 37">
+                <a:extLst>
+                  <a:ext uri="{FF2B5EF4-FFF2-40B4-BE49-F238E27FC236}">
+                    <a16:creationId xmlns:a16="http://schemas.microsoft.com/office/drawing/2014/main" id="{48905D23-736B-7CBB-FD4D-16E3427C9887}"/>
+                  </a:ext>
+                </a:extLst>
+              </p:cNvPr>
+              <p:cNvSpPr/>
+              <p:nvPr/>
+            </p:nvSpPr>
+            <p:spPr>
+              <a:xfrm rot="16200000">
+                <a:off x="5511677" y="5987841"/>
+                <a:ext cx="510268" cy="551089"/>
+              </a:xfrm>
+              <a:prstGeom prst="rect">
+                <a:avLst/>
+              </a:prstGeom>
+              <a:noFill/>
+              <a:ln w="38100" cap="flat">
+                <a:solidFill>
+                  <a:schemeClr val="dk1"/>
+                </a:solidFill>
+                <a:prstDash val="solid"/>
+              </a:ln>
+            </p:spPr>
+            <p:style>
+              <a:lnRef idx="2">
+                <a:schemeClr val="accent1">
+                  <a:shade val="20000"/>
+                </a:schemeClr>
+              </a:lnRef>
+              <a:fillRef idx="1">
+                <a:schemeClr val="accent1"/>
+              </a:fillRef>
+              <a:effectRef idx="0">
+                <a:schemeClr val="accent1"/>
+              </a:effectRef>
+              <a:fontRef idx="minor">
+                <a:schemeClr val="lt1"/>
+              </a:fontRef>
+            </p:style>
+            <p:txBody>
+              <a:bodyPr anchor="ctr"/>
+              <a:lstStyle/>
+              <a:p>
+                <a:pPr algn="ctr">
+                  <a:defRPr/>
+                </a:pPr>
+                <a:endParaRPr lang="ko-KR" altLang="en-US"/>
+              </a:p>
+            </p:txBody>
+          </p:sp>
+          <p:sp>
+            <p:nvSpPr>
+              <p:cNvPr id="39" name="Rectangle 38">
+                <a:extLst>
+                  <a:ext uri="{FF2B5EF4-FFF2-40B4-BE49-F238E27FC236}">
+                    <a16:creationId xmlns:a16="http://schemas.microsoft.com/office/drawing/2014/main" id="{B386027D-213E-B0AA-F4A1-4951B1DA05C6}"/>
+                  </a:ext>
+                </a:extLst>
+              </p:cNvPr>
+              <p:cNvSpPr/>
+              <p:nvPr/>
+            </p:nvSpPr>
+            <p:spPr>
+              <a:xfrm rot="16200000">
+                <a:off x="6261448" y="5987840"/>
+                <a:ext cx="510268" cy="551089"/>
+              </a:xfrm>
+              <a:prstGeom prst="rect">
+                <a:avLst/>
+              </a:prstGeom>
+              <a:noFill/>
+              <a:ln w="38100" cap="flat">
+                <a:solidFill>
+                  <a:schemeClr val="dk1"/>
+                </a:solidFill>
+                <a:prstDash val="solid"/>
+              </a:ln>
+            </p:spPr>
+            <p:style>
+              <a:lnRef idx="2">
+                <a:schemeClr val="accent1">
+                  <a:shade val="20000"/>
+                </a:schemeClr>
+              </a:lnRef>
+              <a:fillRef idx="1">
+                <a:schemeClr val="accent1"/>
+              </a:fillRef>
+              <a:effectRef idx="0">
+                <a:schemeClr val="accent1"/>
+              </a:effectRef>
+              <a:fontRef idx="minor">
+                <a:schemeClr val="lt1"/>
+              </a:fontRef>
+            </p:style>
+            <p:txBody>
+              <a:bodyPr anchor="ctr"/>
+              <a:lstStyle/>
+              <a:p>
+                <a:pPr algn="ctr">
+                  <a:defRPr/>
+                </a:pPr>
+                <a:endParaRPr lang="ko-KR" altLang="en-US"/>
+              </a:p>
+            </p:txBody>
+          </p:sp>
+          <p:sp>
+            <p:nvSpPr>
+              <p:cNvPr id="40" name="Rectangle 39">
+                <a:extLst>
+                  <a:ext uri="{FF2B5EF4-FFF2-40B4-BE49-F238E27FC236}">
+                    <a16:creationId xmlns:a16="http://schemas.microsoft.com/office/drawing/2014/main" id="{E4DE5AA3-A57C-E684-BF12-B060CBCD8BC1}"/>
+                  </a:ext>
+                </a:extLst>
+              </p:cNvPr>
+              <p:cNvSpPr/>
+              <p:nvPr/>
+            </p:nvSpPr>
+            <p:spPr>
+              <a:xfrm rot="16200000">
+                <a:off x="7011219" y="5987841"/>
+                <a:ext cx="510268" cy="551089"/>
+              </a:xfrm>
+              <a:prstGeom prst="rect">
+                <a:avLst/>
+              </a:prstGeom>
+              <a:noFill/>
+              <a:ln w="38100" cap="flat">
+                <a:solidFill>
+                  <a:schemeClr val="dk1"/>
+                </a:solidFill>
+                <a:prstDash val="solid"/>
+              </a:ln>
+            </p:spPr>
+            <p:style>
+              <a:lnRef idx="2">
+                <a:schemeClr val="accent1">
+                  <a:shade val="20000"/>
+                </a:schemeClr>
+              </a:lnRef>
+              <a:fillRef idx="1">
+                <a:schemeClr val="accent1"/>
+              </a:fillRef>
+              <a:effectRef idx="0">
+                <a:schemeClr val="accent1"/>
+              </a:effectRef>
+              <a:fontRef idx="minor">
+                <a:schemeClr val="lt1"/>
+              </a:fontRef>
+            </p:style>
+            <p:txBody>
+              <a:bodyPr anchor="ctr"/>
+              <a:lstStyle/>
+              <a:p>
+                <a:pPr algn="ctr">
+                  <a:defRPr/>
+                </a:pPr>
+                <a:endParaRPr lang="ko-KR" altLang="en-US"/>
+              </a:p>
+            </p:txBody>
+          </p:sp>
+          <p:cxnSp>
+            <p:nvCxnSpPr>
+              <p:cNvPr id="41" name="Straight Connector 40">
+                <a:extLst>
+                  <a:ext uri="{FF2B5EF4-FFF2-40B4-BE49-F238E27FC236}">
+                    <a16:creationId xmlns:a16="http://schemas.microsoft.com/office/drawing/2014/main" id="{0DF41C03-692D-E514-C9A4-B08552D88FC8}"/>
+                  </a:ext>
+                </a:extLst>
+              </p:cNvPr>
+              <p:cNvCxnSpPr>
+                <a:cxnSpLocks/>
+              </p:cNvCxnSpPr>
+              <p:nvPr/>
+            </p:nvCxnSpPr>
+            <p:spPr>
+              <a:xfrm flipH="1">
+                <a:off x="7727691" y="6263384"/>
+                <a:ext cx="369829" cy="0"/>
+              </a:xfrm>
+              <a:prstGeom prst="line">
+                <a:avLst/>
+              </a:prstGeom>
+              <a:ln w="38100" cap="rnd">
+                <a:solidFill>
+                  <a:schemeClr val="dk1"/>
+                </a:solidFill>
+                <a:prstDash val="sysDot"/>
+                <a:headEnd type="none" w="med" len="med"/>
+                <a:tailEnd type="none" w="med" len="med"/>
+              </a:ln>
+            </p:spPr>
+            <p:style>
+              <a:lnRef idx="1">
+                <a:schemeClr val="accent1"/>
+              </a:lnRef>
+              <a:fillRef idx="0">
+                <a:schemeClr val="accent1"/>
+              </a:fillRef>
+              <a:effectRef idx="0">
+                <a:schemeClr val="accent1"/>
+              </a:effectRef>
+              <a:fontRef idx="minor">
+                <a:schemeClr val="tx1"/>
+              </a:fontRef>
+            </p:style>
+          </p:cxnSp>
+        </p:grpSp>
+      </p:grpSp>
+      <p:grpSp>
+        <p:nvGrpSpPr>
+          <p:cNvPr id="50" name="Group 49">
+            <a:extLst>
+              <a:ext uri="{FF2B5EF4-FFF2-40B4-BE49-F238E27FC236}">
+                <a16:creationId xmlns:a16="http://schemas.microsoft.com/office/drawing/2014/main" id="{47753AB3-9109-CB75-0C39-5CC8F22A0EAA}"/>
+              </a:ext>
+            </a:extLst>
+          </p:cNvPr>
+          <p:cNvGrpSpPr/>
+          <p:nvPr/>
+        </p:nvGrpSpPr>
+        <p:grpSpPr>
+          <a:xfrm>
+            <a:off x="0" y="0"/>
+            <a:ext cx="4572000" cy="9144000"/>
+            <a:chOff x="0" y="0"/>
+            <a:chExt cx="4572000" cy="9144000"/>
+          </a:xfrm>
+        </p:grpSpPr>
+        <p:sp>
+          <p:nvSpPr>
+            <p:cNvPr id="3" name="Rectangle 2">
+              <a:extLst>
+                <a:ext uri="{FF2B5EF4-FFF2-40B4-BE49-F238E27FC236}">
+                  <a16:creationId xmlns:a16="http://schemas.microsoft.com/office/drawing/2014/main" id="{24CE2D5B-5FDD-80F4-934A-D99E3934709C}"/>
+                </a:ext>
+              </a:extLst>
+            </p:cNvPr>
+            <p:cNvSpPr/>
+            <p:nvPr/>
+          </p:nvSpPr>
+          <p:spPr>
+            <a:xfrm>
+              <a:off x="0" y="0"/>
+              <a:ext cx="4572000" cy="9144000"/>
+            </a:xfrm>
+            <a:prstGeom prst="rect">
+              <a:avLst/>
+            </a:prstGeom>
+            <a:solidFill>
+              <a:schemeClr val="lt1"/>
+            </a:solidFill>
+            <a:ln>
+              <a:noFill/>
+            </a:ln>
+          </p:spPr>
+          <p:style>
+            <a:lnRef idx="2">
+              <a:schemeClr val="accent1">
+                <a:shade val="20000"/>
+              </a:schemeClr>
+            </a:lnRef>
+            <a:fillRef idx="1">
+              <a:schemeClr val="accent1"/>
+            </a:fillRef>
+            <a:effectRef idx="0">
+              <a:schemeClr val="accent1"/>
+            </a:effectRef>
+            <a:fontRef idx="minor">
+              <a:schemeClr val="lt1"/>
+            </a:fontRef>
+          </p:style>
+          <p:txBody>
+            <a:bodyPr anchor="ctr"/>
+            <a:lstStyle/>
+            <a:p>
+              <a:pPr algn="ctr">
+                <a:defRPr/>
+              </a:pPr>
+              <a:endParaRPr lang="ko-KR" altLang="en-US" dirty="0"/>
+            </a:p>
+          </p:txBody>
+        </p:sp>
+        <p:sp>
+          <p:nvSpPr>
+            <p:cNvPr id="4" name="Rectangle 3">
+              <a:extLst>
+                <a:ext uri="{FF2B5EF4-FFF2-40B4-BE49-F238E27FC236}">
+                  <a16:creationId xmlns:a16="http://schemas.microsoft.com/office/drawing/2014/main" id="{F7D59A90-B982-5A97-6C85-16CCBFE9C034}"/>
+                </a:ext>
+              </a:extLst>
+            </p:cNvPr>
+            <p:cNvSpPr/>
+            <p:nvPr/>
+          </p:nvSpPr>
+          <p:spPr>
+            <a:xfrm>
+              <a:off x="203761" y="235115"/>
+              <a:ext cx="4164478" cy="8718052"/>
+            </a:xfrm>
+            <a:prstGeom prst="rect">
+              <a:avLst/>
+            </a:prstGeom>
+            <a:noFill/>
+            <a:ln w="38100">
+              <a:solidFill>
+                <a:schemeClr val="dk1"/>
+              </a:solidFill>
+            </a:ln>
+          </p:spPr>
+          <p:style>
+            <a:lnRef idx="2">
+              <a:schemeClr val="accent1">
+                <a:shade val="20000"/>
+              </a:schemeClr>
+            </a:lnRef>
+            <a:fillRef idx="1">
+              <a:schemeClr val="accent1"/>
+            </a:fillRef>
+            <a:effectRef idx="0">
+              <a:schemeClr val="accent1"/>
+            </a:effectRef>
+            <a:fontRef idx="minor">
+              <a:schemeClr val="lt1"/>
+            </a:fontRef>
+          </p:style>
+          <p:txBody>
+            <a:bodyPr anchor="ctr"/>
+            <a:lstStyle/>
+            <a:p>
+              <a:pPr algn="ctr">
+                <a:defRPr/>
+              </a:pPr>
+              <a:endParaRPr lang="ko-KR" altLang="en-US"/>
+            </a:p>
+          </p:txBody>
+        </p:sp>
+        <p:sp>
+          <p:nvSpPr>
+            <p:cNvPr id="5" name="Rectangle 4">
+              <a:extLst>
+                <a:ext uri="{FF2B5EF4-FFF2-40B4-BE49-F238E27FC236}">
+                  <a16:creationId xmlns:a16="http://schemas.microsoft.com/office/drawing/2014/main" id="{69141469-C742-E414-B621-BCABA02DFF64}"/>
+                </a:ext>
+              </a:extLst>
+            </p:cNvPr>
+            <p:cNvSpPr/>
+            <p:nvPr/>
+          </p:nvSpPr>
+          <p:spPr>
+            <a:xfrm>
+              <a:off x="182646" y="8652049"/>
+              <a:ext cx="2024331" cy="320168"/>
+            </a:xfrm>
+            <a:prstGeom prst="rect">
+              <a:avLst/>
+            </a:prstGeom>
+            <a:solidFill>
+              <a:schemeClr val="lt1"/>
+            </a:solidFill>
+            <a:ln>
+              <a:solidFill>
+                <a:schemeClr val="lt1"/>
+              </a:solidFill>
+            </a:ln>
+          </p:spPr>
+          <p:style>
+            <a:lnRef idx="2">
+              <a:schemeClr val="accent1">
+                <a:shade val="20000"/>
+              </a:schemeClr>
+            </a:lnRef>
+            <a:fillRef idx="1">
+              <a:schemeClr val="accent1"/>
+            </a:fillRef>
+            <a:effectRef idx="0">
+              <a:schemeClr val="accent1"/>
+            </a:effectRef>
+            <a:fontRef idx="minor">
+              <a:schemeClr val="lt1"/>
+            </a:fontRef>
+          </p:style>
+          <p:txBody>
+            <a:bodyPr anchor="ctr"/>
+            <a:lstStyle/>
+            <a:p>
+              <a:pPr algn="ctr">
+                <a:defRPr/>
+              </a:pPr>
+              <a:endParaRPr lang="ko-KR" altLang="en-US"/>
+            </a:p>
+          </p:txBody>
+        </p:sp>
+        <p:pic>
+          <p:nvPicPr>
+            <p:cNvPr id="6" name="Picture 5">
+              <a:extLst>
+                <a:ext uri="{FF2B5EF4-FFF2-40B4-BE49-F238E27FC236}">
+                  <a16:creationId xmlns:a16="http://schemas.microsoft.com/office/drawing/2014/main" id="{4B39A0D6-1CEC-312D-CBD0-E6271B729D7C}"/>
+                </a:ext>
+              </a:extLst>
+            </p:cNvPr>
+            <p:cNvPicPr/>
+            <p:nvPr/>
+          </p:nvPicPr>
+          <p:blipFill rotWithShape="1">
+            <a:blip r:embed="rId2"/>
+            <a:stretch>
+              <a:fillRect/>
+            </a:stretch>
+          </p:blipFill>
+          <p:spPr>
+            <a:xfrm>
+              <a:off x="182646" y="8623476"/>
+              <a:ext cx="1960497" cy="377317"/>
+            </a:xfrm>
+            <a:prstGeom prst="rect">
+              <a:avLst/>
+            </a:prstGeom>
+          </p:spPr>
+        </p:pic>
+        <p:sp>
+          <p:nvSpPr>
+            <p:cNvPr id="7" name="TextBox 6">
+              <a:extLst>
+                <a:ext uri="{FF2B5EF4-FFF2-40B4-BE49-F238E27FC236}">
+                  <a16:creationId xmlns:a16="http://schemas.microsoft.com/office/drawing/2014/main" id="{87230F7D-DC52-6813-D7EA-B6DE204CAA90}"/>
+                </a:ext>
+              </a:extLst>
+            </p:cNvPr>
+            <p:cNvSpPr txBox="1"/>
+            <p:nvPr/>
+          </p:nvSpPr>
+          <p:spPr>
+            <a:xfrm>
+              <a:off x="259013" y="1332196"/>
+              <a:ext cx="4109226" cy="2539900"/>
+            </a:xfrm>
+            <a:prstGeom prst="rect">
+              <a:avLst/>
+            </a:prstGeom>
+          </p:spPr>
+          <p:txBody>
+            <a:bodyPr wrap="none" anchor="ctr" anchorCtr="0">
+              <a:noAutofit/>
+            </a:bodyPr>
+            <a:lstStyle/>
+            <a:p>
+              <a:pPr algn="ctr">
+                <a:defRPr/>
+              </a:pPr>
+              <a:r>
+                <a:rPr lang="en-US" altLang="ko-KR" sz="14000" dirty="0">
+                  <a:latin typeface="DSEG14 Classic" panose="02000503000000000000" pitchFamily="2" charset="0"/>
+                </a:rPr>
+                <a:t>06</a:t>
+              </a:r>
+            </a:p>
+          </p:txBody>
+        </p:sp>
+        <p:sp>
+          <p:nvSpPr>
+            <p:cNvPr id="8" name="TextBox 7">
+              <a:extLst>
+                <a:ext uri="{FF2B5EF4-FFF2-40B4-BE49-F238E27FC236}">
+                  <a16:creationId xmlns:a16="http://schemas.microsoft.com/office/drawing/2014/main" id="{76C5E88E-7366-BAF4-B913-60EA28F2035E}"/>
+                </a:ext>
+              </a:extLst>
+            </p:cNvPr>
+            <p:cNvSpPr txBox="1"/>
+            <p:nvPr/>
+          </p:nvSpPr>
+          <p:spPr>
+            <a:xfrm>
+              <a:off x="203761" y="1332196"/>
+              <a:ext cx="4164478" cy="2539900"/>
+            </a:xfrm>
+            <a:prstGeom prst="rect">
+              <a:avLst/>
+            </a:prstGeom>
+          </p:spPr>
+          <p:txBody>
+            <a:bodyPr wrap="none" anchor="ctr" anchorCtr="0">
+              <a:noAutofit/>
+            </a:bodyPr>
+            <a:lstStyle/>
+            <a:p>
+              <a:pPr algn="ctr">
+                <a:defRPr/>
+              </a:pPr>
+              <a:r>
+                <a:rPr lang="en-US" altLang="ko-KR" sz="14000" dirty="0">
+                  <a:solidFill>
+                    <a:schemeClr val="tx1">
+                      <a:alpha val="10000"/>
+                    </a:schemeClr>
+                  </a:solidFill>
+                  <a:latin typeface="DSEG14 Classic" panose="02000503000000000000" pitchFamily="2" charset="0"/>
+                </a:rPr>
+                <a:t>88</a:t>
+              </a:r>
+            </a:p>
+          </p:txBody>
+        </p:sp>
+        <p:cxnSp>
+          <p:nvCxnSpPr>
+            <p:cNvPr id="9" name="Straight Connector 8">
+              <a:extLst>
+                <a:ext uri="{FF2B5EF4-FFF2-40B4-BE49-F238E27FC236}">
+                  <a16:creationId xmlns:a16="http://schemas.microsoft.com/office/drawing/2014/main" id="{86E5BB3E-E3F0-21CC-FAB2-BA53D3C7E1E4}"/>
+                </a:ext>
+              </a:extLst>
+            </p:cNvPr>
+            <p:cNvCxnSpPr>
+              <a:stCxn id="4" idx="1"/>
+              <a:endCxn id="4" idx="3"/>
+            </p:cNvCxnSpPr>
+            <p:nvPr/>
+          </p:nvCxnSpPr>
+          <p:spPr>
+            <a:xfrm>
+              <a:off x="203761" y="4594141"/>
+              <a:ext cx="4164478" cy="0"/>
+            </a:xfrm>
+            <a:prstGeom prst="line">
+              <a:avLst/>
+            </a:prstGeom>
+            <a:ln w="38100">
+              <a:solidFill>
+                <a:schemeClr val="dk1"/>
+              </a:solidFill>
+              <a:prstDash val="sysDash"/>
+            </a:ln>
+          </p:spPr>
+          <p:style>
+            <a:lnRef idx="1">
+              <a:schemeClr val="accent1"/>
+            </a:lnRef>
+            <a:fillRef idx="0">
+              <a:schemeClr val="accent1"/>
+            </a:fillRef>
+            <a:effectRef idx="0">
+              <a:schemeClr val="accent1"/>
+            </a:effectRef>
+            <a:fontRef idx="minor">
+              <a:schemeClr val="tx1"/>
+            </a:fontRef>
+          </p:style>
+        </p:cxnSp>
+        <p:sp>
+          <p:nvSpPr>
+            <p:cNvPr id="10" name="TextBox 9">
+              <a:extLst>
+                <a:ext uri="{FF2B5EF4-FFF2-40B4-BE49-F238E27FC236}">
+                  <a16:creationId xmlns:a16="http://schemas.microsoft.com/office/drawing/2014/main" id="{FDF0F23F-08C7-E528-2EFC-E502140E5ACD}"/>
+                </a:ext>
+              </a:extLst>
+            </p:cNvPr>
+            <p:cNvSpPr txBox="1"/>
+            <p:nvPr/>
+          </p:nvSpPr>
+          <p:spPr>
+            <a:xfrm>
+              <a:off x="203761" y="565149"/>
+              <a:ext cx="4164478" cy="595597"/>
+            </a:xfrm>
+            <a:prstGeom prst="rect">
+              <a:avLst/>
+            </a:prstGeom>
+          </p:spPr>
+          <p:txBody>
+            <a:bodyPr wrap="square" lIns="72009" tIns="72009" rIns="72009" bIns="72009">
+              <a:spAutoFit/>
+            </a:bodyPr>
+            <a:lstStyle/>
+            <a:p>
+              <a:pPr algn="ctr">
+                <a:defRPr/>
+              </a:pPr>
+              <a:r>
+                <a:rPr lang="en-US" altLang="ko-KR" sz="3000">
+                  <a:latin typeface="Bahnschrift Light SemiCondensed"/>
+                </a:rPr>
+                <a:t>S E C T I</a:t>
+              </a:r>
+              <a:r>
+                <a:rPr lang="ko-KR" altLang="en-US" sz="3000">
+                  <a:latin typeface="Bahnschrift Light SemiCondensed"/>
+                </a:rPr>
+                <a:t> </a:t>
+              </a:r>
+              <a:r>
+                <a:rPr lang="en-US" altLang="ko-KR" sz="3000">
+                  <a:latin typeface="Bahnschrift Light SemiCondensed"/>
+                </a:rPr>
+                <a:t>O N</a:t>
+              </a:r>
+            </a:p>
+          </p:txBody>
+        </p:sp>
+        <p:grpSp>
+          <p:nvGrpSpPr>
+            <p:cNvPr id="46" name="Group 45">
+              <a:extLst>
+                <a:ext uri="{FF2B5EF4-FFF2-40B4-BE49-F238E27FC236}">
+                  <a16:creationId xmlns:a16="http://schemas.microsoft.com/office/drawing/2014/main" id="{9D0E5928-438A-8763-E3DC-D5D2E09FD2F4}"/>
+                </a:ext>
+              </a:extLst>
+            </p:cNvPr>
+            <p:cNvGrpSpPr/>
+            <p:nvPr/>
+          </p:nvGrpSpPr>
+          <p:grpSpPr>
+            <a:xfrm>
+              <a:off x="1123101" y="5817581"/>
+              <a:ext cx="2165444" cy="1805190"/>
+              <a:chOff x="1446150" y="6108655"/>
+              <a:chExt cx="2165444" cy="1805190"/>
+            </a:xfrm>
+          </p:grpSpPr>
+          <p:sp>
+            <p:nvSpPr>
+              <p:cNvPr id="19" name="Right Triangle 18">
+                <a:extLst>
+                  <a:ext uri="{FF2B5EF4-FFF2-40B4-BE49-F238E27FC236}">
+                    <a16:creationId xmlns:a16="http://schemas.microsoft.com/office/drawing/2014/main" id="{3C96C31A-89A3-AB35-F863-86665C78CC93}"/>
+                  </a:ext>
+                </a:extLst>
+              </p:cNvPr>
+              <p:cNvSpPr/>
+              <p:nvPr/>
+            </p:nvSpPr>
+            <p:spPr>
+              <a:xfrm rot="16200000">
+                <a:off x="3100860" y="7403111"/>
+                <a:ext cx="510268" cy="511200"/>
+              </a:xfrm>
+              <a:prstGeom prst="rtTriangle">
+                <a:avLst/>
+              </a:prstGeom>
+              <a:noFill/>
+              <a:ln w="38100" cap="flat">
+                <a:solidFill>
+                  <a:schemeClr val="dk1"/>
+                </a:solidFill>
+                <a:prstDash val="solid"/>
+              </a:ln>
+            </p:spPr>
+            <p:style>
+              <a:lnRef idx="2">
+                <a:schemeClr val="accent1">
+                  <a:shade val="20000"/>
+                </a:schemeClr>
+              </a:lnRef>
+              <a:fillRef idx="1">
+                <a:schemeClr val="accent1"/>
+              </a:fillRef>
+              <a:effectRef idx="0">
+                <a:schemeClr val="accent1"/>
+              </a:effectRef>
+              <a:fontRef idx="minor">
+                <a:schemeClr val="lt1"/>
+              </a:fontRef>
+            </p:style>
+            <p:txBody>
+              <a:bodyPr anchor="ctr"/>
+              <a:lstStyle/>
+              <a:p>
+                <a:pPr algn="ctr">
+                  <a:defRPr/>
+                </a:pPr>
+                <a:endParaRPr lang="ko-KR" altLang="en-US" dirty="0"/>
+              </a:p>
+            </p:txBody>
+          </p:sp>
+          <p:sp>
+            <p:nvSpPr>
+              <p:cNvPr id="20" name="Right Triangle 19">
+                <a:extLst>
+                  <a:ext uri="{FF2B5EF4-FFF2-40B4-BE49-F238E27FC236}">
+                    <a16:creationId xmlns:a16="http://schemas.microsoft.com/office/drawing/2014/main" id="{8A5AA6DC-DFF1-9F2A-E2D7-826170428E46}"/>
+                  </a:ext>
+                </a:extLst>
+              </p:cNvPr>
+              <p:cNvSpPr/>
+              <p:nvPr/>
+            </p:nvSpPr>
+            <p:spPr>
+              <a:xfrm rot="10800000">
+                <a:off x="3100394" y="6108655"/>
+                <a:ext cx="510268" cy="511200"/>
+              </a:xfrm>
+              <a:prstGeom prst="rtTriangle">
+                <a:avLst/>
+              </a:prstGeom>
+              <a:noFill/>
+              <a:ln w="38100" cap="flat">
+                <a:solidFill>
+                  <a:schemeClr val="dk1"/>
+                </a:solidFill>
+                <a:prstDash val="solid"/>
+              </a:ln>
+            </p:spPr>
+            <p:style>
+              <a:lnRef idx="2">
+                <a:schemeClr val="accent1">
+                  <a:shade val="20000"/>
+                </a:schemeClr>
+              </a:lnRef>
+              <a:fillRef idx="1">
+                <a:schemeClr val="accent1"/>
+              </a:fillRef>
+              <a:effectRef idx="0">
+                <a:schemeClr val="accent1"/>
+              </a:effectRef>
+              <a:fontRef idx="minor">
+                <a:schemeClr val="lt1"/>
+              </a:fontRef>
+            </p:style>
+            <p:txBody>
+              <a:bodyPr anchor="ctr"/>
+              <a:lstStyle/>
+              <a:p>
+                <a:pPr algn="ctr">
+                  <a:defRPr/>
+                </a:pPr>
+                <a:endParaRPr lang="ko-KR" altLang="en-US" dirty="0"/>
+              </a:p>
+            </p:txBody>
+          </p:sp>
+          <p:cxnSp>
+            <p:nvCxnSpPr>
+              <p:cNvPr id="22" name="Straight Connector 21">
+                <a:extLst>
+                  <a:ext uri="{FF2B5EF4-FFF2-40B4-BE49-F238E27FC236}">
+                    <a16:creationId xmlns:a16="http://schemas.microsoft.com/office/drawing/2014/main" id="{E090A943-0E33-1A32-7D5B-6F84BE35D3E4}"/>
+                  </a:ext>
+                </a:extLst>
+              </p:cNvPr>
+              <p:cNvCxnSpPr>
+                <a:cxnSpLocks/>
+                <a:stCxn id="20" idx="5"/>
+                <a:endCxn id="19" idx="5"/>
+              </p:cNvCxnSpPr>
+              <p:nvPr/>
+            </p:nvCxnSpPr>
+            <p:spPr>
+              <a:xfrm>
+                <a:off x="3355528" y="6364255"/>
+                <a:ext cx="466" cy="1294456"/>
+              </a:xfrm>
+              <a:prstGeom prst="line">
+                <a:avLst/>
+              </a:prstGeom>
+              <a:ln w="38100" cap="rnd">
+                <a:solidFill>
+                  <a:srgbClr val="FFC000"/>
+                </a:solidFill>
+                <a:headEnd type="none" w="med" len="med"/>
+                <a:tailEnd type="none" w="med" len="med"/>
+              </a:ln>
+            </p:spPr>
+            <p:style>
+              <a:lnRef idx="1">
+                <a:schemeClr val="accent1"/>
+              </a:lnRef>
+              <a:fillRef idx="0">
+                <a:schemeClr val="accent1"/>
+              </a:fillRef>
+              <a:effectRef idx="0">
+                <a:schemeClr val="accent1"/>
+              </a:effectRef>
+              <a:fontRef idx="minor">
+                <a:schemeClr val="tx1"/>
+              </a:fontRef>
+            </p:style>
+          </p:cxnSp>
+          <p:cxnSp>
+            <p:nvCxnSpPr>
+              <p:cNvPr id="25" name="Straight Connector 24">
+                <a:extLst>
+                  <a:ext uri="{FF2B5EF4-FFF2-40B4-BE49-F238E27FC236}">
+                    <a16:creationId xmlns:a16="http://schemas.microsoft.com/office/drawing/2014/main" id="{648889E9-8506-5195-4CE7-3DCB5C97389E}"/>
+                  </a:ext>
+                </a:extLst>
+              </p:cNvPr>
+              <p:cNvCxnSpPr>
+                <a:cxnSpLocks/>
+                <a:stCxn id="20" idx="5"/>
+                <a:endCxn id="37" idx="2"/>
+              </p:cNvCxnSpPr>
+              <p:nvPr/>
+            </p:nvCxnSpPr>
+            <p:spPr>
+              <a:xfrm flipH="1" flipV="1">
+                <a:off x="1957350" y="6363789"/>
+                <a:ext cx="1398178" cy="466"/>
+              </a:xfrm>
+              <a:prstGeom prst="line">
+                <a:avLst/>
+              </a:prstGeom>
+              <a:ln w="38100" cap="rnd">
+                <a:solidFill>
+                  <a:srgbClr val="FFC000"/>
+                </a:solidFill>
+                <a:headEnd type="none" w="med" len="med"/>
+                <a:tailEnd type="none" w="med" len="med"/>
+              </a:ln>
+            </p:spPr>
+            <p:style>
+              <a:lnRef idx="1">
+                <a:schemeClr val="accent1"/>
+              </a:lnRef>
+              <a:fillRef idx="0">
+                <a:schemeClr val="accent1"/>
+              </a:fillRef>
+              <a:effectRef idx="0">
+                <a:schemeClr val="accent1"/>
+              </a:effectRef>
+              <a:fontRef idx="minor">
+                <a:schemeClr val="tx1"/>
+              </a:fontRef>
+            </p:style>
+          </p:cxnSp>
+          <p:cxnSp>
+            <p:nvCxnSpPr>
+              <p:cNvPr id="28" name="Straight Connector 27">
+                <a:extLst>
+                  <a:ext uri="{FF2B5EF4-FFF2-40B4-BE49-F238E27FC236}">
+                    <a16:creationId xmlns:a16="http://schemas.microsoft.com/office/drawing/2014/main" id="{2792E19C-3FA8-7F9A-C05F-8EA065D470E7}"/>
+                  </a:ext>
+                </a:extLst>
+              </p:cNvPr>
+              <p:cNvCxnSpPr>
+                <a:cxnSpLocks/>
+                <a:stCxn id="19" idx="5"/>
+              </p:cNvCxnSpPr>
+              <p:nvPr/>
+            </p:nvCxnSpPr>
+            <p:spPr>
+              <a:xfrm flipH="1">
+                <a:off x="2559611" y="7658711"/>
+                <a:ext cx="796383" cy="0"/>
+              </a:xfrm>
+              <a:prstGeom prst="line">
+                <a:avLst/>
+              </a:prstGeom>
+              <a:ln w="38100" cap="rnd">
+                <a:solidFill>
+                  <a:srgbClr val="FFC000"/>
+                </a:solidFill>
+                <a:tailEnd type="triangle" w="med" len="sm"/>
+              </a:ln>
+            </p:spPr>
+            <p:style>
+              <a:lnRef idx="1">
+                <a:schemeClr val="accent1"/>
+              </a:lnRef>
+              <a:fillRef idx="0">
+                <a:schemeClr val="accent1"/>
+              </a:fillRef>
+              <a:effectRef idx="0">
+                <a:schemeClr val="accent1"/>
+              </a:effectRef>
+              <a:fontRef idx="minor">
+                <a:schemeClr val="tx1"/>
+              </a:fontRef>
+            </p:style>
+          </p:cxnSp>
+          <p:grpSp>
+            <p:nvGrpSpPr>
+              <p:cNvPr id="34" name="Group 33">
+                <a:extLst>
+                  <a:ext uri="{FF2B5EF4-FFF2-40B4-BE49-F238E27FC236}">
+                    <a16:creationId xmlns:a16="http://schemas.microsoft.com/office/drawing/2014/main" id="{3A4C57A6-C7E5-769C-FB27-D5C9ADA99DE1}"/>
+                  </a:ext>
+                </a:extLst>
+              </p:cNvPr>
+              <p:cNvGrpSpPr/>
+              <p:nvPr/>
+            </p:nvGrpSpPr>
+            <p:grpSpPr>
+              <a:xfrm>
+                <a:off x="1998533" y="7403577"/>
+                <a:ext cx="511200" cy="510268"/>
+                <a:chOff x="1998533" y="7403577"/>
+                <a:chExt cx="511200" cy="510268"/>
+              </a:xfrm>
+            </p:grpSpPr>
+            <p:sp>
+              <p:nvSpPr>
+                <p:cNvPr id="32" name="Rectangle 31">
+                  <a:extLst>
+                    <a:ext uri="{FF2B5EF4-FFF2-40B4-BE49-F238E27FC236}">
+                      <a16:creationId xmlns:a16="http://schemas.microsoft.com/office/drawing/2014/main" id="{438B3DFD-D822-CE45-D5C4-F7D9E6723FC2}"/>
+                    </a:ext>
+                  </a:extLst>
+                </p:cNvPr>
+                <p:cNvSpPr/>
+                <p:nvPr/>
+              </p:nvSpPr>
+              <p:spPr>
+                <a:xfrm rot="16200000">
+                  <a:off x="1998999" y="7403111"/>
+                  <a:ext cx="510268" cy="511200"/>
+                </a:xfrm>
+                <a:prstGeom prst="rect">
+                  <a:avLst/>
+                </a:prstGeom>
+                <a:noFill/>
+                <a:ln w="38100" cap="flat">
+                  <a:solidFill>
+                    <a:schemeClr val="dk1"/>
+                  </a:solidFill>
+                  <a:prstDash val="solid"/>
+                </a:ln>
+              </p:spPr>
+              <p:style>
+                <a:lnRef idx="2">
+                  <a:schemeClr val="accent1">
+                    <a:shade val="20000"/>
+                  </a:schemeClr>
+                </a:lnRef>
+                <a:fillRef idx="1">
+                  <a:schemeClr val="accent1"/>
+                </a:fillRef>
+                <a:effectRef idx="0">
+                  <a:schemeClr val="accent1"/>
+                </a:effectRef>
+                <a:fontRef idx="minor">
+                  <a:schemeClr val="lt1"/>
+                </a:fontRef>
+              </p:style>
+              <p:txBody>
+                <a:bodyPr anchor="ctr"/>
+                <a:lstStyle/>
+                <a:p>
+                  <a:pPr algn="ctr">
+                    <a:defRPr/>
+                  </a:pPr>
+                  <a:endParaRPr lang="ko-KR" altLang="en-US" dirty="0"/>
+                </a:p>
+              </p:txBody>
+            </p:sp>
+            <p:sp>
+              <p:nvSpPr>
+                <p:cNvPr id="33" name="Oval 32">
+                  <a:extLst>
+                    <a:ext uri="{FF2B5EF4-FFF2-40B4-BE49-F238E27FC236}">
+                      <a16:creationId xmlns:a16="http://schemas.microsoft.com/office/drawing/2014/main" id="{B69F1373-52C7-751F-9CC7-C8A423DF45D2}"/>
+                    </a:ext>
+                  </a:extLst>
+                </p:cNvPr>
+                <p:cNvSpPr/>
+                <p:nvPr/>
+              </p:nvSpPr>
+              <p:spPr>
+                <a:xfrm rot="16200000">
+                  <a:off x="2125715" y="7530058"/>
+                  <a:ext cx="256836" cy="257305"/>
+                </a:xfrm>
+                <a:prstGeom prst="ellipse">
+                  <a:avLst/>
+                </a:prstGeom>
+                <a:noFill/>
+                <a:ln w="38100" cap="flat">
+                  <a:solidFill>
+                    <a:schemeClr val="dk1"/>
+                  </a:solidFill>
+                  <a:prstDash val="solid"/>
+                </a:ln>
+              </p:spPr>
+              <p:style>
+                <a:lnRef idx="2">
+                  <a:schemeClr val="accent1">
+                    <a:shade val="20000"/>
+                  </a:schemeClr>
+                </a:lnRef>
+                <a:fillRef idx="1">
+                  <a:schemeClr val="accent1"/>
+                </a:fillRef>
+                <a:effectRef idx="0">
+                  <a:schemeClr val="accent1"/>
+                </a:effectRef>
+                <a:fontRef idx="minor">
+                  <a:schemeClr val="lt1"/>
+                </a:fontRef>
+              </p:style>
+              <p:txBody>
+                <a:bodyPr anchor="ctr"/>
+                <a:lstStyle/>
+                <a:p>
+                  <a:pPr algn="ctr">
+                    <a:defRPr/>
+                  </a:pPr>
+                  <a:endParaRPr lang="ko-KR" altLang="en-US" dirty="0"/>
+                </a:p>
+              </p:txBody>
+            </p:sp>
+          </p:grpSp>
+          <p:grpSp>
+            <p:nvGrpSpPr>
+              <p:cNvPr id="35" name="Group 34">
+                <a:extLst>
+                  <a:ext uri="{FF2B5EF4-FFF2-40B4-BE49-F238E27FC236}">
+                    <a16:creationId xmlns:a16="http://schemas.microsoft.com/office/drawing/2014/main" id="{7BC897BA-DCC3-DDB5-888C-6218323ACF2D}"/>
+                  </a:ext>
+                </a:extLst>
+              </p:cNvPr>
+              <p:cNvGrpSpPr/>
+              <p:nvPr/>
+            </p:nvGrpSpPr>
+            <p:grpSpPr>
+              <a:xfrm>
+                <a:off x="1446150" y="6108655"/>
+                <a:ext cx="511200" cy="510268"/>
+                <a:chOff x="1998533" y="7403577"/>
+                <a:chExt cx="511200" cy="510268"/>
+              </a:xfrm>
+            </p:grpSpPr>
+            <p:sp>
+              <p:nvSpPr>
+                <p:cNvPr id="37" name="Rectangle 36">
+                  <a:extLst>
+                    <a:ext uri="{FF2B5EF4-FFF2-40B4-BE49-F238E27FC236}">
+                      <a16:creationId xmlns:a16="http://schemas.microsoft.com/office/drawing/2014/main" id="{6EC9C7E3-6F9A-ABBE-6F5F-8D129416311D}"/>
+                    </a:ext>
+                  </a:extLst>
+                </p:cNvPr>
+                <p:cNvSpPr/>
+                <p:nvPr/>
+              </p:nvSpPr>
+              <p:spPr>
+                <a:xfrm rot="16200000">
+                  <a:off x="1998999" y="7403111"/>
+                  <a:ext cx="510268" cy="511200"/>
+                </a:xfrm>
+                <a:prstGeom prst="rect">
+                  <a:avLst/>
+                </a:prstGeom>
+                <a:noFill/>
+                <a:ln w="38100" cap="flat">
+                  <a:solidFill>
+                    <a:schemeClr val="dk1"/>
+                  </a:solidFill>
+                  <a:prstDash val="solid"/>
+                </a:ln>
+              </p:spPr>
+              <p:style>
+                <a:lnRef idx="2">
+                  <a:schemeClr val="accent1">
+                    <a:shade val="20000"/>
+                  </a:schemeClr>
+                </a:lnRef>
+                <a:fillRef idx="1">
+                  <a:schemeClr val="accent1"/>
+                </a:fillRef>
+                <a:effectRef idx="0">
+                  <a:schemeClr val="accent1"/>
+                </a:effectRef>
+                <a:fontRef idx="minor">
+                  <a:schemeClr val="lt1"/>
+                </a:fontRef>
+              </p:style>
+              <p:txBody>
+                <a:bodyPr anchor="ctr"/>
+                <a:lstStyle/>
+                <a:p>
+                  <a:pPr algn="ctr">
+                    <a:defRPr/>
+                  </a:pPr>
+                  <a:endParaRPr lang="ko-KR" altLang="en-US" dirty="0"/>
+                </a:p>
+              </p:txBody>
+            </p:sp>
+            <p:sp>
+              <p:nvSpPr>
+                <p:cNvPr id="42" name="Plus Sign 41">
+                  <a:extLst>
+                    <a:ext uri="{FF2B5EF4-FFF2-40B4-BE49-F238E27FC236}">
+                      <a16:creationId xmlns:a16="http://schemas.microsoft.com/office/drawing/2014/main" id="{CCEB94E1-EEDB-D6DF-4EF0-A503960686CD}"/>
+                    </a:ext>
+                  </a:extLst>
+                </p:cNvPr>
+                <p:cNvSpPr/>
+                <p:nvPr/>
+              </p:nvSpPr>
+              <p:spPr>
+                <a:xfrm rot="16200000">
+                  <a:off x="2125715" y="7530058"/>
+                  <a:ext cx="256836" cy="257305"/>
+                </a:xfrm>
+                <a:prstGeom prst="mathPlus">
+                  <a:avLst>
+                    <a:gd name="adj1" fmla="val 1"/>
+                  </a:avLst>
+                </a:prstGeom>
+                <a:noFill/>
+                <a:ln w="38100" cap="flat">
+                  <a:solidFill>
+                    <a:schemeClr val="dk1"/>
+                  </a:solidFill>
+                  <a:prstDash val="solid"/>
+                </a:ln>
+              </p:spPr>
+              <p:style>
+                <a:lnRef idx="2">
+                  <a:schemeClr val="accent1">
+                    <a:shade val="20000"/>
+                  </a:schemeClr>
+                </a:lnRef>
+                <a:fillRef idx="1">
+                  <a:schemeClr val="accent1"/>
+                </a:fillRef>
+                <a:effectRef idx="0">
+                  <a:schemeClr val="accent1"/>
+                </a:effectRef>
+                <a:fontRef idx="minor">
+                  <a:schemeClr val="lt1"/>
+                </a:fontRef>
+              </p:style>
+              <p:txBody>
+                <a:bodyPr anchor="ctr"/>
+                <a:lstStyle/>
+                <a:p>
+                  <a:pPr algn="ctr">
+                    <a:defRPr/>
+                  </a:pPr>
+                  <a:endParaRPr lang="ko-KR" altLang="en-US" dirty="0"/>
+                </a:p>
+              </p:txBody>
+            </p:sp>
+          </p:grpSp>
+        </p:grpSp>
+      </p:grpSp>
+    </p:spTree>
+    <p:extLst>
+      <p:ext uri="{BB962C8B-B14F-4D97-AF65-F5344CB8AC3E}">
+        <p14:creationId xmlns:p14="http://schemas.microsoft.com/office/powerpoint/2010/main" val="2723195451"/>
+      </p:ext>
+    </p:extLst>
+  </p:cSld>
+  <p:clrMapOvr>
+    <a:masterClrMapping/>
+  </p:clrMapOvr>
+  <mc:AlternateContent xmlns:mc="http://schemas.openxmlformats.org/markup-compatibility/2006" xmlns:p14="http://schemas.microsoft.com/office/powerpoint/2010/main">
+    <mc:Choice Requires="p14">
+      <p:transition/>
+    </mc:Choice>
+    <mc:Fallback xmlns:dsp="http://schemas.microsoft.com/office/drawing/2008/diagram" xmlns:dgm="http://schemas.openxmlformats.org/drawingml/2006/diagram" xmlns:c="http://schemas.openxmlformats.org/drawingml/2006/chart" xmlns="">
+      <p:transition/>
+    </mc:Fallback>
+  </mc:AlternateContent>
+</p:sld>
+</file>
+
+<file path=ppt/slides/slide6.xml><?xml version="1.0" encoding="utf-8"?>
+<p:sld xmlns:a="http://schemas.openxmlformats.org/drawingml/2006/main" xmlns:r="http://schemas.openxmlformats.org/officeDocument/2006/relationships" xmlns:p="http://schemas.openxmlformats.org/presentationml/2006/main">
   <p:cSld>
     <p:bg>
-      <p:bgPr shadeToTitle="0">
+      <p:bgPr>
         <a:solidFill>
           <a:schemeClr val="dk1"/>
         </a:solidFill>
+        <a:effectLst/>
       </p:bgPr>
     </p:bg>
     <p:spTree>
@@ -9522,12 +11734,12 @@
       </p:grpSpPr>
       <p:grpSp>
         <p:nvGrpSpPr>
-          <p:cNvPr id="4" name=""/>
+          <p:cNvPr id="4" name="Group 3"/>
           <p:cNvGrpSpPr/>
           <p:nvPr/>
         </p:nvGrpSpPr>
         <p:grpSpPr>
-          <a:xfrm rot="0">
+          <a:xfrm>
             <a:off x="582233" y="7115547"/>
             <a:ext cx="1562357" cy="1562357"/>
             <a:chOff x="1325183" y="6372597"/>
@@ -9536,7 +11748,7 @@
         </p:grpSpPr>
         <p:sp>
           <p:nvSpPr>
-            <p:cNvPr id="2" name=""/>
+            <p:cNvPr id="2" name="Rectangle: Rounded Corners 1"/>
             <p:cNvSpPr/>
             <p:nvPr/>
           </p:nvSpPr>
@@ -9590,6 +11802,7 @@
           </p:style>
           <p:txBody>
             <a:bodyPr anchor="ctr"/>
+            <a:lstStyle/>
             <a:p>
               <a:pPr algn="ctr">
                 <a:defRPr/>
@@ -9600,7 +11813,7 @@
         </p:sp>
         <p:sp>
           <p:nvSpPr>
-            <p:cNvPr id="3" name=""/>
+            <p:cNvPr id="3" name="Rectangle: Rounded Corners 2"/>
             <p:cNvSpPr/>
             <p:nvPr/>
           </p:nvSpPr>
@@ -9655,12 +11868,12 @@
       </p:grpSp>
       <p:grpSp>
         <p:nvGrpSpPr>
-          <p:cNvPr id="5" name=""/>
+          <p:cNvPr id="5" name="Group 4"/>
           <p:cNvGrpSpPr/>
           <p:nvPr/>
         </p:nvGrpSpPr>
         <p:grpSpPr>
-          <a:xfrm rot="0">
+          <a:xfrm>
             <a:off x="2327906" y="7115547"/>
             <a:ext cx="1562357" cy="1562357"/>
             <a:chOff x="1325183" y="6372597"/>
@@ -9669,7 +11882,7 @@
         </p:grpSpPr>
         <p:sp>
           <p:nvSpPr>
-            <p:cNvPr id="6" name=""/>
+            <p:cNvPr id="6" name="Rectangle: Rounded Corners 5"/>
             <p:cNvSpPr/>
             <p:nvPr/>
           </p:nvSpPr>
@@ -9734,7 +11947,7 @@
         </p:sp>
         <p:sp>
           <p:nvSpPr>
-            <p:cNvPr id="7" name=""/>
+            <p:cNvPr id="7" name="Rectangle: Rounded Corners 6"/>
             <p:cNvSpPr/>
             <p:nvPr/>
           </p:nvSpPr>
@@ -9789,12 +12002,12 @@
       </p:grpSp>
       <p:grpSp>
         <p:nvGrpSpPr>
-          <p:cNvPr id="8" name=""/>
+          <p:cNvPr id="8" name="Group 7"/>
           <p:cNvGrpSpPr/>
           <p:nvPr/>
         </p:nvGrpSpPr>
         <p:grpSpPr>
-          <a:xfrm rot="0">
+          <a:xfrm>
             <a:off x="4064920" y="7115547"/>
             <a:ext cx="1562357" cy="1562357"/>
             <a:chOff x="1325183" y="6372597"/>
@@ -9803,7 +12016,7 @@
         </p:grpSpPr>
         <p:sp>
           <p:nvSpPr>
-            <p:cNvPr id="9" name=""/>
+            <p:cNvPr id="9" name="Rectangle: Rounded Corners 8"/>
             <p:cNvSpPr/>
             <p:nvPr/>
           </p:nvSpPr>
@@ -9820,12 +12033,12 @@
             <a:gradFill flip="xy" rotWithShape="1">
               <a:gsLst>
                 <a:gs pos="86560">
-                  <a:srgbClr val="ff0000">
+                  <a:srgbClr val="FF0000">
                     <a:alpha val="0"/>
                   </a:srgbClr>
                 </a:gs>
                 <a:gs pos="100000">
-                  <a:srgbClr val="ff0000">
+                  <a:srgbClr val="FF0000">
                     <a:alpha val="100000"/>
                   </a:srgbClr>
                 </a:gs>
@@ -9868,7 +12081,7 @@
         </p:sp>
         <p:sp>
           <p:nvSpPr>
-            <p:cNvPr id="10" name=""/>
+            <p:cNvPr id="10" name="Rectangle: Rounded Corners 9"/>
             <p:cNvSpPr/>
             <p:nvPr/>
           </p:nvSpPr>
@@ -9885,7 +12098,7 @@
             <a:noFill/>
             <a:ln w="38100" cap="flat" cmpd="sng" algn="ctr">
               <a:solidFill>
-                <a:srgbClr val="ff0000"/>
+                <a:srgbClr val="FF0000"/>
               </a:solidFill>
               <a:prstDash val="solid"/>
               <a:round/>
@@ -9923,7 +12136,7 @@
       </p:grpSp>
       <p:sp>
         <p:nvSpPr>
-          <p:cNvPr id="11" name=""/>
+          <p:cNvPr id="11" name="Oval 10"/>
           <p:cNvSpPr/>
           <p:nvPr/>
         </p:nvSpPr>
@@ -9964,25 +12177,20 @@
         </p:style>
         <p:txBody>
           <a:bodyPr wrap="none" lIns="54006" tIns="0" rIns="0" bIns="0" anchor="ctr"/>
+          <a:lstStyle/>
           <a:p>
             <a:pPr algn="ctr">
               <a:defRPr/>
             </a:pPr>
             <a:r>
-              <a:rPr lang="en-US" altLang="ko-KR">
+              <a:rPr lang="en-US" altLang="ko-KR" dirty="0">
                 <a:solidFill>
                   <a:schemeClr val="tx1"/>
                 </a:solidFill>
-                <a:latin typeface="Segment7"/>
+                <a:latin typeface="DSEG14 Classic" panose="02000503000000000000" pitchFamily="2" charset="0"/>
               </a:rPr>
               <a:t>2</a:t>
             </a:r>
-            <a:endParaRPr lang="en-US" altLang="ko-KR">
-              <a:solidFill>
-                <a:schemeClr val="tx1"/>
-              </a:solidFill>
-              <a:latin typeface="Segment7"/>
-            </a:endParaRPr>
           </a:p>
         </p:txBody>
       </p:sp>
@@ -9991,11 +12199,11 @@
   <p:clrMapOvr>
     <a:masterClrMapping/>
   </p:clrMapOvr>
-  <mc:AlternateContent xmlns:mc="http://schemas.openxmlformats.org/markup-compatibility/2006">
-    <mc:Choice xmlns:p14="http://schemas.microsoft.com/office/powerpoint/2010/main" Requires="p14">
-      <p:transition xmlns:mc="http://schemas.openxmlformats.org/markup-compatibility/2006" xmlns:p14="http://schemas.microsoft.com/office/powerpoint/2010/main" mc:Ignorable="p14" p14:dur="500"/>
+  <mc:AlternateContent xmlns:mc="http://schemas.openxmlformats.org/markup-compatibility/2006" xmlns:p14="http://schemas.microsoft.com/office/powerpoint/2010/main">
+    <mc:Choice Requires="p14">
+      <p:transition/>
     </mc:Choice>
-    <mc:Fallback>
+    <mc:Fallback xmlns:dsp="http://schemas.microsoft.com/office/drawing/2008/diagram" xmlns:dgm="http://schemas.openxmlformats.org/drawingml/2006/diagram" xmlns:c="http://schemas.openxmlformats.org/drawingml/2006/chart" xmlns="">
       <p:transition/>
     </mc:Fallback>
   </mc:AlternateContent>
@@ -10003,41 +12211,41 @@
 </file>
 
 <file path=ppt/theme/theme1.xml><?xml version="1.0" encoding="utf-8"?>
-<a:theme xmlns:r="http://schemas.openxmlformats.org/officeDocument/2006/relationships" xmlns:c="http://schemas.openxmlformats.org/drawingml/2006/chart" xmlns:dgm="http://schemas.openxmlformats.org/drawingml/2006/diagram" xmlns:dsp="http://schemas.microsoft.com/office/drawing/2008/diagram" xmlns:a="http://schemas.openxmlformats.org/drawingml/2006/main" xmlns:pic="http://schemas.openxmlformats.org/drawingml/2006/picture" xmlns:wp="http://schemas.openxmlformats.org/drawingml/2006/wordprocessingDrawing" xmlns:xdr="http://schemas.openxmlformats.org/drawingml/2006/spreadsheetDrawing" xmlns:lc="http://schemas.openxmlformats.org/drawingml/2006/lockedCanvas" xmlns:p="http://schemas.openxmlformats.org/presentationml/2006/main" name="한컴오피스">
+<a:theme xmlns:a="http://schemas.openxmlformats.org/drawingml/2006/main" name="한컴오피스">
   <a:themeElements>
     <a:clrScheme name="한컴오피스">
       <a:dk1>
         <a:sysClr val="windowText" lastClr="000000"/>
       </a:dk1>
       <a:lt1>
-        <a:sysClr val="window" lastClr="ffffff"/>
+        <a:sysClr val="window" lastClr="FFFFFF"/>
       </a:lt1>
       <a:dk2>
-        <a:srgbClr val="3a3c84"/>
+        <a:srgbClr val="3A3C84"/>
       </a:dk2>
       <a:lt2>
-        <a:srgbClr val="faf3db"/>
+        <a:srgbClr val="FAF3DB"/>
       </a:lt2>
       <a:accent1>
-        <a:srgbClr val="6182d6"/>
+        <a:srgbClr val="6182D6"/>
       </a:accent1>
       <a:accent2>
-        <a:srgbClr val="ff843a"/>
+        <a:srgbClr val="FF843A"/>
       </a:accent2>
       <a:accent3>
-        <a:srgbClr val="b2b2b2"/>
+        <a:srgbClr val="B2B2B2"/>
       </a:accent3>
       <a:accent4>
-        <a:srgbClr val="ffd700"/>
+        <a:srgbClr val="FFD700"/>
       </a:accent4>
       <a:accent5>
-        <a:srgbClr val="289b6e"/>
+        <a:srgbClr val="289B6E"/>
       </a:accent5>
       <a:accent6>
-        <a:srgbClr val="9d5cbb"/>
+        <a:srgbClr val="9D5CBB"/>
       </a:accent6>
       <a:hlink>
-        <a:srgbClr val="0000ff"/>
+        <a:srgbClr val="0000FF"/>
       </a:hlink>
       <a:folHlink>
         <a:srgbClr val="800080"/>
@@ -10323,45 +12531,46 @@
       <a:lstStyle/>
     </a:txDef>
   </a:objectDefaults>
+  <a:extraClrSchemeLst/>
 </a:theme>
 </file>
 
 <file path=ppt/theme/theme2.xml><?xml version="1.0" encoding="utf-8"?>
-<a:theme xmlns:r="http://schemas.openxmlformats.org/officeDocument/2006/relationships" xmlns:c="http://schemas.openxmlformats.org/drawingml/2006/chart" xmlns:dgm="http://schemas.openxmlformats.org/drawingml/2006/diagram" xmlns:dsp="http://schemas.microsoft.com/office/drawing/2008/diagram" xmlns:a="http://schemas.openxmlformats.org/drawingml/2006/main" xmlns:pic="http://schemas.openxmlformats.org/drawingml/2006/picture" xmlns:wp="http://schemas.openxmlformats.org/drawingml/2006/wordprocessingDrawing" xmlns:xdr="http://schemas.openxmlformats.org/drawingml/2006/spreadsheetDrawing" xmlns:lc="http://schemas.openxmlformats.org/drawingml/2006/lockedCanvas" xmlns:p="http://schemas.openxmlformats.org/presentationml/2006/main" name="한컴오피스">
+<a:theme xmlns:a="http://schemas.openxmlformats.org/drawingml/2006/main" name="한컴오피스">
   <a:themeElements>
     <a:clrScheme name="한컴오피스">
       <a:dk1>
         <a:sysClr val="windowText" lastClr="000000"/>
       </a:dk1>
       <a:lt1>
-        <a:sysClr val="window" lastClr="ffffff"/>
+        <a:sysClr val="window" lastClr="FFFFFF"/>
       </a:lt1>
       <a:dk2>
-        <a:srgbClr val="3a3c84"/>
+        <a:srgbClr val="3A3C84"/>
       </a:dk2>
       <a:lt2>
-        <a:srgbClr val="faf3db"/>
+        <a:srgbClr val="FAF3DB"/>
       </a:lt2>
       <a:accent1>
-        <a:srgbClr val="6182d6"/>
+        <a:srgbClr val="6182D6"/>
       </a:accent1>
       <a:accent2>
-        <a:srgbClr val="ff843a"/>
+        <a:srgbClr val="FF843A"/>
       </a:accent2>
       <a:accent3>
-        <a:srgbClr val="b2b2b2"/>
+        <a:srgbClr val="B2B2B2"/>
       </a:accent3>
       <a:accent4>
-        <a:srgbClr val="ffd700"/>
+        <a:srgbClr val="FFD700"/>
       </a:accent4>
       <a:accent5>
-        <a:srgbClr val="289b6e"/>
+        <a:srgbClr val="289B6E"/>
       </a:accent5>
       <a:accent6>
-        <a:srgbClr val="9d5cbb"/>
+        <a:srgbClr val="9D5CBB"/>
       </a:accent6>
       <a:hlink>
-        <a:srgbClr val="0000ff"/>
+        <a:srgbClr val="0000FF"/>
       </a:hlink>
       <a:folHlink>
         <a:srgbClr val="800080"/>
@@ -10586,5 +12795,7 @@
       </a:bgFillStyleLst>
     </a:fmtScheme>
   </a:themeElements>
+  <a:objectDefaults/>
+  <a:extraClrSchemeLst/>
 </a:theme>
 </file>
--- a/Assets/5_images/chronospace_logo.pptx
+++ b/Assets/5_images/chronospace_logo.pptx
@@ -1,19 +1,22 @@
 
 <file path=ppt/presentation.xml><?xml version="1.0" encoding="utf-8"?>
-<p:presentation xmlns:a="http://schemas.openxmlformats.org/drawingml/2006/main" xmlns:r="http://schemas.openxmlformats.org/officeDocument/2006/relationships" xmlns:p="http://schemas.openxmlformats.org/presentationml/2006/main">
+<p:presentation xmlns:r="http://schemas.openxmlformats.org/officeDocument/2006/relationships" xmlns:c="http://schemas.openxmlformats.org/drawingml/2006/chart" xmlns:a="http://schemas.openxmlformats.org/drawingml/2006/main" xmlns:dgm="http://schemas.openxmlformats.org/drawingml/2006/diagram" xmlns:dsp="http://schemas.microsoft.com/office/drawing/2008/diagram" xmlns:p="http://schemas.openxmlformats.org/presentationml/2006/main">
   <p:sldMasterIdLst>
     <p:sldMasterId id="2147483695" r:id="rId1"/>
   </p:sldMasterIdLst>
   <p:notesMasterIdLst>
-    <p:notesMasterId r:id="rId8"/>
+    <p:notesMasterId r:id="rId2"/>
   </p:notesMasterIdLst>
   <p:sldIdLst>
-    <p:sldId id="263" r:id="rId2"/>
-    <p:sldId id="264" r:id="rId3"/>
-    <p:sldId id="265" r:id="rId4"/>
-    <p:sldId id="266" r:id="rId5"/>
-    <p:sldId id="268" r:id="rId6"/>
-    <p:sldId id="267" r:id="rId7"/>
+    <p:sldId id="263" r:id="rId3"/>
+    <p:sldId id="264" r:id="rId4"/>
+    <p:sldId id="265" r:id="rId5"/>
+    <p:sldId id="266" r:id="rId6"/>
+    <p:sldId id="268" r:id="rId7"/>
+    <p:sldId id="271" r:id="rId8"/>
+    <p:sldId id="270" r:id="rId9"/>
+    <p:sldId id="269" r:id="rId10"/>
+    <p:sldId id="267" r:id="rId11"/>
   </p:sldIdLst>
   <p:sldSz cx="12192000" cy="9144000"/>
   <p:notesSz cx="6858000" cy="9144000"/>
@@ -112,27 +115,11 @@
       </a:defRPr>
     </a:lvl9pPr>
   </p:defaultTextStyle>
-  <p:extLst>
-    <p:ext uri="{EFAFB233-063F-42B5-8137-9DF3F51BA10A}">
-      <p15:sldGuideLst xmlns:p15="http://schemas.microsoft.com/office/powerpoint/2012/main">
-        <p15:guide id="1" orient="horz" pos="2860">
-          <p15:clr>
-            <a:srgbClr val="A4A3A4"/>
-          </p15:clr>
-        </p15:guide>
-        <p15:guide id="2" pos="3819">
-          <p15:clr>
-            <a:srgbClr val="A4A3A4"/>
-          </p15:clr>
-        </p15:guide>
-      </p15:sldGuideLst>
-    </p:ext>
-  </p:extLst>
 </p:presentation>
 </file>
 
 <file path=ppt/notesMasters/notesMaster1.xml><?xml version="1.0" encoding="utf-8"?>
-<p:notesMaster xmlns:a="http://schemas.openxmlformats.org/drawingml/2006/main" xmlns:r="http://schemas.openxmlformats.org/officeDocument/2006/relationships" xmlns:p="http://schemas.openxmlformats.org/presentationml/2006/main">
+<p:notesMaster xmlns:r="http://schemas.openxmlformats.org/officeDocument/2006/relationships" xmlns:c="http://schemas.openxmlformats.org/drawingml/2006/chart" xmlns:a="http://schemas.openxmlformats.org/drawingml/2006/main" xmlns:dgm="http://schemas.openxmlformats.org/drawingml/2006/diagram" xmlns:dsp="http://schemas.microsoft.com/office/drawing/2008/diagram" xmlns:p="http://schemas.openxmlformats.org/presentationml/2006/main">
   <p:cSld>
     <p:bg>
       <p:bgRef idx="1001">
@@ -160,7 +147,7 @@
             <a:spLocks noGrp="1"/>
           </p:cNvSpPr>
           <p:nvPr>
-            <p:ph type="hdr" sz="quarter"/>
+            <p:ph type="hdr" sz="quarter" idx="0"/>
           </p:nvPr>
         </p:nvSpPr>
         <p:spPr>
@@ -222,7 +209,7 @@
               <a:pPr lvl="0">
                 <a:defRPr/>
               </a:pPr>
-              <a:t>2024-10-27</a:t>
+              <a:t>2024-10-29</a:t>
             </a:fld>
             <a:endParaRPr lang="ko-KR" altLang="en-US"/>
           </a:p>
@@ -296,6 +283,7 @@
               <a:rPr lang="ko-KR" altLang="en-US"/>
               <a:t>마스터 텍스트 스타일을 편집합니다</a:t>
             </a:r>
+            <a:endParaRPr lang="ko-KR" altLang="en-US"/>
           </a:p>
           <a:p>
             <a:pPr lvl="1">
@@ -305,6 +293,7 @@
               <a:rPr lang="ko-KR" altLang="en-US"/>
               <a:t>둘째 수준</a:t>
             </a:r>
+            <a:endParaRPr lang="ko-KR" altLang="en-US"/>
           </a:p>
           <a:p>
             <a:pPr lvl="2">
@@ -314,6 +303,7 @@
               <a:rPr lang="ko-KR" altLang="en-US"/>
               <a:t>셋째 수준</a:t>
             </a:r>
+            <a:endParaRPr lang="ko-KR" altLang="en-US"/>
           </a:p>
           <a:p>
             <a:pPr lvl="3">
@@ -323,6 +313,7 @@
               <a:rPr lang="ko-KR" altLang="en-US"/>
               <a:t>넷째 수준</a:t>
             </a:r>
+            <a:endParaRPr lang="ko-KR" altLang="en-US"/>
           </a:p>
           <a:p>
             <a:pPr lvl="4">
@@ -332,6 +323,7 @@
               <a:rPr lang="ko-KR" altLang="en-US"/>
               <a:t>다섯째 수준</a:t>
             </a:r>
+            <a:endParaRPr lang="ko-KR" altLang="en-US"/>
           </a:p>
         </p:txBody>
       </p:sp>
@@ -510,7 +502,7 @@
 </file>
 
 <file path=ppt/notesSlides/notesSlide1.xml><?xml version="1.0" encoding="utf-8"?>
-<p:notes xmlns:a="http://schemas.openxmlformats.org/drawingml/2006/main" xmlns:r="http://schemas.openxmlformats.org/officeDocument/2006/relationships" xmlns:p="http://schemas.openxmlformats.org/presentationml/2006/main">
+<p:notes xmlns:r="http://schemas.openxmlformats.org/officeDocument/2006/relationships" xmlns:c="http://schemas.openxmlformats.org/drawingml/2006/chart" xmlns:a="http://schemas.openxmlformats.org/drawingml/2006/main" xmlns:dgm="http://schemas.openxmlformats.org/drawingml/2006/diagram" xmlns:dsp="http://schemas.microsoft.com/office/drawing/2008/diagram" xmlns:p="http://schemas.openxmlformats.org/presentationml/2006/main">
   <p:cSld>
     <p:spTree>
       <p:nvGrpSpPr>
@@ -541,7 +533,7 @@
           <a:bodyPr/>
           <a:lstStyle/>
           <a:p>
-            <a:pPr>
+            <a:pPr lvl="0">
               <a:defRPr/>
             </a:pPr>
             <a:endParaRPr lang="ko-KR" altLang="en-US"/>
@@ -563,7 +555,7 @@
           <a:bodyPr/>
           <a:lstStyle/>
           <a:p>
-            <a:pPr>
+            <a:pPr lvl="0">
               <a:defRPr/>
             </a:pPr>
             <a:endParaRPr lang="ko-KR" altLang="en-US"/>
@@ -798,7 +790,7 @@
               <a:pPr lvl="0">
                 <a:defRPr/>
               </a:pPr>
-              <a:t>2024-10-27</a:t>
+              <a:t>2024-10-29</a:t>
             </a:fld>
             <a:endParaRPr lang="ko-KR" altLang="en-US"/>
           </a:p>
@@ -940,7 +932,7 @@
               <a:pPr lvl="0">
                 <a:defRPr/>
               </a:pPr>
-              <a:t>2024-10-27</a:t>
+              <a:t>2024-10-29</a:t>
             </a:fld>
             <a:endParaRPr lang="ko-KR" altLang="en-US"/>
           </a:p>
@@ -1155,7 +1147,7 @@
               <a:pPr lvl="0">
                 <a:defRPr/>
               </a:pPr>
-              <a:t>2024-10-27</a:t>
+              <a:t>2024-10-29</a:t>
             </a:fld>
             <a:endParaRPr lang="ko-KR" altLang="en-US"/>
           </a:p>
@@ -1357,7 +1349,7 @@
               <a:pPr lvl="0">
                 <a:defRPr/>
               </a:pPr>
-              <a:t>2024-10-27</a:t>
+              <a:t>2024-10-29</a:t>
             </a:fld>
             <a:endParaRPr lang="ko-KR" altLang="en-US"/>
           </a:p>
@@ -1549,7 +1541,7 @@
               <a:pPr lvl="0">
                 <a:defRPr/>
               </a:pPr>
-              <a:t>2024-10-27</a:t>
+              <a:t>2024-10-29</a:t>
             </a:fld>
             <a:endParaRPr lang="ko-KR" altLang="en-US"/>
           </a:p>
@@ -1655,7 +1647,7 @@
               <a:pPr lvl="0">
                 <a:defRPr/>
               </a:pPr>
-              <a:t>2024-10-27</a:t>
+              <a:t>2024-10-29</a:t>
             </a:fld>
             <a:endParaRPr lang="ko-KR" altLang="en-US"/>
           </a:p>
@@ -1916,7 +1908,7 @@
               <a:pPr lvl="0">
                 <a:defRPr/>
               </a:pPr>
-              <a:t>2024-10-27</a:t>
+              <a:t>2024-10-29</a:t>
             </a:fld>
             <a:endParaRPr lang="ko-KR" altLang="en-US"/>
           </a:p>
@@ -2235,7 +2227,7 @@
               <a:pPr lvl="0">
                 <a:defRPr/>
               </a:pPr>
-              <a:t>2024-10-27</a:t>
+              <a:t>2024-10-29</a:t>
             </a:fld>
             <a:endParaRPr lang="ko-KR" altLang="en-US"/>
           </a:p>
@@ -2366,7 +2358,7 @@
               <a:pPr lvl="0">
                 <a:defRPr/>
               </a:pPr>
-              <a:t>2024-10-27</a:t>
+              <a:t>2024-10-29</a:t>
             </a:fld>
             <a:endParaRPr lang="ko-KR" altLang="en-US"/>
           </a:p>
@@ -2533,7 +2525,7 @@
               <a:pPr lvl="0">
                 <a:defRPr/>
               </a:pPr>
-              <a:t>2024-10-27</a:t>
+              <a:t>2024-10-29</a:t>
             </a:fld>
             <a:endParaRPr lang="ko-KR" altLang="en-US"/>
           </a:p>
@@ -3040,7 +3032,7 @@
               <a:pPr lvl="0">
                 <a:defRPr/>
               </a:pPr>
-              <a:t>2024-10-27</a:t>
+              <a:t>2024-10-29</a:t>
             </a:fld>
             <a:endParaRPr lang="ko-KR" altLang="en-US"/>
           </a:p>
@@ -3314,7 +3306,7 @@
               <a:pPr lvl="0">
                 <a:defRPr/>
               </a:pPr>
-              <a:t>2024-10-27</a:t>
+              <a:t>2024-10-29</a:t>
             </a:fld>
             <a:endParaRPr lang="ko-KR" altLang="en-US"/>
           </a:p>
@@ -3549,7 +3541,7 @@
               <a:pPr lvl="0">
                 <a:defRPr/>
               </a:pPr>
-              <a:t>2024-10-27</a:t>
+              <a:t>2024-10-29</a:t>
             </a:fld>
             <a:endParaRPr lang="ko-KR" altLang="en-US"/>
           </a:p>
@@ -3987,53 +3979,59 @@
           <a:chExt cx="0" cy="0"/>
         </a:xfrm>
       </p:grpSpPr>
+      <p:sp>
+        <p:nvSpPr>
+          <p:cNvPr id="2" name="TextBox 1"/>
+          <p:cNvSpPr txBox="1"/>
+          <p:nvPr/>
+        </p:nvSpPr>
+        <p:spPr>
+          <a:xfrm>
+            <a:off x="1377518" y="3349835"/>
+            <a:ext cx="6570676" cy="911861"/>
+          </a:xfrm>
+          <a:prstGeom prst="rect">
+            <a:avLst/>
+          </a:prstGeom>
+        </p:spPr>
+        <p:txBody>
+          <a:bodyPr wrap="square" lIns="0" tIns="0" rIns="0" bIns="0">
+            <a:spAutoFit/>
+          </a:bodyPr>
+          <a:lstStyle/>
+          <a:p>
+            <a:pPr>
+              <a:defRPr/>
+            </a:pPr>
+            <a:r>
+              <a:rPr lang="en-US" altLang="ko-KR" sz="6000">
+                <a:latin typeface="Bahnschrift SemiBold SemiConden"/>
+              </a:rPr>
+              <a:t>ESCAPE FROM</a:t>
+            </a:r>
+          </a:p>
+        </p:txBody>
+      </p:sp>
       <p:grpSp>
         <p:nvGrpSpPr>
-          <p:cNvPr id="9" name="Group 8"/>
+          <p:cNvPr id="6" name="Group 5">
+            <a:extLst>
+              <a:ext uri="{FF2B5EF4-FFF2-40B4-BE49-F238E27FC236}">
+                <a16:creationId xmlns:a16="http://schemas.microsoft.com/office/drawing/2014/main" id="{4C3E35D6-07D7-9A30-A59A-E215B776DB1F}"/>
+              </a:ext>
+            </a:extLst>
+          </p:cNvPr>
           <p:cNvGrpSpPr/>
           <p:nvPr/>
         </p:nvGrpSpPr>
         <p:grpSpPr>
           <a:xfrm>
-            <a:off x="1250281" y="3349835"/>
-            <a:ext cx="9555413" cy="2546139"/>
-            <a:chOff x="1250281" y="3349835"/>
-            <a:chExt cx="9555413" cy="2546139"/>
+            <a:off x="1250281" y="4071196"/>
+            <a:ext cx="9555413" cy="1824778"/>
+            <a:chOff x="1250281" y="4071196"/>
+            <a:chExt cx="9555413" cy="1824778"/>
           </a:xfrm>
         </p:grpSpPr>
-        <p:sp>
-          <p:nvSpPr>
-            <p:cNvPr id="2" name="TextBox 1"/>
-            <p:cNvSpPr txBox="1"/>
-            <p:nvPr/>
-          </p:nvSpPr>
-          <p:spPr>
-            <a:xfrm>
-              <a:off x="1377518" y="3349835"/>
-              <a:ext cx="6570676" cy="911861"/>
-            </a:xfrm>
-            <a:prstGeom prst="rect">
-              <a:avLst/>
-            </a:prstGeom>
-          </p:spPr>
-          <p:txBody>
-            <a:bodyPr wrap="square" lIns="0" tIns="0" rIns="0" bIns="0">
-              <a:spAutoFit/>
-            </a:bodyPr>
-            <a:lstStyle/>
-            <a:p>
-              <a:pPr>
-                <a:defRPr/>
-              </a:pPr>
-              <a:r>
-                <a:rPr lang="en-US" altLang="ko-KR" sz="6000">
-                  <a:latin typeface="Bahnschrift SemiBold SemiConden"/>
-                </a:rPr>
-                <a:t>ESCAPE FROM</a:t>
-              </a:r>
-            </a:p>
-          </p:txBody>
-        </p:sp>
         <p:sp>
           <p:nvSpPr>
             <p:cNvPr id="3" name="TextBox 2"/>
@@ -4092,13 +4090,13 @@
                 <a:defRPr/>
               </a:pPr>
               <a:r>
-                <a:rPr lang="en-US" altLang="ko-KR" sz="12000">
+                <a:rPr lang="en-US" altLang="ko-KR" sz="12000" dirty="0">
                   <a:latin typeface="Bahnschrift Light SemiCondensed"/>
                 </a:rPr>
                 <a:t>NO</a:t>
               </a:r>
               <a:r>
-                <a:rPr lang="en-US" altLang="ko-KR" sz="12000" b="1">
+                <a:rPr lang="en-US" altLang="ko-KR" sz="12000" b="1" dirty="0">
                   <a:latin typeface="Bahnschrift SemiBold SemiConden"/>
                 </a:rPr>
                 <a:t>SPACE</a:t>
@@ -6620,7 +6618,7 @@
               <a:pPr algn="ctr">
                 <a:defRPr/>
               </a:pPr>
-              <a:endParaRPr lang="ko-KR" altLang="en-US"/>
+              <a:endParaRPr lang="ko-KR" altLang="en-US" dirty="0"/>
             </a:p>
           </p:txBody>
         </p:sp>
@@ -8819,7 +8817,7 @@
               <a:noFill/>
               <a:ln w="38100">
                 <a:solidFill>
-                  <a:srgbClr val="F62D2D"/>
+                  <a:srgbClr val="FFC000"/>
                 </a:solidFill>
               </a:ln>
             </p:spPr>
@@ -8866,7 +8864,7 @@
               </a:prstGeom>
               <a:ln w="38100" cap="rnd">
                 <a:solidFill>
-                  <a:srgbClr val="F62D2D"/>
+                  <a:srgbClr val="FFC000"/>
                 </a:solidFill>
               </a:ln>
             </p:spPr>
@@ -10037,729 +10035,6 @@
           <a:chExt cx="0" cy="0"/>
         </a:xfrm>
       </p:grpSpPr>
-      <p:grpSp>
-        <p:nvGrpSpPr>
-          <p:cNvPr id="45" name="Group 44">
-            <a:extLst>
-              <a:ext uri="{FF2B5EF4-FFF2-40B4-BE49-F238E27FC236}">
-                <a16:creationId xmlns:a16="http://schemas.microsoft.com/office/drawing/2014/main" id="{CE23EA75-F540-C758-9179-EFA8F901323F}"/>
-              </a:ext>
-            </a:extLst>
-          </p:cNvPr>
-          <p:cNvGrpSpPr/>
-          <p:nvPr/>
-        </p:nvGrpSpPr>
-        <p:grpSpPr>
-          <a:xfrm>
-            <a:off x="4568845" y="0"/>
-            <a:ext cx="4572000" cy="9144000"/>
-            <a:chOff x="4568845" y="0"/>
-            <a:chExt cx="4572000" cy="9144000"/>
-          </a:xfrm>
-        </p:grpSpPr>
-        <p:sp>
-          <p:nvSpPr>
-            <p:cNvPr id="11" name="Rectangle 10">
-              <a:extLst>
-                <a:ext uri="{FF2B5EF4-FFF2-40B4-BE49-F238E27FC236}">
-                  <a16:creationId xmlns:a16="http://schemas.microsoft.com/office/drawing/2014/main" id="{A74D03D2-5FFA-056E-BB42-672BCF99C855}"/>
-                </a:ext>
-              </a:extLst>
-            </p:cNvPr>
-            <p:cNvSpPr/>
-            <p:nvPr/>
-          </p:nvSpPr>
-          <p:spPr>
-            <a:xfrm>
-              <a:off x="4568845" y="0"/>
-              <a:ext cx="4572000" cy="9144000"/>
-            </a:xfrm>
-            <a:prstGeom prst="rect">
-              <a:avLst/>
-            </a:prstGeom>
-            <a:solidFill>
-              <a:schemeClr val="lt1"/>
-            </a:solidFill>
-            <a:ln>
-              <a:noFill/>
-            </a:ln>
-          </p:spPr>
-          <p:style>
-            <a:lnRef idx="2">
-              <a:schemeClr val="accent1">
-                <a:shade val="20000"/>
-              </a:schemeClr>
-            </a:lnRef>
-            <a:fillRef idx="1">
-              <a:schemeClr val="accent1"/>
-            </a:fillRef>
-            <a:effectRef idx="0">
-              <a:schemeClr val="accent1"/>
-            </a:effectRef>
-            <a:fontRef idx="minor">
-              <a:schemeClr val="lt1"/>
-            </a:fontRef>
-          </p:style>
-          <p:txBody>
-            <a:bodyPr anchor="ctr"/>
-            <a:lstStyle/>
-            <a:p>
-              <a:pPr algn="ctr">
-                <a:defRPr/>
-              </a:pPr>
-              <a:endParaRPr lang="ko-KR" altLang="en-US" dirty="0"/>
-            </a:p>
-          </p:txBody>
-        </p:sp>
-        <p:sp>
-          <p:nvSpPr>
-            <p:cNvPr id="12" name="Rectangle 11">
-              <a:extLst>
-                <a:ext uri="{FF2B5EF4-FFF2-40B4-BE49-F238E27FC236}">
-                  <a16:creationId xmlns:a16="http://schemas.microsoft.com/office/drawing/2014/main" id="{2BE6350B-9D95-FF4A-8CDF-B76979482C15}"/>
-                </a:ext>
-              </a:extLst>
-            </p:cNvPr>
-            <p:cNvSpPr/>
-            <p:nvPr/>
-          </p:nvSpPr>
-          <p:spPr>
-            <a:xfrm>
-              <a:off x="4775761" y="235115"/>
-              <a:ext cx="4164478" cy="8718052"/>
-            </a:xfrm>
-            <a:prstGeom prst="rect">
-              <a:avLst/>
-            </a:prstGeom>
-            <a:noFill/>
-            <a:ln w="38100">
-              <a:solidFill>
-                <a:schemeClr val="dk1"/>
-              </a:solidFill>
-            </a:ln>
-          </p:spPr>
-          <p:style>
-            <a:lnRef idx="2">
-              <a:schemeClr val="accent1">
-                <a:shade val="20000"/>
-              </a:schemeClr>
-            </a:lnRef>
-            <a:fillRef idx="1">
-              <a:schemeClr val="accent1"/>
-            </a:fillRef>
-            <a:effectRef idx="0">
-              <a:schemeClr val="accent1"/>
-            </a:effectRef>
-            <a:fontRef idx="minor">
-              <a:schemeClr val="lt1"/>
-            </a:fontRef>
-          </p:style>
-          <p:txBody>
-            <a:bodyPr anchor="ctr"/>
-            <a:lstStyle/>
-            <a:p>
-              <a:pPr algn="ctr">
-                <a:defRPr/>
-              </a:pPr>
-              <a:endParaRPr lang="ko-KR" altLang="en-US"/>
-            </a:p>
-          </p:txBody>
-        </p:sp>
-        <p:sp>
-          <p:nvSpPr>
-            <p:cNvPr id="13" name="Rectangle 12">
-              <a:extLst>
-                <a:ext uri="{FF2B5EF4-FFF2-40B4-BE49-F238E27FC236}">
-                  <a16:creationId xmlns:a16="http://schemas.microsoft.com/office/drawing/2014/main" id="{2AB442B5-2D6D-B90B-D106-B1D2EF92DF07}"/>
-                </a:ext>
-              </a:extLst>
-            </p:cNvPr>
-            <p:cNvSpPr/>
-            <p:nvPr/>
-          </p:nvSpPr>
-          <p:spPr>
-            <a:xfrm>
-              <a:off x="4754646" y="8652049"/>
-              <a:ext cx="2024331" cy="320168"/>
-            </a:xfrm>
-            <a:prstGeom prst="rect">
-              <a:avLst/>
-            </a:prstGeom>
-            <a:solidFill>
-              <a:schemeClr val="lt1"/>
-            </a:solidFill>
-            <a:ln>
-              <a:solidFill>
-                <a:schemeClr val="lt1"/>
-              </a:solidFill>
-            </a:ln>
-          </p:spPr>
-          <p:style>
-            <a:lnRef idx="2">
-              <a:schemeClr val="accent1">
-                <a:shade val="20000"/>
-              </a:schemeClr>
-            </a:lnRef>
-            <a:fillRef idx="1">
-              <a:schemeClr val="accent1"/>
-            </a:fillRef>
-            <a:effectRef idx="0">
-              <a:schemeClr val="accent1"/>
-            </a:effectRef>
-            <a:fontRef idx="minor">
-              <a:schemeClr val="lt1"/>
-            </a:fontRef>
-          </p:style>
-          <p:txBody>
-            <a:bodyPr anchor="ctr"/>
-            <a:lstStyle/>
-            <a:p>
-              <a:pPr algn="ctr">
-                <a:defRPr/>
-              </a:pPr>
-              <a:endParaRPr lang="ko-KR" altLang="en-US"/>
-            </a:p>
-          </p:txBody>
-        </p:sp>
-        <p:pic>
-          <p:nvPicPr>
-            <p:cNvPr id="14" name="Picture 13">
-              <a:extLst>
-                <a:ext uri="{FF2B5EF4-FFF2-40B4-BE49-F238E27FC236}">
-                  <a16:creationId xmlns:a16="http://schemas.microsoft.com/office/drawing/2014/main" id="{745DE0B4-C617-F659-BA55-21DCFD22C276}"/>
-                </a:ext>
-              </a:extLst>
-            </p:cNvPr>
-            <p:cNvPicPr/>
-            <p:nvPr/>
-          </p:nvPicPr>
-          <p:blipFill rotWithShape="1">
-            <a:blip r:embed="rId2"/>
-            <a:stretch>
-              <a:fillRect/>
-            </a:stretch>
-          </p:blipFill>
-          <p:spPr>
-            <a:xfrm>
-              <a:off x="4754646" y="8623476"/>
-              <a:ext cx="1960497" cy="377317"/>
-            </a:xfrm>
-            <a:prstGeom prst="rect">
-              <a:avLst/>
-            </a:prstGeom>
-          </p:spPr>
-        </p:pic>
-        <p:sp>
-          <p:nvSpPr>
-            <p:cNvPr id="15" name="TextBox 14">
-              <a:extLst>
-                <a:ext uri="{FF2B5EF4-FFF2-40B4-BE49-F238E27FC236}">
-                  <a16:creationId xmlns:a16="http://schemas.microsoft.com/office/drawing/2014/main" id="{9E517E8E-1D29-0F2F-0828-CA77BCDB3FB6}"/>
-                </a:ext>
-              </a:extLst>
-            </p:cNvPr>
-            <p:cNvSpPr txBox="1"/>
-            <p:nvPr/>
-          </p:nvSpPr>
-          <p:spPr>
-            <a:xfrm>
-              <a:off x="4831013" y="1332196"/>
-              <a:ext cx="4109226" cy="2539900"/>
-            </a:xfrm>
-            <a:prstGeom prst="rect">
-              <a:avLst/>
-            </a:prstGeom>
-          </p:spPr>
-          <p:txBody>
-            <a:bodyPr wrap="none" anchor="ctr" anchorCtr="0">
-              <a:noAutofit/>
-            </a:bodyPr>
-            <a:lstStyle/>
-            <a:p>
-              <a:pPr algn="ctr">
-                <a:defRPr/>
-              </a:pPr>
-              <a:r>
-                <a:rPr lang="en-US" altLang="ko-KR" sz="14000" dirty="0">
-                  <a:latin typeface="DSEG14 Classic" panose="02000503000000000000" pitchFamily="2" charset="0"/>
-                </a:rPr>
-                <a:t>07</a:t>
-              </a:r>
-            </a:p>
-          </p:txBody>
-        </p:sp>
-        <p:sp>
-          <p:nvSpPr>
-            <p:cNvPr id="16" name="TextBox 15">
-              <a:extLst>
-                <a:ext uri="{FF2B5EF4-FFF2-40B4-BE49-F238E27FC236}">
-                  <a16:creationId xmlns:a16="http://schemas.microsoft.com/office/drawing/2014/main" id="{70902F4B-C12A-CA17-1EBE-D7A083D0FF6E}"/>
-                </a:ext>
-              </a:extLst>
-            </p:cNvPr>
-            <p:cNvSpPr txBox="1"/>
-            <p:nvPr/>
-          </p:nvSpPr>
-          <p:spPr>
-            <a:xfrm>
-              <a:off x="4775761" y="1332196"/>
-              <a:ext cx="4164478" cy="2539900"/>
-            </a:xfrm>
-            <a:prstGeom prst="rect">
-              <a:avLst/>
-            </a:prstGeom>
-          </p:spPr>
-          <p:txBody>
-            <a:bodyPr wrap="none" anchor="ctr" anchorCtr="0">
-              <a:noAutofit/>
-            </a:bodyPr>
-            <a:lstStyle/>
-            <a:p>
-              <a:pPr algn="ctr">
-                <a:defRPr/>
-              </a:pPr>
-              <a:r>
-                <a:rPr lang="en-US" altLang="ko-KR" sz="14000" dirty="0">
-                  <a:solidFill>
-                    <a:schemeClr val="tx1">
-                      <a:alpha val="10000"/>
-                    </a:schemeClr>
-                  </a:solidFill>
-                  <a:latin typeface="DSEG14 Classic" panose="02000503000000000000" pitchFamily="2" charset="0"/>
-                </a:rPr>
-                <a:t>88</a:t>
-              </a:r>
-            </a:p>
-          </p:txBody>
-        </p:sp>
-        <p:cxnSp>
-          <p:nvCxnSpPr>
-            <p:cNvPr id="17" name="Straight Connector 16">
-              <a:extLst>
-                <a:ext uri="{FF2B5EF4-FFF2-40B4-BE49-F238E27FC236}">
-                  <a16:creationId xmlns:a16="http://schemas.microsoft.com/office/drawing/2014/main" id="{1AA91726-1125-A274-F8F5-8790AF8E348A}"/>
-                </a:ext>
-              </a:extLst>
-            </p:cNvPr>
-            <p:cNvCxnSpPr>
-              <a:stCxn id="12" idx="1"/>
-              <a:endCxn id="12" idx="3"/>
-            </p:cNvCxnSpPr>
-            <p:nvPr/>
-          </p:nvCxnSpPr>
-          <p:spPr>
-            <a:xfrm>
-              <a:off x="4775761" y="4594141"/>
-              <a:ext cx="4164478" cy="0"/>
-            </a:xfrm>
-            <a:prstGeom prst="line">
-              <a:avLst/>
-            </a:prstGeom>
-            <a:ln w="38100">
-              <a:solidFill>
-                <a:schemeClr val="dk1"/>
-              </a:solidFill>
-              <a:prstDash val="sysDash"/>
-            </a:ln>
-          </p:spPr>
-          <p:style>
-            <a:lnRef idx="1">
-              <a:schemeClr val="accent1"/>
-            </a:lnRef>
-            <a:fillRef idx="0">
-              <a:schemeClr val="accent1"/>
-            </a:fillRef>
-            <a:effectRef idx="0">
-              <a:schemeClr val="accent1"/>
-            </a:effectRef>
-            <a:fontRef idx="minor">
-              <a:schemeClr val="tx1"/>
-            </a:fontRef>
-          </p:style>
-        </p:cxnSp>
-        <p:sp>
-          <p:nvSpPr>
-            <p:cNvPr id="18" name="TextBox 17">
-              <a:extLst>
-                <a:ext uri="{FF2B5EF4-FFF2-40B4-BE49-F238E27FC236}">
-                  <a16:creationId xmlns:a16="http://schemas.microsoft.com/office/drawing/2014/main" id="{8216C0B3-F2C0-B9A9-190F-52AEE625BCC6}"/>
-                </a:ext>
-              </a:extLst>
-            </p:cNvPr>
-            <p:cNvSpPr txBox="1"/>
-            <p:nvPr/>
-          </p:nvSpPr>
-          <p:spPr>
-            <a:xfrm>
-              <a:off x="4775761" y="565149"/>
-              <a:ext cx="4164478" cy="595597"/>
-            </a:xfrm>
-            <a:prstGeom prst="rect">
-              <a:avLst/>
-            </a:prstGeom>
-          </p:spPr>
-          <p:txBody>
-            <a:bodyPr wrap="square" lIns="72009" tIns="72009" rIns="72009" bIns="72009">
-              <a:spAutoFit/>
-            </a:bodyPr>
-            <a:lstStyle/>
-            <a:p>
-              <a:pPr algn="ctr">
-                <a:defRPr/>
-              </a:pPr>
-              <a:r>
-                <a:rPr lang="en-US" altLang="ko-KR" sz="3000">
-                  <a:latin typeface="Bahnschrift Light SemiCondensed"/>
-                </a:rPr>
-                <a:t>S E C T I</a:t>
-              </a:r>
-              <a:r>
-                <a:rPr lang="ko-KR" altLang="en-US" sz="3000">
-                  <a:latin typeface="Bahnschrift Light SemiCondensed"/>
-                </a:rPr>
-                <a:t> </a:t>
-              </a:r>
-              <a:r>
-                <a:rPr lang="en-US" altLang="ko-KR" sz="3000">
-                  <a:latin typeface="Bahnschrift Light SemiCondensed"/>
-                </a:rPr>
-                <a:t>O N</a:t>
-              </a:r>
-            </a:p>
-          </p:txBody>
-        </p:sp>
-        <p:grpSp>
-          <p:nvGrpSpPr>
-            <p:cNvPr id="44" name="Group 43">
-              <a:extLst>
-                <a:ext uri="{FF2B5EF4-FFF2-40B4-BE49-F238E27FC236}">
-                  <a16:creationId xmlns:a16="http://schemas.microsoft.com/office/drawing/2014/main" id="{059D03D7-3029-10A3-C676-A8C882388196}"/>
-                </a:ext>
-              </a:extLst>
-            </p:cNvPr>
-            <p:cNvGrpSpPr/>
-            <p:nvPr/>
-          </p:nvGrpSpPr>
-          <p:grpSpPr>
-            <a:xfrm>
-              <a:off x="5553984" y="5793663"/>
-              <a:ext cx="2606254" cy="1851235"/>
-              <a:chOff x="5491266" y="6008251"/>
-              <a:chExt cx="2606254" cy="1851235"/>
-            </a:xfrm>
-          </p:grpSpPr>
-          <p:sp>
-            <p:nvSpPr>
-              <p:cNvPr id="36" name="Rectangle 35">
-                <a:extLst>
-                  <a:ext uri="{FF2B5EF4-FFF2-40B4-BE49-F238E27FC236}">
-                    <a16:creationId xmlns:a16="http://schemas.microsoft.com/office/drawing/2014/main" id="{B2A63770-0E67-D62C-9C52-B9B730A8B79B}"/>
-                  </a:ext>
-                </a:extLst>
-              </p:cNvPr>
-              <p:cNvSpPr/>
-              <p:nvPr/>
-            </p:nvSpPr>
-            <p:spPr>
-              <a:xfrm rot="16200000">
-                <a:off x="5511677" y="7328807"/>
-                <a:ext cx="510268" cy="551089"/>
-              </a:xfrm>
-              <a:prstGeom prst="rect">
-                <a:avLst/>
-              </a:prstGeom>
-              <a:noFill/>
-              <a:ln w="38100" cap="flat">
-                <a:solidFill>
-                  <a:schemeClr val="dk1"/>
-                </a:solidFill>
-                <a:prstDash val="sysDash"/>
-              </a:ln>
-            </p:spPr>
-            <p:style>
-              <a:lnRef idx="2">
-                <a:schemeClr val="accent1">
-                  <a:shade val="20000"/>
-                </a:schemeClr>
-              </a:lnRef>
-              <a:fillRef idx="1">
-                <a:schemeClr val="accent1"/>
-              </a:fillRef>
-              <a:effectRef idx="0">
-                <a:schemeClr val="accent1"/>
-              </a:effectRef>
-              <a:fontRef idx="minor">
-                <a:schemeClr val="lt1"/>
-              </a:fontRef>
-            </p:style>
-            <p:txBody>
-              <a:bodyPr anchor="ctr"/>
-              <a:lstStyle/>
-              <a:p>
-                <a:pPr algn="ctr">
-                  <a:defRPr/>
-                </a:pPr>
-                <a:endParaRPr lang="ko-KR" altLang="en-US" dirty="0"/>
-              </a:p>
-            </p:txBody>
-          </p:sp>
-          <p:cxnSp>
-            <p:nvCxnSpPr>
-              <p:cNvPr id="21" name="Straight Connector 20">
-                <a:extLst>
-                  <a:ext uri="{FF2B5EF4-FFF2-40B4-BE49-F238E27FC236}">
-                    <a16:creationId xmlns:a16="http://schemas.microsoft.com/office/drawing/2014/main" id="{94E39ED0-E4B2-C7F8-D74C-703FC65B591A}"/>
-                  </a:ext>
-                </a:extLst>
-              </p:cNvPr>
-              <p:cNvCxnSpPr>
-                <a:cxnSpLocks/>
-              </p:cNvCxnSpPr>
-              <p:nvPr/>
-            </p:nvCxnSpPr>
-            <p:spPr>
-              <a:xfrm flipV="1">
-                <a:off x="5766811" y="6733681"/>
-                <a:ext cx="0" cy="407963"/>
-              </a:xfrm>
-              <a:prstGeom prst="line">
-                <a:avLst/>
-              </a:prstGeom>
-              <a:ln w="38100" cap="rnd">
-                <a:solidFill>
-                  <a:schemeClr val="dk1"/>
-                </a:solidFill>
-                <a:tailEnd type="triangle" w="med" len="sm"/>
-              </a:ln>
-            </p:spPr>
-            <p:style>
-              <a:lnRef idx="1">
-                <a:schemeClr val="accent1"/>
-              </a:lnRef>
-              <a:fillRef idx="0">
-                <a:schemeClr val="accent1"/>
-              </a:fillRef>
-              <a:effectRef idx="0">
-                <a:schemeClr val="accent1"/>
-              </a:effectRef>
-              <a:fontRef idx="minor">
-                <a:schemeClr val="tx1"/>
-              </a:fontRef>
-            </p:style>
-          </p:cxnSp>
-          <p:sp>
-            <p:nvSpPr>
-              <p:cNvPr id="38" name="Rectangle 37">
-                <a:extLst>
-                  <a:ext uri="{FF2B5EF4-FFF2-40B4-BE49-F238E27FC236}">
-                    <a16:creationId xmlns:a16="http://schemas.microsoft.com/office/drawing/2014/main" id="{48905D23-736B-7CBB-FD4D-16E3427C9887}"/>
-                  </a:ext>
-                </a:extLst>
-              </p:cNvPr>
-              <p:cNvSpPr/>
-              <p:nvPr/>
-            </p:nvSpPr>
-            <p:spPr>
-              <a:xfrm rot="16200000">
-                <a:off x="5511677" y="5987841"/>
-                <a:ext cx="510268" cy="551089"/>
-              </a:xfrm>
-              <a:prstGeom prst="rect">
-                <a:avLst/>
-              </a:prstGeom>
-              <a:noFill/>
-              <a:ln w="38100" cap="flat">
-                <a:solidFill>
-                  <a:schemeClr val="dk1"/>
-                </a:solidFill>
-                <a:prstDash val="solid"/>
-              </a:ln>
-            </p:spPr>
-            <p:style>
-              <a:lnRef idx="2">
-                <a:schemeClr val="accent1">
-                  <a:shade val="20000"/>
-                </a:schemeClr>
-              </a:lnRef>
-              <a:fillRef idx="1">
-                <a:schemeClr val="accent1"/>
-              </a:fillRef>
-              <a:effectRef idx="0">
-                <a:schemeClr val="accent1"/>
-              </a:effectRef>
-              <a:fontRef idx="minor">
-                <a:schemeClr val="lt1"/>
-              </a:fontRef>
-            </p:style>
-            <p:txBody>
-              <a:bodyPr anchor="ctr"/>
-              <a:lstStyle/>
-              <a:p>
-                <a:pPr algn="ctr">
-                  <a:defRPr/>
-                </a:pPr>
-                <a:endParaRPr lang="ko-KR" altLang="en-US"/>
-              </a:p>
-            </p:txBody>
-          </p:sp>
-          <p:sp>
-            <p:nvSpPr>
-              <p:cNvPr id="39" name="Rectangle 38">
-                <a:extLst>
-                  <a:ext uri="{FF2B5EF4-FFF2-40B4-BE49-F238E27FC236}">
-                    <a16:creationId xmlns:a16="http://schemas.microsoft.com/office/drawing/2014/main" id="{B386027D-213E-B0AA-F4A1-4951B1DA05C6}"/>
-                  </a:ext>
-                </a:extLst>
-              </p:cNvPr>
-              <p:cNvSpPr/>
-              <p:nvPr/>
-            </p:nvSpPr>
-            <p:spPr>
-              <a:xfrm rot="16200000">
-                <a:off x="6261448" y="5987840"/>
-                <a:ext cx="510268" cy="551089"/>
-              </a:xfrm>
-              <a:prstGeom prst="rect">
-                <a:avLst/>
-              </a:prstGeom>
-              <a:noFill/>
-              <a:ln w="38100" cap="flat">
-                <a:solidFill>
-                  <a:schemeClr val="dk1"/>
-                </a:solidFill>
-                <a:prstDash val="solid"/>
-              </a:ln>
-            </p:spPr>
-            <p:style>
-              <a:lnRef idx="2">
-                <a:schemeClr val="accent1">
-                  <a:shade val="20000"/>
-                </a:schemeClr>
-              </a:lnRef>
-              <a:fillRef idx="1">
-                <a:schemeClr val="accent1"/>
-              </a:fillRef>
-              <a:effectRef idx="0">
-                <a:schemeClr val="accent1"/>
-              </a:effectRef>
-              <a:fontRef idx="minor">
-                <a:schemeClr val="lt1"/>
-              </a:fontRef>
-            </p:style>
-            <p:txBody>
-              <a:bodyPr anchor="ctr"/>
-              <a:lstStyle/>
-              <a:p>
-                <a:pPr algn="ctr">
-                  <a:defRPr/>
-                </a:pPr>
-                <a:endParaRPr lang="ko-KR" altLang="en-US"/>
-              </a:p>
-            </p:txBody>
-          </p:sp>
-          <p:sp>
-            <p:nvSpPr>
-              <p:cNvPr id="40" name="Rectangle 39">
-                <a:extLst>
-                  <a:ext uri="{FF2B5EF4-FFF2-40B4-BE49-F238E27FC236}">
-                    <a16:creationId xmlns:a16="http://schemas.microsoft.com/office/drawing/2014/main" id="{E4DE5AA3-A57C-E684-BF12-B060CBCD8BC1}"/>
-                  </a:ext>
-                </a:extLst>
-              </p:cNvPr>
-              <p:cNvSpPr/>
-              <p:nvPr/>
-            </p:nvSpPr>
-            <p:spPr>
-              <a:xfrm rot="16200000">
-                <a:off x="7011219" y="5987841"/>
-                <a:ext cx="510268" cy="551089"/>
-              </a:xfrm>
-              <a:prstGeom prst="rect">
-                <a:avLst/>
-              </a:prstGeom>
-              <a:noFill/>
-              <a:ln w="38100" cap="flat">
-                <a:solidFill>
-                  <a:schemeClr val="dk1"/>
-                </a:solidFill>
-                <a:prstDash val="solid"/>
-              </a:ln>
-            </p:spPr>
-            <p:style>
-              <a:lnRef idx="2">
-                <a:schemeClr val="accent1">
-                  <a:shade val="20000"/>
-                </a:schemeClr>
-              </a:lnRef>
-              <a:fillRef idx="1">
-                <a:schemeClr val="accent1"/>
-              </a:fillRef>
-              <a:effectRef idx="0">
-                <a:schemeClr val="accent1"/>
-              </a:effectRef>
-              <a:fontRef idx="minor">
-                <a:schemeClr val="lt1"/>
-              </a:fontRef>
-            </p:style>
-            <p:txBody>
-              <a:bodyPr anchor="ctr"/>
-              <a:lstStyle/>
-              <a:p>
-                <a:pPr algn="ctr">
-                  <a:defRPr/>
-                </a:pPr>
-                <a:endParaRPr lang="ko-KR" altLang="en-US"/>
-              </a:p>
-            </p:txBody>
-          </p:sp>
-          <p:cxnSp>
-            <p:nvCxnSpPr>
-              <p:cNvPr id="41" name="Straight Connector 40">
-                <a:extLst>
-                  <a:ext uri="{FF2B5EF4-FFF2-40B4-BE49-F238E27FC236}">
-                    <a16:creationId xmlns:a16="http://schemas.microsoft.com/office/drawing/2014/main" id="{0DF41C03-692D-E514-C9A4-B08552D88FC8}"/>
-                  </a:ext>
-                </a:extLst>
-              </p:cNvPr>
-              <p:cNvCxnSpPr>
-                <a:cxnSpLocks/>
-              </p:cNvCxnSpPr>
-              <p:nvPr/>
-            </p:nvCxnSpPr>
-            <p:spPr>
-              <a:xfrm flipH="1">
-                <a:off x="7727691" y="6263384"/>
-                <a:ext cx="369829" cy="0"/>
-              </a:xfrm>
-              <a:prstGeom prst="line">
-                <a:avLst/>
-              </a:prstGeom>
-              <a:ln w="38100" cap="rnd">
-                <a:solidFill>
-                  <a:schemeClr val="dk1"/>
-                </a:solidFill>
-                <a:prstDash val="sysDot"/>
-                <a:headEnd type="none" w="med" len="med"/>
-                <a:tailEnd type="none" w="med" len="med"/>
-              </a:ln>
-            </p:spPr>
-            <p:style>
-              <a:lnRef idx="1">
-                <a:schemeClr val="accent1"/>
-              </a:lnRef>
-              <a:fillRef idx="0">
-                <a:schemeClr val="accent1"/>
-              </a:fillRef>
-              <a:effectRef idx="0">
-                <a:schemeClr val="accent1"/>
-              </a:effectRef>
-              <a:fontRef idx="minor">
-                <a:schemeClr val="tx1"/>
-              </a:fontRef>
-            </p:style>
-          </p:cxnSp>
-        </p:grpSp>
-      </p:grpSp>
       <p:grpSp>
         <p:nvGrpSpPr>
           <p:cNvPr id="50" name="Group 49">
@@ -11686,6 +10961,1055 @@
           </p:grpSp>
         </p:grpSp>
       </p:grpSp>
+      <p:grpSp>
+        <p:nvGrpSpPr>
+          <p:cNvPr id="47" name="Group 46">
+            <a:extLst>
+              <a:ext uri="{FF2B5EF4-FFF2-40B4-BE49-F238E27FC236}">
+                <a16:creationId xmlns:a16="http://schemas.microsoft.com/office/drawing/2014/main" id="{BF6AB01B-BDB7-C7D2-757C-258D4220976C}"/>
+              </a:ext>
+            </a:extLst>
+          </p:cNvPr>
+          <p:cNvGrpSpPr/>
+          <p:nvPr/>
+        </p:nvGrpSpPr>
+        <p:grpSpPr>
+          <a:xfrm>
+            <a:off x="4568845" y="0"/>
+            <a:ext cx="4572000" cy="9144000"/>
+            <a:chOff x="4568845" y="0"/>
+            <a:chExt cx="4572000" cy="9144000"/>
+          </a:xfrm>
+        </p:grpSpPr>
+        <p:sp>
+          <p:nvSpPr>
+            <p:cNvPr id="43" name="Rectangle 42">
+              <a:extLst>
+                <a:ext uri="{FF2B5EF4-FFF2-40B4-BE49-F238E27FC236}">
+                  <a16:creationId xmlns:a16="http://schemas.microsoft.com/office/drawing/2014/main" id="{A74D03D2-5FFA-056E-BB42-672BCF99C855}"/>
+                </a:ext>
+              </a:extLst>
+            </p:cNvPr>
+            <p:cNvSpPr/>
+            <p:nvPr/>
+          </p:nvSpPr>
+          <p:spPr>
+            <a:xfrm>
+              <a:off x="4568845" y="0"/>
+              <a:ext cx="4572000" cy="9144000"/>
+            </a:xfrm>
+            <a:prstGeom prst="rect">
+              <a:avLst/>
+            </a:prstGeom>
+            <a:solidFill>
+              <a:schemeClr val="lt1"/>
+            </a:solidFill>
+            <a:ln>
+              <a:noFill/>
+            </a:ln>
+          </p:spPr>
+          <p:style>
+            <a:lnRef idx="2">
+              <a:schemeClr val="accent1">
+                <a:shade val="20000"/>
+              </a:schemeClr>
+            </a:lnRef>
+            <a:fillRef idx="1">
+              <a:schemeClr val="accent1"/>
+            </a:fillRef>
+            <a:effectRef idx="0">
+              <a:schemeClr val="accent1"/>
+            </a:effectRef>
+            <a:fontRef idx="minor">
+              <a:schemeClr val="lt1"/>
+            </a:fontRef>
+          </p:style>
+          <p:txBody>
+            <a:bodyPr anchor="ctr"/>
+            <a:lstStyle/>
+            <a:p>
+              <a:pPr algn="ctr">
+                <a:defRPr/>
+              </a:pPr>
+              <a:endParaRPr lang="ko-KR" altLang="en-US" dirty="0"/>
+            </a:p>
+          </p:txBody>
+        </p:sp>
+        <p:sp>
+          <p:nvSpPr>
+            <p:cNvPr id="12" name="Rectangle 11">
+              <a:extLst>
+                <a:ext uri="{FF2B5EF4-FFF2-40B4-BE49-F238E27FC236}">
+                  <a16:creationId xmlns:a16="http://schemas.microsoft.com/office/drawing/2014/main" id="{2BE6350B-9D95-FF4A-8CDF-B76979482C15}"/>
+                </a:ext>
+              </a:extLst>
+            </p:cNvPr>
+            <p:cNvSpPr/>
+            <p:nvPr/>
+          </p:nvSpPr>
+          <p:spPr>
+            <a:xfrm>
+              <a:off x="4775761" y="235115"/>
+              <a:ext cx="4164478" cy="8718052"/>
+            </a:xfrm>
+            <a:prstGeom prst="rect">
+              <a:avLst/>
+            </a:prstGeom>
+            <a:noFill/>
+            <a:ln w="38100">
+              <a:solidFill>
+                <a:schemeClr val="dk1"/>
+              </a:solidFill>
+            </a:ln>
+          </p:spPr>
+          <p:style>
+            <a:lnRef idx="2">
+              <a:schemeClr val="accent1">
+                <a:shade val="20000"/>
+              </a:schemeClr>
+            </a:lnRef>
+            <a:fillRef idx="1">
+              <a:schemeClr val="accent1"/>
+            </a:fillRef>
+            <a:effectRef idx="0">
+              <a:schemeClr val="accent1"/>
+            </a:effectRef>
+            <a:fontRef idx="minor">
+              <a:schemeClr val="lt1"/>
+            </a:fontRef>
+          </p:style>
+          <p:txBody>
+            <a:bodyPr anchor="ctr"/>
+            <a:lstStyle/>
+            <a:p>
+              <a:pPr algn="ctr">
+                <a:defRPr/>
+              </a:pPr>
+              <a:endParaRPr lang="ko-KR" altLang="en-US"/>
+            </a:p>
+          </p:txBody>
+        </p:sp>
+        <p:sp>
+          <p:nvSpPr>
+            <p:cNvPr id="13" name="Rectangle 12">
+              <a:extLst>
+                <a:ext uri="{FF2B5EF4-FFF2-40B4-BE49-F238E27FC236}">
+                  <a16:creationId xmlns:a16="http://schemas.microsoft.com/office/drawing/2014/main" id="{2AB442B5-2D6D-B90B-D106-B1D2EF92DF07}"/>
+                </a:ext>
+              </a:extLst>
+            </p:cNvPr>
+            <p:cNvSpPr/>
+            <p:nvPr/>
+          </p:nvSpPr>
+          <p:spPr>
+            <a:xfrm>
+              <a:off x="4754646" y="8652049"/>
+              <a:ext cx="2024331" cy="320168"/>
+            </a:xfrm>
+            <a:prstGeom prst="rect">
+              <a:avLst/>
+            </a:prstGeom>
+            <a:solidFill>
+              <a:schemeClr val="lt1"/>
+            </a:solidFill>
+            <a:ln>
+              <a:solidFill>
+                <a:schemeClr val="lt1"/>
+              </a:solidFill>
+            </a:ln>
+          </p:spPr>
+          <p:style>
+            <a:lnRef idx="2">
+              <a:schemeClr val="accent1">
+                <a:shade val="20000"/>
+              </a:schemeClr>
+            </a:lnRef>
+            <a:fillRef idx="1">
+              <a:schemeClr val="accent1"/>
+            </a:fillRef>
+            <a:effectRef idx="0">
+              <a:schemeClr val="accent1"/>
+            </a:effectRef>
+            <a:fontRef idx="minor">
+              <a:schemeClr val="lt1"/>
+            </a:fontRef>
+          </p:style>
+          <p:txBody>
+            <a:bodyPr anchor="ctr"/>
+            <a:lstStyle/>
+            <a:p>
+              <a:pPr algn="ctr">
+                <a:defRPr/>
+              </a:pPr>
+              <a:endParaRPr lang="ko-KR" altLang="en-US"/>
+            </a:p>
+          </p:txBody>
+        </p:sp>
+        <p:pic>
+          <p:nvPicPr>
+            <p:cNvPr id="14" name="Picture 13">
+              <a:extLst>
+                <a:ext uri="{FF2B5EF4-FFF2-40B4-BE49-F238E27FC236}">
+                  <a16:creationId xmlns:a16="http://schemas.microsoft.com/office/drawing/2014/main" id="{745DE0B4-C617-F659-BA55-21DCFD22C276}"/>
+                </a:ext>
+              </a:extLst>
+            </p:cNvPr>
+            <p:cNvPicPr/>
+            <p:nvPr/>
+          </p:nvPicPr>
+          <p:blipFill rotWithShape="1">
+            <a:blip r:embed="rId2"/>
+            <a:stretch>
+              <a:fillRect/>
+            </a:stretch>
+          </p:blipFill>
+          <p:spPr>
+            <a:xfrm>
+              <a:off x="4754646" y="8623476"/>
+              <a:ext cx="1960497" cy="377317"/>
+            </a:xfrm>
+            <a:prstGeom prst="rect">
+              <a:avLst/>
+            </a:prstGeom>
+          </p:spPr>
+        </p:pic>
+        <p:sp>
+          <p:nvSpPr>
+            <p:cNvPr id="15" name="TextBox 14">
+              <a:extLst>
+                <a:ext uri="{FF2B5EF4-FFF2-40B4-BE49-F238E27FC236}">
+                  <a16:creationId xmlns:a16="http://schemas.microsoft.com/office/drawing/2014/main" id="{9E517E8E-1D29-0F2F-0828-CA77BCDB3FB6}"/>
+                </a:ext>
+              </a:extLst>
+            </p:cNvPr>
+            <p:cNvSpPr txBox="1"/>
+            <p:nvPr/>
+          </p:nvSpPr>
+          <p:spPr>
+            <a:xfrm>
+              <a:off x="4831013" y="1332196"/>
+              <a:ext cx="4109226" cy="2539900"/>
+            </a:xfrm>
+            <a:prstGeom prst="rect">
+              <a:avLst/>
+            </a:prstGeom>
+          </p:spPr>
+          <p:txBody>
+            <a:bodyPr wrap="none" anchor="ctr" anchorCtr="0">
+              <a:noAutofit/>
+            </a:bodyPr>
+            <a:lstStyle/>
+            <a:p>
+              <a:pPr algn="ctr">
+                <a:defRPr/>
+              </a:pPr>
+              <a:r>
+                <a:rPr lang="en-US" altLang="ko-KR" sz="14000" dirty="0">
+                  <a:latin typeface="DSEG14 Classic" panose="02000503000000000000" pitchFamily="2" charset="0"/>
+                </a:rPr>
+                <a:t>07</a:t>
+              </a:r>
+            </a:p>
+          </p:txBody>
+        </p:sp>
+        <p:sp>
+          <p:nvSpPr>
+            <p:cNvPr id="16" name="TextBox 15">
+              <a:extLst>
+                <a:ext uri="{FF2B5EF4-FFF2-40B4-BE49-F238E27FC236}">
+                  <a16:creationId xmlns:a16="http://schemas.microsoft.com/office/drawing/2014/main" id="{70902F4B-C12A-CA17-1EBE-D7A083D0FF6E}"/>
+                </a:ext>
+              </a:extLst>
+            </p:cNvPr>
+            <p:cNvSpPr txBox="1"/>
+            <p:nvPr/>
+          </p:nvSpPr>
+          <p:spPr>
+            <a:xfrm>
+              <a:off x="4775761" y="1332196"/>
+              <a:ext cx="4164478" cy="2539900"/>
+            </a:xfrm>
+            <a:prstGeom prst="rect">
+              <a:avLst/>
+            </a:prstGeom>
+          </p:spPr>
+          <p:txBody>
+            <a:bodyPr wrap="none" anchor="ctr" anchorCtr="0">
+              <a:noAutofit/>
+            </a:bodyPr>
+            <a:lstStyle/>
+            <a:p>
+              <a:pPr algn="ctr">
+                <a:defRPr/>
+              </a:pPr>
+              <a:r>
+                <a:rPr lang="en-US" altLang="ko-KR" sz="14000" dirty="0">
+                  <a:solidFill>
+                    <a:schemeClr val="tx1">
+                      <a:alpha val="10000"/>
+                    </a:schemeClr>
+                  </a:solidFill>
+                  <a:latin typeface="DSEG14 Classic" panose="02000503000000000000" pitchFamily="2" charset="0"/>
+                </a:rPr>
+                <a:t>88</a:t>
+              </a:r>
+            </a:p>
+          </p:txBody>
+        </p:sp>
+        <p:cxnSp>
+          <p:nvCxnSpPr>
+            <p:cNvPr id="17" name="Straight Connector 16">
+              <a:extLst>
+                <a:ext uri="{FF2B5EF4-FFF2-40B4-BE49-F238E27FC236}">
+                  <a16:creationId xmlns:a16="http://schemas.microsoft.com/office/drawing/2014/main" id="{1AA91726-1125-A274-F8F5-8790AF8E348A}"/>
+                </a:ext>
+              </a:extLst>
+            </p:cNvPr>
+            <p:cNvCxnSpPr>
+              <a:stCxn id="12" idx="1"/>
+              <a:endCxn id="12" idx="3"/>
+            </p:cNvCxnSpPr>
+            <p:nvPr/>
+          </p:nvCxnSpPr>
+          <p:spPr>
+            <a:xfrm>
+              <a:off x="4775761" y="4594141"/>
+              <a:ext cx="4164478" cy="0"/>
+            </a:xfrm>
+            <a:prstGeom prst="line">
+              <a:avLst/>
+            </a:prstGeom>
+            <a:ln w="38100">
+              <a:solidFill>
+                <a:schemeClr val="dk1"/>
+              </a:solidFill>
+              <a:prstDash val="sysDash"/>
+            </a:ln>
+          </p:spPr>
+          <p:style>
+            <a:lnRef idx="1">
+              <a:schemeClr val="accent1"/>
+            </a:lnRef>
+            <a:fillRef idx="0">
+              <a:schemeClr val="accent1"/>
+            </a:fillRef>
+            <a:effectRef idx="0">
+              <a:schemeClr val="accent1"/>
+            </a:effectRef>
+            <a:fontRef idx="minor">
+              <a:schemeClr val="tx1"/>
+            </a:fontRef>
+          </p:style>
+        </p:cxnSp>
+        <p:sp>
+          <p:nvSpPr>
+            <p:cNvPr id="18" name="TextBox 17">
+              <a:extLst>
+                <a:ext uri="{FF2B5EF4-FFF2-40B4-BE49-F238E27FC236}">
+                  <a16:creationId xmlns:a16="http://schemas.microsoft.com/office/drawing/2014/main" id="{8216C0B3-F2C0-B9A9-190F-52AEE625BCC6}"/>
+                </a:ext>
+              </a:extLst>
+            </p:cNvPr>
+            <p:cNvSpPr txBox="1"/>
+            <p:nvPr/>
+          </p:nvSpPr>
+          <p:spPr>
+            <a:xfrm>
+              <a:off x="4775761" y="565149"/>
+              <a:ext cx="4164478" cy="595597"/>
+            </a:xfrm>
+            <a:prstGeom prst="rect">
+              <a:avLst/>
+            </a:prstGeom>
+          </p:spPr>
+          <p:txBody>
+            <a:bodyPr wrap="square" lIns="72009" tIns="72009" rIns="72009" bIns="72009">
+              <a:spAutoFit/>
+            </a:bodyPr>
+            <a:lstStyle/>
+            <a:p>
+              <a:pPr algn="ctr">
+                <a:defRPr/>
+              </a:pPr>
+              <a:r>
+                <a:rPr lang="en-US" altLang="ko-KR" sz="3000">
+                  <a:latin typeface="Bahnschrift Light SemiCondensed"/>
+                </a:rPr>
+                <a:t>S E C T I</a:t>
+              </a:r>
+              <a:r>
+                <a:rPr lang="ko-KR" altLang="en-US" sz="3000">
+                  <a:latin typeface="Bahnschrift Light SemiCondensed"/>
+                </a:rPr>
+                <a:t> </a:t>
+              </a:r>
+              <a:r>
+                <a:rPr lang="en-US" altLang="ko-KR" sz="3000">
+                  <a:latin typeface="Bahnschrift Light SemiCondensed"/>
+                </a:rPr>
+                <a:t>O N</a:t>
+              </a:r>
+            </a:p>
+          </p:txBody>
+        </p:sp>
+        <p:grpSp>
+          <p:nvGrpSpPr>
+            <p:cNvPr id="31" name="Group 30">
+              <a:extLst>
+                <a:ext uri="{FF2B5EF4-FFF2-40B4-BE49-F238E27FC236}">
+                  <a16:creationId xmlns:a16="http://schemas.microsoft.com/office/drawing/2014/main" id="{9644431D-79EE-7FC0-252F-2102A6B65840}"/>
+                </a:ext>
+              </a:extLst>
+            </p:cNvPr>
+            <p:cNvGrpSpPr/>
+            <p:nvPr/>
+          </p:nvGrpSpPr>
+          <p:grpSpPr>
+            <a:xfrm>
+              <a:off x="5493739" y="5644334"/>
+              <a:ext cx="2570475" cy="2152150"/>
+              <a:chOff x="5427134" y="5470621"/>
+              <a:chExt cx="2570475" cy="2152150"/>
+            </a:xfrm>
+          </p:grpSpPr>
+          <p:sp>
+            <p:nvSpPr>
+              <p:cNvPr id="36" name="Rectangle 35">
+                <a:extLst>
+                  <a:ext uri="{FF2B5EF4-FFF2-40B4-BE49-F238E27FC236}">
+                    <a16:creationId xmlns:a16="http://schemas.microsoft.com/office/drawing/2014/main" id="{B2A63770-0E67-D62C-9C52-B9B730A8B79B}"/>
+                  </a:ext>
+                </a:extLst>
+              </p:cNvPr>
+              <p:cNvSpPr/>
+              <p:nvPr/>
+            </p:nvSpPr>
+            <p:spPr>
+              <a:xfrm rot="16200000">
+                <a:off x="6460009" y="5450210"/>
+                <a:ext cx="510268" cy="551089"/>
+              </a:xfrm>
+              <a:prstGeom prst="rect">
+                <a:avLst/>
+              </a:prstGeom>
+              <a:noFill/>
+              <a:ln w="38100" cap="flat">
+                <a:solidFill>
+                  <a:schemeClr val="dk1"/>
+                </a:solidFill>
+                <a:prstDash val="sysDash"/>
+              </a:ln>
+            </p:spPr>
+            <p:style>
+              <a:lnRef idx="2">
+                <a:schemeClr val="accent1">
+                  <a:shade val="20000"/>
+                </a:schemeClr>
+              </a:lnRef>
+              <a:fillRef idx="1">
+                <a:schemeClr val="accent1"/>
+              </a:fillRef>
+              <a:effectRef idx="0">
+                <a:schemeClr val="accent1"/>
+              </a:effectRef>
+              <a:fontRef idx="minor">
+                <a:schemeClr val="lt1"/>
+              </a:fontRef>
+            </p:style>
+            <p:txBody>
+              <a:bodyPr anchor="ctr"/>
+              <a:lstStyle/>
+              <a:p>
+                <a:pPr algn="ctr">
+                  <a:defRPr/>
+                </a:pPr>
+                <a:endParaRPr lang="ko-KR" altLang="en-US" dirty="0"/>
+              </a:p>
+            </p:txBody>
+          </p:sp>
+          <p:cxnSp>
+            <p:nvCxnSpPr>
+              <p:cNvPr id="21" name="Straight Connector 20">
+                <a:extLst>
+                  <a:ext uri="{FF2B5EF4-FFF2-40B4-BE49-F238E27FC236}">
+                    <a16:creationId xmlns:a16="http://schemas.microsoft.com/office/drawing/2014/main" id="{94E39ED0-E4B2-C7F8-D74C-703FC65B591A}"/>
+                  </a:ext>
+                </a:extLst>
+              </p:cNvPr>
+              <p:cNvCxnSpPr>
+                <a:cxnSpLocks/>
+              </p:cNvCxnSpPr>
+              <p:nvPr/>
+            </p:nvCxnSpPr>
+            <p:spPr>
+              <a:xfrm>
+                <a:off x="6715143" y="6071271"/>
+                <a:ext cx="0" cy="440581"/>
+              </a:xfrm>
+              <a:prstGeom prst="line">
+                <a:avLst/>
+              </a:prstGeom>
+              <a:ln w="38100" cap="rnd">
+                <a:solidFill>
+                  <a:schemeClr val="dk1"/>
+                </a:solidFill>
+                <a:tailEnd type="triangle" w="med" len="sm"/>
+              </a:ln>
+            </p:spPr>
+            <p:style>
+              <a:lnRef idx="1">
+                <a:schemeClr val="accent1"/>
+              </a:lnRef>
+              <a:fillRef idx="0">
+                <a:schemeClr val="accent1"/>
+              </a:fillRef>
+              <a:effectRef idx="0">
+                <a:schemeClr val="accent1"/>
+              </a:effectRef>
+              <a:fontRef idx="minor">
+                <a:schemeClr val="tx1"/>
+              </a:fontRef>
+            </p:style>
+          </p:cxnSp>
+          <p:sp>
+            <p:nvSpPr>
+              <p:cNvPr id="38" name="Rectangle 37">
+                <a:extLst>
+                  <a:ext uri="{FF2B5EF4-FFF2-40B4-BE49-F238E27FC236}">
+                    <a16:creationId xmlns:a16="http://schemas.microsoft.com/office/drawing/2014/main" id="{48905D23-736B-7CBB-FD4D-16E3427C9887}"/>
+                  </a:ext>
+                </a:extLst>
+              </p:cNvPr>
+              <p:cNvSpPr/>
+              <p:nvPr/>
+            </p:nvSpPr>
+            <p:spPr>
+              <a:xfrm rot="16200000">
+                <a:off x="5299326" y="6730042"/>
+                <a:ext cx="1020535" cy="764920"/>
+              </a:xfrm>
+              <a:custGeom>
+                <a:avLst/>
+                <a:gdLst>
+                  <a:gd name="connsiteX0" fmla="*/ 0 w 1020535"/>
+                  <a:gd name="connsiteY0" fmla="*/ 0 h 764920"/>
+                  <a:gd name="connsiteX1" fmla="*/ 1020535 w 1020535"/>
+                  <a:gd name="connsiteY1" fmla="*/ 0 h 764920"/>
+                  <a:gd name="connsiteX2" fmla="*/ 1020535 w 1020535"/>
+                  <a:gd name="connsiteY2" fmla="*/ 764920 h 764920"/>
+                  <a:gd name="connsiteX3" fmla="*/ 0 w 1020535"/>
+                  <a:gd name="connsiteY3" fmla="*/ 764920 h 764920"/>
+                  <a:gd name="connsiteX4" fmla="*/ 0 w 1020535"/>
+                  <a:gd name="connsiteY4" fmla="*/ 0 h 764920"/>
+                  <a:gd name="connsiteX0" fmla="*/ 0 w 1020535"/>
+                  <a:gd name="connsiteY0" fmla="*/ 0 h 764920"/>
+                  <a:gd name="connsiteX1" fmla="*/ 1020535 w 1020535"/>
+                  <a:gd name="connsiteY1" fmla="*/ 0 h 764920"/>
+                  <a:gd name="connsiteX2" fmla="*/ 1020535 w 1020535"/>
+                  <a:gd name="connsiteY2" fmla="*/ 764920 h 764920"/>
+                  <a:gd name="connsiteX3" fmla="*/ 0 w 1020535"/>
+                  <a:gd name="connsiteY3" fmla="*/ 764920 h 764920"/>
+                  <a:gd name="connsiteX4" fmla="*/ 91440 w 1020535"/>
+                  <a:gd name="connsiteY4" fmla="*/ 91440 h 764920"/>
+                  <a:gd name="connsiteX0" fmla="*/ 0 w 1020535"/>
+                  <a:gd name="connsiteY0" fmla="*/ 0 h 764920"/>
+                  <a:gd name="connsiteX1" fmla="*/ 1020535 w 1020535"/>
+                  <a:gd name="connsiteY1" fmla="*/ 0 h 764920"/>
+                  <a:gd name="connsiteX2" fmla="*/ 1020535 w 1020535"/>
+                  <a:gd name="connsiteY2" fmla="*/ 764920 h 764920"/>
+                  <a:gd name="connsiteX3" fmla="*/ 0 w 1020535"/>
+                  <a:gd name="connsiteY3" fmla="*/ 764920 h 764920"/>
+                  <a:gd name="connsiteX0" fmla="*/ 1020535 w 1020535"/>
+                  <a:gd name="connsiteY0" fmla="*/ 0 h 764920"/>
+                  <a:gd name="connsiteX1" fmla="*/ 1020535 w 1020535"/>
+                  <a:gd name="connsiteY1" fmla="*/ 764920 h 764920"/>
+                  <a:gd name="connsiteX2" fmla="*/ 0 w 1020535"/>
+                  <a:gd name="connsiteY2" fmla="*/ 764920 h 764920"/>
+                </a:gdLst>
+                <a:ahLst/>
+                <a:cxnLst>
+                  <a:cxn ang="0">
+                    <a:pos x="connsiteX0" y="connsiteY0"/>
+                  </a:cxn>
+                  <a:cxn ang="0">
+                    <a:pos x="connsiteX1" y="connsiteY1"/>
+                  </a:cxn>
+                  <a:cxn ang="0">
+                    <a:pos x="connsiteX2" y="connsiteY2"/>
+                  </a:cxn>
+                </a:cxnLst>
+                <a:rect l="l" t="t" r="r" b="b"/>
+                <a:pathLst>
+                  <a:path w="1020535" h="764920">
+                    <a:moveTo>
+                      <a:pt x="1020535" y="0"/>
+                    </a:moveTo>
+                    <a:lnTo>
+                      <a:pt x="1020535" y="764920"/>
+                    </a:lnTo>
+                    <a:lnTo>
+                      <a:pt x="0" y="764920"/>
+                    </a:lnTo>
+                  </a:path>
+                </a:pathLst>
+              </a:custGeom>
+              <a:noFill/>
+              <a:ln w="38100" cap="flat">
+                <a:solidFill>
+                  <a:schemeClr val="dk1"/>
+                </a:solidFill>
+                <a:prstDash val="solid"/>
+              </a:ln>
+            </p:spPr>
+            <p:style>
+              <a:lnRef idx="2">
+                <a:schemeClr val="accent1">
+                  <a:shade val="20000"/>
+                </a:schemeClr>
+              </a:lnRef>
+              <a:fillRef idx="1">
+                <a:schemeClr val="accent1"/>
+              </a:fillRef>
+              <a:effectRef idx="0">
+                <a:schemeClr val="accent1"/>
+              </a:effectRef>
+              <a:fontRef idx="minor">
+                <a:schemeClr val="lt1"/>
+              </a:fontRef>
+            </p:style>
+            <p:txBody>
+              <a:bodyPr anchor="ctr"/>
+              <a:lstStyle/>
+              <a:p>
+                <a:pPr algn="ctr">
+                  <a:defRPr/>
+                </a:pPr>
+                <a:endParaRPr lang="ko-KR" altLang="en-US"/>
+              </a:p>
+            </p:txBody>
+          </p:sp>
+          <p:sp>
+            <p:nvSpPr>
+              <p:cNvPr id="39" name="Rectangle 38">
+                <a:extLst>
+                  <a:ext uri="{FF2B5EF4-FFF2-40B4-BE49-F238E27FC236}">
+                    <a16:creationId xmlns:a16="http://schemas.microsoft.com/office/drawing/2014/main" id="{B386027D-213E-B0AA-F4A1-4951B1DA05C6}"/>
+                  </a:ext>
+                </a:extLst>
+              </p:cNvPr>
+              <p:cNvSpPr/>
+              <p:nvPr/>
+            </p:nvSpPr>
+            <p:spPr>
+              <a:xfrm rot="16200000">
+                <a:off x="6460009" y="6581824"/>
+                <a:ext cx="510268" cy="551089"/>
+              </a:xfrm>
+              <a:prstGeom prst="rect">
+                <a:avLst/>
+              </a:prstGeom>
+              <a:noFill/>
+              <a:ln w="38100" cap="flat">
+                <a:solidFill>
+                  <a:schemeClr val="dk1"/>
+                </a:solidFill>
+                <a:prstDash val="solid"/>
+              </a:ln>
+            </p:spPr>
+            <p:style>
+              <a:lnRef idx="2">
+                <a:schemeClr val="accent1">
+                  <a:shade val="20000"/>
+                </a:schemeClr>
+              </a:lnRef>
+              <a:fillRef idx="1">
+                <a:schemeClr val="accent1"/>
+              </a:fillRef>
+              <a:effectRef idx="0">
+                <a:schemeClr val="accent1"/>
+              </a:effectRef>
+              <a:fontRef idx="minor">
+                <a:schemeClr val="lt1"/>
+              </a:fontRef>
+            </p:style>
+            <p:txBody>
+              <a:bodyPr anchor="ctr"/>
+              <a:lstStyle/>
+              <a:p>
+                <a:pPr algn="ctr">
+                  <a:defRPr/>
+                </a:pPr>
+                <a:endParaRPr lang="ko-KR" altLang="en-US"/>
+              </a:p>
+            </p:txBody>
+          </p:sp>
+          <p:sp>
+            <p:nvSpPr>
+              <p:cNvPr id="24" name="Rectangle 37">
+                <a:extLst>
+                  <a:ext uri="{FF2B5EF4-FFF2-40B4-BE49-F238E27FC236}">
+                    <a16:creationId xmlns:a16="http://schemas.microsoft.com/office/drawing/2014/main" id="{6CD8B50D-CB73-A2E1-86ED-40736A16CACC}"/>
+                  </a:ext>
+                </a:extLst>
+              </p:cNvPr>
+              <p:cNvSpPr/>
+              <p:nvPr/>
+            </p:nvSpPr>
+            <p:spPr>
+              <a:xfrm rot="16200000" flipV="1">
+                <a:off x="7104880" y="6724629"/>
+                <a:ext cx="1020535" cy="764922"/>
+              </a:xfrm>
+              <a:custGeom>
+                <a:avLst/>
+                <a:gdLst>
+                  <a:gd name="connsiteX0" fmla="*/ 0 w 1020535"/>
+                  <a:gd name="connsiteY0" fmla="*/ 0 h 764920"/>
+                  <a:gd name="connsiteX1" fmla="*/ 1020535 w 1020535"/>
+                  <a:gd name="connsiteY1" fmla="*/ 0 h 764920"/>
+                  <a:gd name="connsiteX2" fmla="*/ 1020535 w 1020535"/>
+                  <a:gd name="connsiteY2" fmla="*/ 764920 h 764920"/>
+                  <a:gd name="connsiteX3" fmla="*/ 0 w 1020535"/>
+                  <a:gd name="connsiteY3" fmla="*/ 764920 h 764920"/>
+                  <a:gd name="connsiteX4" fmla="*/ 0 w 1020535"/>
+                  <a:gd name="connsiteY4" fmla="*/ 0 h 764920"/>
+                  <a:gd name="connsiteX0" fmla="*/ 0 w 1020535"/>
+                  <a:gd name="connsiteY0" fmla="*/ 0 h 764920"/>
+                  <a:gd name="connsiteX1" fmla="*/ 1020535 w 1020535"/>
+                  <a:gd name="connsiteY1" fmla="*/ 0 h 764920"/>
+                  <a:gd name="connsiteX2" fmla="*/ 1020535 w 1020535"/>
+                  <a:gd name="connsiteY2" fmla="*/ 764920 h 764920"/>
+                  <a:gd name="connsiteX3" fmla="*/ 0 w 1020535"/>
+                  <a:gd name="connsiteY3" fmla="*/ 764920 h 764920"/>
+                  <a:gd name="connsiteX4" fmla="*/ 91440 w 1020535"/>
+                  <a:gd name="connsiteY4" fmla="*/ 91440 h 764920"/>
+                  <a:gd name="connsiteX0" fmla="*/ 0 w 1020535"/>
+                  <a:gd name="connsiteY0" fmla="*/ 0 h 764920"/>
+                  <a:gd name="connsiteX1" fmla="*/ 1020535 w 1020535"/>
+                  <a:gd name="connsiteY1" fmla="*/ 0 h 764920"/>
+                  <a:gd name="connsiteX2" fmla="*/ 1020535 w 1020535"/>
+                  <a:gd name="connsiteY2" fmla="*/ 764920 h 764920"/>
+                  <a:gd name="connsiteX3" fmla="*/ 0 w 1020535"/>
+                  <a:gd name="connsiteY3" fmla="*/ 764920 h 764920"/>
+                  <a:gd name="connsiteX0" fmla="*/ 1020535 w 1020535"/>
+                  <a:gd name="connsiteY0" fmla="*/ 0 h 764920"/>
+                  <a:gd name="connsiteX1" fmla="*/ 1020535 w 1020535"/>
+                  <a:gd name="connsiteY1" fmla="*/ 764920 h 764920"/>
+                  <a:gd name="connsiteX2" fmla="*/ 0 w 1020535"/>
+                  <a:gd name="connsiteY2" fmla="*/ 764920 h 764920"/>
+                </a:gdLst>
+                <a:ahLst/>
+                <a:cxnLst>
+                  <a:cxn ang="0">
+                    <a:pos x="connsiteX0" y="connsiteY0"/>
+                  </a:cxn>
+                  <a:cxn ang="0">
+                    <a:pos x="connsiteX1" y="connsiteY1"/>
+                  </a:cxn>
+                  <a:cxn ang="0">
+                    <a:pos x="connsiteX2" y="connsiteY2"/>
+                  </a:cxn>
+                </a:cxnLst>
+                <a:rect l="l" t="t" r="r" b="b"/>
+                <a:pathLst>
+                  <a:path w="1020535" h="764920">
+                    <a:moveTo>
+                      <a:pt x="1020535" y="0"/>
+                    </a:moveTo>
+                    <a:lnTo>
+                      <a:pt x="1020535" y="764920"/>
+                    </a:lnTo>
+                    <a:lnTo>
+                      <a:pt x="0" y="764920"/>
+                    </a:lnTo>
+                  </a:path>
+                </a:pathLst>
+              </a:custGeom>
+              <a:noFill/>
+              <a:ln w="38100" cap="flat">
+                <a:solidFill>
+                  <a:schemeClr val="dk1"/>
+                </a:solidFill>
+                <a:prstDash val="solid"/>
+              </a:ln>
+            </p:spPr>
+            <p:style>
+              <a:lnRef idx="2">
+                <a:schemeClr val="accent1">
+                  <a:shade val="20000"/>
+                </a:schemeClr>
+              </a:lnRef>
+              <a:fillRef idx="1">
+                <a:schemeClr val="accent1"/>
+              </a:fillRef>
+              <a:effectRef idx="0">
+                <a:schemeClr val="accent1"/>
+              </a:effectRef>
+              <a:fontRef idx="minor">
+                <a:schemeClr val="lt1"/>
+              </a:fontRef>
+            </p:style>
+            <p:txBody>
+              <a:bodyPr anchor="ctr"/>
+              <a:lstStyle/>
+              <a:p>
+                <a:pPr algn="ctr">
+                  <a:defRPr/>
+                </a:pPr>
+                <a:endParaRPr lang="ko-KR" altLang="en-US"/>
+              </a:p>
+            </p:txBody>
+          </p:sp>
+          <p:sp>
+            <p:nvSpPr>
+              <p:cNvPr id="26" name="Rectangle 25">
+                <a:extLst>
+                  <a:ext uri="{FF2B5EF4-FFF2-40B4-BE49-F238E27FC236}">
+                    <a16:creationId xmlns:a16="http://schemas.microsoft.com/office/drawing/2014/main" id="{DCF2B426-E628-C96E-28BF-0A4C06032DD3}"/>
+                  </a:ext>
+                </a:extLst>
+              </p:cNvPr>
+              <p:cNvSpPr/>
+              <p:nvPr/>
+            </p:nvSpPr>
+            <p:spPr>
+              <a:xfrm rot="16200000">
+                <a:off x="6548979" y="7186609"/>
+                <a:ext cx="321235" cy="551089"/>
+              </a:xfrm>
+              <a:custGeom>
+                <a:avLst/>
+                <a:gdLst>
+                  <a:gd name="connsiteX0" fmla="*/ 0 w 510268"/>
+                  <a:gd name="connsiteY0" fmla="*/ 0 h 551089"/>
+                  <a:gd name="connsiteX1" fmla="*/ 510268 w 510268"/>
+                  <a:gd name="connsiteY1" fmla="*/ 0 h 551089"/>
+                  <a:gd name="connsiteX2" fmla="*/ 510268 w 510268"/>
+                  <a:gd name="connsiteY2" fmla="*/ 551089 h 551089"/>
+                  <a:gd name="connsiteX3" fmla="*/ 0 w 510268"/>
+                  <a:gd name="connsiteY3" fmla="*/ 551089 h 551089"/>
+                  <a:gd name="connsiteX4" fmla="*/ 0 w 510268"/>
+                  <a:gd name="connsiteY4" fmla="*/ 0 h 551089"/>
+                  <a:gd name="connsiteX0" fmla="*/ 0 w 510268"/>
+                  <a:gd name="connsiteY0" fmla="*/ 0 h 551089"/>
+                  <a:gd name="connsiteX1" fmla="*/ 510268 w 510268"/>
+                  <a:gd name="connsiteY1" fmla="*/ 0 h 551089"/>
+                  <a:gd name="connsiteX2" fmla="*/ 510268 w 510268"/>
+                  <a:gd name="connsiteY2" fmla="*/ 551089 h 551089"/>
+                  <a:gd name="connsiteX3" fmla="*/ 0 w 510268"/>
+                  <a:gd name="connsiteY3" fmla="*/ 551089 h 551089"/>
+                  <a:gd name="connsiteX4" fmla="*/ 91440 w 510268"/>
+                  <a:gd name="connsiteY4" fmla="*/ 91440 h 551089"/>
+                  <a:gd name="connsiteX0" fmla="*/ 0 w 510268"/>
+                  <a:gd name="connsiteY0" fmla="*/ 0 h 551089"/>
+                  <a:gd name="connsiteX1" fmla="*/ 510268 w 510268"/>
+                  <a:gd name="connsiteY1" fmla="*/ 0 h 551089"/>
+                  <a:gd name="connsiteX2" fmla="*/ 510268 w 510268"/>
+                  <a:gd name="connsiteY2" fmla="*/ 551089 h 551089"/>
+                  <a:gd name="connsiteX3" fmla="*/ 0 w 510268"/>
+                  <a:gd name="connsiteY3" fmla="*/ 551089 h 551089"/>
+                </a:gdLst>
+                <a:ahLst/>
+                <a:cxnLst>
+                  <a:cxn ang="0">
+                    <a:pos x="connsiteX0" y="connsiteY0"/>
+                  </a:cxn>
+                  <a:cxn ang="0">
+                    <a:pos x="connsiteX1" y="connsiteY1"/>
+                  </a:cxn>
+                  <a:cxn ang="0">
+                    <a:pos x="connsiteX2" y="connsiteY2"/>
+                  </a:cxn>
+                  <a:cxn ang="0">
+                    <a:pos x="connsiteX3" y="connsiteY3"/>
+                  </a:cxn>
+                </a:cxnLst>
+                <a:rect l="l" t="t" r="r" b="b"/>
+                <a:pathLst>
+                  <a:path w="510268" h="551089">
+                    <a:moveTo>
+                      <a:pt x="0" y="0"/>
+                    </a:moveTo>
+                    <a:lnTo>
+                      <a:pt x="510268" y="0"/>
+                    </a:lnTo>
+                    <a:lnTo>
+                      <a:pt x="510268" y="551089"/>
+                    </a:lnTo>
+                    <a:lnTo>
+                      <a:pt x="0" y="551089"/>
+                    </a:lnTo>
+                  </a:path>
+                </a:pathLst>
+              </a:custGeom>
+              <a:noFill/>
+              <a:ln w="38100" cap="flat">
+                <a:solidFill>
+                  <a:schemeClr val="dk1"/>
+                </a:solidFill>
+                <a:prstDash val="solid"/>
+              </a:ln>
+            </p:spPr>
+            <p:style>
+              <a:lnRef idx="2">
+                <a:schemeClr val="accent1">
+                  <a:shade val="20000"/>
+                </a:schemeClr>
+              </a:lnRef>
+              <a:fillRef idx="1">
+                <a:schemeClr val="accent1"/>
+              </a:fillRef>
+              <a:effectRef idx="0">
+                <a:schemeClr val="accent1"/>
+              </a:effectRef>
+              <a:fontRef idx="minor">
+                <a:schemeClr val="lt1"/>
+              </a:fontRef>
+            </p:style>
+            <p:txBody>
+              <a:bodyPr anchor="ctr"/>
+              <a:lstStyle/>
+              <a:p>
+                <a:pPr algn="ctr">
+                  <a:defRPr/>
+                </a:pPr>
+                <a:endParaRPr lang="ko-KR" altLang="en-US"/>
+              </a:p>
+            </p:txBody>
+          </p:sp>
+          <p:grpSp>
+            <p:nvGrpSpPr>
+              <p:cNvPr id="30" name="Group 29">
+                <a:extLst>
+                  <a:ext uri="{FF2B5EF4-FFF2-40B4-BE49-F238E27FC236}">
+                    <a16:creationId xmlns:a16="http://schemas.microsoft.com/office/drawing/2014/main" id="{652C4C07-B5B6-4432-49FD-A48AE2018191}"/>
+                  </a:ext>
+                </a:extLst>
+              </p:cNvPr>
+              <p:cNvGrpSpPr/>
+              <p:nvPr/>
+            </p:nvGrpSpPr>
+            <p:grpSpPr>
+              <a:xfrm>
+                <a:off x="5480987" y="5501237"/>
+                <a:ext cx="551089" cy="959304"/>
+                <a:chOff x="3138651" y="5221060"/>
+                <a:chExt cx="551089" cy="959304"/>
+              </a:xfrm>
+            </p:grpSpPr>
+            <p:sp>
+              <p:nvSpPr>
+                <p:cNvPr id="27" name="Oval 26">
+                  <a:extLst>
+                    <a:ext uri="{FF2B5EF4-FFF2-40B4-BE49-F238E27FC236}">
+                      <a16:creationId xmlns:a16="http://schemas.microsoft.com/office/drawing/2014/main" id="{DDE90958-14E9-826C-8BFE-63D3CA9CBB50}"/>
+                    </a:ext>
+                  </a:extLst>
+                </p:cNvPr>
+                <p:cNvSpPr/>
+                <p:nvPr/>
+              </p:nvSpPr>
+              <p:spPr>
+                <a:xfrm>
+                  <a:off x="3230499" y="5221060"/>
+                  <a:ext cx="367393" cy="367393"/>
+                </a:xfrm>
+                <a:prstGeom prst="ellipse">
+                  <a:avLst/>
+                </a:prstGeom>
+                <a:noFill/>
+                <a:ln w="38100">
+                  <a:solidFill>
+                    <a:schemeClr val="dk1"/>
+                  </a:solidFill>
+                </a:ln>
+              </p:spPr>
+              <p:style>
+                <a:lnRef idx="2">
+                  <a:schemeClr val="accent1">
+                    <a:shade val="20000"/>
+                  </a:schemeClr>
+                </a:lnRef>
+                <a:fillRef idx="1">
+                  <a:schemeClr val="accent1"/>
+                </a:fillRef>
+                <a:effectRef idx="0">
+                  <a:schemeClr val="accent1"/>
+                </a:effectRef>
+                <a:fontRef idx="minor">
+                  <a:schemeClr val="lt1"/>
+                </a:fontRef>
+              </p:style>
+              <p:txBody>
+                <a:bodyPr anchor="ctr"/>
+                <a:lstStyle/>
+                <a:p>
+                  <a:pPr algn="ctr">
+                    <a:defRPr/>
+                  </a:pPr>
+                  <a:endParaRPr lang="ko-KR" altLang="en-US"/>
+                </a:p>
+              </p:txBody>
+            </p:sp>
+            <p:sp>
+              <p:nvSpPr>
+                <p:cNvPr id="29" name="Arrow: Pentagon 28">
+                  <a:extLst>
+                    <a:ext uri="{FF2B5EF4-FFF2-40B4-BE49-F238E27FC236}">
+                      <a16:creationId xmlns:a16="http://schemas.microsoft.com/office/drawing/2014/main" id="{3627B3CF-C3EE-B28A-C2F6-82863D8D478F}"/>
+                    </a:ext>
+                  </a:extLst>
+                </p:cNvPr>
+                <p:cNvSpPr/>
+                <p:nvPr/>
+              </p:nvSpPr>
+              <p:spPr>
+                <a:xfrm rot="16200000">
+                  <a:off x="3159062" y="5649685"/>
+                  <a:ext cx="510268" cy="551089"/>
+                </a:xfrm>
+                <a:prstGeom prst="homePlate">
+                  <a:avLst>
+                    <a:gd name="adj" fmla="val 28125"/>
+                  </a:avLst>
+                </a:prstGeom>
+                <a:noFill/>
+                <a:ln w="38100">
+                  <a:solidFill>
+                    <a:schemeClr val="dk1"/>
+                  </a:solidFill>
+                </a:ln>
+              </p:spPr>
+              <p:style>
+                <a:lnRef idx="2">
+                  <a:schemeClr val="accent1">
+                    <a:shade val="20000"/>
+                  </a:schemeClr>
+                </a:lnRef>
+                <a:fillRef idx="1">
+                  <a:schemeClr val="accent1"/>
+                </a:fillRef>
+                <a:effectRef idx="0">
+                  <a:schemeClr val="accent1"/>
+                </a:effectRef>
+                <a:fontRef idx="minor">
+                  <a:schemeClr val="lt1"/>
+                </a:fontRef>
+              </p:style>
+              <p:txBody>
+                <a:bodyPr anchor="ctr"/>
+                <a:lstStyle/>
+                <a:p>
+                  <a:pPr algn="ctr">
+                    <a:defRPr/>
+                  </a:pPr>
+                  <a:endParaRPr lang="ko-KR" altLang="en-US"/>
+                </a:p>
+              </p:txBody>
+            </p:sp>
+          </p:grpSp>
+        </p:grpSp>
+      </p:grpSp>
     </p:spTree>
     <p:extLst>
       <p:ext uri="{BB962C8B-B14F-4D97-AF65-F5344CB8AC3E}">
@@ -11708,6 +12032,4904 @@
 </file>
 
 <file path=ppt/slides/slide6.xml><?xml version="1.0" encoding="utf-8"?>
+<p:sld xmlns:a="http://schemas.openxmlformats.org/drawingml/2006/main" xmlns:r="http://schemas.openxmlformats.org/officeDocument/2006/relationships" xmlns:p="http://schemas.openxmlformats.org/presentationml/2006/main">
+  <p:cSld>
+    <p:spTree>
+      <p:nvGrpSpPr>
+        <p:cNvPr id="1" name="">
+          <a:extLst>
+            <a:ext uri="{FF2B5EF4-FFF2-40B4-BE49-F238E27FC236}">
+              <a16:creationId xmlns:a16="http://schemas.microsoft.com/office/drawing/2014/main" id="{B9F95433-4B55-B129-FEF5-896525F5C2BB}"/>
+            </a:ext>
+          </a:extLst>
+        </p:cNvPr>
+        <p:cNvGrpSpPr/>
+        <p:nvPr/>
+      </p:nvGrpSpPr>
+      <p:grpSpPr>
+        <a:xfrm>
+          <a:off x="0" y="0"/>
+          <a:ext cx="0" cy="0"/>
+          <a:chOff x="0" y="0"/>
+          <a:chExt cx="0" cy="0"/>
+        </a:xfrm>
+      </p:grpSpPr>
+      <p:sp>
+        <p:nvSpPr>
+          <p:cNvPr id="3" name="Rectangle 2">
+            <a:extLst>
+              <a:ext uri="{FF2B5EF4-FFF2-40B4-BE49-F238E27FC236}">
+                <a16:creationId xmlns:a16="http://schemas.microsoft.com/office/drawing/2014/main" id="{1360CF74-AC84-6D82-D257-08842AA4B830}"/>
+              </a:ext>
+            </a:extLst>
+          </p:cNvPr>
+          <p:cNvSpPr/>
+          <p:nvPr/>
+        </p:nvSpPr>
+        <p:spPr>
+          <a:xfrm>
+            <a:off x="0" y="0"/>
+            <a:ext cx="4572000" cy="9144000"/>
+          </a:xfrm>
+          <a:prstGeom prst="rect">
+            <a:avLst/>
+          </a:prstGeom>
+          <a:solidFill>
+            <a:schemeClr val="lt1"/>
+          </a:solidFill>
+          <a:ln>
+            <a:noFill/>
+          </a:ln>
+        </p:spPr>
+        <p:style>
+          <a:lnRef idx="2">
+            <a:schemeClr val="accent1">
+              <a:shade val="20000"/>
+            </a:schemeClr>
+          </a:lnRef>
+          <a:fillRef idx="1">
+            <a:schemeClr val="accent1"/>
+          </a:fillRef>
+          <a:effectRef idx="0">
+            <a:schemeClr val="accent1"/>
+          </a:effectRef>
+          <a:fontRef idx="minor">
+            <a:schemeClr val="lt1"/>
+          </a:fontRef>
+        </p:style>
+        <p:txBody>
+          <a:bodyPr anchor="ctr"/>
+          <a:lstStyle/>
+          <a:p>
+            <a:pPr algn="ctr">
+              <a:defRPr/>
+            </a:pPr>
+            <a:endParaRPr lang="ko-KR" altLang="en-US" dirty="0"/>
+          </a:p>
+        </p:txBody>
+      </p:sp>
+      <p:sp>
+        <p:nvSpPr>
+          <p:cNvPr id="4" name="Rectangle 3">
+            <a:extLst>
+              <a:ext uri="{FF2B5EF4-FFF2-40B4-BE49-F238E27FC236}">
+                <a16:creationId xmlns:a16="http://schemas.microsoft.com/office/drawing/2014/main" id="{0A50C69A-14C6-BECF-AFDA-D8E82D4FFE47}"/>
+              </a:ext>
+            </a:extLst>
+          </p:cNvPr>
+          <p:cNvSpPr/>
+          <p:nvPr/>
+        </p:nvSpPr>
+        <p:spPr>
+          <a:xfrm>
+            <a:off x="203761" y="235115"/>
+            <a:ext cx="4164478" cy="8718052"/>
+          </a:xfrm>
+          <a:prstGeom prst="rect">
+            <a:avLst/>
+          </a:prstGeom>
+          <a:noFill/>
+          <a:ln w="38100">
+            <a:solidFill>
+              <a:schemeClr val="dk1"/>
+            </a:solidFill>
+          </a:ln>
+        </p:spPr>
+        <p:style>
+          <a:lnRef idx="2">
+            <a:schemeClr val="accent1">
+              <a:shade val="20000"/>
+            </a:schemeClr>
+          </a:lnRef>
+          <a:fillRef idx="1">
+            <a:schemeClr val="accent1"/>
+          </a:fillRef>
+          <a:effectRef idx="0">
+            <a:schemeClr val="accent1"/>
+          </a:effectRef>
+          <a:fontRef idx="minor">
+            <a:schemeClr val="lt1"/>
+          </a:fontRef>
+        </p:style>
+        <p:txBody>
+          <a:bodyPr anchor="ctr"/>
+          <a:lstStyle/>
+          <a:p>
+            <a:pPr algn="ctr">
+              <a:defRPr/>
+            </a:pPr>
+            <a:endParaRPr lang="ko-KR" altLang="en-US"/>
+          </a:p>
+        </p:txBody>
+      </p:sp>
+      <p:sp>
+        <p:nvSpPr>
+          <p:cNvPr id="5" name="Rectangle 4">
+            <a:extLst>
+              <a:ext uri="{FF2B5EF4-FFF2-40B4-BE49-F238E27FC236}">
+                <a16:creationId xmlns:a16="http://schemas.microsoft.com/office/drawing/2014/main" id="{8170377B-21E3-9880-C223-0F321D170DA1}"/>
+              </a:ext>
+            </a:extLst>
+          </p:cNvPr>
+          <p:cNvSpPr/>
+          <p:nvPr/>
+        </p:nvSpPr>
+        <p:spPr>
+          <a:xfrm>
+            <a:off x="182646" y="8652049"/>
+            <a:ext cx="2024331" cy="320168"/>
+          </a:xfrm>
+          <a:prstGeom prst="rect">
+            <a:avLst/>
+          </a:prstGeom>
+          <a:solidFill>
+            <a:schemeClr val="lt1"/>
+          </a:solidFill>
+          <a:ln>
+            <a:solidFill>
+              <a:schemeClr val="lt1"/>
+            </a:solidFill>
+          </a:ln>
+        </p:spPr>
+        <p:style>
+          <a:lnRef idx="2">
+            <a:schemeClr val="accent1">
+              <a:shade val="20000"/>
+            </a:schemeClr>
+          </a:lnRef>
+          <a:fillRef idx="1">
+            <a:schemeClr val="accent1"/>
+          </a:fillRef>
+          <a:effectRef idx="0">
+            <a:schemeClr val="accent1"/>
+          </a:effectRef>
+          <a:fontRef idx="minor">
+            <a:schemeClr val="lt1"/>
+          </a:fontRef>
+        </p:style>
+        <p:txBody>
+          <a:bodyPr anchor="ctr"/>
+          <a:lstStyle/>
+          <a:p>
+            <a:pPr algn="ctr">
+              <a:defRPr/>
+            </a:pPr>
+            <a:endParaRPr lang="ko-KR" altLang="en-US"/>
+          </a:p>
+        </p:txBody>
+      </p:sp>
+      <p:pic>
+        <p:nvPicPr>
+          <p:cNvPr id="6" name="Picture 5">
+            <a:extLst>
+              <a:ext uri="{FF2B5EF4-FFF2-40B4-BE49-F238E27FC236}">
+                <a16:creationId xmlns:a16="http://schemas.microsoft.com/office/drawing/2014/main" id="{790D011D-A4B8-D7F5-BC77-91EFD9065EB4}"/>
+              </a:ext>
+            </a:extLst>
+          </p:cNvPr>
+          <p:cNvPicPr/>
+          <p:nvPr/>
+        </p:nvPicPr>
+        <p:blipFill rotWithShape="1">
+          <a:blip r:embed="rId2"/>
+          <a:stretch>
+            <a:fillRect/>
+          </a:stretch>
+        </p:blipFill>
+        <p:spPr>
+          <a:xfrm>
+            <a:off x="182646" y="8623476"/>
+            <a:ext cx="1960497" cy="377317"/>
+          </a:xfrm>
+          <a:prstGeom prst="rect">
+            <a:avLst/>
+          </a:prstGeom>
+        </p:spPr>
+      </p:pic>
+      <p:sp>
+        <p:nvSpPr>
+          <p:cNvPr id="7" name="TextBox 6">
+            <a:extLst>
+              <a:ext uri="{FF2B5EF4-FFF2-40B4-BE49-F238E27FC236}">
+                <a16:creationId xmlns:a16="http://schemas.microsoft.com/office/drawing/2014/main" id="{0051733C-8227-D60B-84DB-66182CB31FB2}"/>
+              </a:ext>
+            </a:extLst>
+          </p:cNvPr>
+          <p:cNvSpPr txBox="1"/>
+          <p:nvPr/>
+        </p:nvSpPr>
+        <p:spPr>
+          <a:xfrm>
+            <a:off x="259013" y="1332196"/>
+            <a:ext cx="4109226" cy="2539900"/>
+          </a:xfrm>
+          <a:prstGeom prst="rect">
+            <a:avLst/>
+          </a:prstGeom>
+        </p:spPr>
+        <p:txBody>
+          <a:bodyPr wrap="none" anchor="ctr" anchorCtr="0">
+            <a:noAutofit/>
+          </a:bodyPr>
+          <a:lstStyle/>
+          <a:p>
+            <a:pPr algn="ctr">
+              <a:defRPr/>
+            </a:pPr>
+            <a:r>
+              <a:rPr lang="en-US" altLang="ko-KR" sz="14000" dirty="0">
+                <a:latin typeface="DSEG14 Classic" panose="02000503000000000000" pitchFamily="2" charset="0"/>
+              </a:rPr>
+              <a:t>08</a:t>
+            </a:r>
+          </a:p>
+        </p:txBody>
+      </p:sp>
+      <p:sp>
+        <p:nvSpPr>
+          <p:cNvPr id="8" name="TextBox 7">
+            <a:extLst>
+              <a:ext uri="{FF2B5EF4-FFF2-40B4-BE49-F238E27FC236}">
+                <a16:creationId xmlns:a16="http://schemas.microsoft.com/office/drawing/2014/main" id="{9055469C-893E-83C2-5C56-FD5FA324BBCF}"/>
+              </a:ext>
+            </a:extLst>
+          </p:cNvPr>
+          <p:cNvSpPr txBox="1"/>
+          <p:nvPr/>
+        </p:nvSpPr>
+        <p:spPr>
+          <a:xfrm>
+            <a:off x="203761" y="1332196"/>
+            <a:ext cx="4164478" cy="2539900"/>
+          </a:xfrm>
+          <a:prstGeom prst="rect">
+            <a:avLst/>
+          </a:prstGeom>
+        </p:spPr>
+        <p:txBody>
+          <a:bodyPr wrap="none" anchor="ctr" anchorCtr="0">
+            <a:noAutofit/>
+          </a:bodyPr>
+          <a:lstStyle/>
+          <a:p>
+            <a:pPr algn="ctr">
+              <a:defRPr/>
+            </a:pPr>
+            <a:r>
+              <a:rPr lang="en-US" altLang="ko-KR" sz="14000" dirty="0">
+                <a:solidFill>
+                  <a:schemeClr val="tx1">
+                    <a:alpha val="10000"/>
+                  </a:schemeClr>
+                </a:solidFill>
+                <a:latin typeface="DSEG14 Classic" panose="02000503000000000000" pitchFamily="2" charset="0"/>
+              </a:rPr>
+              <a:t>88</a:t>
+            </a:r>
+          </a:p>
+        </p:txBody>
+      </p:sp>
+      <p:cxnSp>
+        <p:nvCxnSpPr>
+          <p:cNvPr id="9" name="Straight Connector 8">
+            <a:extLst>
+              <a:ext uri="{FF2B5EF4-FFF2-40B4-BE49-F238E27FC236}">
+                <a16:creationId xmlns:a16="http://schemas.microsoft.com/office/drawing/2014/main" id="{08B1E252-2414-C059-9A0E-204AD36D9814}"/>
+              </a:ext>
+            </a:extLst>
+          </p:cNvPr>
+          <p:cNvCxnSpPr>
+            <a:stCxn id="4" idx="1"/>
+            <a:endCxn id="4" idx="3"/>
+          </p:cNvCxnSpPr>
+          <p:nvPr/>
+        </p:nvCxnSpPr>
+        <p:spPr>
+          <a:xfrm>
+            <a:off x="203761" y="4594141"/>
+            <a:ext cx="4164478" cy="0"/>
+          </a:xfrm>
+          <a:prstGeom prst="line">
+            <a:avLst/>
+          </a:prstGeom>
+          <a:ln w="38100">
+            <a:solidFill>
+              <a:schemeClr val="dk1"/>
+            </a:solidFill>
+            <a:prstDash val="sysDash"/>
+          </a:ln>
+        </p:spPr>
+        <p:style>
+          <a:lnRef idx="1">
+            <a:schemeClr val="accent1"/>
+          </a:lnRef>
+          <a:fillRef idx="0">
+            <a:schemeClr val="accent1"/>
+          </a:fillRef>
+          <a:effectRef idx="0">
+            <a:schemeClr val="accent1"/>
+          </a:effectRef>
+          <a:fontRef idx="minor">
+            <a:schemeClr val="tx1"/>
+          </a:fontRef>
+        </p:style>
+      </p:cxnSp>
+      <p:sp>
+        <p:nvSpPr>
+          <p:cNvPr id="10" name="TextBox 9">
+            <a:extLst>
+              <a:ext uri="{FF2B5EF4-FFF2-40B4-BE49-F238E27FC236}">
+                <a16:creationId xmlns:a16="http://schemas.microsoft.com/office/drawing/2014/main" id="{BCFE455C-6F5D-071A-834C-908FC8B350FB}"/>
+              </a:ext>
+            </a:extLst>
+          </p:cNvPr>
+          <p:cNvSpPr txBox="1"/>
+          <p:nvPr/>
+        </p:nvSpPr>
+        <p:spPr>
+          <a:xfrm>
+            <a:off x="203761" y="565149"/>
+            <a:ext cx="4164478" cy="595597"/>
+          </a:xfrm>
+          <a:prstGeom prst="rect">
+            <a:avLst/>
+          </a:prstGeom>
+        </p:spPr>
+        <p:txBody>
+          <a:bodyPr wrap="square" lIns="72009" tIns="72009" rIns="72009" bIns="72009">
+            <a:spAutoFit/>
+          </a:bodyPr>
+          <a:lstStyle/>
+          <a:p>
+            <a:pPr algn="ctr">
+              <a:defRPr/>
+            </a:pPr>
+            <a:r>
+              <a:rPr lang="en-US" altLang="ko-KR" sz="3000">
+                <a:latin typeface="Bahnschrift Light SemiCondensed"/>
+              </a:rPr>
+              <a:t>S E C T I</a:t>
+            </a:r>
+            <a:r>
+              <a:rPr lang="ko-KR" altLang="en-US" sz="3000">
+                <a:latin typeface="Bahnschrift Light SemiCondensed"/>
+              </a:rPr>
+              <a:t> </a:t>
+            </a:r>
+            <a:r>
+              <a:rPr lang="en-US" altLang="ko-KR" sz="3000">
+                <a:latin typeface="Bahnschrift Light SemiCondensed"/>
+              </a:rPr>
+              <a:t>O N</a:t>
+            </a:r>
+          </a:p>
+        </p:txBody>
+      </p:sp>
+      <p:sp>
+        <p:nvSpPr>
+          <p:cNvPr id="43" name="Rectangle 42">
+            <a:extLst>
+              <a:ext uri="{FF2B5EF4-FFF2-40B4-BE49-F238E27FC236}">
+                <a16:creationId xmlns:a16="http://schemas.microsoft.com/office/drawing/2014/main" id="{8663FC61-AF16-3AF3-D94B-07A1547FFCDE}"/>
+              </a:ext>
+            </a:extLst>
+          </p:cNvPr>
+          <p:cNvSpPr/>
+          <p:nvPr/>
+        </p:nvSpPr>
+        <p:spPr>
+          <a:xfrm>
+            <a:off x="4568845" y="0"/>
+            <a:ext cx="4572000" cy="9144000"/>
+          </a:xfrm>
+          <a:prstGeom prst="rect">
+            <a:avLst/>
+          </a:prstGeom>
+          <a:solidFill>
+            <a:schemeClr val="lt1"/>
+          </a:solidFill>
+          <a:ln>
+            <a:noFill/>
+          </a:ln>
+        </p:spPr>
+        <p:style>
+          <a:lnRef idx="2">
+            <a:schemeClr val="accent1">
+              <a:shade val="20000"/>
+            </a:schemeClr>
+          </a:lnRef>
+          <a:fillRef idx="1">
+            <a:schemeClr val="accent1"/>
+          </a:fillRef>
+          <a:effectRef idx="0">
+            <a:schemeClr val="accent1"/>
+          </a:effectRef>
+          <a:fontRef idx="minor">
+            <a:schemeClr val="lt1"/>
+          </a:fontRef>
+        </p:style>
+        <p:txBody>
+          <a:bodyPr anchor="ctr"/>
+          <a:lstStyle/>
+          <a:p>
+            <a:pPr algn="ctr">
+              <a:defRPr/>
+            </a:pPr>
+            <a:endParaRPr lang="ko-KR" altLang="en-US" dirty="0"/>
+          </a:p>
+        </p:txBody>
+      </p:sp>
+      <p:sp>
+        <p:nvSpPr>
+          <p:cNvPr id="12" name="Rectangle 11">
+            <a:extLst>
+              <a:ext uri="{FF2B5EF4-FFF2-40B4-BE49-F238E27FC236}">
+                <a16:creationId xmlns:a16="http://schemas.microsoft.com/office/drawing/2014/main" id="{9BD6751D-7F9D-0988-4A4A-16DEF00E0E8E}"/>
+              </a:ext>
+            </a:extLst>
+          </p:cNvPr>
+          <p:cNvSpPr/>
+          <p:nvPr/>
+        </p:nvSpPr>
+        <p:spPr>
+          <a:xfrm>
+            <a:off x="4775761" y="235115"/>
+            <a:ext cx="4164478" cy="8718052"/>
+          </a:xfrm>
+          <a:prstGeom prst="rect">
+            <a:avLst/>
+          </a:prstGeom>
+          <a:noFill/>
+          <a:ln w="38100">
+            <a:solidFill>
+              <a:schemeClr val="dk1"/>
+            </a:solidFill>
+          </a:ln>
+        </p:spPr>
+        <p:style>
+          <a:lnRef idx="2">
+            <a:schemeClr val="accent1">
+              <a:shade val="20000"/>
+            </a:schemeClr>
+          </a:lnRef>
+          <a:fillRef idx="1">
+            <a:schemeClr val="accent1"/>
+          </a:fillRef>
+          <a:effectRef idx="0">
+            <a:schemeClr val="accent1"/>
+          </a:effectRef>
+          <a:fontRef idx="minor">
+            <a:schemeClr val="lt1"/>
+          </a:fontRef>
+        </p:style>
+        <p:txBody>
+          <a:bodyPr anchor="ctr"/>
+          <a:lstStyle/>
+          <a:p>
+            <a:pPr algn="ctr">
+              <a:defRPr/>
+            </a:pPr>
+            <a:endParaRPr lang="ko-KR" altLang="en-US"/>
+          </a:p>
+        </p:txBody>
+      </p:sp>
+      <p:sp>
+        <p:nvSpPr>
+          <p:cNvPr id="13" name="Rectangle 12">
+            <a:extLst>
+              <a:ext uri="{FF2B5EF4-FFF2-40B4-BE49-F238E27FC236}">
+                <a16:creationId xmlns:a16="http://schemas.microsoft.com/office/drawing/2014/main" id="{F0A97E5F-C65E-A5AB-D371-C7D3CBF9D264}"/>
+              </a:ext>
+            </a:extLst>
+          </p:cNvPr>
+          <p:cNvSpPr/>
+          <p:nvPr/>
+        </p:nvSpPr>
+        <p:spPr>
+          <a:xfrm>
+            <a:off x="4754646" y="8652049"/>
+            <a:ext cx="2024331" cy="320168"/>
+          </a:xfrm>
+          <a:prstGeom prst="rect">
+            <a:avLst/>
+          </a:prstGeom>
+          <a:solidFill>
+            <a:schemeClr val="lt1"/>
+          </a:solidFill>
+          <a:ln>
+            <a:solidFill>
+              <a:schemeClr val="lt1"/>
+            </a:solidFill>
+          </a:ln>
+        </p:spPr>
+        <p:style>
+          <a:lnRef idx="2">
+            <a:schemeClr val="accent1">
+              <a:shade val="20000"/>
+            </a:schemeClr>
+          </a:lnRef>
+          <a:fillRef idx="1">
+            <a:schemeClr val="accent1"/>
+          </a:fillRef>
+          <a:effectRef idx="0">
+            <a:schemeClr val="accent1"/>
+          </a:effectRef>
+          <a:fontRef idx="minor">
+            <a:schemeClr val="lt1"/>
+          </a:fontRef>
+        </p:style>
+        <p:txBody>
+          <a:bodyPr anchor="ctr"/>
+          <a:lstStyle/>
+          <a:p>
+            <a:pPr algn="ctr">
+              <a:defRPr/>
+            </a:pPr>
+            <a:endParaRPr lang="ko-KR" altLang="en-US"/>
+          </a:p>
+        </p:txBody>
+      </p:sp>
+      <p:pic>
+        <p:nvPicPr>
+          <p:cNvPr id="14" name="Picture 13">
+            <a:extLst>
+              <a:ext uri="{FF2B5EF4-FFF2-40B4-BE49-F238E27FC236}">
+                <a16:creationId xmlns:a16="http://schemas.microsoft.com/office/drawing/2014/main" id="{84E3216E-B3B7-B4E3-5A0E-B2A7B61136F1}"/>
+              </a:ext>
+            </a:extLst>
+          </p:cNvPr>
+          <p:cNvPicPr/>
+          <p:nvPr/>
+        </p:nvPicPr>
+        <p:blipFill rotWithShape="1">
+          <a:blip r:embed="rId2"/>
+          <a:stretch>
+            <a:fillRect/>
+          </a:stretch>
+        </p:blipFill>
+        <p:spPr>
+          <a:xfrm>
+            <a:off x="4754646" y="8623476"/>
+            <a:ext cx="1960497" cy="377317"/>
+          </a:xfrm>
+          <a:prstGeom prst="rect">
+            <a:avLst/>
+          </a:prstGeom>
+        </p:spPr>
+      </p:pic>
+      <p:sp>
+        <p:nvSpPr>
+          <p:cNvPr id="15" name="TextBox 14">
+            <a:extLst>
+              <a:ext uri="{FF2B5EF4-FFF2-40B4-BE49-F238E27FC236}">
+                <a16:creationId xmlns:a16="http://schemas.microsoft.com/office/drawing/2014/main" id="{B90DFEDD-F2C8-132D-5AD7-8AFF12202750}"/>
+              </a:ext>
+            </a:extLst>
+          </p:cNvPr>
+          <p:cNvSpPr txBox="1"/>
+          <p:nvPr/>
+        </p:nvSpPr>
+        <p:spPr>
+          <a:xfrm>
+            <a:off x="4831013" y="1332196"/>
+            <a:ext cx="4109226" cy="2539900"/>
+          </a:xfrm>
+          <a:prstGeom prst="rect">
+            <a:avLst/>
+          </a:prstGeom>
+        </p:spPr>
+        <p:txBody>
+          <a:bodyPr wrap="none" anchor="ctr" anchorCtr="0">
+            <a:noAutofit/>
+          </a:bodyPr>
+          <a:lstStyle/>
+          <a:p>
+            <a:pPr algn="ctr">
+              <a:defRPr/>
+            </a:pPr>
+            <a:r>
+              <a:rPr lang="en-US" altLang="ko-KR" sz="14000" dirty="0">
+                <a:latin typeface="DSEG14 Classic" panose="02000503000000000000" pitchFamily="2" charset="0"/>
+              </a:rPr>
+              <a:t>09</a:t>
+            </a:r>
+          </a:p>
+        </p:txBody>
+      </p:sp>
+      <p:sp>
+        <p:nvSpPr>
+          <p:cNvPr id="16" name="TextBox 15">
+            <a:extLst>
+              <a:ext uri="{FF2B5EF4-FFF2-40B4-BE49-F238E27FC236}">
+                <a16:creationId xmlns:a16="http://schemas.microsoft.com/office/drawing/2014/main" id="{A5037030-8742-73C8-B17E-774ED7FA80FE}"/>
+              </a:ext>
+            </a:extLst>
+          </p:cNvPr>
+          <p:cNvSpPr txBox="1"/>
+          <p:nvPr/>
+        </p:nvSpPr>
+        <p:spPr>
+          <a:xfrm>
+            <a:off x="4775761" y="1332196"/>
+            <a:ext cx="4164478" cy="2539900"/>
+          </a:xfrm>
+          <a:prstGeom prst="rect">
+            <a:avLst/>
+          </a:prstGeom>
+        </p:spPr>
+        <p:txBody>
+          <a:bodyPr wrap="none" anchor="ctr" anchorCtr="0">
+            <a:noAutofit/>
+          </a:bodyPr>
+          <a:lstStyle/>
+          <a:p>
+            <a:pPr algn="ctr">
+              <a:defRPr/>
+            </a:pPr>
+            <a:r>
+              <a:rPr lang="en-US" altLang="ko-KR" sz="14000" dirty="0">
+                <a:solidFill>
+                  <a:schemeClr val="tx1">
+                    <a:alpha val="10000"/>
+                  </a:schemeClr>
+                </a:solidFill>
+                <a:latin typeface="DSEG14 Classic" panose="02000503000000000000" pitchFamily="2" charset="0"/>
+              </a:rPr>
+              <a:t>88</a:t>
+            </a:r>
+          </a:p>
+        </p:txBody>
+      </p:sp>
+      <p:cxnSp>
+        <p:nvCxnSpPr>
+          <p:cNvPr id="17" name="Straight Connector 16">
+            <a:extLst>
+              <a:ext uri="{FF2B5EF4-FFF2-40B4-BE49-F238E27FC236}">
+                <a16:creationId xmlns:a16="http://schemas.microsoft.com/office/drawing/2014/main" id="{E05B67ED-1C2A-F6AD-6092-4FDB7DF74264}"/>
+              </a:ext>
+            </a:extLst>
+          </p:cNvPr>
+          <p:cNvCxnSpPr/>
+          <p:nvPr/>
+        </p:nvCxnSpPr>
+        <p:spPr>
+          <a:xfrm>
+            <a:off x="4775761" y="4594141"/>
+            <a:ext cx="4164478" cy="0"/>
+          </a:xfrm>
+          <a:prstGeom prst="line">
+            <a:avLst/>
+          </a:prstGeom>
+          <a:ln w="38100">
+            <a:solidFill>
+              <a:schemeClr val="dk1"/>
+            </a:solidFill>
+            <a:prstDash val="sysDash"/>
+          </a:ln>
+        </p:spPr>
+        <p:style>
+          <a:lnRef idx="1">
+            <a:schemeClr val="accent1"/>
+          </a:lnRef>
+          <a:fillRef idx="0">
+            <a:schemeClr val="accent1"/>
+          </a:fillRef>
+          <a:effectRef idx="0">
+            <a:schemeClr val="accent1"/>
+          </a:effectRef>
+          <a:fontRef idx="minor">
+            <a:schemeClr val="tx1"/>
+          </a:fontRef>
+        </p:style>
+      </p:cxnSp>
+      <p:sp>
+        <p:nvSpPr>
+          <p:cNvPr id="18" name="TextBox 17">
+            <a:extLst>
+              <a:ext uri="{FF2B5EF4-FFF2-40B4-BE49-F238E27FC236}">
+                <a16:creationId xmlns:a16="http://schemas.microsoft.com/office/drawing/2014/main" id="{F09B44C8-F416-2D9A-CA10-3F600782C783}"/>
+              </a:ext>
+            </a:extLst>
+          </p:cNvPr>
+          <p:cNvSpPr txBox="1"/>
+          <p:nvPr/>
+        </p:nvSpPr>
+        <p:spPr>
+          <a:xfrm>
+            <a:off x="4775761" y="565149"/>
+            <a:ext cx="4164478" cy="595597"/>
+          </a:xfrm>
+          <a:prstGeom prst="rect">
+            <a:avLst/>
+          </a:prstGeom>
+        </p:spPr>
+        <p:txBody>
+          <a:bodyPr wrap="square" lIns="72009" tIns="72009" rIns="72009" bIns="72009">
+            <a:spAutoFit/>
+          </a:bodyPr>
+          <a:lstStyle/>
+          <a:p>
+            <a:pPr algn="ctr">
+              <a:defRPr/>
+            </a:pPr>
+            <a:r>
+              <a:rPr lang="en-US" altLang="ko-KR" sz="3000">
+                <a:latin typeface="Bahnschrift Light SemiCondensed"/>
+              </a:rPr>
+              <a:t>S E C T I</a:t>
+            </a:r>
+            <a:r>
+              <a:rPr lang="ko-KR" altLang="en-US" sz="3000">
+                <a:latin typeface="Bahnschrift Light SemiCondensed"/>
+              </a:rPr>
+              <a:t> </a:t>
+            </a:r>
+            <a:r>
+              <a:rPr lang="en-US" altLang="ko-KR" sz="3000">
+                <a:latin typeface="Bahnschrift Light SemiCondensed"/>
+              </a:rPr>
+              <a:t>O N</a:t>
+            </a:r>
+          </a:p>
+        </p:txBody>
+      </p:sp>
+      <p:grpSp>
+        <p:nvGrpSpPr>
+          <p:cNvPr id="40" name="Group 39">
+            <a:extLst>
+              <a:ext uri="{FF2B5EF4-FFF2-40B4-BE49-F238E27FC236}">
+                <a16:creationId xmlns:a16="http://schemas.microsoft.com/office/drawing/2014/main" id="{2C55184F-D12C-FD9E-3283-5B77C70F41C6}"/>
+              </a:ext>
+            </a:extLst>
+          </p:cNvPr>
+          <p:cNvGrpSpPr/>
+          <p:nvPr/>
+        </p:nvGrpSpPr>
+        <p:grpSpPr>
+          <a:xfrm>
+            <a:off x="1173818" y="5615831"/>
+            <a:ext cx="2229915" cy="2300998"/>
+            <a:chOff x="1173818" y="5495487"/>
+            <a:chExt cx="2229915" cy="2300998"/>
+          </a:xfrm>
+        </p:grpSpPr>
+        <p:grpSp>
+          <p:nvGrpSpPr>
+            <p:cNvPr id="23" name="Group 22">
+              <a:extLst>
+                <a:ext uri="{FF2B5EF4-FFF2-40B4-BE49-F238E27FC236}">
+                  <a16:creationId xmlns:a16="http://schemas.microsoft.com/office/drawing/2014/main" id="{64B8D676-C1C4-5994-9472-C8BACAA24145}"/>
+                </a:ext>
+              </a:extLst>
+            </p:cNvPr>
+            <p:cNvGrpSpPr/>
+            <p:nvPr/>
+          </p:nvGrpSpPr>
+          <p:grpSpPr>
+            <a:xfrm>
+              <a:off x="1173818" y="6831767"/>
+              <a:ext cx="551089" cy="959304"/>
+              <a:chOff x="5699992" y="5827350"/>
+              <a:chExt cx="551089" cy="959304"/>
+            </a:xfrm>
+          </p:grpSpPr>
+          <p:sp>
+            <p:nvSpPr>
+              <p:cNvPr id="2" name="Oval 1">
+                <a:extLst>
+                  <a:ext uri="{FF2B5EF4-FFF2-40B4-BE49-F238E27FC236}">
+                    <a16:creationId xmlns:a16="http://schemas.microsoft.com/office/drawing/2014/main" id="{1682D647-7AB8-49D1-8852-8E5A585E0294}"/>
+                  </a:ext>
+                </a:extLst>
+              </p:cNvPr>
+              <p:cNvSpPr/>
+              <p:nvPr/>
+            </p:nvSpPr>
+            <p:spPr>
+              <a:xfrm>
+                <a:off x="5791840" y="5827350"/>
+                <a:ext cx="367393" cy="367393"/>
+              </a:xfrm>
+              <a:prstGeom prst="ellipse">
+                <a:avLst/>
+              </a:prstGeom>
+              <a:noFill/>
+              <a:ln w="38100">
+                <a:solidFill>
+                  <a:schemeClr val="dk1"/>
+                </a:solidFill>
+              </a:ln>
+            </p:spPr>
+            <p:style>
+              <a:lnRef idx="2">
+                <a:schemeClr val="accent1">
+                  <a:shade val="20000"/>
+                </a:schemeClr>
+              </a:lnRef>
+              <a:fillRef idx="1">
+                <a:schemeClr val="accent1"/>
+              </a:fillRef>
+              <a:effectRef idx="0">
+                <a:schemeClr val="accent1"/>
+              </a:effectRef>
+              <a:fontRef idx="minor">
+                <a:schemeClr val="lt1"/>
+              </a:fontRef>
+            </p:style>
+            <p:txBody>
+              <a:bodyPr anchor="ctr"/>
+              <a:lstStyle/>
+              <a:p>
+                <a:pPr algn="ctr">
+                  <a:defRPr/>
+                </a:pPr>
+                <a:endParaRPr lang="ko-KR" altLang="en-US"/>
+              </a:p>
+            </p:txBody>
+          </p:sp>
+          <p:sp>
+            <p:nvSpPr>
+              <p:cNvPr id="11" name="Arrow: Pentagon 10">
+                <a:extLst>
+                  <a:ext uri="{FF2B5EF4-FFF2-40B4-BE49-F238E27FC236}">
+                    <a16:creationId xmlns:a16="http://schemas.microsoft.com/office/drawing/2014/main" id="{0FA3260E-7561-7438-558A-C6DDF818E5E3}"/>
+                  </a:ext>
+                </a:extLst>
+              </p:cNvPr>
+              <p:cNvSpPr/>
+              <p:nvPr/>
+            </p:nvSpPr>
+            <p:spPr>
+              <a:xfrm rot="16200000">
+                <a:off x="5720403" y="6255975"/>
+                <a:ext cx="510268" cy="551089"/>
+              </a:xfrm>
+              <a:prstGeom prst="homePlate">
+                <a:avLst>
+                  <a:gd name="adj" fmla="val 28125"/>
+                </a:avLst>
+              </a:prstGeom>
+              <a:noFill/>
+              <a:ln w="38100">
+                <a:solidFill>
+                  <a:schemeClr val="dk1"/>
+                </a:solidFill>
+              </a:ln>
+            </p:spPr>
+            <p:style>
+              <a:lnRef idx="2">
+                <a:schemeClr val="accent1">
+                  <a:shade val="20000"/>
+                </a:schemeClr>
+              </a:lnRef>
+              <a:fillRef idx="1">
+                <a:schemeClr val="accent1"/>
+              </a:fillRef>
+              <a:effectRef idx="0">
+                <a:schemeClr val="accent1"/>
+              </a:effectRef>
+              <a:fontRef idx="minor">
+                <a:schemeClr val="lt1"/>
+              </a:fontRef>
+            </p:style>
+            <p:txBody>
+              <a:bodyPr anchor="ctr"/>
+              <a:lstStyle/>
+              <a:p>
+                <a:pPr algn="ctr">
+                  <a:defRPr/>
+                </a:pPr>
+                <a:endParaRPr lang="ko-KR" altLang="en-US" dirty="0"/>
+              </a:p>
+            </p:txBody>
+          </p:sp>
+        </p:grpSp>
+        <p:grpSp>
+          <p:nvGrpSpPr>
+            <p:cNvPr id="19" name="Group 18">
+              <a:extLst>
+                <a:ext uri="{FF2B5EF4-FFF2-40B4-BE49-F238E27FC236}">
+                  <a16:creationId xmlns:a16="http://schemas.microsoft.com/office/drawing/2014/main" id="{6DEFA1F4-69C3-4778-8146-A3E55111D3D9}"/>
+                </a:ext>
+              </a:extLst>
+            </p:cNvPr>
+            <p:cNvGrpSpPr/>
+            <p:nvPr/>
+          </p:nvGrpSpPr>
+          <p:grpSpPr>
+            <a:xfrm>
+              <a:off x="1174796" y="5495487"/>
+              <a:ext cx="551089" cy="959304"/>
+              <a:chOff x="5699992" y="5827350"/>
+              <a:chExt cx="551089" cy="959304"/>
+            </a:xfrm>
+          </p:grpSpPr>
+          <p:sp>
+            <p:nvSpPr>
+              <p:cNvPr id="20" name="Oval 19">
+                <a:extLst>
+                  <a:ext uri="{FF2B5EF4-FFF2-40B4-BE49-F238E27FC236}">
+                    <a16:creationId xmlns:a16="http://schemas.microsoft.com/office/drawing/2014/main" id="{4A877C10-CE60-57E4-A25C-75DA16DB0EEA}"/>
+                  </a:ext>
+                </a:extLst>
+              </p:cNvPr>
+              <p:cNvSpPr/>
+              <p:nvPr/>
+            </p:nvSpPr>
+            <p:spPr>
+              <a:xfrm>
+                <a:off x="5791840" y="5827350"/>
+                <a:ext cx="367393" cy="367393"/>
+              </a:xfrm>
+              <a:prstGeom prst="ellipse">
+                <a:avLst/>
+              </a:prstGeom>
+              <a:noFill/>
+              <a:ln w="38100">
+                <a:solidFill>
+                  <a:srgbClr val="FD4545"/>
+                </a:solidFill>
+                <a:prstDash val="sysDash"/>
+              </a:ln>
+            </p:spPr>
+            <p:style>
+              <a:lnRef idx="2">
+                <a:schemeClr val="accent1">
+                  <a:shade val="20000"/>
+                </a:schemeClr>
+              </a:lnRef>
+              <a:fillRef idx="1">
+                <a:schemeClr val="accent1"/>
+              </a:fillRef>
+              <a:effectRef idx="0">
+                <a:schemeClr val="accent1"/>
+              </a:effectRef>
+              <a:fontRef idx="minor">
+                <a:schemeClr val="lt1"/>
+              </a:fontRef>
+            </p:style>
+            <p:txBody>
+              <a:bodyPr anchor="ctr"/>
+              <a:lstStyle/>
+              <a:p>
+                <a:pPr algn="ctr">
+                  <a:defRPr/>
+                </a:pPr>
+                <a:endParaRPr lang="ko-KR" altLang="en-US"/>
+              </a:p>
+            </p:txBody>
+          </p:sp>
+          <p:sp>
+            <p:nvSpPr>
+              <p:cNvPr id="22" name="Arrow: Pentagon 21">
+                <a:extLst>
+                  <a:ext uri="{FF2B5EF4-FFF2-40B4-BE49-F238E27FC236}">
+                    <a16:creationId xmlns:a16="http://schemas.microsoft.com/office/drawing/2014/main" id="{BDC3D5C7-38A4-0871-FCCD-A0AB47FD5AE4}"/>
+                  </a:ext>
+                </a:extLst>
+              </p:cNvPr>
+              <p:cNvSpPr/>
+              <p:nvPr/>
+            </p:nvSpPr>
+            <p:spPr>
+              <a:xfrm rot="16200000">
+                <a:off x="5720403" y="6255975"/>
+                <a:ext cx="510268" cy="551089"/>
+              </a:xfrm>
+              <a:prstGeom prst="homePlate">
+                <a:avLst>
+                  <a:gd name="adj" fmla="val 28125"/>
+                </a:avLst>
+              </a:prstGeom>
+              <a:noFill/>
+              <a:ln w="38100">
+                <a:solidFill>
+                  <a:srgbClr val="FD4545"/>
+                </a:solidFill>
+                <a:prstDash val="sysDash"/>
+              </a:ln>
+            </p:spPr>
+            <p:style>
+              <a:lnRef idx="2">
+                <a:schemeClr val="accent1">
+                  <a:shade val="20000"/>
+                </a:schemeClr>
+              </a:lnRef>
+              <a:fillRef idx="1">
+                <a:schemeClr val="accent1"/>
+              </a:fillRef>
+              <a:effectRef idx="0">
+                <a:schemeClr val="accent1"/>
+              </a:effectRef>
+              <a:fontRef idx="minor">
+                <a:schemeClr val="lt1"/>
+              </a:fontRef>
+            </p:style>
+            <p:txBody>
+              <a:bodyPr anchor="ctr"/>
+              <a:lstStyle/>
+              <a:p>
+                <a:pPr algn="ctr">
+                  <a:defRPr/>
+                </a:pPr>
+                <a:endParaRPr lang="ko-KR" altLang="en-US" dirty="0"/>
+              </a:p>
+            </p:txBody>
+          </p:sp>
+        </p:grpSp>
+        <p:grpSp>
+          <p:nvGrpSpPr>
+            <p:cNvPr id="25" name="Group 24">
+              <a:extLst>
+                <a:ext uri="{FF2B5EF4-FFF2-40B4-BE49-F238E27FC236}">
+                  <a16:creationId xmlns:a16="http://schemas.microsoft.com/office/drawing/2014/main" id="{CB9DD5D9-5BF6-F7AE-0033-FCA74C1EFE4B}"/>
+                </a:ext>
+              </a:extLst>
+            </p:cNvPr>
+            <p:cNvGrpSpPr/>
+            <p:nvPr/>
+          </p:nvGrpSpPr>
+          <p:grpSpPr>
+            <a:xfrm>
+              <a:off x="2852642" y="6837181"/>
+              <a:ext cx="551089" cy="959304"/>
+              <a:chOff x="5699992" y="5827350"/>
+              <a:chExt cx="551089" cy="959304"/>
+            </a:xfrm>
+          </p:grpSpPr>
+          <p:sp>
+            <p:nvSpPr>
+              <p:cNvPr id="28" name="Oval 27">
+                <a:extLst>
+                  <a:ext uri="{FF2B5EF4-FFF2-40B4-BE49-F238E27FC236}">
+                    <a16:creationId xmlns:a16="http://schemas.microsoft.com/office/drawing/2014/main" id="{0BC6A9EC-CFE1-C524-79BE-A5B06C26E0DE}"/>
+                  </a:ext>
+                </a:extLst>
+              </p:cNvPr>
+              <p:cNvSpPr/>
+              <p:nvPr/>
+            </p:nvSpPr>
+            <p:spPr>
+              <a:xfrm>
+                <a:off x="5791840" y="5827350"/>
+                <a:ext cx="367393" cy="367393"/>
+              </a:xfrm>
+              <a:prstGeom prst="ellipse">
+                <a:avLst/>
+              </a:prstGeom>
+              <a:noFill/>
+              <a:ln w="38100">
+                <a:solidFill>
+                  <a:srgbClr val="FD4545"/>
+                </a:solidFill>
+                <a:prstDash val="sysDash"/>
+              </a:ln>
+            </p:spPr>
+            <p:style>
+              <a:lnRef idx="2">
+                <a:schemeClr val="accent1">
+                  <a:shade val="20000"/>
+                </a:schemeClr>
+              </a:lnRef>
+              <a:fillRef idx="1">
+                <a:schemeClr val="accent1"/>
+              </a:fillRef>
+              <a:effectRef idx="0">
+                <a:schemeClr val="accent1"/>
+              </a:effectRef>
+              <a:fontRef idx="minor">
+                <a:schemeClr val="lt1"/>
+              </a:fontRef>
+            </p:style>
+            <p:txBody>
+              <a:bodyPr anchor="ctr"/>
+              <a:lstStyle/>
+              <a:p>
+                <a:pPr algn="ctr">
+                  <a:defRPr/>
+                </a:pPr>
+                <a:endParaRPr lang="ko-KR" altLang="en-US"/>
+              </a:p>
+            </p:txBody>
+          </p:sp>
+          <p:sp>
+            <p:nvSpPr>
+              <p:cNvPr id="32" name="Arrow: Pentagon 31">
+                <a:extLst>
+                  <a:ext uri="{FF2B5EF4-FFF2-40B4-BE49-F238E27FC236}">
+                    <a16:creationId xmlns:a16="http://schemas.microsoft.com/office/drawing/2014/main" id="{BDF6F30C-3FA2-6908-FF8F-A5E9ED4519D6}"/>
+                  </a:ext>
+                </a:extLst>
+              </p:cNvPr>
+              <p:cNvSpPr/>
+              <p:nvPr/>
+            </p:nvSpPr>
+            <p:spPr>
+              <a:xfrm rot="16200000">
+                <a:off x="5720403" y="6255975"/>
+                <a:ext cx="510268" cy="551089"/>
+              </a:xfrm>
+              <a:prstGeom prst="homePlate">
+                <a:avLst>
+                  <a:gd name="adj" fmla="val 28125"/>
+                </a:avLst>
+              </a:prstGeom>
+              <a:noFill/>
+              <a:ln w="38100">
+                <a:solidFill>
+                  <a:srgbClr val="FD4545"/>
+                </a:solidFill>
+                <a:prstDash val="sysDash"/>
+              </a:ln>
+            </p:spPr>
+            <p:style>
+              <a:lnRef idx="2">
+                <a:schemeClr val="accent1">
+                  <a:shade val="20000"/>
+                </a:schemeClr>
+              </a:lnRef>
+              <a:fillRef idx="1">
+                <a:schemeClr val="accent1"/>
+              </a:fillRef>
+              <a:effectRef idx="0">
+                <a:schemeClr val="accent1"/>
+              </a:effectRef>
+              <a:fontRef idx="minor">
+                <a:schemeClr val="lt1"/>
+              </a:fontRef>
+            </p:style>
+            <p:txBody>
+              <a:bodyPr anchor="ctr"/>
+              <a:lstStyle/>
+              <a:p>
+                <a:pPr algn="ctr">
+                  <a:defRPr/>
+                </a:pPr>
+                <a:endParaRPr lang="ko-KR" altLang="en-US" dirty="0"/>
+              </a:p>
+            </p:txBody>
+          </p:sp>
+        </p:grpSp>
+        <p:sp>
+          <p:nvSpPr>
+            <p:cNvPr id="33" name="Rectangle 32">
+              <a:extLst>
+                <a:ext uri="{FF2B5EF4-FFF2-40B4-BE49-F238E27FC236}">
+                  <a16:creationId xmlns:a16="http://schemas.microsoft.com/office/drawing/2014/main" id="{DF7AC3A6-5867-78EC-5BBD-330033DF49E9}"/>
+                </a:ext>
+              </a:extLst>
+            </p:cNvPr>
+            <p:cNvSpPr/>
+            <p:nvPr/>
+          </p:nvSpPr>
+          <p:spPr>
+            <a:xfrm rot="16200000">
+              <a:off x="2852789" y="5611218"/>
+              <a:ext cx="550800" cy="551089"/>
+            </a:xfrm>
+            <a:prstGeom prst="rect">
+              <a:avLst/>
+            </a:prstGeom>
+            <a:noFill/>
+            <a:ln w="38100" cap="flat">
+              <a:solidFill>
+                <a:schemeClr val="dk1"/>
+              </a:solidFill>
+              <a:prstDash val="sysDash"/>
+            </a:ln>
+          </p:spPr>
+          <p:style>
+            <a:lnRef idx="2">
+              <a:schemeClr val="accent1">
+                <a:shade val="20000"/>
+              </a:schemeClr>
+            </a:lnRef>
+            <a:fillRef idx="1">
+              <a:schemeClr val="accent1"/>
+            </a:fillRef>
+            <a:effectRef idx="0">
+              <a:schemeClr val="accent1"/>
+            </a:effectRef>
+            <a:fontRef idx="minor">
+              <a:schemeClr val="lt1"/>
+            </a:fontRef>
+          </p:style>
+          <p:txBody>
+            <a:bodyPr anchor="ctr"/>
+            <a:lstStyle/>
+            <a:p>
+              <a:pPr algn="ctr">
+                <a:defRPr/>
+              </a:pPr>
+              <a:endParaRPr lang="ko-KR" altLang="en-US" dirty="0"/>
+            </a:p>
+          </p:txBody>
+        </p:sp>
+        <p:cxnSp>
+          <p:nvCxnSpPr>
+            <p:cNvPr id="35" name="Connector: Elbow 34">
+              <a:extLst>
+                <a:ext uri="{FF2B5EF4-FFF2-40B4-BE49-F238E27FC236}">
+                  <a16:creationId xmlns:a16="http://schemas.microsoft.com/office/drawing/2014/main" id="{4C24EDB8-9587-8CAE-AF32-05EF0B27C63C}"/>
+                </a:ext>
+              </a:extLst>
+            </p:cNvPr>
+            <p:cNvCxnSpPr>
+              <a:cxnSpLocks/>
+              <a:stCxn id="11" idx="2"/>
+              <a:endCxn id="33" idx="0"/>
+            </p:cNvCxnSpPr>
+            <p:nvPr/>
+          </p:nvCxnSpPr>
+          <p:spPr>
+            <a:xfrm flipV="1">
+              <a:off x="1724908" y="5886763"/>
+              <a:ext cx="1127737" cy="1720930"/>
+            </a:xfrm>
+            <a:prstGeom prst="bentConnector3">
+              <a:avLst/>
+            </a:prstGeom>
+            <a:ln w="38100" cap="rnd">
+              <a:solidFill>
+                <a:schemeClr val="dk1"/>
+              </a:solidFill>
+              <a:tailEnd type="triangle"/>
+            </a:ln>
+          </p:spPr>
+          <p:style>
+            <a:lnRef idx="1">
+              <a:schemeClr val="accent1"/>
+            </a:lnRef>
+            <a:fillRef idx="0">
+              <a:schemeClr val="accent1"/>
+            </a:fillRef>
+            <a:effectRef idx="0">
+              <a:schemeClr val="accent1"/>
+            </a:effectRef>
+            <a:fontRef idx="minor">
+              <a:schemeClr val="tx1"/>
+            </a:fontRef>
+          </p:style>
+        </p:cxnSp>
+      </p:grpSp>
+      <p:grpSp>
+        <p:nvGrpSpPr>
+          <p:cNvPr id="49" name="Group 48">
+            <a:extLst>
+              <a:ext uri="{FF2B5EF4-FFF2-40B4-BE49-F238E27FC236}">
+                <a16:creationId xmlns:a16="http://schemas.microsoft.com/office/drawing/2014/main" id="{65343631-99B7-8667-0215-F7D24AF139AF}"/>
+              </a:ext>
+            </a:extLst>
+          </p:cNvPr>
+          <p:cNvGrpSpPr/>
+          <p:nvPr/>
+        </p:nvGrpSpPr>
+        <p:grpSpPr>
+          <a:xfrm>
+            <a:off x="5589221" y="5912126"/>
+            <a:ext cx="2592809" cy="1757873"/>
+            <a:chOff x="5287919" y="5912126"/>
+            <a:chExt cx="2592809" cy="1757873"/>
+          </a:xfrm>
+        </p:grpSpPr>
+        <p:sp>
+          <p:nvSpPr>
+            <p:cNvPr id="42" name="Rectangle 41">
+              <a:extLst>
+                <a:ext uri="{FF2B5EF4-FFF2-40B4-BE49-F238E27FC236}">
+                  <a16:creationId xmlns:a16="http://schemas.microsoft.com/office/drawing/2014/main" id="{23A37A45-97B6-396E-432A-632578A0953D}"/>
+                </a:ext>
+              </a:extLst>
+            </p:cNvPr>
+            <p:cNvSpPr/>
+            <p:nvPr/>
+          </p:nvSpPr>
+          <p:spPr>
+            <a:xfrm>
+              <a:off x="6347430" y="6064866"/>
+              <a:ext cx="1533298" cy="1221021"/>
+            </a:xfrm>
+            <a:prstGeom prst="rect">
+              <a:avLst/>
+            </a:prstGeom>
+            <a:noFill/>
+            <a:ln w="38100">
+              <a:solidFill>
+                <a:schemeClr val="dk1"/>
+              </a:solidFill>
+            </a:ln>
+          </p:spPr>
+          <p:style>
+            <a:lnRef idx="2">
+              <a:schemeClr val="accent1">
+                <a:shade val="20000"/>
+              </a:schemeClr>
+            </a:lnRef>
+            <a:fillRef idx="1">
+              <a:schemeClr val="accent1"/>
+            </a:fillRef>
+            <a:effectRef idx="0">
+              <a:schemeClr val="accent1"/>
+            </a:effectRef>
+            <a:fontRef idx="minor">
+              <a:schemeClr val="lt1"/>
+            </a:fontRef>
+          </p:style>
+          <p:txBody>
+            <a:bodyPr rtlCol="0" anchor="ctr"/>
+            <a:lstStyle/>
+            <a:p>
+              <a:pPr algn="ctr"/>
+              <a:endParaRPr lang="ko-KR" altLang="en-US"/>
+            </a:p>
+          </p:txBody>
+        </p:sp>
+        <p:sp>
+          <p:nvSpPr>
+            <p:cNvPr id="46" name="Parallelogram 45">
+              <a:extLst>
+                <a:ext uri="{FF2B5EF4-FFF2-40B4-BE49-F238E27FC236}">
+                  <a16:creationId xmlns:a16="http://schemas.microsoft.com/office/drawing/2014/main" id="{8E640973-C4F7-8351-8740-374145BAF849}"/>
+                </a:ext>
+              </a:extLst>
+            </p:cNvPr>
+            <p:cNvSpPr/>
+            <p:nvPr/>
+          </p:nvSpPr>
+          <p:spPr>
+            <a:xfrm rot="5400000">
+              <a:off x="6778011" y="5951799"/>
+              <a:ext cx="781235" cy="914399"/>
+            </a:xfrm>
+            <a:prstGeom prst="parallelogram">
+              <a:avLst>
+                <a:gd name="adj" fmla="val 72689"/>
+              </a:avLst>
+            </a:prstGeom>
+            <a:solidFill>
+              <a:schemeClr val="bg1"/>
+            </a:solidFill>
+            <a:ln w="38100">
+              <a:solidFill>
+                <a:schemeClr val="dk1"/>
+              </a:solidFill>
+            </a:ln>
+          </p:spPr>
+          <p:style>
+            <a:lnRef idx="2">
+              <a:schemeClr val="accent1">
+                <a:shade val="20000"/>
+              </a:schemeClr>
+            </a:lnRef>
+            <a:fillRef idx="1">
+              <a:schemeClr val="accent1"/>
+            </a:fillRef>
+            <a:effectRef idx="0">
+              <a:schemeClr val="accent1"/>
+            </a:effectRef>
+            <a:fontRef idx="minor">
+              <a:schemeClr val="lt1"/>
+            </a:fontRef>
+          </p:style>
+          <p:txBody>
+            <a:bodyPr rtlCol="0" anchor="ctr"/>
+            <a:lstStyle/>
+            <a:p>
+              <a:pPr algn="ctr"/>
+              <a:endParaRPr lang="ko-KR" altLang="en-US"/>
+            </a:p>
+          </p:txBody>
+        </p:sp>
+        <p:sp>
+          <p:nvSpPr>
+            <p:cNvPr id="47" name="Parallelogram 46">
+              <a:extLst>
+                <a:ext uri="{FF2B5EF4-FFF2-40B4-BE49-F238E27FC236}">
+                  <a16:creationId xmlns:a16="http://schemas.microsoft.com/office/drawing/2014/main" id="{27ED115A-3FBE-1910-DBC0-3338E6057591}"/>
+                </a:ext>
+              </a:extLst>
+            </p:cNvPr>
+            <p:cNvSpPr/>
+            <p:nvPr/>
+          </p:nvSpPr>
+          <p:spPr>
+            <a:xfrm rot="5400000">
+              <a:off x="5882290" y="5951799"/>
+              <a:ext cx="781235" cy="914399"/>
+            </a:xfrm>
+            <a:prstGeom prst="parallelogram">
+              <a:avLst>
+                <a:gd name="adj" fmla="val 72689"/>
+              </a:avLst>
+            </a:prstGeom>
+            <a:solidFill>
+              <a:schemeClr val="bg1"/>
+            </a:solidFill>
+            <a:ln w="38100">
+              <a:solidFill>
+                <a:schemeClr val="dk1"/>
+              </a:solidFill>
+            </a:ln>
+          </p:spPr>
+          <p:style>
+            <a:lnRef idx="2">
+              <a:schemeClr val="accent1">
+                <a:shade val="20000"/>
+              </a:schemeClr>
+            </a:lnRef>
+            <a:fillRef idx="1">
+              <a:schemeClr val="accent1"/>
+            </a:fillRef>
+            <a:effectRef idx="0">
+              <a:schemeClr val="accent1"/>
+            </a:effectRef>
+            <a:fontRef idx="minor">
+              <a:schemeClr val="lt1"/>
+            </a:fontRef>
+          </p:style>
+          <p:txBody>
+            <a:bodyPr rtlCol="0" anchor="ctr"/>
+            <a:lstStyle/>
+            <a:p>
+              <a:pPr algn="ctr"/>
+              <a:endParaRPr lang="ko-KR" altLang="en-US"/>
+            </a:p>
+          </p:txBody>
+        </p:sp>
+        <p:sp>
+          <p:nvSpPr>
+            <p:cNvPr id="45" name="Cylinder 44">
+              <a:extLst>
+                <a:ext uri="{FF2B5EF4-FFF2-40B4-BE49-F238E27FC236}">
+                  <a16:creationId xmlns:a16="http://schemas.microsoft.com/office/drawing/2014/main" id="{2E69AB21-6638-1F10-95C6-D585BD52F11D}"/>
+                </a:ext>
+              </a:extLst>
+            </p:cNvPr>
+            <p:cNvSpPr/>
+            <p:nvPr/>
+          </p:nvSpPr>
+          <p:spPr>
+            <a:xfrm rot="5400000">
+              <a:off x="6099297" y="5354886"/>
+              <a:ext cx="418818" cy="1533298"/>
+            </a:xfrm>
+            <a:prstGeom prst="can">
+              <a:avLst>
+                <a:gd name="adj" fmla="val 41949"/>
+              </a:avLst>
+            </a:prstGeom>
+            <a:solidFill>
+              <a:schemeClr val="bg1"/>
+            </a:solidFill>
+            <a:ln w="38100">
+              <a:solidFill>
+                <a:schemeClr val="dk1"/>
+              </a:solidFill>
+            </a:ln>
+          </p:spPr>
+          <p:style>
+            <a:lnRef idx="2">
+              <a:schemeClr val="accent1">
+                <a:shade val="20000"/>
+              </a:schemeClr>
+            </a:lnRef>
+            <a:fillRef idx="1">
+              <a:schemeClr val="accent1"/>
+            </a:fillRef>
+            <a:effectRef idx="0">
+              <a:schemeClr val="accent1"/>
+            </a:effectRef>
+            <a:fontRef idx="minor">
+              <a:schemeClr val="lt1"/>
+            </a:fontRef>
+          </p:style>
+          <p:txBody>
+            <a:bodyPr rtlCol="0" anchor="ctr"/>
+            <a:lstStyle/>
+            <a:p>
+              <a:pPr algn="ctr"/>
+              <a:endParaRPr lang="ko-KR" altLang="en-US"/>
+            </a:p>
+          </p:txBody>
+        </p:sp>
+        <p:sp>
+          <p:nvSpPr>
+            <p:cNvPr id="48" name="Isosceles Triangle 47">
+              <a:extLst>
+                <a:ext uri="{FF2B5EF4-FFF2-40B4-BE49-F238E27FC236}">
+                  <a16:creationId xmlns:a16="http://schemas.microsoft.com/office/drawing/2014/main" id="{6EA3EEDA-D103-33F0-E7C6-4317B6487392}"/>
+                </a:ext>
+              </a:extLst>
+            </p:cNvPr>
+            <p:cNvSpPr/>
+            <p:nvPr/>
+          </p:nvSpPr>
+          <p:spPr>
+            <a:xfrm>
+              <a:off x="5287919" y="6938536"/>
+              <a:ext cx="848496" cy="731463"/>
+            </a:xfrm>
+            <a:prstGeom prst="triangle">
+              <a:avLst/>
+            </a:prstGeom>
+            <a:noFill/>
+            <a:ln w="38100">
+              <a:solidFill>
+                <a:schemeClr val="dk1"/>
+              </a:solidFill>
+            </a:ln>
+          </p:spPr>
+          <p:style>
+            <a:lnRef idx="2">
+              <a:schemeClr val="accent1">
+                <a:shade val="20000"/>
+              </a:schemeClr>
+            </a:lnRef>
+            <a:fillRef idx="1">
+              <a:schemeClr val="accent1"/>
+            </a:fillRef>
+            <a:effectRef idx="0">
+              <a:schemeClr val="accent1"/>
+            </a:effectRef>
+            <a:fontRef idx="minor">
+              <a:schemeClr val="lt1"/>
+            </a:fontRef>
+          </p:style>
+          <p:txBody>
+            <a:bodyPr wrap="none" lIns="0" tIns="0" rIns="0" bIns="0" rtlCol="0" anchor="b" anchorCtr="0"/>
+            <a:lstStyle/>
+            <a:p>
+              <a:pPr algn="ctr"/>
+              <a:r>
+                <a:rPr lang="en-US" altLang="ko-KR" sz="4000" dirty="0">
+                  <a:solidFill>
+                    <a:schemeClr val="tx1"/>
+                  </a:solidFill>
+                  <a:latin typeface="Pretendard Medium" panose="02000603000000020004" pitchFamily="50" charset="-127"/>
+                  <a:ea typeface="Pretendard Medium" panose="02000603000000020004" pitchFamily="50" charset="-127"/>
+                  <a:cs typeface="Pretendard Medium" panose="02000603000000020004" pitchFamily="50" charset="-127"/>
+                </a:rPr>
+                <a:t>!</a:t>
+              </a:r>
+              <a:endParaRPr lang="ko-KR" altLang="en-US" sz="4000" dirty="0">
+                <a:solidFill>
+                  <a:schemeClr val="tx1"/>
+                </a:solidFill>
+                <a:latin typeface="Pretendard Medium" panose="02000603000000020004" pitchFamily="50" charset="-127"/>
+                <a:ea typeface="Pretendard Medium" panose="02000603000000020004" pitchFamily="50" charset="-127"/>
+                <a:cs typeface="Pretendard Medium" panose="02000603000000020004" pitchFamily="50" charset="-127"/>
+              </a:endParaRPr>
+            </a:p>
+          </p:txBody>
+        </p:sp>
+      </p:grpSp>
+    </p:spTree>
+    <p:extLst>
+      <p:ext uri="{BB962C8B-B14F-4D97-AF65-F5344CB8AC3E}">
+        <p14:creationId xmlns:p14="http://schemas.microsoft.com/office/powerpoint/2010/main" val="6124338"/>
+      </p:ext>
+    </p:extLst>
+  </p:cSld>
+  <p:clrMapOvr>
+    <a:masterClrMapping/>
+  </p:clrMapOvr>
+  <mc:AlternateContent xmlns:mc="http://schemas.openxmlformats.org/markup-compatibility/2006" xmlns:p14="http://schemas.microsoft.com/office/powerpoint/2010/main">
+    <mc:Choice Requires="p14">
+      <p:transition/>
+    </mc:Choice>
+    <mc:Fallback xmlns:dsp="http://schemas.microsoft.com/office/drawing/2008/diagram" xmlns:dgm="http://schemas.openxmlformats.org/drawingml/2006/diagram" xmlns:c="http://schemas.openxmlformats.org/drawingml/2006/chart" xmlns="">
+      <p:transition/>
+    </mc:Fallback>
+  </mc:AlternateContent>
+</p:sld>
+</file>
+
+<file path=ppt/slides/slide7.xml><?xml version="1.0" encoding="utf-8"?>
+<p:sld xmlns:a="http://schemas.openxmlformats.org/drawingml/2006/main" xmlns:r="http://schemas.openxmlformats.org/officeDocument/2006/relationships" xmlns:p="http://schemas.openxmlformats.org/presentationml/2006/main">
+  <p:cSld>
+    <p:spTree>
+      <p:nvGrpSpPr>
+        <p:cNvPr id="1" name="">
+          <a:extLst>
+            <a:ext uri="{FF2B5EF4-FFF2-40B4-BE49-F238E27FC236}">
+              <a16:creationId xmlns:a16="http://schemas.microsoft.com/office/drawing/2014/main" id="{2B661FFF-E5F7-6052-9E8E-1DC0D3BF1BD0}"/>
+            </a:ext>
+          </a:extLst>
+        </p:cNvPr>
+        <p:cNvGrpSpPr/>
+        <p:nvPr/>
+      </p:nvGrpSpPr>
+      <p:grpSpPr>
+        <a:xfrm>
+          <a:off x="0" y="0"/>
+          <a:ext cx="0" cy="0"/>
+          <a:chOff x="0" y="0"/>
+          <a:chExt cx="0" cy="0"/>
+        </a:xfrm>
+      </p:grpSpPr>
+      <p:grpSp>
+        <p:nvGrpSpPr>
+          <p:cNvPr id="52" name="Group 51">
+            <a:extLst>
+              <a:ext uri="{FF2B5EF4-FFF2-40B4-BE49-F238E27FC236}">
+                <a16:creationId xmlns:a16="http://schemas.microsoft.com/office/drawing/2014/main" id="{B0B30C3F-6BBB-3C10-BEE8-B96AB1F2A9C6}"/>
+              </a:ext>
+            </a:extLst>
+          </p:cNvPr>
+          <p:cNvGrpSpPr/>
+          <p:nvPr/>
+        </p:nvGrpSpPr>
+        <p:grpSpPr>
+          <a:xfrm>
+            <a:off x="0" y="0"/>
+            <a:ext cx="4572000" cy="9144000"/>
+            <a:chOff x="4572000" y="0"/>
+            <a:chExt cx="4572000" cy="9144000"/>
+          </a:xfrm>
+        </p:grpSpPr>
+        <p:sp>
+          <p:nvSpPr>
+            <p:cNvPr id="53" name="Rectangle 52">
+              <a:extLst>
+                <a:ext uri="{FF2B5EF4-FFF2-40B4-BE49-F238E27FC236}">
+                  <a16:creationId xmlns:a16="http://schemas.microsoft.com/office/drawing/2014/main" id="{BBDF507E-7C57-B7AB-3E3B-FE7163529EB4}"/>
+                </a:ext>
+              </a:extLst>
+            </p:cNvPr>
+            <p:cNvSpPr/>
+            <p:nvPr/>
+          </p:nvSpPr>
+          <p:spPr>
+            <a:xfrm>
+              <a:off x="4572000" y="0"/>
+              <a:ext cx="4572000" cy="9144000"/>
+            </a:xfrm>
+            <a:prstGeom prst="rect">
+              <a:avLst/>
+            </a:prstGeom>
+            <a:solidFill>
+              <a:schemeClr val="lt1"/>
+            </a:solidFill>
+            <a:ln>
+              <a:noFill/>
+            </a:ln>
+          </p:spPr>
+          <p:style>
+            <a:lnRef idx="2">
+              <a:schemeClr val="accent1">
+                <a:shade val="20000"/>
+              </a:schemeClr>
+            </a:lnRef>
+            <a:fillRef idx="1">
+              <a:schemeClr val="accent1"/>
+            </a:fillRef>
+            <a:effectRef idx="0">
+              <a:schemeClr val="accent1"/>
+            </a:effectRef>
+            <a:fontRef idx="minor">
+              <a:schemeClr val="lt1"/>
+            </a:fontRef>
+          </p:style>
+          <p:txBody>
+            <a:bodyPr anchor="ctr"/>
+            <a:lstStyle/>
+            <a:p>
+              <a:pPr algn="ctr">
+                <a:defRPr/>
+              </a:pPr>
+              <a:endParaRPr lang="ko-KR" altLang="en-US" dirty="0"/>
+            </a:p>
+          </p:txBody>
+        </p:sp>
+        <p:sp>
+          <p:nvSpPr>
+            <p:cNvPr id="54" name="Rectangle 53">
+              <a:extLst>
+                <a:ext uri="{FF2B5EF4-FFF2-40B4-BE49-F238E27FC236}">
+                  <a16:creationId xmlns:a16="http://schemas.microsoft.com/office/drawing/2014/main" id="{3441C91F-FA00-D231-DB70-94B6EE3BAF77}"/>
+                </a:ext>
+              </a:extLst>
+            </p:cNvPr>
+            <p:cNvSpPr/>
+            <p:nvPr/>
+          </p:nvSpPr>
+          <p:spPr>
+            <a:xfrm>
+              <a:off x="4775761" y="235115"/>
+              <a:ext cx="4164478" cy="8718052"/>
+            </a:xfrm>
+            <a:prstGeom prst="rect">
+              <a:avLst/>
+            </a:prstGeom>
+            <a:noFill/>
+            <a:ln w="38100">
+              <a:solidFill>
+                <a:schemeClr val="dk1"/>
+              </a:solidFill>
+            </a:ln>
+          </p:spPr>
+          <p:style>
+            <a:lnRef idx="2">
+              <a:schemeClr val="accent1">
+                <a:shade val="20000"/>
+              </a:schemeClr>
+            </a:lnRef>
+            <a:fillRef idx="1">
+              <a:schemeClr val="accent1"/>
+            </a:fillRef>
+            <a:effectRef idx="0">
+              <a:schemeClr val="accent1"/>
+            </a:effectRef>
+            <a:fontRef idx="minor">
+              <a:schemeClr val="lt1"/>
+            </a:fontRef>
+          </p:style>
+          <p:txBody>
+            <a:bodyPr anchor="ctr"/>
+            <a:lstStyle/>
+            <a:p>
+              <a:pPr algn="ctr">
+                <a:defRPr/>
+              </a:pPr>
+              <a:endParaRPr lang="ko-KR" altLang="en-US"/>
+            </a:p>
+          </p:txBody>
+        </p:sp>
+        <p:sp>
+          <p:nvSpPr>
+            <p:cNvPr id="55" name="Rectangle 54">
+              <a:extLst>
+                <a:ext uri="{FF2B5EF4-FFF2-40B4-BE49-F238E27FC236}">
+                  <a16:creationId xmlns:a16="http://schemas.microsoft.com/office/drawing/2014/main" id="{884CD528-0E1F-2534-4764-9E2E092193A0}"/>
+                </a:ext>
+              </a:extLst>
+            </p:cNvPr>
+            <p:cNvSpPr/>
+            <p:nvPr/>
+          </p:nvSpPr>
+          <p:spPr>
+            <a:xfrm>
+              <a:off x="4754646" y="8652049"/>
+              <a:ext cx="2024331" cy="320168"/>
+            </a:xfrm>
+            <a:prstGeom prst="rect">
+              <a:avLst/>
+            </a:prstGeom>
+            <a:solidFill>
+              <a:schemeClr val="lt1"/>
+            </a:solidFill>
+            <a:ln>
+              <a:solidFill>
+                <a:schemeClr val="lt1"/>
+              </a:solidFill>
+            </a:ln>
+          </p:spPr>
+          <p:style>
+            <a:lnRef idx="2">
+              <a:schemeClr val="accent1">
+                <a:shade val="20000"/>
+              </a:schemeClr>
+            </a:lnRef>
+            <a:fillRef idx="1">
+              <a:schemeClr val="accent1"/>
+            </a:fillRef>
+            <a:effectRef idx="0">
+              <a:schemeClr val="accent1"/>
+            </a:effectRef>
+            <a:fontRef idx="minor">
+              <a:schemeClr val="lt1"/>
+            </a:fontRef>
+          </p:style>
+          <p:txBody>
+            <a:bodyPr anchor="ctr"/>
+            <a:lstStyle/>
+            <a:p>
+              <a:pPr algn="ctr">
+                <a:defRPr/>
+              </a:pPr>
+              <a:endParaRPr lang="ko-KR" altLang="en-US"/>
+            </a:p>
+          </p:txBody>
+        </p:sp>
+        <p:pic>
+          <p:nvPicPr>
+            <p:cNvPr id="56" name="Picture 55">
+              <a:extLst>
+                <a:ext uri="{FF2B5EF4-FFF2-40B4-BE49-F238E27FC236}">
+                  <a16:creationId xmlns:a16="http://schemas.microsoft.com/office/drawing/2014/main" id="{E894F59E-58A5-0E9D-4001-BE8D02500E2D}"/>
+                </a:ext>
+              </a:extLst>
+            </p:cNvPr>
+            <p:cNvPicPr/>
+            <p:nvPr/>
+          </p:nvPicPr>
+          <p:blipFill rotWithShape="1">
+            <a:blip r:embed="rId2"/>
+            <a:stretch>
+              <a:fillRect/>
+            </a:stretch>
+          </p:blipFill>
+          <p:spPr>
+            <a:xfrm>
+              <a:off x="4754646" y="8623476"/>
+              <a:ext cx="1960497" cy="377317"/>
+            </a:xfrm>
+            <a:prstGeom prst="rect">
+              <a:avLst/>
+            </a:prstGeom>
+          </p:spPr>
+        </p:pic>
+        <p:sp>
+          <p:nvSpPr>
+            <p:cNvPr id="57" name="TextBox 56">
+              <a:extLst>
+                <a:ext uri="{FF2B5EF4-FFF2-40B4-BE49-F238E27FC236}">
+                  <a16:creationId xmlns:a16="http://schemas.microsoft.com/office/drawing/2014/main" id="{9B657EE2-D551-AB08-2F81-A876DD7C632E}"/>
+                </a:ext>
+              </a:extLst>
+            </p:cNvPr>
+            <p:cNvSpPr txBox="1"/>
+            <p:nvPr/>
+          </p:nvSpPr>
+          <p:spPr>
+            <a:xfrm>
+              <a:off x="4831013" y="1332196"/>
+              <a:ext cx="4109226" cy="2539900"/>
+            </a:xfrm>
+            <a:prstGeom prst="rect">
+              <a:avLst/>
+            </a:prstGeom>
+          </p:spPr>
+          <p:txBody>
+            <a:bodyPr wrap="none" anchor="ctr" anchorCtr="0">
+              <a:noAutofit/>
+            </a:bodyPr>
+            <a:lstStyle/>
+            <a:p>
+              <a:pPr algn="ctr">
+                <a:defRPr/>
+              </a:pPr>
+              <a:r>
+                <a:rPr lang="en-US" altLang="ko-KR" sz="14000" dirty="0">
+                  <a:latin typeface="DSEG14 Classic" panose="02000503000000000000" pitchFamily="2" charset="0"/>
+                </a:rPr>
+                <a:t>10</a:t>
+              </a:r>
+            </a:p>
+          </p:txBody>
+        </p:sp>
+        <p:sp>
+          <p:nvSpPr>
+            <p:cNvPr id="58" name="TextBox 57">
+              <a:extLst>
+                <a:ext uri="{FF2B5EF4-FFF2-40B4-BE49-F238E27FC236}">
+                  <a16:creationId xmlns:a16="http://schemas.microsoft.com/office/drawing/2014/main" id="{51D43009-5AE9-9A0B-1A13-8D04A42044F3}"/>
+                </a:ext>
+              </a:extLst>
+            </p:cNvPr>
+            <p:cNvSpPr txBox="1"/>
+            <p:nvPr/>
+          </p:nvSpPr>
+          <p:spPr>
+            <a:xfrm>
+              <a:off x="4775761" y="1332196"/>
+              <a:ext cx="4164478" cy="2539900"/>
+            </a:xfrm>
+            <a:prstGeom prst="rect">
+              <a:avLst/>
+            </a:prstGeom>
+          </p:spPr>
+          <p:txBody>
+            <a:bodyPr wrap="none" anchor="ctr" anchorCtr="0">
+              <a:noAutofit/>
+            </a:bodyPr>
+            <a:lstStyle/>
+            <a:p>
+              <a:pPr algn="ctr">
+                <a:defRPr/>
+              </a:pPr>
+              <a:r>
+                <a:rPr lang="en-US" altLang="ko-KR" sz="14000" dirty="0">
+                  <a:solidFill>
+                    <a:schemeClr val="tx1">
+                      <a:alpha val="10000"/>
+                    </a:schemeClr>
+                  </a:solidFill>
+                  <a:latin typeface="DSEG14 Classic" panose="02000503000000000000" pitchFamily="2" charset="0"/>
+                </a:rPr>
+                <a:t>88</a:t>
+              </a:r>
+            </a:p>
+          </p:txBody>
+        </p:sp>
+        <p:cxnSp>
+          <p:nvCxnSpPr>
+            <p:cNvPr id="59" name="Straight Connector 58">
+              <a:extLst>
+                <a:ext uri="{FF2B5EF4-FFF2-40B4-BE49-F238E27FC236}">
+                  <a16:creationId xmlns:a16="http://schemas.microsoft.com/office/drawing/2014/main" id="{B498F2FC-4893-3307-1CD8-F12903F02196}"/>
+                </a:ext>
+              </a:extLst>
+            </p:cNvPr>
+            <p:cNvCxnSpPr>
+              <a:stCxn id="54" idx="1"/>
+              <a:endCxn id="54" idx="3"/>
+            </p:cNvCxnSpPr>
+            <p:nvPr/>
+          </p:nvCxnSpPr>
+          <p:spPr>
+            <a:xfrm>
+              <a:off x="4775761" y="4594141"/>
+              <a:ext cx="4164478" cy="0"/>
+            </a:xfrm>
+            <a:prstGeom prst="line">
+              <a:avLst/>
+            </a:prstGeom>
+            <a:ln w="38100">
+              <a:solidFill>
+                <a:schemeClr val="dk1"/>
+              </a:solidFill>
+              <a:prstDash val="sysDash"/>
+            </a:ln>
+          </p:spPr>
+          <p:style>
+            <a:lnRef idx="1">
+              <a:schemeClr val="accent1"/>
+            </a:lnRef>
+            <a:fillRef idx="0">
+              <a:schemeClr val="accent1"/>
+            </a:fillRef>
+            <a:effectRef idx="0">
+              <a:schemeClr val="accent1"/>
+            </a:effectRef>
+            <a:fontRef idx="minor">
+              <a:schemeClr val="tx1"/>
+            </a:fontRef>
+          </p:style>
+        </p:cxnSp>
+        <p:sp>
+          <p:nvSpPr>
+            <p:cNvPr id="60" name="TextBox 59">
+              <a:extLst>
+                <a:ext uri="{FF2B5EF4-FFF2-40B4-BE49-F238E27FC236}">
+                  <a16:creationId xmlns:a16="http://schemas.microsoft.com/office/drawing/2014/main" id="{A01FA33C-95B6-DA75-10A8-CF1D4814A4CB}"/>
+                </a:ext>
+              </a:extLst>
+            </p:cNvPr>
+            <p:cNvSpPr txBox="1"/>
+            <p:nvPr/>
+          </p:nvSpPr>
+          <p:spPr>
+            <a:xfrm>
+              <a:off x="4775761" y="565149"/>
+              <a:ext cx="4164478" cy="595597"/>
+            </a:xfrm>
+            <a:prstGeom prst="rect">
+              <a:avLst/>
+            </a:prstGeom>
+          </p:spPr>
+          <p:txBody>
+            <a:bodyPr wrap="square" lIns="72009" tIns="72009" rIns="72009" bIns="72009">
+              <a:spAutoFit/>
+            </a:bodyPr>
+            <a:lstStyle/>
+            <a:p>
+              <a:pPr algn="ctr">
+                <a:defRPr/>
+              </a:pPr>
+              <a:r>
+                <a:rPr lang="en-US" altLang="ko-KR" sz="3000">
+                  <a:latin typeface="Bahnschrift Light SemiCondensed"/>
+                </a:rPr>
+                <a:t>S E C T I</a:t>
+              </a:r>
+              <a:r>
+                <a:rPr lang="ko-KR" altLang="en-US" sz="3000">
+                  <a:latin typeface="Bahnschrift Light SemiCondensed"/>
+                </a:rPr>
+                <a:t> </a:t>
+              </a:r>
+              <a:r>
+                <a:rPr lang="en-US" altLang="ko-KR" sz="3000">
+                  <a:latin typeface="Bahnschrift Light SemiCondensed"/>
+                </a:rPr>
+                <a:t>O N</a:t>
+              </a:r>
+            </a:p>
+          </p:txBody>
+        </p:sp>
+        <p:grpSp>
+          <p:nvGrpSpPr>
+            <p:cNvPr id="61" name="Group 60">
+              <a:extLst>
+                <a:ext uri="{FF2B5EF4-FFF2-40B4-BE49-F238E27FC236}">
+                  <a16:creationId xmlns:a16="http://schemas.microsoft.com/office/drawing/2014/main" id="{3A9D7C8D-8AE2-177C-C186-EA6D52F6CE07}"/>
+                </a:ext>
+              </a:extLst>
+            </p:cNvPr>
+            <p:cNvGrpSpPr/>
+            <p:nvPr/>
+          </p:nvGrpSpPr>
+          <p:grpSpPr>
+            <a:xfrm>
+              <a:off x="5540920" y="5669835"/>
+              <a:ext cx="2636287" cy="2101147"/>
+              <a:chOff x="5610249" y="5578566"/>
+              <a:chExt cx="2636287" cy="2101147"/>
+            </a:xfrm>
+          </p:grpSpPr>
+          <p:grpSp>
+            <p:nvGrpSpPr>
+              <p:cNvPr id="62" name="Group 61">
+                <a:extLst>
+                  <a:ext uri="{FF2B5EF4-FFF2-40B4-BE49-F238E27FC236}">
+                    <a16:creationId xmlns:a16="http://schemas.microsoft.com/office/drawing/2014/main" id="{40D54A89-C8C1-983F-4D1D-B2621AC93BCD}"/>
+                  </a:ext>
+                </a:extLst>
+              </p:cNvPr>
+              <p:cNvGrpSpPr/>
+              <p:nvPr/>
+            </p:nvGrpSpPr>
+            <p:grpSpPr>
+              <a:xfrm>
+                <a:off x="5610249" y="6720409"/>
+                <a:ext cx="551089" cy="959304"/>
+                <a:chOff x="3138651" y="5221060"/>
+                <a:chExt cx="551089" cy="959304"/>
+              </a:xfrm>
+            </p:grpSpPr>
+            <p:sp>
+              <p:nvSpPr>
+                <p:cNvPr id="67" name="Oval 66">
+                  <a:extLst>
+                    <a:ext uri="{FF2B5EF4-FFF2-40B4-BE49-F238E27FC236}">
+                      <a16:creationId xmlns:a16="http://schemas.microsoft.com/office/drawing/2014/main" id="{AA96F10E-F23E-0E2E-F884-94BF3E17F5CA}"/>
+                    </a:ext>
+                  </a:extLst>
+                </p:cNvPr>
+                <p:cNvSpPr/>
+                <p:nvPr/>
+              </p:nvSpPr>
+              <p:spPr>
+                <a:xfrm>
+                  <a:off x="3230499" y="5221060"/>
+                  <a:ext cx="367393" cy="367393"/>
+                </a:xfrm>
+                <a:prstGeom prst="ellipse">
+                  <a:avLst/>
+                </a:prstGeom>
+                <a:noFill/>
+                <a:ln w="38100">
+                  <a:solidFill>
+                    <a:schemeClr val="dk1"/>
+                  </a:solidFill>
+                </a:ln>
+              </p:spPr>
+              <p:style>
+                <a:lnRef idx="2">
+                  <a:schemeClr val="accent1">
+                    <a:shade val="20000"/>
+                  </a:schemeClr>
+                </a:lnRef>
+                <a:fillRef idx="1">
+                  <a:schemeClr val="accent1"/>
+                </a:fillRef>
+                <a:effectRef idx="0">
+                  <a:schemeClr val="accent1"/>
+                </a:effectRef>
+                <a:fontRef idx="minor">
+                  <a:schemeClr val="lt1"/>
+                </a:fontRef>
+              </p:style>
+              <p:txBody>
+                <a:bodyPr anchor="ctr"/>
+                <a:lstStyle/>
+                <a:p>
+                  <a:pPr algn="ctr">
+                    <a:defRPr/>
+                  </a:pPr>
+                  <a:endParaRPr lang="ko-KR" altLang="en-US"/>
+                </a:p>
+              </p:txBody>
+            </p:sp>
+            <p:sp>
+              <p:nvSpPr>
+                <p:cNvPr id="68" name="Arrow: Pentagon 67">
+                  <a:extLst>
+                    <a:ext uri="{FF2B5EF4-FFF2-40B4-BE49-F238E27FC236}">
+                      <a16:creationId xmlns:a16="http://schemas.microsoft.com/office/drawing/2014/main" id="{0CBB9940-A58B-C285-14FF-BC03A31689CB}"/>
+                    </a:ext>
+                  </a:extLst>
+                </p:cNvPr>
+                <p:cNvSpPr/>
+                <p:nvPr/>
+              </p:nvSpPr>
+              <p:spPr>
+                <a:xfrm rot="16200000">
+                  <a:off x="3159062" y="5649685"/>
+                  <a:ext cx="510268" cy="551089"/>
+                </a:xfrm>
+                <a:prstGeom prst="homePlate">
+                  <a:avLst>
+                    <a:gd name="adj" fmla="val 28125"/>
+                  </a:avLst>
+                </a:prstGeom>
+                <a:noFill/>
+                <a:ln w="38100">
+                  <a:solidFill>
+                    <a:schemeClr val="dk1"/>
+                  </a:solidFill>
+                </a:ln>
+              </p:spPr>
+              <p:style>
+                <a:lnRef idx="2">
+                  <a:schemeClr val="accent1">
+                    <a:shade val="20000"/>
+                  </a:schemeClr>
+                </a:lnRef>
+                <a:fillRef idx="1">
+                  <a:schemeClr val="accent1"/>
+                </a:fillRef>
+                <a:effectRef idx="0">
+                  <a:schemeClr val="accent1"/>
+                </a:effectRef>
+                <a:fontRef idx="minor">
+                  <a:schemeClr val="lt1"/>
+                </a:fontRef>
+              </p:style>
+              <p:txBody>
+                <a:bodyPr anchor="ctr"/>
+                <a:lstStyle/>
+                <a:p>
+                  <a:pPr algn="ctr">
+                    <a:defRPr/>
+                  </a:pPr>
+                  <a:endParaRPr lang="ko-KR" altLang="en-US"/>
+                </a:p>
+              </p:txBody>
+            </p:sp>
+          </p:grpSp>
+          <p:grpSp>
+            <p:nvGrpSpPr>
+              <p:cNvPr id="63" name="Group 62">
+                <a:extLst>
+                  <a:ext uri="{FF2B5EF4-FFF2-40B4-BE49-F238E27FC236}">
+                    <a16:creationId xmlns:a16="http://schemas.microsoft.com/office/drawing/2014/main" id="{8F109CA9-1AEC-9376-4ECE-8CBB97B42C5A}"/>
+                  </a:ext>
+                </a:extLst>
+              </p:cNvPr>
+              <p:cNvGrpSpPr/>
+              <p:nvPr/>
+            </p:nvGrpSpPr>
+            <p:grpSpPr>
+              <a:xfrm>
+                <a:off x="6976536" y="5578566"/>
+                <a:ext cx="1270000" cy="1917489"/>
+                <a:chOff x="6858001" y="5829507"/>
+                <a:chExt cx="1270000" cy="1917489"/>
+              </a:xfrm>
+            </p:grpSpPr>
+            <p:sp>
+              <p:nvSpPr>
+                <p:cNvPr id="65" name="Rectangle 64">
+                  <a:extLst>
+                    <a:ext uri="{FF2B5EF4-FFF2-40B4-BE49-F238E27FC236}">
+                      <a16:creationId xmlns:a16="http://schemas.microsoft.com/office/drawing/2014/main" id="{B5610ABC-C754-B511-CEDA-038EE1E30BFD}"/>
+                    </a:ext>
+                  </a:extLst>
+                </p:cNvPr>
+                <p:cNvSpPr/>
+                <p:nvPr/>
+              </p:nvSpPr>
+              <p:spPr>
+                <a:xfrm rot="16200000">
+                  <a:off x="6479797" y="6207713"/>
+                  <a:ext cx="1509943" cy="753535"/>
+                </a:xfrm>
+                <a:prstGeom prst="rect">
+                  <a:avLst/>
+                </a:prstGeom>
+                <a:noFill/>
+                <a:ln w="38100" cap="flat">
+                  <a:solidFill>
+                    <a:schemeClr val="dk1"/>
+                  </a:solidFill>
+                  <a:prstDash val="solid"/>
+                </a:ln>
+              </p:spPr>
+              <p:style>
+                <a:lnRef idx="2">
+                  <a:schemeClr val="accent1">
+                    <a:shade val="20000"/>
+                  </a:schemeClr>
+                </a:lnRef>
+                <a:fillRef idx="1">
+                  <a:schemeClr val="accent1"/>
+                </a:fillRef>
+                <a:effectRef idx="0">
+                  <a:schemeClr val="accent1"/>
+                </a:effectRef>
+                <a:fontRef idx="minor">
+                  <a:schemeClr val="lt1"/>
+                </a:fontRef>
+              </p:style>
+              <p:txBody>
+                <a:bodyPr anchor="ctr"/>
+                <a:lstStyle/>
+                <a:p>
+                  <a:pPr algn="ctr">
+                    <a:defRPr/>
+                  </a:pPr>
+                  <a:endParaRPr lang="ko-KR" altLang="en-US"/>
+                </a:p>
+              </p:txBody>
+            </p:sp>
+            <p:sp>
+              <p:nvSpPr>
+                <p:cNvPr id="66" name="Parallelogram 65">
+                  <a:extLst>
+                    <a:ext uri="{FF2B5EF4-FFF2-40B4-BE49-F238E27FC236}">
+                      <a16:creationId xmlns:a16="http://schemas.microsoft.com/office/drawing/2014/main" id="{75439F2B-F4AC-647F-D64D-F0F022EE7642}"/>
+                    </a:ext>
+                  </a:extLst>
+                </p:cNvPr>
+                <p:cNvSpPr/>
+                <p:nvPr/>
+              </p:nvSpPr>
+              <p:spPr>
+                <a:xfrm rot="16200000">
+                  <a:off x="6911024" y="6530020"/>
+                  <a:ext cx="1917489" cy="516464"/>
+                </a:xfrm>
+                <a:prstGeom prst="parallelogram">
+                  <a:avLst>
+                    <a:gd name="adj" fmla="val 78712"/>
+                  </a:avLst>
+                </a:prstGeom>
+                <a:noFill/>
+                <a:ln w="38100" cap="flat">
+                  <a:solidFill>
+                    <a:schemeClr val="dk1"/>
+                  </a:solidFill>
+                  <a:prstDash val="solid"/>
+                </a:ln>
+              </p:spPr>
+              <p:style>
+                <a:lnRef idx="2">
+                  <a:schemeClr val="accent1">
+                    <a:shade val="20000"/>
+                  </a:schemeClr>
+                </a:lnRef>
+                <a:fillRef idx="1">
+                  <a:schemeClr val="accent1"/>
+                </a:fillRef>
+                <a:effectRef idx="0">
+                  <a:schemeClr val="accent1"/>
+                </a:effectRef>
+                <a:fontRef idx="minor">
+                  <a:schemeClr val="lt1"/>
+                </a:fontRef>
+              </p:style>
+              <p:txBody>
+                <a:bodyPr anchor="ctr"/>
+                <a:lstStyle/>
+                <a:p>
+                  <a:pPr algn="ctr">
+                    <a:defRPr/>
+                  </a:pPr>
+                  <a:endParaRPr lang="ko-KR" altLang="en-US"/>
+                </a:p>
+              </p:txBody>
+            </p:sp>
+          </p:grpSp>
+          <p:cxnSp>
+            <p:nvCxnSpPr>
+              <p:cNvPr id="64" name="Connector: Elbow 63">
+                <a:extLst>
+                  <a:ext uri="{FF2B5EF4-FFF2-40B4-BE49-F238E27FC236}">
+                    <a16:creationId xmlns:a16="http://schemas.microsoft.com/office/drawing/2014/main" id="{2A2F89D8-39B1-C4AF-25C4-FEAFDD1C5CED}"/>
+                  </a:ext>
+                </a:extLst>
+              </p:cNvPr>
+              <p:cNvCxnSpPr>
+                <a:cxnSpLocks/>
+              </p:cNvCxnSpPr>
+              <p:nvPr/>
+            </p:nvCxnSpPr>
+            <p:spPr>
+              <a:xfrm flipV="1">
+                <a:off x="6460070" y="7214947"/>
+                <a:ext cx="893234" cy="407824"/>
+              </a:xfrm>
+              <a:prstGeom prst="bentConnector2">
+                <a:avLst/>
+              </a:prstGeom>
+              <a:ln w="38100" cap="rnd">
+                <a:solidFill>
+                  <a:schemeClr val="dk1"/>
+                </a:solidFill>
+                <a:tailEnd type="triangle"/>
+              </a:ln>
+            </p:spPr>
+            <p:style>
+              <a:lnRef idx="1">
+                <a:schemeClr val="accent1"/>
+              </a:lnRef>
+              <a:fillRef idx="0">
+                <a:schemeClr val="accent1"/>
+              </a:fillRef>
+              <a:effectRef idx="0">
+                <a:schemeClr val="accent1"/>
+              </a:effectRef>
+              <a:fontRef idx="minor">
+                <a:schemeClr val="tx1"/>
+              </a:fontRef>
+            </p:style>
+          </p:cxnSp>
+        </p:grpSp>
+      </p:grpSp>
+      <p:grpSp>
+        <p:nvGrpSpPr>
+          <p:cNvPr id="2" name="Group 1">
+            <a:extLst>
+              <a:ext uri="{FF2B5EF4-FFF2-40B4-BE49-F238E27FC236}">
+                <a16:creationId xmlns:a16="http://schemas.microsoft.com/office/drawing/2014/main" id="{58AF97DD-E59F-98E4-4CA2-33396B33EF2A}"/>
+              </a:ext>
+            </a:extLst>
+          </p:cNvPr>
+          <p:cNvGrpSpPr/>
+          <p:nvPr/>
+        </p:nvGrpSpPr>
+        <p:grpSpPr>
+          <a:xfrm>
+            <a:off x="4572000" y="0"/>
+            <a:ext cx="4572000" cy="9144000"/>
+            <a:chOff x="4572000" y="0"/>
+            <a:chExt cx="4572000" cy="9144000"/>
+          </a:xfrm>
+        </p:grpSpPr>
+        <p:sp>
+          <p:nvSpPr>
+            <p:cNvPr id="49" name="Rectangle 48">
+              <a:extLst>
+                <a:ext uri="{FF2B5EF4-FFF2-40B4-BE49-F238E27FC236}">
+                  <a16:creationId xmlns:a16="http://schemas.microsoft.com/office/drawing/2014/main" id="{9054BCB8-817D-292B-9F90-4A97F520C886}"/>
+                </a:ext>
+              </a:extLst>
+            </p:cNvPr>
+            <p:cNvSpPr/>
+            <p:nvPr/>
+          </p:nvSpPr>
+          <p:spPr>
+            <a:xfrm>
+              <a:off x="4572000" y="0"/>
+              <a:ext cx="4572000" cy="9144000"/>
+            </a:xfrm>
+            <a:prstGeom prst="rect">
+              <a:avLst/>
+            </a:prstGeom>
+            <a:solidFill>
+              <a:schemeClr val="lt1"/>
+            </a:solidFill>
+            <a:ln>
+              <a:noFill/>
+            </a:ln>
+          </p:spPr>
+          <p:style>
+            <a:lnRef idx="2">
+              <a:schemeClr val="accent1">
+                <a:shade val="20000"/>
+              </a:schemeClr>
+            </a:lnRef>
+            <a:fillRef idx="1">
+              <a:schemeClr val="accent1"/>
+            </a:fillRef>
+            <a:effectRef idx="0">
+              <a:schemeClr val="accent1"/>
+            </a:effectRef>
+            <a:fontRef idx="minor">
+              <a:schemeClr val="lt1"/>
+            </a:fontRef>
+          </p:style>
+          <p:txBody>
+            <a:bodyPr anchor="ctr"/>
+            <a:lstStyle/>
+            <a:p>
+              <a:pPr algn="ctr">
+                <a:defRPr/>
+              </a:pPr>
+              <a:endParaRPr lang="ko-KR" altLang="en-US" dirty="0"/>
+            </a:p>
+          </p:txBody>
+        </p:sp>
+        <p:sp>
+          <p:nvSpPr>
+            <p:cNvPr id="12" name="Rectangle 11">
+              <a:extLst>
+                <a:ext uri="{FF2B5EF4-FFF2-40B4-BE49-F238E27FC236}">
+                  <a16:creationId xmlns:a16="http://schemas.microsoft.com/office/drawing/2014/main" id="{C0F20210-FE71-AD67-37DE-A03AB8190115}"/>
+                </a:ext>
+              </a:extLst>
+            </p:cNvPr>
+            <p:cNvSpPr/>
+            <p:nvPr/>
+          </p:nvSpPr>
+          <p:spPr>
+            <a:xfrm>
+              <a:off x="4775761" y="235115"/>
+              <a:ext cx="4164478" cy="8718052"/>
+            </a:xfrm>
+            <a:prstGeom prst="rect">
+              <a:avLst/>
+            </a:prstGeom>
+            <a:noFill/>
+            <a:ln w="38100">
+              <a:solidFill>
+                <a:schemeClr val="dk1"/>
+              </a:solidFill>
+            </a:ln>
+          </p:spPr>
+          <p:style>
+            <a:lnRef idx="2">
+              <a:schemeClr val="accent1">
+                <a:shade val="20000"/>
+              </a:schemeClr>
+            </a:lnRef>
+            <a:fillRef idx="1">
+              <a:schemeClr val="accent1"/>
+            </a:fillRef>
+            <a:effectRef idx="0">
+              <a:schemeClr val="accent1"/>
+            </a:effectRef>
+            <a:fontRef idx="minor">
+              <a:schemeClr val="lt1"/>
+            </a:fontRef>
+          </p:style>
+          <p:txBody>
+            <a:bodyPr anchor="ctr"/>
+            <a:lstStyle/>
+            <a:p>
+              <a:pPr algn="ctr">
+                <a:defRPr/>
+              </a:pPr>
+              <a:endParaRPr lang="ko-KR" altLang="en-US"/>
+            </a:p>
+          </p:txBody>
+        </p:sp>
+        <p:cxnSp>
+          <p:nvCxnSpPr>
+            <p:cNvPr id="17" name="Straight Connector 16">
+              <a:extLst>
+                <a:ext uri="{FF2B5EF4-FFF2-40B4-BE49-F238E27FC236}">
+                  <a16:creationId xmlns:a16="http://schemas.microsoft.com/office/drawing/2014/main" id="{8B8B0309-269D-14B4-B3C2-1F86FCC18F2A}"/>
+                </a:ext>
+              </a:extLst>
+            </p:cNvPr>
+            <p:cNvCxnSpPr>
+              <a:stCxn id="12" idx="1"/>
+              <a:endCxn id="12" idx="3"/>
+            </p:cNvCxnSpPr>
+            <p:nvPr/>
+          </p:nvCxnSpPr>
+          <p:spPr>
+            <a:xfrm>
+              <a:off x="4775761" y="4594141"/>
+              <a:ext cx="4164478" cy="0"/>
+            </a:xfrm>
+            <a:prstGeom prst="line">
+              <a:avLst/>
+            </a:prstGeom>
+            <a:ln w="38100">
+              <a:solidFill>
+                <a:schemeClr val="dk1"/>
+              </a:solidFill>
+              <a:prstDash val="sysDash"/>
+            </a:ln>
+          </p:spPr>
+          <p:style>
+            <a:lnRef idx="1">
+              <a:schemeClr val="accent1"/>
+            </a:lnRef>
+            <a:fillRef idx="0">
+              <a:schemeClr val="accent1"/>
+            </a:fillRef>
+            <a:effectRef idx="0">
+              <a:schemeClr val="accent1"/>
+            </a:effectRef>
+            <a:fontRef idx="minor">
+              <a:schemeClr val="tx1"/>
+            </a:fontRef>
+          </p:style>
+        </p:cxnSp>
+        <p:sp>
+          <p:nvSpPr>
+            <p:cNvPr id="18" name="TextBox 17">
+              <a:extLst>
+                <a:ext uri="{FF2B5EF4-FFF2-40B4-BE49-F238E27FC236}">
+                  <a16:creationId xmlns:a16="http://schemas.microsoft.com/office/drawing/2014/main" id="{92837DF6-F090-C7FF-56E4-6F21BAD97C7D}"/>
+                </a:ext>
+              </a:extLst>
+            </p:cNvPr>
+            <p:cNvSpPr txBox="1"/>
+            <p:nvPr/>
+          </p:nvSpPr>
+          <p:spPr>
+            <a:xfrm>
+              <a:off x="4775761" y="1383298"/>
+              <a:ext cx="4164478" cy="514756"/>
+            </a:xfrm>
+            <a:prstGeom prst="rect">
+              <a:avLst/>
+            </a:prstGeom>
+          </p:spPr>
+          <p:txBody>
+            <a:bodyPr wrap="square" lIns="72009" tIns="72009" rIns="72009" bIns="72009">
+              <a:spAutoFit/>
+            </a:bodyPr>
+            <a:lstStyle/>
+            <a:p>
+              <a:pPr algn="ctr">
+                <a:defRPr/>
+              </a:pPr>
+              <a:r>
+                <a:rPr lang="en-US" altLang="ko-KR" sz="2400" dirty="0">
+                  <a:latin typeface="Bahnschrift Light SemiCondensed"/>
+                </a:rPr>
+                <a:t>Welcome to</a:t>
+              </a:r>
+            </a:p>
+          </p:txBody>
+        </p:sp>
+        <p:pic>
+          <p:nvPicPr>
+            <p:cNvPr id="75" name="Picture 74">
+              <a:extLst>
+                <a:ext uri="{FF2B5EF4-FFF2-40B4-BE49-F238E27FC236}">
+                  <a16:creationId xmlns:a16="http://schemas.microsoft.com/office/drawing/2014/main" id="{759B4467-2D89-9FAD-27FB-81ED3A89ACF5}"/>
+                </a:ext>
+              </a:extLst>
+            </p:cNvPr>
+            <p:cNvPicPr>
+              <a:picLocks noChangeAspect="1"/>
+            </p:cNvPicPr>
+            <p:nvPr/>
+          </p:nvPicPr>
+          <p:blipFill>
+            <a:blip r:embed="rId3"/>
+            <a:srcRect l="6626" t="20637" r="9574" b="33242"/>
+            <a:stretch/>
+          </p:blipFill>
+          <p:spPr>
+            <a:xfrm>
+              <a:off x="4928950" y="2074616"/>
+              <a:ext cx="3858100" cy="591432"/>
+            </a:xfrm>
+            <a:prstGeom prst="rect">
+              <a:avLst/>
+            </a:prstGeom>
+          </p:spPr>
+        </p:pic>
+        <p:sp>
+          <p:nvSpPr>
+            <p:cNvPr id="77" name="TextBox 76">
+              <a:extLst>
+                <a:ext uri="{FF2B5EF4-FFF2-40B4-BE49-F238E27FC236}">
+                  <a16:creationId xmlns:a16="http://schemas.microsoft.com/office/drawing/2014/main" id="{40C31F1F-3B14-E1F4-4932-9421DA8F9CA3}"/>
+                </a:ext>
+              </a:extLst>
+            </p:cNvPr>
+            <p:cNvSpPr txBox="1"/>
+            <p:nvPr/>
+          </p:nvSpPr>
+          <p:spPr>
+            <a:xfrm>
+              <a:off x="4824967" y="2656427"/>
+              <a:ext cx="4164478" cy="607089"/>
+            </a:xfrm>
+            <a:prstGeom prst="rect">
+              <a:avLst/>
+            </a:prstGeom>
+          </p:spPr>
+          <p:txBody>
+            <a:bodyPr wrap="square" lIns="72009" tIns="72009" rIns="72009" bIns="72009">
+              <a:spAutoFit/>
+            </a:bodyPr>
+            <a:lstStyle/>
+            <a:p>
+              <a:pPr algn="ctr">
+                <a:defRPr/>
+              </a:pPr>
+              <a:r>
+                <a:rPr lang="en-US" altLang="ko-KR" sz="3000" dirty="0">
+                  <a:latin typeface="Bahnschrift Light SemiCondensed"/>
+                </a:rPr>
+                <a:t>Laboratory HQ</a:t>
+              </a:r>
+            </a:p>
+          </p:txBody>
+        </p:sp>
+        <p:sp>
+          <p:nvSpPr>
+            <p:cNvPr id="79" name="TextBox 78">
+              <a:extLst>
+                <a:ext uri="{FF2B5EF4-FFF2-40B4-BE49-F238E27FC236}">
+                  <a16:creationId xmlns:a16="http://schemas.microsoft.com/office/drawing/2014/main" id="{EA94B1C5-F380-9C65-0515-8B50DB3DF9EB}"/>
+                </a:ext>
+              </a:extLst>
+            </p:cNvPr>
+            <p:cNvSpPr txBox="1"/>
+            <p:nvPr/>
+          </p:nvSpPr>
+          <p:spPr>
+            <a:xfrm>
+              <a:off x="4775761" y="5333379"/>
+              <a:ext cx="4164478" cy="3100079"/>
+            </a:xfrm>
+            <a:prstGeom prst="rect">
+              <a:avLst/>
+            </a:prstGeom>
+          </p:spPr>
+          <p:txBody>
+            <a:bodyPr wrap="square" lIns="72009" tIns="72009" rIns="72009" bIns="72009" anchor="ctr">
+              <a:spAutoFit/>
+            </a:bodyPr>
+            <a:lstStyle/>
+            <a:p>
+              <a:pPr algn="ctr">
+                <a:defRPr/>
+              </a:pPr>
+              <a:r>
+                <a:rPr lang="en-US" altLang="ko-KR" sz="2400" dirty="0">
+                  <a:latin typeface="Bahnschrift Light SemiCondensed"/>
+                </a:rPr>
+                <a:t>This facility is owned by</a:t>
+              </a:r>
+            </a:p>
+            <a:p>
+              <a:pPr algn="ctr">
+                <a:defRPr/>
+              </a:pPr>
+              <a:r>
+                <a:rPr lang="en-US" altLang="ko-KR" sz="2400" dirty="0" err="1">
+                  <a:latin typeface="Bahnschrift Light SemiCondensed"/>
+                </a:rPr>
+                <a:t>ChronoSpace</a:t>
+              </a:r>
+              <a:r>
+                <a:rPr lang="en-US" altLang="ko-KR" sz="2400" dirty="0">
+                  <a:latin typeface="Bahnschrift Light SemiCondensed"/>
+                </a:rPr>
+                <a:t> inc. as Priority.</a:t>
+              </a:r>
+            </a:p>
+            <a:p>
+              <a:pPr algn="ctr">
+                <a:defRPr/>
+              </a:pPr>
+              <a:r>
+                <a:rPr lang="en-US" altLang="ko-KR" sz="2400" dirty="0">
+                  <a:latin typeface="Bahnschrift Light SemiCondensed"/>
+                </a:rPr>
+                <a:t>Please make a registration on</a:t>
+              </a:r>
+            </a:p>
+            <a:p>
+              <a:pPr algn="ctr">
+                <a:defRPr/>
+              </a:pPr>
+              <a:r>
+                <a:rPr lang="en-US" altLang="ko-KR" sz="2400" dirty="0">
+                  <a:latin typeface="Bahnschrift Light SemiCondensed"/>
+                </a:rPr>
+                <a:t>entry application office which</a:t>
+              </a:r>
+            </a:p>
+            <a:p>
+              <a:pPr algn="ctr">
+                <a:defRPr/>
+              </a:pPr>
+              <a:r>
+                <a:rPr lang="en-US" altLang="ko-KR" sz="2400" dirty="0">
+                  <a:latin typeface="Bahnschrift Light SemiCondensed"/>
+                </a:rPr>
+                <a:t>is located next to the Main entry.</a:t>
+              </a:r>
+              <a:br>
+                <a:rPr lang="en-US" altLang="ko-KR" sz="2400" dirty="0">
+                  <a:latin typeface="Bahnschrift Light SemiCondensed"/>
+                </a:rPr>
+              </a:br>
+              <a:r>
+                <a:rPr lang="en-US" altLang="ko-KR" sz="2400" dirty="0">
+                  <a:latin typeface="Bahnschrift Light SemiCondensed"/>
+                </a:rPr>
+                <a:t>Make sure you have a certificate</a:t>
+              </a:r>
+              <a:br>
+                <a:rPr lang="en-US" altLang="ko-KR" sz="2400" dirty="0">
+                  <a:latin typeface="Bahnschrift Light SemiCondensed"/>
+                </a:rPr>
+              </a:br>
+              <a:r>
+                <a:rPr lang="en-US" altLang="ko-KR" sz="2400" dirty="0">
+                  <a:latin typeface="Bahnschrift Light SemiCondensed"/>
+                </a:rPr>
+                <a:t>that can identify yourself,</a:t>
+              </a:r>
+              <a:br>
+                <a:rPr lang="en-US" altLang="ko-KR" sz="2400" dirty="0">
+                  <a:latin typeface="Bahnschrift Light SemiCondensed"/>
+                </a:rPr>
+              </a:br>
+              <a:r>
+                <a:rPr lang="en-US" altLang="ko-KR" sz="2400" dirty="0">
+                  <a:latin typeface="Bahnschrift Light SemiCondensed"/>
+                </a:rPr>
+                <a:t>mandatory for entry application.</a:t>
+              </a:r>
+            </a:p>
+          </p:txBody>
+        </p:sp>
+      </p:grpSp>
+    </p:spTree>
+    <p:extLst>
+      <p:ext uri="{BB962C8B-B14F-4D97-AF65-F5344CB8AC3E}">
+        <p14:creationId xmlns:p14="http://schemas.microsoft.com/office/powerpoint/2010/main" val="3764049360"/>
+      </p:ext>
+    </p:extLst>
+  </p:cSld>
+  <p:clrMapOvr>
+    <a:masterClrMapping/>
+  </p:clrMapOvr>
+  <mc:AlternateContent xmlns:mc="http://schemas.openxmlformats.org/markup-compatibility/2006" xmlns:p14="http://schemas.microsoft.com/office/powerpoint/2010/main">
+    <mc:Choice Requires="p14">
+      <p:transition/>
+    </mc:Choice>
+    <mc:Fallback xmlns:dsp="http://schemas.microsoft.com/office/drawing/2008/diagram" xmlns:dgm="http://schemas.openxmlformats.org/drawingml/2006/diagram" xmlns:c="http://schemas.openxmlformats.org/drawingml/2006/chart" xmlns="">
+      <p:transition/>
+    </mc:Fallback>
+  </mc:AlternateContent>
+</p:sld>
+</file>
+
+<file path=ppt/slides/slide8.xml><?xml version="1.0" encoding="utf-8"?>
+<p:sld xmlns:a="http://schemas.openxmlformats.org/drawingml/2006/main" xmlns:r="http://schemas.openxmlformats.org/officeDocument/2006/relationships" xmlns:p="http://schemas.openxmlformats.org/presentationml/2006/main">
+  <p:cSld>
+    <p:bg>
+      <p:bgPr>
+        <a:solidFill>
+          <a:schemeClr val="bg1">
+            <a:lumMod val="95000"/>
+          </a:schemeClr>
+        </a:solidFill>
+        <a:effectLst/>
+      </p:bgPr>
+    </p:bg>
+    <p:spTree>
+      <p:nvGrpSpPr>
+        <p:cNvPr id="1" name=""/>
+        <p:cNvGrpSpPr/>
+        <p:nvPr/>
+      </p:nvGrpSpPr>
+      <p:grpSpPr>
+        <a:xfrm>
+          <a:off x="0" y="0"/>
+          <a:ext cx="0" cy="0"/>
+          <a:chOff x="0" y="0"/>
+          <a:chExt cx="0" cy="0"/>
+        </a:xfrm>
+      </p:grpSpPr>
+      <p:grpSp>
+        <p:nvGrpSpPr>
+          <p:cNvPr id="4" name="Group 3">
+            <a:extLst>
+              <a:ext uri="{FF2B5EF4-FFF2-40B4-BE49-F238E27FC236}">
+                <a16:creationId xmlns:a16="http://schemas.microsoft.com/office/drawing/2014/main" id="{98233ED4-38FD-19EB-5394-6F99FEA769E2}"/>
+              </a:ext>
+            </a:extLst>
+          </p:cNvPr>
+          <p:cNvGrpSpPr/>
+          <p:nvPr/>
+        </p:nvGrpSpPr>
+        <p:grpSpPr>
+          <a:xfrm>
+            <a:off x="0" y="0"/>
+            <a:ext cx="1625600" cy="1625600"/>
+            <a:chOff x="0" y="0"/>
+            <a:chExt cx="1625600" cy="1625600"/>
+          </a:xfrm>
+        </p:grpSpPr>
+        <p:sp>
+          <p:nvSpPr>
+            <p:cNvPr id="2" name="Rectangle 1">
+              <a:extLst>
+                <a:ext uri="{FF2B5EF4-FFF2-40B4-BE49-F238E27FC236}">
+                  <a16:creationId xmlns:a16="http://schemas.microsoft.com/office/drawing/2014/main" id="{D352C8F8-7AB7-7D6F-0D7E-85042740BC74}"/>
+                </a:ext>
+              </a:extLst>
+            </p:cNvPr>
+            <p:cNvSpPr/>
+            <p:nvPr/>
+          </p:nvSpPr>
+          <p:spPr>
+            <a:xfrm>
+              <a:off x="0" y="0"/>
+              <a:ext cx="1625600" cy="1625600"/>
+            </a:xfrm>
+            <a:prstGeom prst="rect">
+              <a:avLst/>
+            </a:prstGeom>
+            <a:solidFill>
+              <a:schemeClr val="bg1"/>
+            </a:solidFill>
+            <a:ln>
+              <a:noFill/>
+            </a:ln>
+          </p:spPr>
+          <p:style>
+            <a:lnRef idx="2">
+              <a:schemeClr val="accent1">
+                <a:shade val="20000"/>
+              </a:schemeClr>
+            </a:lnRef>
+            <a:fillRef idx="1">
+              <a:schemeClr val="accent1"/>
+            </a:fillRef>
+            <a:effectRef idx="0">
+              <a:schemeClr val="accent1"/>
+            </a:effectRef>
+            <a:fontRef idx="minor">
+              <a:schemeClr val="lt1"/>
+            </a:fontRef>
+          </p:style>
+          <p:txBody>
+            <a:bodyPr wrap="none" lIns="108000" tIns="0" rIns="108000" bIns="144000" rtlCol="0" anchor="ctr"/>
+            <a:lstStyle/>
+            <a:p>
+              <a:pPr algn="ctr"/>
+              <a:r>
+                <a:rPr lang="en-US" altLang="ko-KR" sz="5400" dirty="0">
+                  <a:solidFill>
+                    <a:schemeClr val="tx1"/>
+                  </a:solidFill>
+                  <a:latin typeface="DSEG14 Classic" panose="02000503000000000000" pitchFamily="2" charset="0"/>
+                </a:rPr>
+                <a:t>01</a:t>
+              </a:r>
+              <a:endParaRPr lang="ko-KR" altLang="en-US" sz="5400" dirty="0">
+                <a:solidFill>
+                  <a:schemeClr val="tx1"/>
+                </a:solidFill>
+                <a:latin typeface="DSEG14 Classic" panose="02000503000000000000" pitchFamily="2" charset="0"/>
+              </a:endParaRPr>
+            </a:p>
+          </p:txBody>
+        </p:sp>
+        <p:sp>
+          <p:nvSpPr>
+            <p:cNvPr id="3" name="Rectangle 2">
+              <a:extLst>
+                <a:ext uri="{FF2B5EF4-FFF2-40B4-BE49-F238E27FC236}">
+                  <a16:creationId xmlns:a16="http://schemas.microsoft.com/office/drawing/2014/main" id="{1F8F6724-7628-DF98-BEA4-8B58B03B339D}"/>
+                </a:ext>
+              </a:extLst>
+            </p:cNvPr>
+            <p:cNvSpPr>
+              <a:spLocks noChangeAspect="1"/>
+            </p:cNvSpPr>
+            <p:nvPr/>
+          </p:nvSpPr>
+          <p:spPr>
+            <a:xfrm>
+              <a:off x="88900" y="88900"/>
+              <a:ext cx="1447800" cy="1447800"/>
+            </a:xfrm>
+            <a:prstGeom prst="rect">
+              <a:avLst/>
+            </a:prstGeom>
+            <a:noFill/>
+            <a:ln w="25400">
+              <a:solidFill>
+                <a:schemeClr val="tx1"/>
+              </a:solidFill>
+            </a:ln>
+          </p:spPr>
+          <p:style>
+            <a:lnRef idx="2">
+              <a:schemeClr val="accent1">
+                <a:shade val="20000"/>
+              </a:schemeClr>
+            </a:lnRef>
+            <a:fillRef idx="1">
+              <a:schemeClr val="accent1"/>
+            </a:fillRef>
+            <a:effectRef idx="0">
+              <a:schemeClr val="accent1"/>
+            </a:effectRef>
+            <a:fontRef idx="minor">
+              <a:schemeClr val="lt1"/>
+            </a:fontRef>
+          </p:style>
+          <p:txBody>
+            <a:bodyPr rtlCol="0" anchor="ctr"/>
+            <a:lstStyle/>
+            <a:p>
+              <a:pPr algn="ctr"/>
+              <a:endParaRPr lang="ko-KR" altLang="en-US"/>
+            </a:p>
+          </p:txBody>
+        </p:sp>
+      </p:grpSp>
+      <p:grpSp>
+        <p:nvGrpSpPr>
+          <p:cNvPr id="5" name="Group 4">
+            <a:extLst>
+              <a:ext uri="{FF2B5EF4-FFF2-40B4-BE49-F238E27FC236}">
+                <a16:creationId xmlns:a16="http://schemas.microsoft.com/office/drawing/2014/main" id="{7D0CDE78-B9CC-02C9-22C6-3DEE73D018E6}"/>
+              </a:ext>
+            </a:extLst>
+          </p:cNvPr>
+          <p:cNvGrpSpPr/>
+          <p:nvPr/>
+        </p:nvGrpSpPr>
+        <p:grpSpPr>
+          <a:xfrm>
+            <a:off x="1625600" y="0"/>
+            <a:ext cx="1625600" cy="1625600"/>
+            <a:chOff x="0" y="0"/>
+            <a:chExt cx="1625600" cy="1625600"/>
+          </a:xfrm>
+        </p:grpSpPr>
+        <p:sp>
+          <p:nvSpPr>
+            <p:cNvPr id="6" name="Rectangle 5">
+              <a:extLst>
+                <a:ext uri="{FF2B5EF4-FFF2-40B4-BE49-F238E27FC236}">
+                  <a16:creationId xmlns:a16="http://schemas.microsoft.com/office/drawing/2014/main" id="{1B46D73F-11AA-C339-08DA-208D20EB222F}"/>
+                </a:ext>
+              </a:extLst>
+            </p:cNvPr>
+            <p:cNvSpPr/>
+            <p:nvPr/>
+          </p:nvSpPr>
+          <p:spPr>
+            <a:xfrm>
+              <a:off x="0" y="0"/>
+              <a:ext cx="1625600" cy="1625600"/>
+            </a:xfrm>
+            <a:prstGeom prst="rect">
+              <a:avLst/>
+            </a:prstGeom>
+            <a:solidFill>
+              <a:schemeClr val="bg1"/>
+            </a:solidFill>
+            <a:ln>
+              <a:noFill/>
+            </a:ln>
+          </p:spPr>
+          <p:style>
+            <a:lnRef idx="2">
+              <a:schemeClr val="accent1">
+                <a:shade val="20000"/>
+              </a:schemeClr>
+            </a:lnRef>
+            <a:fillRef idx="1">
+              <a:schemeClr val="accent1"/>
+            </a:fillRef>
+            <a:effectRef idx="0">
+              <a:schemeClr val="accent1"/>
+            </a:effectRef>
+            <a:fontRef idx="minor">
+              <a:schemeClr val="lt1"/>
+            </a:fontRef>
+          </p:style>
+          <p:txBody>
+            <a:bodyPr wrap="none" lIns="108000" tIns="0" rIns="108000" bIns="144000" rtlCol="0" anchor="ctr"/>
+            <a:lstStyle/>
+            <a:p>
+              <a:pPr algn="ctr"/>
+              <a:r>
+                <a:rPr lang="en-US" altLang="ko-KR" sz="5400" dirty="0">
+                  <a:solidFill>
+                    <a:schemeClr val="tx1"/>
+                  </a:solidFill>
+                  <a:latin typeface="DSEG14 Classic" panose="02000503000000000000" pitchFamily="2" charset="0"/>
+                </a:rPr>
+                <a:t>02</a:t>
+              </a:r>
+              <a:endParaRPr lang="ko-KR" altLang="en-US" sz="5400" dirty="0">
+                <a:solidFill>
+                  <a:schemeClr val="tx1"/>
+                </a:solidFill>
+                <a:latin typeface="DSEG14 Classic" panose="02000503000000000000" pitchFamily="2" charset="0"/>
+              </a:endParaRPr>
+            </a:p>
+          </p:txBody>
+        </p:sp>
+        <p:sp>
+          <p:nvSpPr>
+            <p:cNvPr id="7" name="Rectangle 6">
+              <a:extLst>
+                <a:ext uri="{FF2B5EF4-FFF2-40B4-BE49-F238E27FC236}">
+                  <a16:creationId xmlns:a16="http://schemas.microsoft.com/office/drawing/2014/main" id="{EC7E668B-E94E-956F-45B5-AA377F326721}"/>
+                </a:ext>
+              </a:extLst>
+            </p:cNvPr>
+            <p:cNvSpPr>
+              <a:spLocks noChangeAspect="1"/>
+            </p:cNvSpPr>
+            <p:nvPr/>
+          </p:nvSpPr>
+          <p:spPr>
+            <a:xfrm>
+              <a:off x="88900" y="88900"/>
+              <a:ext cx="1447800" cy="1447800"/>
+            </a:xfrm>
+            <a:prstGeom prst="rect">
+              <a:avLst/>
+            </a:prstGeom>
+            <a:noFill/>
+            <a:ln w="25400">
+              <a:solidFill>
+                <a:schemeClr val="tx1"/>
+              </a:solidFill>
+            </a:ln>
+          </p:spPr>
+          <p:style>
+            <a:lnRef idx="2">
+              <a:schemeClr val="accent1">
+                <a:shade val="20000"/>
+              </a:schemeClr>
+            </a:lnRef>
+            <a:fillRef idx="1">
+              <a:schemeClr val="accent1"/>
+            </a:fillRef>
+            <a:effectRef idx="0">
+              <a:schemeClr val="accent1"/>
+            </a:effectRef>
+            <a:fontRef idx="minor">
+              <a:schemeClr val="lt1"/>
+            </a:fontRef>
+          </p:style>
+          <p:txBody>
+            <a:bodyPr rtlCol="0" anchor="ctr"/>
+            <a:lstStyle/>
+            <a:p>
+              <a:pPr algn="ctr"/>
+              <a:endParaRPr lang="ko-KR" altLang="en-US"/>
+            </a:p>
+          </p:txBody>
+        </p:sp>
+      </p:grpSp>
+      <p:grpSp>
+        <p:nvGrpSpPr>
+          <p:cNvPr id="8" name="Group 7">
+            <a:extLst>
+              <a:ext uri="{FF2B5EF4-FFF2-40B4-BE49-F238E27FC236}">
+                <a16:creationId xmlns:a16="http://schemas.microsoft.com/office/drawing/2014/main" id="{E61260F6-4E27-F814-CAB3-E55D1EBEB760}"/>
+              </a:ext>
+            </a:extLst>
+          </p:cNvPr>
+          <p:cNvGrpSpPr/>
+          <p:nvPr/>
+        </p:nvGrpSpPr>
+        <p:grpSpPr>
+          <a:xfrm>
+            <a:off x="3254400" y="0"/>
+            <a:ext cx="1625600" cy="1625600"/>
+            <a:chOff x="0" y="0"/>
+            <a:chExt cx="1625600" cy="1625600"/>
+          </a:xfrm>
+        </p:grpSpPr>
+        <p:sp>
+          <p:nvSpPr>
+            <p:cNvPr id="9" name="Rectangle 8">
+              <a:extLst>
+                <a:ext uri="{FF2B5EF4-FFF2-40B4-BE49-F238E27FC236}">
+                  <a16:creationId xmlns:a16="http://schemas.microsoft.com/office/drawing/2014/main" id="{FEC056B1-9FFB-6B37-CD8B-AA7D8F7AA570}"/>
+                </a:ext>
+              </a:extLst>
+            </p:cNvPr>
+            <p:cNvSpPr/>
+            <p:nvPr/>
+          </p:nvSpPr>
+          <p:spPr>
+            <a:xfrm>
+              <a:off x="0" y="0"/>
+              <a:ext cx="1625600" cy="1625600"/>
+            </a:xfrm>
+            <a:prstGeom prst="rect">
+              <a:avLst/>
+            </a:prstGeom>
+            <a:solidFill>
+              <a:schemeClr val="bg1"/>
+            </a:solidFill>
+            <a:ln>
+              <a:noFill/>
+            </a:ln>
+          </p:spPr>
+          <p:style>
+            <a:lnRef idx="2">
+              <a:schemeClr val="accent1">
+                <a:shade val="20000"/>
+              </a:schemeClr>
+            </a:lnRef>
+            <a:fillRef idx="1">
+              <a:schemeClr val="accent1"/>
+            </a:fillRef>
+            <a:effectRef idx="0">
+              <a:schemeClr val="accent1"/>
+            </a:effectRef>
+            <a:fontRef idx="minor">
+              <a:schemeClr val="lt1"/>
+            </a:fontRef>
+          </p:style>
+          <p:txBody>
+            <a:bodyPr wrap="none" lIns="108000" tIns="0" rIns="108000" bIns="144000" rtlCol="0" anchor="ctr"/>
+            <a:lstStyle/>
+            <a:p>
+              <a:pPr algn="ctr"/>
+              <a:r>
+                <a:rPr lang="en-US" altLang="ko-KR" sz="5400" dirty="0">
+                  <a:solidFill>
+                    <a:schemeClr val="tx1"/>
+                  </a:solidFill>
+                  <a:latin typeface="DSEG14 Classic" panose="02000503000000000000" pitchFamily="2" charset="0"/>
+                </a:rPr>
+                <a:t>03</a:t>
+              </a:r>
+              <a:endParaRPr lang="ko-KR" altLang="en-US" sz="5400" dirty="0">
+                <a:solidFill>
+                  <a:schemeClr val="tx1"/>
+                </a:solidFill>
+                <a:latin typeface="DSEG14 Classic" panose="02000503000000000000" pitchFamily="2" charset="0"/>
+              </a:endParaRPr>
+            </a:p>
+          </p:txBody>
+        </p:sp>
+        <p:sp>
+          <p:nvSpPr>
+            <p:cNvPr id="10" name="Rectangle 9">
+              <a:extLst>
+                <a:ext uri="{FF2B5EF4-FFF2-40B4-BE49-F238E27FC236}">
+                  <a16:creationId xmlns:a16="http://schemas.microsoft.com/office/drawing/2014/main" id="{17A8A44F-993B-B212-EAD5-0B0F44AE4CA5}"/>
+                </a:ext>
+              </a:extLst>
+            </p:cNvPr>
+            <p:cNvSpPr>
+              <a:spLocks noChangeAspect="1"/>
+            </p:cNvSpPr>
+            <p:nvPr/>
+          </p:nvSpPr>
+          <p:spPr>
+            <a:xfrm>
+              <a:off x="88900" y="88900"/>
+              <a:ext cx="1447800" cy="1447800"/>
+            </a:xfrm>
+            <a:prstGeom prst="rect">
+              <a:avLst/>
+            </a:prstGeom>
+            <a:noFill/>
+            <a:ln w="25400">
+              <a:solidFill>
+                <a:schemeClr val="tx1"/>
+              </a:solidFill>
+            </a:ln>
+          </p:spPr>
+          <p:style>
+            <a:lnRef idx="2">
+              <a:schemeClr val="accent1">
+                <a:shade val="20000"/>
+              </a:schemeClr>
+            </a:lnRef>
+            <a:fillRef idx="1">
+              <a:schemeClr val="accent1"/>
+            </a:fillRef>
+            <a:effectRef idx="0">
+              <a:schemeClr val="accent1"/>
+            </a:effectRef>
+            <a:fontRef idx="minor">
+              <a:schemeClr val="lt1"/>
+            </a:fontRef>
+          </p:style>
+          <p:txBody>
+            <a:bodyPr rtlCol="0" anchor="ctr"/>
+            <a:lstStyle/>
+            <a:p>
+              <a:pPr algn="ctr"/>
+              <a:endParaRPr lang="ko-KR" altLang="en-US"/>
+            </a:p>
+          </p:txBody>
+        </p:sp>
+      </p:grpSp>
+      <p:grpSp>
+        <p:nvGrpSpPr>
+          <p:cNvPr id="12" name="Group 11">
+            <a:extLst>
+              <a:ext uri="{FF2B5EF4-FFF2-40B4-BE49-F238E27FC236}">
+                <a16:creationId xmlns:a16="http://schemas.microsoft.com/office/drawing/2014/main" id="{B92A97BC-ADAC-2170-1C3D-F9A8E969C4D2}"/>
+              </a:ext>
+            </a:extLst>
+          </p:cNvPr>
+          <p:cNvGrpSpPr/>
+          <p:nvPr/>
+        </p:nvGrpSpPr>
+        <p:grpSpPr>
+          <a:xfrm>
+            <a:off x="4881600" y="0"/>
+            <a:ext cx="1625600" cy="1625600"/>
+            <a:chOff x="0" y="0"/>
+            <a:chExt cx="1625600" cy="1625600"/>
+          </a:xfrm>
+        </p:grpSpPr>
+        <p:sp>
+          <p:nvSpPr>
+            <p:cNvPr id="13" name="Rectangle 12">
+              <a:extLst>
+                <a:ext uri="{FF2B5EF4-FFF2-40B4-BE49-F238E27FC236}">
+                  <a16:creationId xmlns:a16="http://schemas.microsoft.com/office/drawing/2014/main" id="{C25EE227-0D75-D656-9826-F29E019A2AEB}"/>
+                </a:ext>
+              </a:extLst>
+            </p:cNvPr>
+            <p:cNvSpPr/>
+            <p:nvPr/>
+          </p:nvSpPr>
+          <p:spPr>
+            <a:xfrm>
+              <a:off x="0" y="0"/>
+              <a:ext cx="1625600" cy="1625600"/>
+            </a:xfrm>
+            <a:prstGeom prst="rect">
+              <a:avLst/>
+            </a:prstGeom>
+            <a:solidFill>
+              <a:schemeClr val="bg1"/>
+            </a:solidFill>
+            <a:ln>
+              <a:noFill/>
+            </a:ln>
+          </p:spPr>
+          <p:style>
+            <a:lnRef idx="2">
+              <a:schemeClr val="accent1">
+                <a:shade val="20000"/>
+              </a:schemeClr>
+            </a:lnRef>
+            <a:fillRef idx="1">
+              <a:schemeClr val="accent1"/>
+            </a:fillRef>
+            <a:effectRef idx="0">
+              <a:schemeClr val="accent1"/>
+            </a:effectRef>
+            <a:fontRef idx="minor">
+              <a:schemeClr val="lt1"/>
+            </a:fontRef>
+          </p:style>
+          <p:txBody>
+            <a:bodyPr wrap="none" lIns="108000" tIns="0" rIns="108000" bIns="144000" rtlCol="0" anchor="ctr"/>
+            <a:lstStyle/>
+            <a:p>
+              <a:pPr algn="ctr"/>
+              <a:r>
+                <a:rPr lang="en-US" altLang="ko-KR" sz="5400" dirty="0">
+                  <a:solidFill>
+                    <a:schemeClr val="tx1"/>
+                  </a:solidFill>
+                  <a:latin typeface="DSEG14 Classic" panose="02000503000000000000" pitchFamily="2" charset="0"/>
+                </a:rPr>
+                <a:t>04</a:t>
+              </a:r>
+              <a:endParaRPr lang="ko-KR" altLang="en-US" sz="5400" dirty="0">
+                <a:solidFill>
+                  <a:schemeClr val="tx1"/>
+                </a:solidFill>
+                <a:latin typeface="DSEG14 Classic" panose="02000503000000000000" pitchFamily="2" charset="0"/>
+              </a:endParaRPr>
+            </a:p>
+          </p:txBody>
+        </p:sp>
+        <p:sp>
+          <p:nvSpPr>
+            <p:cNvPr id="14" name="Rectangle 13">
+              <a:extLst>
+                <a:ext uri="{FF2B5EF4-FFF2-40B4-BE49-F238E27FC236}">
+                  <a16:creationId xmlns:a16="http://schemas.microsoft.com/office/drawing/2014/main" id="{5EB177BC-684D-416C-5FAE-B1044AC39C84}"/>
+                </a:ext>
+              </a:extLst>
+            </p:cNvPr>
+            <p:cNvSpPr>
+              <a:spLocks noChangeAspect="1"/>
+            </p:cNvSpPr>
+            <p:nvPr/>
+          </p:nvSpPr>
+          <p:spPr>
+            <a:xfrm>
+              <a:off x="88900" y="88900"/>
+              <a:ext cx="1447800" cy="1447800"/>
+            </a:xfrm>
+            <a:prstGeom prst="rect">
+              <a:avLst/>
+            </a:prstGeom>
+            <a:noFill/>
+            <a:ln w="25400">
+              <a:solidFill>
+                <a:schemeClr val="tx1"/>
+              </a:solidFill>
+            </a:ln>
+          </p:spPr>
+          <p:style>
+            <a:lnRef idx="2">
+              <a:schemeClr val="accent1">
+                <a:shade val="20000"/>
+              </a:schemeClr>
+            </a:lnRef>
+            <a:fillRef idx="1">
+              <a:schemeClr val="accent1"/>
+            </a:fillRef>
+            <a:effectRef idx="0">
+              <a:schemeClr val="accent1"/>
+            </a:effectRef>
+            <a:fontRef idx="minor">
+              <a:schemeClr val="lt1"/>
+            </a:fontRef>
+          </p:style>
+          <p:txBody>
+            <a:bodyPr rtlCol="0" anchor="ctr"/>
+            <a:lstStyle/>
+            <a:p>
+              <a:pPr algn="ctr"/>
+              <a:endParaRPr lang="ko-KR" altLang="en-US"/>
+            </a:p>
+          </p:txBody>
+        </p:sp>
+      </p:grpSp>
+      <p:grpSp>
+        <p:nvGrpSpPr>
+          <p:cNvPr id="15" name="Group 14">
+            <a:extLst>
+              <a:ext uri="{FF2B5EF4-FFF2-40B4-BE49-F238E27FC236}">
+                <a16:creationId xmlns:a16="http://schemas.microsoft.com/office/drawing/2014/main" id="{BD8C203C-8E21-214A-8380-2CBBB33E2F61}"/>
+              </a:ext>
+            </a:extLst>
+          </p:cNvPr>
+          <p:cNvGrpSpPr/>
+          <p:nvPr/>
+        </p:nvGrpSpPr>
+        <p:grpSpPr>
+          <a:xfrm>
+            <a:off x="6507200" y="0"/>
+            <a:ext cx="1625600" cy="1625600"/>
+            <a:chOff x="0" y="0"/>
+            <a:chExt cx="1625600" cy="1625600"/>
+          </a:xfrm>
+        </p:grpSpPr>
+        <p:sp>
+          <p:nvSpPr>
+            <p:cNvPr id="16" name="Rectangle 15">
+              <a:extLst>
+                <a:ext uri="{FF2B5EF4-FFF2-40B4-BE49-F238E27FC236}">
+                  <a16:creationId xmlns:a16="http://schemas.microsoft.com/office/drawing/2014/main" id="{E62667D4-F45A-A3AE-5DBB-424975D0C11F}"/>
+                </a:ext>
+              </a:extLst>
+            </p:cNvPr>
+            <p:cNvSpPr/>
+            <p:nvPr/>
+          </p:nvSpPr>
+          <p:spPr>
+            <a:xfrm>
+              <a:off x="0" y="0"/>
+              <a:ext cx="1625600" cy="1625600"/>
+            </a:xfrm>
+            <a:prstGeom prst="rect">
+              <a:avLst/>
+            </a:prstGeom>
+            <a:solidFill>
+              <a:schemeClr val="bg1"/>
+            </a:solidFill>
+            <a:ln>
+              <a:noFill/>
+            </a:ln>
+          </p:spPr>
+          <p:style>
+            <a:lnRef idx="2">
+              <a:schemeClr val="accent1">
+                <a:shade val="20000"/>
+              </a:schemeClr>
+            </a:lnRef>
+            <a:fillRef idx="1">
+              <a:schemeClr val="accent1"/>
+            </a:fillRef>
+            <a:effectRef idx="0">
+              <a:schemeClr val="accent1"/>
+            </a:effectRef>
+            <a:fontRef idx="minor">
+              <a:schemeClr val="lt1"/>
+            </a:fontRef>
+          </p:style>
+          <p:txBody>
+            <a:bodyPr wrap="none" lIns="108000" tIns="0" rIns="108000" bIns="144000" rtlCol="0" anchor="ctr"/>
+            <a:lstStyle/>
+            <a:p>
+              <a:pPr algn="ctr"/>
+              <a:r>
+                <a:rPr lang="en-US" altLang="ko-KR" sz="5400" dirty="0">
+                  <a:solidFill>
+                    <a:schemeClr val="tx1"/>
+                  </a:solidFill>
+                  <a:latin typeface="DSEG14 Classic" panose="02000503000000000000" pitchFamily="2" charset="0"/>
+                </a:rPr>
+                <a:t>05</a:t>
+              </a:r>
+              <a:endParaRPr lang="ko-KR" altLang="en-US" sz="5400" dirty="0">
+                <a:solidFill>
+                  <a:schemeClr val="tx1"/>
+                </a:solidFill>
+                <a:latin typeface="DSEG14 Classic" panose="02000503000000000000" pitchFamily="2" charset="0"/>
+              </a:endParaRPr>
+            </a:p>
+          </p:txBody>
+        </p:sp>
+        <p:sp>
+          <p:nvSpPr>
+            <p:cNvPr id="17" name="Rectangle 16">
+              <a:extLst>
+                <a:ext uri="{FF2B5EF4-FFF2-40B4-BE49-F238E27FC236}">
+                  <a16:creationId xmlns:a16="http://schemas.microsoft.com/office/drawing/2014/main" id="{8DB11700-65F7-40F6-408E-5187AB5A3205}"/>
+                </a:ext>
+              </a:extLst>
+            </p:cNvPr>
+            <p:cNvSpPr>
+              <a:spLocks noChangeAspect="1"/>
+            </p:cNvSpPr>
+            <p:nvPr/>
+          </p:nvSpPr>
+          <p:spPr>
+            <a:xfrm>
+              <a:off x="88900" y="88900"/>
+              <a:ext cx="1447800" cy="1447800"/>
+            </a:xfrm>
+            <a:prstGeom prst="rect">
+              <a:avLst/>
+            </a:prstGeom>
+            <a:noFill/>
+            <a:ln w="25400">
+              <a:solidFill>
+                <a:schemeClr val="tx1"/>
+              </a:solidFill>
+            </a:ln>
+          </p:spPr>
+          <p:style>
+            <a:lnRef idx="2">
+              <a:schemeClr val="accent1">
+                <a:shade val="20000"/>
+              </a:schemeClr>
+            </a:lnRef>
+            <a:fillRef idx="1">
+              <a:schemeClr val="accent1"/>
+            </a:fillRef>
+            <a:effectRef idx="0">
+              <a:schemeClr val="accent1"/>
+            </a:effectRef>
+            <a:fontRef idx="minor">
+              <a:schemeClr val="lt1"/>
+            </a:fontRef>
+          </p:style>
+          <p:txBody>
+            <a:bodyPr rtlCol="0" anchor="ctr"/>
+            <a:lstStyle/>
+            <a:p>
+              <a:pPr algn="ctr"/>
+              <a:endParaRPr lang="ko-KR" altLang="en-US"/>
+            </a:p>
+          </p:txBody>
+        </p:sp>
+      </p:grpSp>
+      <p:grpSp>
+        <p:nvGrpSpPr>
+          <p:cNvPr id="20" name="Group 19">
+            <a:extLst>
+              <a:ext uri="{FF2B5EF4-FFF2-40B4-BE49-F238E27FC236}">
+                <a16:creationId xmlns:a16="http://schemas.microsoft.com/office/drawing/2014/main" id="{8142724E-0DEB-275A-5B15-A8DC9CB5A3A4}"/>
+              </a:ext>
+            </a:extLst>
+          </p:cNvPr>
+          <p:cNvGrpSpPr/>
+          <p:nvPr/>
+        </p:nvGrpSpPr>
+        <p:grpSpPr>
+          <a:xfrm>
+            <a:off x="800" y="1625600"/>
+            <a:ext cx="1625600" cy="1625600"/>
+            <a:chOff x="0" y="0"/>
+            <a:chExt cx="1625600" cy="1625600"/>
+          </a:xfrm>
+        </p:grpSpPr>
+        <p:sp>
+          <p:nvSpPr>
+            <p:cNvPr id="33" name="Rectangle 32">
+              <a:extLst>
+                <a:ext uri="{FF2B5EF4-FFF2-40B4-BE49-F238E27FC236}">
+                  <a16:creationId xmlns:a16="http://schemas.microsoft.com/office/drawing/2014/main" id="{B7A1CDC8-F1F0-CF6A-EB94-404C8460D811}"/>
+                </a:ext>
+              </a:extLst>
+            </p:cNvPr>
+            <p:cNvSpPr/>
+            <p:nvPr/>
+          </p:nvSpPr>
+          <p:spPr>
+            <a:xfrm>
+              <a:off x="0" y="0"/>
+              <a:ext cx="1625600" cy="1625600"/>
+            </a:xfrm>
+            <a:prstGeom prst="rect">
+              <a:avLst/>
+            </a:prstGeom>
+            <a:solidFill>
+              <a:schemeClr val="bg1"/>
+            </a:solidFill>
+            <a:ln>
+              <a:noFill/>
+            </a:ln>
+          </p:spPr>
+          <p:style>
+            <a:lnRef idx="2">
+              <a:schemeClr val="accent1">
+                <a:shade val="20000"/>
+              </a:schemeClr>
+            </a:lnRef>
+            <a:fillRef idx="1">
+              <a:schemeClr val="accent1"/>
+            </a:fillRef>
+            <a:effectRef idx="0">
+              <a:schemeClr val="accent1"/>
+            </a:effectRef>
+            <a:fontRef idx="minor">
+              <a:schemeClr val="lt1"/>
+            </a:fontRef>
+          </p:style>
+          <p:txBody>
+            <a:bodyPr wrap="none" lIns="108000" tIns="0" rIns="108000" bIns="144000" rtlCol="0" anchor="ctr"/>
+            <a:lstStyle/>
+            <a:p>
+              <a:pPr algn="ctr"/>
+              <a:r>
+                <a:rPr lang="en-US" altLang="ko-KR" sz="5400" dirty="0">
+                  <a:solidFill>
+                    <a:schemeClr val="tx1"/>
+                  </a:solidFill>
+                  <a:latin typeface="DSEG14 Classic" panose="02000503000000000000" pitchFamily="2" charset="0"/>
+                </a:rPr>
+                <a:t>06</a:t>
+              </a:r>
+              <a:endParaRPr lang="ko-KR" altLang="en-US" sz="5400" dirty="0">
+                <a:solidFill>
+                  <a:schemeClr val="tx1"/>
+                </a:solidFill>
+                <a:latin typeface="DSEG14 Classic" panose="02000503000000000000" pitchFamily="2" charset="0"/>
+              </a:endParaRPr>
+            </a:p>
+          </p:txBody>
+        </p:sp>
+        <p:sp>
+          <p:nvSpPr>
+            <p:cNvPr id="34" name="Rectangle 33">
+              <a:extLst>
+                <a:ext uri="{FF2B5EF4-FFF2-40B4-BE49-F238E27FC236}">
+                  <a16:creationId xmlns:a16="http://schemas.microsoft.com/office/drawing/2014/main" id="{4349E3E1-03FE-9922-0774-BCC64AFA8713}"/>
+                </a:ext>
+              </a:extLst>
+            </p:cNvPr>
+            <p:cNvSpPr>
+              <a:spLocks noChangeAspect="1"/>
+            </p:cNvSpPr>
+            <p:nvPr/>
+          </p:nvSpPr>
+          <p:spPr>
+            <a:xfrm>
+              <a:off x="88900" y="88900"/>
+              <a:ext cx="1447800" cy="1447800"/>
+            </a:xfrm>
+            <a:prstGeom prst="rect">
+              <a:avLst/>
+            </a:prstGeom>
+            <a:noFill/>
+            <a:ln w="25400">
+              <a:solidFill>
+                <a:schemeClr val="tx1"/>
+              </a:solidFill>
+            </a:ln>
+          </p:spPr>
+          <p:style>
+            <a:lnRef idx="2">
+              <a:schemeClr val="accent1">
+                <a:shade val="20000"/>
+              </a:schemeClr>
+            </a:lnRef>
+            <a:fillRef idx="1">
+              <a:schemeClr val="accent1"/>
+            </a:fillRef>
+            <a:effectRef idx="0">
+              <a:schemeClr val="accent1"/>
+            </a:effectRef>
+            <a:fontRef idx="minor">
+              <a:schemeClr val="lt1"/>
+            </a:fontRef>
+          </p:style>
+          <p:txBody>
+            <a:bodyPr rtlCol="0" anchor="ctr"/>
+            <a:lstStyle/>
+            <a:p>
+              <a:pPr algn="ctr"/>
+              <a:endParaRPr lang="ko-KR" altLang="en-US"/>
+            </a:p>
+          </p:txBody>
+        </p:sp>
+      </p:grpSp>
+      <p:grpSp>
+        <p:nvGrpSpPr>
+          <p:cNvPr id="21" name="Group 20">
+            <a:extLst>
+              <a:ext uri="{FF2B5EF4-FFF2-40B4-BE49-F238E27FC236}">
+                <a16:creationId xmlns:a16="http://schemas.microsoft.com/office/drawing/2014/main" id="{39012E1D-1CC8-74CD-553C-768CA29CF4D2}"/>
+              </a:ext>
+            </a:extLst>
+          </p:cNvPr>
+          <p:cNvGrpSpPr/>
+          <p:nvPr/>
+        </p:nvGrpSpPr>
+        <p:grpSpPr>
+          <a:xfrm>
+            <a:off x="1626400" y="1625600"/>
+            <a:ext cx="1625600" cy="1625600"/>
+            <a:chOff x="0" y="0"/>
+            <a:chExt cx="1625600" cy="1625600"/>
+          </a:xfrm>
+        </p:grpSpPr>
+        <p:sp>
+          <p:nvSpPr>
+            <p:cNvPr id="31" name="Rectangle 30">
+              <a:extLst>
+                <a:ext uri="{FF2B5EF4-FFF2-40B4-BE49-F238E27FC236}">
+                  <a16:creationId xmlns:a16="http://schemas.microsoft.com/office/drawing/2014/main" id="{204693DB-EF01-D477-B970-B314FD2DA029}"/>
+                </a:ext>
+              </a:extLst>
+            </p:cNvPr>
+            <p:cNvSpPr/>
+            <p:nvPr/>
+          </p:nvSpPr>
+          <p:spPr>
+            <a:xfrm>
+              <a:off x="0" y="0"/>
+              <a:ext cx="1625600" cy="1625600"/>
+            </a:xfrm>
+            <a:prstGeom prst="rect">
+              <a:avLst/>
+            </a:prstGeom>
+            <a:solidFill>
+              <a:schemeClr val="bg1"/>
+            </a:solidFill>
+            <a:ln>
+              <a:noFill/>
+            </a:ln>
+          </p:spPr>
+          <p:style>
+            <a:lnRef idx="2">
+              <a:schemeClr val="accent1">
+                <a:shade val="20000"/>
+              </a:schemeClr>
+            </a:lnRef>
+            <a:fillRef idx="1">
+              <a:schemeClr val="accent1"/>
+            </a:fillRef>
+            <a:effectRef idx="0">
+              <a:schemeClr val="accent1"/>
+            </a:effectRef>
+            <a:fontRef idx="minor">
+              <a:schemeClr val="lt1"/>
+            </a:fontRef>
+          </p:style>
+          <p:txBody>
+            <a:bodyPr wrap="none" lIns="108000" tIns="0" rIns="108000" bIns="144000" rtlCol="0" anchor="ctr"/>
+            <a:lstStyle/>
+            <a:p>
+              <a:pPr algn="ctr"/>
+              <a:r>
+                <a:rPr lang="en-US" altLang="ko-KR" sz="5400" dirty="0">
+                  <a:solidFill>
+                    <a:schemeClr val="tx1"/>
+                  </a:solidFill>
+                  <a:latin typeface="DSEG14 Classic" panose="02000503000000000000" pitchFamily="2" charset="0"/>
+                </a:rPr>
+                <a:t>07</a:t>
+              </a:r>
+              <a:endParaRPr lang="ko-KR" altLang="en-US" sz="5400" dirty="0">
+                <a:solidFill>
+                  <a:schemeClr val="tx1"/>
+                </a:solidFill>
+                <a:latin typeface="DSEG14 Classic" panose="02000503000000000000" pitchFamily="2" charset="0"/>
+              </a:endParaRPr>
+            </a:p>
+          </p:txBody>
+        </p:sp>
+        <p:sp>
+          <p:nvSpPr>
+            <p:cNvPr id="32" name="Rectangle 31">
+              <a:extLst>
+                <a:ext uri="{FF2B5EF4-FFF2-40B4-BE49-F238E27FC236}">
+                  <a16:creationId xmlns:a16="http://schemas.microsoft.com/office/drawing/2014/main" id="{65F1D73D-4478-EDCC-4196-8A214129C16E}"/>
+                </a:ext>
+              </a:extLst>
+            </p:cNvPr>
+            <p:cNvSpPr>
+              <a:spLocks noChangeAspect="1"/>
+            </p:cNvSpPr>
+            <p:nvPr/>
+          </p:nvSpPr>
+          <p:spPr>
+            <a:xfrm>
+              <a:off x="88900" y="88900"/>
+              <a:ext cx="1447800" cy="1447800"/>
+            </a:xfrm>
+            <a:prstGeom prst="rect">
+              <a:avLst/>
+            </a:prstGeom>
+            <a:noFill/>
+            <a:ln w="25400">
+              <a:solidFill>
+                <a:schemeClr val="tx1"/>
+              </a:solidFill>
+            </a:ln>
+          </p:spPr>
+          <p:style>
+            <a:lnRef idx="2">
+              <a:schemeClr val="accent1">
+                <a:shade val="20000"/>
+              </a:schemeClr>
+            </a:lnRef>
+            <a:fillRef idx="1">
+              <a:schemeClr val="accent1"/>
+            </a:fillRef>
+            <a:effectRef idx="0">
+              <a:schemeClr val="accent1"/>
+            </a:effectRef>
+            <a:fontRef idx="minor">
+              <a:schemeClr val="lt1"/>
+            </a:fontRef>
+          </p:style>
+          <p:txBody>
+            <a:bodyPr rtlCol="0" anchor="ctr"/>
+            <a:lstStyle/>
+            <a:p>
+              <a:pPr algn="ctr"/>
+              <a:endParaRPr lang="ko-KR" altLang="en-US"/>
+            </a:p>
+          </p:txBody>
+        </p:sp>
+      </p:grpSp>
+      <p:grpSp>
+        <p:nvGrpSpPr>
+          <p:cNvPr id="22" name="Group 21">
+            <a:extLst>
+              <a:ext uri="{FF2B5EF4-FFF2-40B4-BE49-F238E27FC236}">
+                <a16:creationId xmlns:a16="http://schemas.microsoft.com/office/drawing/2014/main" id="{5A572C20-A47C-DA74-B7C9-9A26938246A3}"/>
+              </a:ext>
+            </a:extLst>
+          </p:cNvPr>
+          <p:cNvGrpSpPr/>
+          <p:nvPr/>
+        </p:nvGrpSpPr>
+        <p:grpSpPr>
+          <a:xfrm>
+            <a:off x="3255200" y="1625600"/>
+            <a:ext cx="1625600" cy="1625600"/>
+            <a:chOff x="0" y="0"/>
+            <a:chExt cx="1625600" cy="1625600"/>
+          </a:xfrm>
+        </p:grpSpPr>
+        <p:sp>
+          <p:nvSpPr>
+            <p:cNvPr id="29" name="Rectangle 28">
+              <a:extLst>
+                <a:ext uri="{FF2B5EF4-FFF2-40B4-BE49-F238E27FC236}">
+                  <a16:creationId xmlns:a16="http://schemas.microsoft.com/office/drawing/2014/main" id="{1AAA2DEA-82BE-C90C-BAD8-CC23285B57D2}"/>
+                </a:ext>
+              </a:extLst>
+            </p:cNvPr>
+            <p:cNvSpPr/>
+            <p:nvPr/>
+          </p:nvSpPr>
+          <p:spPr>
+            <a:xfrm>
+              <a:off x="0" y="0"/>
+              <a:ext cx="1625600" cy="1625600"/>
+            </a:xfrm>
+            <a:prstGeom prst="rect">
+              <a:avLst/>
+            </a:prstGeom>
+            <a:solidFill>
+              <a:schemeClr val="bg1"/>
+            </a:solidFill>
+            <a:ln>
+              <a:noFill/>
+            </a:ln>
+          </p:spPr>
+          <p:style>
+            <a:lnRef idx="2">
+              <a:schemeClr val="accent1">
+                <a:shade val="20000"/>
+              </a:schemeClr>
+            </a:lnRef>
+            <a:fillRef idx="1">
+              <a:schemeClr val="accent1"/>
+            </a:fillRef>
+            <a:effectRef idx="0">
+              <a:schemeClr val="accent1"/>
+            </a:effectRef>
+            <a:fontRef idx="minor">
+              <a:schemeClr val="lt1"/>
+            </a:fontRef>
+          </p:style>
+          <p:txBody>
+            <a:bodyPr wrap="none" lIns="108000" tIns="0" rIns="108000" bIns="144000" rtlCol="0" anchor="ctr"/>
+            <a:lstStyle/>
+            <a:p>
+              <a:pPr algn="ctr"/>
+              <a:r>
+                <a:rPr lang="en-US" altLang="ko-KR" sz="5400" dirty="0">
+                  <a:solidFill>
+                    <a:schemeClr val="tx1"/>
+                  </a:solidFill>
+                  <a:latin typeface="DSEG14 Classic" panose="02000503000000000000" pitchFamily="2" charset="0"/>
+                </a:rPr>
+                <a:t>08</a:t>
+              </a:r>
+              <a:endParaRPr lang="ko-KR" altLang="en-US" sz="5400" dirty="0">
+                <a:solidFill>
+                  <a:schemeClr val="tx1"/>
+                </a:solidFill>
+                <a:latin typeface="DSEG14 Classic" panose="02000503000000000000" pitchFamily="2" charset="0"/>
+              </a:endParaRPr>
+            </a:p>
+          </p:txBody>
+        </p:sp>
+        <p:sp>
+          <p:nvSpPr>
+            <p:cNvPr id="30" name="Rectangle 29">
+              <a:extLst>
+                <a:ext uri="{FF2B5EF4-FFF2-40B4-BE49-F238E27FC236}">
+                  <a16:creationId xmlns:a16="http://schemas.microsoft.com/office/drawing/2014/main" id="{CBBFA55F-A86E-A156-C4CF-1074A229EC6F}"/>
+                </a:ext>
+              </a:extLst>
+            </p:cNvPr>
+            <p:cNvSpPr>
+              <a:spLocks noChangeAspect="1"/>
+            </p:cNvSpPr>
+            <p:nvPr/>
+          </p:nvSpPr>
+          <p:spPr>
+            <a:xfrm>
+              <a:off x="88900" y="88900"/>
+              <a:ext cx="1447800" cy="1447800"/>
+            </a:xfrm>
+            <a:prstGeom prst="rect">
+              <a:avLst/>
+            </a:prstGeom>
+            <a:noFill/>
+            <a:ln w="25400">
+              <a:solidFill>
+                <a:schemeClr val="tx1"/>
+              </a:solidFill>
+            </a:ln>
+          </p:spPr>
+          <p:style>
+            <a:lnRef idx="2">
+              <a:schemeClr val="accent1">
+                <a:shade val="20000"/>
+              </a:schemeClr>
+            </a:lnRef>
+            <a:fillRef idx="1">
+              <a:schemeClr val="accent1"/>
+            </a:fillRef>
+            <a:effectRef idx="0">
+              <a:schemeClr val="accent1"/>
+            </a:effectRef>
+            <a:fontRef idx="minor">
+              <a:schemeClr val="lt1"/>
+            </a:fontRef>
+          </p:style>
+          <p:txBody>
+            <a:bodyPr rtlCol="0" anchor="ctr"/>
+            <a:lstStyle/>
+            <a:p>
+              <a:pPr algn="ctr"/>
+              <a:endParaRPr lang="ko-KR" altLang="en-US"/>
+            </a:p>
+          </p:txBody>
+        </p:sp>
+      </p:grpSp>
+      <p:grpSp>
+        <p:nvGrpSpPr>
+          <p:cNvPr id="23" name="Group 22">
+            <a:extLst>
+              <a:ext uri="{FF2B5EF4-FFF2-40B4-BE49-F238E27FC236}">
+                <a16:creationId xmlns:a16="http://schemas.microsoft.com/office/drawing/2014/main" id="{18D2EC9B-68A0-7B07-F287-B58C938331A1}"/>
+              </a:ext>
+            </a:extLst>
+          </p:cNvPr>
+          <p:cNvGrpSpPr/>
+          <p:nvPr/>
+        </p:nvGrpSpPr>
+        <p:grpSpPr>
+          <a:xfrm>
+            <a:off x="4882400" y="1625600"/>
+            <a:ext cx="1625600" cy="1625600"/>
+            <a:chOff x="0" y="0"/>
+            <a:chExt cx="1625600" cy="1625600"/>
+          </a:xfrm>
+        </p:grpSpPr>
+        <p:sp>
+          <p:nvSpPr>
+            <p:cNvPr id="27" name="Rectangle 26">
+              <a:extLst>
+                <a:ext uri="{FF2B5EF4-FFF2-40B4-BE49-F238E27FC236}">
+                  <a16:creationId xmlns:a16="http://schemas.microsoft.com/office/drawing/2014/main" id="{174B929D-BE12-A51E-423C-18FAD30E0142}"/>
+                </a:ext>
+              </a:extLst>
+            </p:cNvPr>
+            <p:cNvSpPr/>
+            <p:nvPr/>
+          </p:nvSpPr>
+          <p:spPr>
+            <a:xfrm>
+              <a:off x="0" y="0"/>
+              <a:ext cx="1625600" cy="1625600"/>
+            </a:xfrm>
+            <a:prstGeom prst="rect">
+              <a:avLst/>
+            </a:prstGeom>
+            <a:solidFill>
+              <a:schemeClr val="bg1"/>
+            </a:solidFill>
+            <a:ln>
+              <a:noFill/>
+            </a:ln>
+          </p:spPr>
+          <p:style>
+            <a:lnRef idx="2">
+              <a:schemeClr val="accent1">
+                <a:shade val="20000"/>
+              </a:schemeClr>
+            </a:lnRef>
+            <a:fillRef idx="1">
+              <a:schemeClr val="accent1"/>
+            </a:fillRef>
+            <a:effectRef idx="0">
+              <a:schemeClr val="accent1"/>
+            </a:effectRef>
+            <a:fontRef idx="minor">
+              <a:schemeClr val="lt1"/>
+            </a:fontRef>
+          </p:style>
+          <p:txBody>
+            <a:bodyPr wrap="none" lIns="108000" tIns="0" rIns="108000" bIns="144000" rtlCol="0" anchor="ctr"/>
+            <a:lstStyle/>
+            <a:p>
+              <a:pPr algn="ctr"/>
+              <a:r>
+                <a:rPr lang="en-US" altLang="ko-KR" sz="5400" dirty="0">
+                  <a:solidFill>
+                    <a:schemeClr val="tx1"/>
+                  </a:solidFill>
+                  <a:latin typeface="DSEG14 Classic" panose="02000503000000000000" pitchFamily="2" charset="0"/>
+                </a:rPr>
+                <a:t>09</a:t>
+              </a:r>
+              <a:endParaRPr lang="ko-KR" altLang="en-US" sz="5400" dirty="0">
+                <a:solidFill>
+                  <a:schemeClr val="tx1"/>
+                </a:solidFill>
+                <a:latin typeface="DSEG14 Classic" panose="02000503000000000000" pitchFamily="2" charset="0"/>
+              </a:endParaRPr>
+            </a:p>
+          </p:txBody>
+        </p:sp>
+        <p:sp>
+          <p:nvSpPr>
+            <p:cNvPr id="28" name="Rectangle 27">
+              <a:extLst>
+                <a:ext uri="{FF2B5EF4-FFF2-40B4-BE49-F238E27FC236}">
+                  <a16:creationId xmlns:a16="http://schemas.microsoft.com/office/drawing/2014/main" id="{EC9F05C6-ABCC-30E0-467A-F6D385E94070}"/>
+                </a:ext>
+              </a:extLst>
+            </p:cNvPr>
+            <p:cNvSpPr>
+              <a:spLocks noChangeAspect="1"/>
+            </p:cNvSpPr>
+            <p:nvPr/>
+          </p:nvSpPr>
+          <p:spPr>
+            <a:xfrm>
+              <a:off x="88900" y="88900"/>
+              <a:ext cx="1447800" cy="1447800"/>
+            </a:xfrm>
+            <a:prstGeom prst="rect">
+              <a:avLst/>
+            </a:prstGeom>
+            <a:noFill/>
+            <a:ln w="25400">
+              <a:solidFill>
+                <a:schemeClr val="tx1"/>
+              </a:solidFill>
+            </a:ln>
+          </p:spPr>
+          <p:style>
+            <a:lnRef idx="2">
+              <a:schemeClr val="accent1">
+                <a:shade val="20000"/>
+              </a:schemeClr>
+            </a:lnRef>
+            <a:fillRef idx="1">
+              <a:schemeClr val="accent1"/>
+            </a:fillRef>
+            <a:effectRef idx="0">
+              <a:schemeClr val="accent1"/>
+            </a:effectRef>
+            <a:fontRef idx="minor">
+              <a:schemeClr val="lt1"/>
+            </a:fontRef>
+          </p:style>
+          <p:txBody>
+            <a:bodyPr rtlCol="0" anchor="ctr"/>
+            <a:lstStyle/>
+            <a:p>
+              <a:pPr algn="ctr"/>
+              <a:endParaRPr lang="ko-KR" altLang="en-US"/>
+            </a:p>
+          </p:txBody>
+        </p:sp>
+      </p:grpSp>
+      <p:grpSp>
+        <p:nvGrpSpPr>
+          <p:cNvPr id="24" name="Group 23">
+            <a:extLst>
+              <a:ext uri="{FF2B5EF4-FFF2-40B4-BE49-F238E27FC236}">
+                <a16:creationId xmlns:a16="http://schemas.microsoft.com/office/drawing/2014/main" id="{E68AE7A3-DFC1-E910-C7BD-EB636F7E8F09}"/>
+              </a:ext>
+            </a:extLst>
+          </p:cNvPr>
+          <p:cNvGrpSpPr/>
+          <p:nvPr/>
+        </p:nvGrpSpPr>
+        <p:grpSpPr>
+          <a:xfrm>
+            <a:off x="6508000" y="1625600"/>
+            <a:ext cx="1625600" cy="1625600"/>
+            <a:chOff x="0" y="0"/>
+            <a:chExt cx="1625600" cy="1625600"/>
+          </a:xfrm>
+        </p:grpSpPr>
+        <p:sp>
+          <p:nvSpPr>
+            <p:cNvPr id="25" name="Rectangle 24">
+              <a:extLst>
+                <a:ext uri="{FF2B5EF4-FFF2-40B4-BE49-F238E27FC236}">
+                  <a16:creationId xmlns:a16="http://schemas.microsoft.com/office/drawing/2014/main" id="{5957CA70-8387-7693-5B69-1DD8D35DE214}"/>
+                </a:ext>
+              </a:extLst>
+            </p:cNvPr>
+            <p:cNvSpPr/>
+            <p:nvPr/>
+          </p:nvSpPr>
+          <p:spPr>
+            <a:xfrm>
+              <a:off x="0" y="0"/>
+              <a:ext cx="1625600" cy="1625600"/>
+            </a:xfrm>
+            <a:prstGeom prst="rect">
+              <a:avLst/>
+            </a:prstGeom>
+            <a:solidFill>
+              <a:schemeClr val="bg1"/>
+            </a:solidFill>
+            <a:ln>
+              <a:noFill/>
+            </a:ln>
+          </p:spPr>
+          <p:style>
+            <a:lnRef idx="2">
+              <a:schemeClr val="accent1">
+                <a:shade val="20000"/>
+              </a:schemeClr>
+            </a:lnRef>
+            <a:fillRef idx="1">
+              <a:schemeClr val="accent1"/>
+            </a:fillRef>
+            <a:effectRef idx="0">
+              <a:schemeClr val="accent1"/>
+            </a:effectRef>
+            <a:fontRef idx="minor">
+              <a:schemeClr val="lt1"/>
+            </a:fontRef>
+          </p:style>
+          <p:txBody>
+            <a:bodyPr wrap="none" lIns="108000" tIns="0" rIns="108000" bIns="144000" rtlCol="0" anchor="ctr"/>
+            <a:lstStyle/>
+            <a:p>
+              <a:pPr algn="ctr"/>
+              <a:r>
+                <a:rPr lang="en-US" altLang="ko-KR" sz="5400" dirty="0">
+                  <a:solidFill>
+                    <a:schemeClr val="tx1"/>
+                  </a:solidFill>
+                  <a:latin typeface="DSEG14 Classic" panose="02000503000000000000" pitchFamily="2" charset="0"/>
+                </a:rPr>
+                <a:t>10</a:t>
+              </a:r>
+              <a:endParaRPr lang="ko-KR" altLang="en-US" sz="5400" dirty="0">
+                <a:solidFill>
+                  <a:schemeClr val="tx1"/>
+                </a:solidFill>
+                <a:latin typeface="DSEG14 Classic" panose="02000503000000000000" pitchFamily="2" charset="0"/>
+              </a:endParaRPr>
+            </a:p>
+          </p:txBody>
+        </p:sp>
+        <p:sp>
+          <p:nvSpPr>
+            <p:cNvPr id="26" name="Rectangle 25">
+              <a:extLst>
+                <a:ext uri="{FF2B5EF4-FFF2-40B4-BE49-F238E27FC236}">
+                  <a16:creationId xmlns:a16="http://schemas.microsoft.com/office/drawing/2014/main" id="{4F3D4BC1-D35B-9403-A126-E24CA8552B7A}"/>
+                </a:ext>
+              </a:extLst>
+            </p:cNvPr>
+            <p:cNvSpPr>
+              <a:spLocks noChangeAspect="1"/>
+            </p:cNvSpPr>
+            <p:nvPr/>
+          </p:nvSpPr>
+          <p:spPr>
+            <a:xfrm>
+              <a:off x="88900" y="88900"/>
+              <a:ext cx="1447800" cy="1447800"/>
+            </a:xfrm>
+            <a:prstGeom prst="rect">
+              <a:avLst/>
+            </a:prstGeom>
+            <a:noFill/>
+            <a:ln w="25400">
+              <a:solidFill>
+                <a:schemeClr val="tx1"/>
+              </a:solidFill>
+            </a:ln>
+          </p:spPr>
+          <p:style>
+            <a:lnRef idx="2">
+              <a:schemeClr val="accent1">
+                <a:shade val="20000"/>
+              </a:schemeClr>
+            </a:lnRef>
+            <a:fillRef idx="1">
+              <a:schemeClr val="accent1"/>
+            </a:fillRef>
+            <a:effectRef idx="0">
+              <a:schemeClr val="accent1"/>
+            </a:effectRef>
+            <a:fontRef idx="minor">
+              <a:schemeClr val="lt1"/>
+            </a:fontRef>
+          </p:style>
+          <p:txBody>
+            <a:bodyPr rtlCol="0" anchor="ctr"/>
+            <a:lstStyle/>
+            <a:p>
+              <a:pPr algn="ctr"/>
+              <a:endParaRPr lang="ko-KR" altLang="en-US"/>
+            </a:p>
+          </p:txBody>
+        </p:sp>
+      </p:grpSp>
+      <p:grpSp>
+        <p:nvGrpSpPr>
+          <p:cNvPr id="41" name="Group 40">
+            <a:extLst>
+              <a:ext uri="{FF2B5EF4-FFF2-40B4-BE49-F238E27FC236}">
+                <a16:creationId xmlns:a16="http://schemas.microsoft.com/office/drawing/2014/main" id="{A754CE5B-D31E-8FF1-7CC5-3CEE75FE03A1}"/>
+              </a:ext>
+            </a:extLst>
+          </p:cNvPr>
+          <p:cNvGrpSpPr/>
+          <p:nvPr/>
+        </p:nvGrpSpPr>
+        <p:grpSpPr>
+          <a:xfrm>
+            <a:off x="8133600" y="0"/>
+            <a:ext cx="1625600" cy="1625600"/>
+            <a:chOff x="8133600" y="0"/>
+            <a:chExt cx="1625600" cy="1625600"/>
+          </a:xfrm>
+        </p:grpSpPr>
+        <p:grpSp>
+          <p:nvGrpSpPr>
+            <p:cNvPr id="35" name="Group 34">
+              <a:extLst>
+                <a:ext uri="{FF2B5EF4-FFF2-40B4-BE49-F238E27FC236}">
+                  <a16:creationId xmlns:a16="http://schemas.microsoft.com/office/drawing/2014/main" id="{366B2D68-2BF4-D85D-158B-92665B086259}"/>
+                </a:ext>
+              </a:extLst>
+            </p:cNvPr>
+            <p:cNvGrpSpPr/>
+            <p:nvPr/>
+          </p:nvGrpSpPr>
+          <p:grpSpPr>
+            <a:xfrm>
+              <a:off x="8133600" y="0"/>
+              <a:ext cx="1625600" cy="1625600"/>
+              <a:chOff x="0" y="0"/>
+              <a:chExt cx="1625600" cy="1625600"/>
+            </a:xfrm>
+          </p:grpSpPr>
+          <p:sp>
+            <p:nvSpPr>
+              <p:cNvPr id="36" name="Rectangle 35">
+                <a:extLst>
+                  <a:ext uri="{FF2B5EF4-FFF2-40B4-BE49-F238E27FC236}">
+                    <a16:creationId xmlns:a16="http://schemas.microsoft.com/office/drawing/2014/main" id="{A02F9832-F899-FC35-A673-59DDE07D7AE2}"/>
+                  </a:ext>
+                </a:extLst>
+              </p:cNvPr>
+              <p:cNvSpPr/>
+              <p:nvPr/>
+            </p:nvSpPr>
+            <p:spPr>
+              <a:xfrm>
+                <a:off x="0" y="0"/>
+                <a:ext cx="1625600" cy="1625600"/>
+              </a:xfrm>
+              <a:prstGeom prst="rect">
+                <a:avLst/>
+              </a:prstGeom>
+              <a:solidFill>
+                <a:schemeClr val="bg1"/>
+              </a:solidFill>
+              <a:ln>
+                <a:noFill/>
+              </a:ln>
+            </p:spPr>
+            <p:style>
+              <a:lnRef idx="2">
+                <a:schemeClr val="accent1">
+                  <a:shade val="20000"/>
+                </a:schemeClr>
+              </a:lnRef>
+              <a:fillRef idx="1">
+                <a:schemeClr val="accent1"/>
+              </a:fillRef>
+              <a:effectRef idx="0">
+                <a:schemeClr val="accent1"/>
+              </a:effectRef>
+              <a:fontRef idx="minor">
+                <a:schemeClr val="lt1"/>
+              </a:fontRef>
+            </p:style>
+            <p:txBody>
+              <a:bodyPr wrap="none" lIns="108000" tIns="0" rIns="108000" bIns="144000" rtlCol="0" anchor="ctr"/>
+              <a:lstStyle/>
+              <a:p>
+                <a:pPr algn="ctr"/>
+                <a:endParaRPr lang="ko-KR" altLang="en-US" sz="5400" dirty="0">
+                  <a:solidFill>
+                    <a:schemeClr val="tx1"/>
+                  </a:solidFill>
+                  <a:latin typeface="DSEG14 Classic" panose="02000503000000000000" pitchFamily="2" charset="0"/>
+                </a:endParaRPr>
+              </a:p>
+            </p:txBody>
+          </p:sp>
+          <p:sp>
+            <p:nvSpPr>
+              <p:cNvPr id="37" name="Rectangle 36">
+                <a:extLst>
+                  <a:ext uri="{FF2B5EF4-FFF2-40B4-BE49-F238E27FC236}">
+                    <a16:creationId xmlns:a16="http://schemas.microsoft.com/office/drawing/2014/main" id="{EB6E62D8-0538-5694-5495-0C5F242537F4}"/>
+                  </a:ext>
+                </a:extLst>
+              </p:cNvPr>
+              <p:cNvSpPr>
+                <a:spLocks noChangeAspect="1"/>
+              </p:cNvSpPr>
+              <p:nvPr/>
+            </p:nvSpPr>
+            <p:spPr>
+              <a:xfrm>
+                <a:off x="88900" y="88900"/>
+                <a:ext cx="1447800" cy="1447800"/>
+              </a:xfrm>
+              <a:prstGeom prst="rect">
+                <a:avLst/>
+              </a:prstGeom>
+              <a:noFill/>
+              <a:ln w="25400">
+                <a:solidFill>
+                  <a:schemeClr val="tx1"/>
+                </a:solidFill>
+              </a:ln>
+            </p:spPr>
+            <p:style>
+              <a:lnRef idx="2">
+                <a:schemeClr val="accent1">
+                  <a:shade val="20000"/>
+                </a:schemeClr>
+              </a:lnRef>
+              <a:fillRef idx="1">
+                <a:schemeClr val="accent1"/>
+              </a:fillRef>
+              <a:effectRef idx="0">
+                <a:schemeClr val="accent1"/>
+              </a:effectRef>
+              <a:fontRef idx="minor">
+                <a:schemeClr val="lt1"/>
+              </a:fontRef>
+            </p:style>
+            <p:txBody>
+              <a:bodyPr rtlCol="0" anchor="ctr"/>
+              <a:lstStyle/>
+              <a:p>
+                <a:pPr algn="ctr"/>
+                <a:endParaRPr lang="ko-KR" altLang="en-US"/>
+              </a:p>
+            </p:txBody>
+          </p:sp>
+        </p:grpSp>
+        <p:grpSp>
+          <p:nvGrpSpPr>
+            <p:cNvPr id="40" name="Group 39">
+              <a:extLst>
+                <a:ext uri="{FF2B5EF4-FFF2-40B4-BE49-F238E27FC236}">
+                  <a16:creationId xmlns:a16="http://schemas.microsoft.com/office/drawing/2014/main" id="{E4A21714-7814-DF8E-1A03-23348DF6A373}"/>
+                </a:ext>
+              </a:extLst>
+            </p:cNvPr>
+            <p:cNvGrpSpPr/>
+            <p:nvPr/>
+          </p:nvGrpSpPr>
+          <p:grpSpPr>
+            <a:xfrm>
+              <a:off x="8638263" y="347565"/>
+              <a:ext cx="616273" cy="930470"/>
+              <a:chOff x="6907207" y="5669835"/>
+              <a:chExt cx="1270000" cy="1917489"/>
+            </a:xfrm>
+          </p:grpSpPr>
+          <p:sp>
+            <p:nvSpPr>
+              <p:cNvPr id="38" name="Rectangle 37">
+                <a:extLst>
+                  <a:ext uri="{FF2B5EF4-FFF2-40B4-BE49-F238E27FC236}">
+                    <a16:creationId xmlns:a16="http://schemas.microsoft.com/office/drawing/2014/main" id="{99A1A4F4-DE67-72E2-1555-557E996E6173}"/>
+                  </a:ext>
+                </a:extLst>
+              </p:cNvPr>
+              <p:cNvSpPr/>
+              <p:nvPr/>
+            </p:nvSpPr>
+            <p:spPr>
+              <a:xfrm rot="16200000">
+                <a:off x="6529003" y="6048041"/>
+                <a:ext cx="1509943" cy="753535"/>
+              </a:xfrm>
+              <a:prstGeom prst="rect">
+                <a:avLst/>
+              </a:prstGeom>
+              <a:noFill/>
+              <a:ln w="38100" cap="flat">
+                <a:solidFill>
+                  <a:schemeClr val="dk1"/>
+                </a:solidFill>
+                <a:prstDash val="solid"/>
+              </a:ln>
+            </p:spPr>
+            <p:style>
+              <a:lnRef idx="2">
+                <a:schemeClr val="accent1">
+                  <a:shade val="20000"/>
+                </a:schemeClr>
+              </a:lnRef>
+              <a:fillRef idx="1">
+                <a:schemeClr val="accent1"/>
+              </a:fillRef>
+              <a:effectRef idx="0">
+                <a:schemeClr val="accent1"/>
+              </a:effectRef>
+              <a:fontRef idx="minor">
+                <a:schemeClr val="lt1"/>
+              </a:fontRef>
+            </p:style>
+            <p:txBody>
+              <a:bodyPr anchor="ctr"/>
+              <a:lstStyle/>
+              <a:p>
+                <a:pPr algn="ctr">
+                  <a:defRPr/>
+                </a:pPr>
+                <a:endParaRPr lang="ko-KR" altLang="en-US"/>
+              </a:p>
+            </p:txBody>
+          </p:sp>
+          <p:sp>
+            <p:nvSpPr>
+              <p:cNvPr id="39" name="Parallelogram 38">
+                <a:extLst>
+                  <a:ext uri="{FF2B5EF4-FFF2-40B4-BE49-F238E27FC236}">
+                    <a16:creationId xmlns:a16="http://schemas.microsoft.com/office/drawing/2014/main" id="{E21FD2FA-393A-703A-F9C2-4A8D3069378C}"/>
+                  </a:ext>
+                </a:extLst>
+              </p:cNvPr>
+              <p:cNvSpPr/>
+              <p:nvPr/>
+            </p:nvSpPr>
+            <p:spPr>
+              <a:xfrm rot="16200000">
+                <a:off x="6960230" y="6370348"/>
+                <a:ext cx="1917489" cy="516464"/>
+              </a:xfrm>
+              <a:prstGeom prst="parallelogram">
+                <a:avLst>
+                  <a:gd name="adj" fmla="val 78712"/>
+                </a:avLst>
+              </a:prstGeom>
+              <a:noFill/>
+              <a:ln w="38100" cap="flat">
+                <a:solidFill>
+                  <a:schemeClr val="dk1"/>
+                </a:solidFill>
+                <a:prstDash val="solid"/>
+              </a:ln>
+            </p:spPr>
+            <p:style>
+              <a:lnRef idx="2">
+                <a:schemeClr val="accent1">
+                  <a:shade val="20000"/>
+                </a:schemeClr>
+              </a:lnRef>
+              <a:fillRef idx="1">
+                <a:schemeClr val="accent1"/>
+              </a:fillRef>
+              <a:effectRef idx="0">
+                <a:schemeClr val="accent1"/>
+              </a:effectRef>
+              <a:fontRef idx="minor">
+                <a:schemeClr val="lt1"/>
+              </a:fontRef>
+            </p:style>
+            <p:txBody>
+              <a:bodyPr anchor="ctr"/>
+              <a:lstStyle/>
+              <a:p>
+                <a:pPr algn="ctr">
+                  <a:defRPr/>
+                </a:pPr>
+                <a:endParaRPr lang="ko-KR" altLang="en-US"/>
+              </a:p>
+            </p:txBody>
+          </p:sp>
+        </p:grpSp>
+      </p:grpSp>
+      <p:grpSp>
+        <p:nvGrpSpPr>
+          <p:cNvPr id="54" name="Group 53">
+            <a:extLst>
+              <a:ext uri="{FF2B5EF4-FFF2-40B4-BE49-F238E27FC236}">
+                <a16:creationId xmlns:a16="http://schemas.microsoft.com/office/drawing/2014/main" id="{76169E73-E3EB-3D30-B49D-583D3A75E6BC}"/>
+              </a:ext>
+            </a:extLst>
+          </p:cNvPr>
+          <p:cNvGrpSpPr/>
+          <p:nvPr/>
+        </p:nvGrpSpPr>
+        <p:grpSpPr>
+          <a:xfrm>
+            <a:off x="8132000" y="1625600"/>
+            <a:ext cx="1625600" cy="1625600"/>
+            <a:chOff x="8132000" y="1625600"/>
+            <a:chExt cx="1625600" cy="1625600"/>
+          </a:xfrm>
+        </p:grpSpPr>
+        <p:grpSp>
+          <p:nvGrpSpPr>
+            <p:cNvPr id="43" name="Group 42">
+              <a:extLst>
+                <a:ext uri="{FF2B5EF4-FFF2-40B4-BE49-F238E27FC236}">
+                  <a16:creationId xmlns:a16="http://schemas.microsoft.com/office/drawing/2014/main" id="{BB366D3B-34FA-2854-9277-75B83FB8EE9A}"/>
+                </a:ext>
+              </a:extLst>
+            </p:cNvPr>
+            <p:cNvGrpSpPr/>
+            <p:nvPr/>
+          </p:nvGrpSpPr>
+          <p:grpSpPr>
+            <a:xfrm>
+              <a:off x="8132000" y="1625600"/>
+              <a:ext cx="1625600" cy="1625600"/>
+              <a:chOff x="0" y="0"/>
+              <a:chExt cx="1625600" cy="1625600"/>
+            </a:xfrm>
+          </p:grpSpPr>
+          <p:sp>
+            <p:nvSpPr>
+              <p:cNvPr id="47" name="Rectangle 46">
+                <a:extLst>
+                  <a:ext uri="{FF2B5EF4-FFF2-40B4-BE49-F238E27FC236}">
+                    <a16:creationId xmlns:a16="http://schemas.microsoft.com/office/drawing/2014/main" id="{6FE29734-1044-4D16-C510-395E0DEF15BA}"/>
+                  </a:ext>
+                </a:extLst>
+              </p:cNvPr>
+              <p:cNvSpPr/>
+              <p:nvPr/>
+            </p:nvSpPr>
+            <p:spPr>
+              <a:xfrm>
+                <a:off x="0" y="0"/>
+                <a:ext cx="1625600" cy="1625600"/>
+              </a:xfrm>
+              <a:prstGeom prst="rect">
+                <a:avLst/>
+              </a:prstGeom>
+              <a:solidFill>
+                <a:schemeClr val="bg1"/>
+              </a:solidFill>
+              <a:ln>
+                <a:noFill/>
+              </a:ln>
+            </p:spPr>
+            <p:style>
+              <a:lnRef idx="2">
+                <a:schemeClr val="accent1">
+                  <a:shade val="20000"/>
+                </a:schemeClr>
+              </a:lnRef>
+              <a:fillRef idx="1">
+                <a:schemeClr val="accent1"/>
+              </a:fillRef>
+              <a:effectRef idx="0">
+                <a:schemeClr val="accent1"/>
+              </a:effectRef>
+              <a:fontRef idx="minor">
+                <a:schemeClr val="lt1"/>
+              </a:fontRef>
+            </p:style>
+            <p:txBody>
+              <a:bodyPr wrap="none" lIns="108000" tIns="0" rIns="108000" bIns="144000" rtlCol="0" anchor="ctr"/>
+              <a:lstStyle/>
+              <a:p>
+                <a:pPr algn="ctr"/>
+                <a:endParaRPr lang="ko-KR" altLang="en-US" sz="5400" dirty="0">
+                  <a:solidFill>
+                    <a:schemeClr val="tx1"/>
+                  </a:solidFill>
+                  <a:latin typeface="DSEG14 Classic" panose="02000503000000000000" pitchFamily="2" charset="0"/>
+                </a:endParaRPr>
+              </a:p>
+            </p:txBody>
+          </p:sp>
+          <p:sp>
+            <p:nvSpPr>
+              <p:cNvPr id="48" name="Rectangle 47">
+                <a:extLst>
+                  <a:ext uri="{FF2B5EF4-FFF2-40B4-BE49-F238E27FC236}">
+                    <a16:creationId xmlns:a16="http://schemas.microsoft.com/office/drawing/2014/main" id="{55B1A27D-9168-F499-9D1C-262743C33595}"/>
+                  </a:ext>
+                </a:extLst>
+              </p:cNvPr>
+              <p:cNvSpPr>
+                <a:spLocks noChangeAspect="1"/>
+              </p:cNvSpPr>
+              <p:nvPr/>
+            </p:nvSpPr>
+            <p:spPr>
+              <a:xfrm>
+                <a:off x="88900" y="88900"/>
+                <a:ext cx="1447800" cy="1447800"/>
+              </a:xfrm>
+              <a:prstGeom prst="rect">
+                <a:avLst/>
+              </a:prstGeom>
+              <a:noFill/>
+              <a:ln w="25400">
+                <a:solidFill>
+                  <a:schemeClr val="tx1"/>
+                </a:solidFill>
+              </a:ln>
+            </p:spPr>
+            <p:style>
+              <a:lnRef idx="2">
+                <a:schemeClr val="accent1">
+                  <a:shade val="20000"/>
+                </a:schemeClr>
+              </a:lnRef>
+              <a:fillRef idx="1">
+                <a:schemeClr val="accent1"/>
+              </a:fillRef>
+              <a:effectRef idx="0">
+                <a:schemeClr val="accent1"/>
+              </a:effectRef>
+              <a:fontRef idx="minor">
+                <a:schemeClr val="lt1"/>
+              </a:fontRef>
+            </p:style>
+            <p:txBody>
+              <a:bodyPr rtlCol="0" anchor="ctr"/>
+              <a:lstStyle/>
+              <a:p>
+                <a:pPr algn="ctr"/>
+                <a:endParaRPr lang="ko-KR" altLang="en-US"/>
+              </a:p>
+            </p:txBody>
+          </p:sp>
+        </p:grpSp>
+        <p:sp>
+          <p:nvSpPr>
+            <p:cNvPr id="45" name="Rectangle 44">
+              <a:extLst>
+                <a:ext uri="{FF2B5EF4-FFF2-40B4-BE49-F238E27FC236}">
+                  <a16:creationId xmlns:a16="http://schemas.microsoft.com/office/drawing/2014/main" id="{A920DC5C-AA3F-811E-1C6A-CB253B452B6E}"/>
+                </a:ext>
+              </a:extLst>
+            </p:cNvPr>
+            <p:cNvSpPr/>
+            <p:nvPr/>
+          </p:nvSpPr>
+          <p:spPr>
+            <a:xfrm rot="16200000">
+              <a:off x="8591004" y="2176689"/>
+              <a:ext cx="732707" cy="523418"/>
+            </a:xfrm>
+            <a:prstGeom prst="rect">
+              <a:avLst/>
+            </a:prstGeom>
+            <a:noFill/>
+            <a:ln w="38100" cap="flat">
+              <a:solidFill>
+                <a:schemeClr val="dk1"/>
+              </a:solidFill>
+              <a:prstDash val="solid"/>
+            </a:ln>
+          </p:spPr>
+          <p:style>
+            <a:lnRef idx="2">
+              <a:schemeClr val="accent1">
+                <a:shade val="20000"/>
+              </a:schemeClr>
+            </a:lnRef>
+            <a:fillRef idx="1">
+              <a:schemeClr val="accent1"/>
+            </a:fillRef>
+            <a:effectRef idx="0">
+              <a:schemeClr val="accent1"/>
+            </a:effectRef>
+            <a:fontRef idx="minor">
+              <a:schemeClr val="lt1"/>
+            </a:fontRef>
+          </p:style>
+          <p:txBody>
+            <a:bodyPr anchor="ctr"/>
+            <a:lstStyle/>
+            <a:p>
+              <a:pPr algn="ctr">
+                <a:defRPr/>
+              </a:pPr>
+              <a:endParaRPr lang="ko-KR" altLang="en-US"/>
+            </a:p>
+          </p:txBody>
+        </p:sp>
+        <p:cxnSp>
+          <p:nvCxnSpPr>
+            <p:cNvPr id="50" name="Straight Connector 49">
+              <a:extLst>
+                <a:ext uri="{FF2B5EF4-FFF2-40B4-BE49-F238E27FC236}">
+                  <a16:creationId xmlns:a16="http://schemas.microsoft.com/office/drawing/2014/main" id="{7AA14F45-4414-A5EF-7EA6-6A3A09DCE42E}"/>
+                </a:ext>
+              </a:extLst>
+            </p:cNvPr>
+            <p:cNvCxnSpPr>
+              <a:cxnSpLocks/>
+            </p:cNvCxnSpPr>
+            <p:nvPr/>
+          </p:nvCxnSpPr>
+          <p:spPr>
+            <a:xfrm flipH="1">
+              <a:off x="8626884" y="2354436"/>
+              <a:ext cx="103949" cy="0"/>
+            </a:xfrm>
+            <a:prstGeom prst="line">
+              <a:avLst/>
+            </a:prstGeom>
+            <a:ln w="38100" cap="rnd">
+              <a:solidFill>
+                <a:schemeClr val="dk1"/>
+              </a:solidFill>
+            </a:ln>
+          </p:spPr>
+          <p:style>
+            <a:lnRef idx="1">
+              <a:schemeClr val="accent1"/>
+            </a:lnRef>
+            <a:fillRef idx="0">
+              <a:schemeClr val="accent1"/>
+            </a:fillRef>
+            <a:effectRef idx="0">
+              <a:schemeClr val="accent1"/>
+            </a:effectRef>
+            <a:fontRef idx="minor">
+              <a:schemeClr val="tx1"/>
+            </a:fontRef>
+          </p:style>
+        </p:cxnSp>
+        <p:cxnSp>
+          <p:nvCxnSpPr>
+            <p:cNvPr id="51" name="Straight Connector 50">
+              <a:extLst>
+                <a:ext uri="{FF2B5EF4-FFF2-40B4-BE49-F238E27FC236}">
+                  <a16:creationId xmlns:a16="http://schemas.microsoft.com/office/drawing/2014/main" id="{65BA1DA0-F791-9CE8-AC4A-0586112B5955}"/>
+                </a:ext>
+              </a:extLst>
+            </p:cNvPr>
+            <p:cNvCxnSpPr>
+              <a:cxnSpLocks/>
+            </p:cNvCxnSpPr>
+            <p:nvPr/>
+          </p:nvCxnSpPr>
+          <p:spPr>
+            <a:xfrm flipH="1">
+              <a:off x="8626884" y="2205564"/>
+              <a:ext cx="103949" cy="0"/>
+            </a:xfrm>
+            <a:prstGeom prst="line">
+              <a:avLst/>
+            </a:prstGeom>
+            <a:ln w="38100" cap="rnd">
+              <a:solidFill>
+                <a:schemeClr val="dk1"/>
+              </a:solidFill>
+            </a:ln>
+          </p:spPr>
+          <p:style>
+            <a:lnRef idx="1">
+              <a:schemeClr val="accent1"/>
+            </a:lnRef>
+            <a:fillRef idx="0">
+              <a:schemeClr val="accent1"/>
+            </a:fillRef>
+            <a:effectRef idx="0">
+              <a:schemeClr val="accent1"/>
+            </a:effectRef>
+            <a:fontRef idx="minor">
+              <a:schemeClr val="tx1"/>
+            </a:fontRef>
+          </p:style>
+        </p:cxnSp>
+        <p:cxnSp>
+          <p:nvCxnSpPr>
+            <p:cNvPr id="52" name="Straight Connector 51">
+              <a:extLst>
+                <a:ext uri="{FF2B5EF4-FFF2-40B4-BE49-F238E27FC236}">
+                  <a16:creationId xmlns:a16="http://schemas.microsoft.com/office/drawing/2014/main" id="{325C0A18-4EED-6CCF-5F01-C51AB8D8A4E0}"/>
+                </a:ext>
+              </a:extLst>
+            </p:cNvPr>
+            <p:cNvCxnSpPr>
+              <a:cxnSpLocks/>
+            </p:cNvCxnSpPr>
+            <p:nvPr/>
+          </p:nvCxnSpPr>
+          <p:spPr>
+            <a:xfrm flipH="1">
+              <a:off x="8626884" y="2652181"/>
+              <a:ext cx="103949" cy="0"/>
+            </a:xfrm>
+            <a:prstGeom prst="line">
+              <a:avLst/>
+            </a:prstGeom>
+            <a:ln w="38100" cap="rnd">
+              <a:solidFill>
+                <a:schemeClr val="dk1"/>
+              </a:solidFill>
+            </a:ln>
+          </p:spPr>
+          <p:style>
+            <a:lnRef idx="1">
+              <a:schemeClr val="accent1"/>
+            </a:lnRef>
+            <a:fillRef idx="0">
+              <a:schemeClr val="accent1"/>
+            </a:fillRef>
+            <a:effectRef idx="0">
+              <a:schemeClr val="accent1"/>
+            </a:effectRef>
+            <a:fontRef idx="minor">
+              <a:schemeClr val="tx1"/>
+            </a:fontRef>
+          </p:style>
+        </p:cxnSp>
+        <p:cxnSp>
+          <p:nvCxnSpPr>
+            <p:cNvPr id="53" name="Straight Connector 52">
+              <a:extLst>
+                <a:ext uri="{FF2B5EF4-FFF2-40B4-BE49-F238E27FC236}">
+                  <a16:creationId xmlns:a16="http://schemas.microsoft.com/office/drawing/2014/main" id="{AF75DDDB-1A3F-33DF-36C8-4814EDF40B23}"/>
+                </a:ext>
+              </a:extLst>
+            </p:cNvPr>
+            <p:cNvCxnSpPr>
+              <a:cxnSpLocks/>
+            </p:cNvCxnSpPr>
+            <p:nvPr/>
+          </p:nvCxnSpPr>
+          <p:spPr>
+            <a:xfrm flipH="1">
+              <a:off x="8626884" y="2503308"/>
+              <a:ext cx="103949" cy="0"/>
+            </a:xfrm>
+            <a:prstGeom prst="line">
+              <a:avLst/>
+            </a:prstGeom>
+            <a:ln w="38100" cap="rnd">
+              <a:solidFill>
+                <a:schemeClr val="dk1"/>
+              </a:solidFill>
+            </a:ln>
+          </p:spPr>
+          <p:style>
+            <a:lnRef idx="1">
+              <a:schemeClr val="accent1"/>
+            </a:lnRef>
+            <a:fillRef idx="0">
+              <a:schemeClr val="accent1"/>
+            </a:fillRef>
+            <a:effectRef idx="0">
+              <a:schemeClr val="accent1"/>
+            </a:effectRef>
+            <a:fontRef idx="minor">
+              <a:schemeClr val="tx1"/>
+            </a:fontRef>
+          </p:style>
+        </p:cxnSp>
+      </p:grpSp>
+    </p:spTree>
+    <p:extLst>
+      <p:ext uri="{BB962C8B-B14F-4D97-AF65-F5344CB8AC3E}">
+        <p14:creationId xmlns:p14="http://schemas.microsoft.com/office/powerpoint/2010/main" val="3392553035"/>
+      </p:ext>
+    </p:extLst>
+  </p:cSld>
+  <p:clrMapOvr>
+    <a:masterClrMapping/>
+  </p:clrMapOvr>
+  <p:transition/>
+</p:sld>
+</file>
+
+<file path=ppt/slides/slide9.xml><?xml version="1.0" encoding="utf-8"?>
 <p:sld xmlns:a="http://schemas.openxmlformats.org/drawingml/2006/main" xmlns:r="http://schemas.openxmlformats.org/officeDocument/2006/relationships" xmlns:p="http://schemas.openxmlformats.org/presentationml/2006/main">
   <p:cSld>
     <p:bg>
@@ -12211,41 +17433,41 @@
 </file>
 
 <file path=ppt/theme/theme1.xml><?xml version="1.0" encoding="utf-8"?>
-<a:theme xmlns:a="http://schemas.openxmlformats.org/drawingml/2006/main" name="한컴오피스">
+<a:theme xmlns:r="http://schemas.openxmlformats.org/officeDocument/2006/relationships" xmlns:c="http://schemas.openxmlformats.org/drawingml/2006/chart" xmlns:dgm="http://schemas.openxmlformats.org/drawingml/2006/diagram" xmlns:dsp="http://schemas.microsoft.com/office/drawing/2008/diagram" xmlns:a="http://schemas.openxmlformats.org/drawingml/2006/main" xmlns:pic="http://schemas.openxmlformats.org/drawingml/2006/picture" xmlns:wp="http://schemas.openxmlformats.org/drawingml/2006/wordprocessingDrawing" xmlns:xdr="http://schemas.openxmlformats.org/drawingml/2006/spreadsheetDrawing" xmlns:lc="http://schemas.openxmlformats.org/drawingml/2006/lockedCanvas" xmlns:p="http://schemas.openxmlformats.org/presentationml/2006/main" name="한컴오피스">
   <a:themeElements>
     <a:clrScheme name="한컴오피스">
       <a:dk1>
         <a:sysClr val="windowText" lastClr="000000"/>
       </a:dk1>
       <a:lt1>
-        <a:sysClr val="window" lastClr="FFFFFF"/>
+        <a:sysClr val="window" lastClr="ffffff"/>
       </a:lt1>
       <a:dk2>
-        <a:srgbClr val="3A3C84"/>
+        <a:srgbClr val="3a3c84"/>
       </a:dk2>
       <a:lt2>
-        <a:srgbClr val="FAF3DB"/>
+        <a:srgbClr val="faf3db"/>
       </a:lt2>
       <a:accent1>
-        <a:srgbClr val="6182D6"/>
+        <a:srgbClr val="6182d6"/>
       </a:accent1>
       <a:accent2>
-        <a:srgbClr val="FF843A"/>
+        <a:srgbClr val="ff843a"/>
       </a:accent2>
       <a:accent3>
-        <a:srgbClr val="B2B2B2"/>
+        <a:srgbClr val="b2b2b2"/>
       </a:accent3>
       <a:accent4>
-        <a:srgbClr val="FFD700"/>
+        <a:srgbClr val="ffd700"/>
       </a:accent4>
       <a:accent5>
-        <a:srgbClr val="289B6E"/>
+        <a:srgbClr val="289b6e"/>
       </a:accent5>
       <a:accent6>
-        <a:srgbClr val="9D5CBB"/>
+        <a:srgbClr val="9d5cbb"/>
       </a:accent6>
       <a:hlink>
-        <a:srgbClr val="0000FF"/>
+        <a:srgbClr val="0000ff"/>
       </a:hlink>
       <a:folHlink>
         <a:srgbClr val="800080"/>
@@ -12476,11 +17698,18 @@
   </a:themeElements>
   <a:objectDefaults>
     <a:spDef>
-      <a:spPr/>
+      <a:spPr>
+        <a:noFill/>
+        <a:ln w="38100">
+          <a:solidFill>
+            <a:schemeClr val="dk1"/>
+          </a:solidFill>
+        </a:ln>
+      </a:spPr>
       <a:bodyPr anchor="ctr"/>
       <a:lstStyle>
         <a:defPPr algn="ctr">
-          <a:defRPr lang="ko-KR" altLang="en-US"/>
+          <a:defRPr/>
         </a:defPPr>
       </a:lstStyle>
       <a:style>
@@ -12531,46 +17760,45 @@
       <a:lstStyle/>
     </a:txDef>
   </a:objectDefaults>
-  <a:extraClrSchemeLst/>
 </a:theme>
 </file>
 
 <file path=ppt/theme/theme2.xml><?xml version="1.0" encoding="utf-8"?>
-<a:theme xmlns:a="http://schemas.openxmlformats.org/drawingml/2006/main" name="한컴오피스">
+<a:theme xmlns:r="http://schemas.openxmlformats.org/officeDocument/2006/relationships" xmlns:c="http://schemas.openxmlformats.org/drawingml/2006/chart" xmlns:dgm="http://schemas.openxmlformats.org/drawingml/2006/diagram" xmlns:dsp="http://schemas.microsoft.com/office/drawing/2008/diagram" xmlns:a="http://schemas.openxmlformats.org/drawingml/2006/main" xmlns:pic="http://schemas.openxmlformats.org/drawingml/2006/picture" xmlns:wp="http://schemas.openxmlformats.org/drawingml/2006/wordprocessingDrawing" xmlns:xdr="http://schemas.openxmlformats.org/drawingml/2006/spreadsheetDrawing" xmlns:lc="http://schemas.openxmlformats.org/drawingml/2006/lockedCanvas" xmlns:p="http://schemas.openxmlformats.org/presentationml/2006/main" name="한컴오피스">
   <a:themeElements>
     <a:clrScheme name="한컴오피스">
       <a:dk1>
         <a:sysClr val="windowText" lastClr="000000"/>
       </a:dk1>
       <a:lt1>
-        <a:sysClr val="window" lastClr="FFFFFF"/>
+        <a:sysClr val="window" lastClr="ffffff"/>
       </a:lt1>
       <a:dk2>
-        <a:srgbClr val="3A3C84"/>
+        <a:srgbClr val="3a3c84"/>
       </a:dk2>
       <a:lt2>
-        <a:srgbClr val="FAF3DB"/>
+        <a:srgbClr val="faf3db"/>
       </a:lt2>
       <a:accent1>
-        <a:srgbClr val="6182D6"/>
+        <a:srgbClr val="6182d6"/>
       </a:accent1>
       <a:accent2>
-        <a:srgbClr val="FF843A"/>
+        <a:srgbClr val="ff843a"/>
       </a:accent2>
       <a:accent3>
-        <a:srgbClr val="B2B2B2"/>
+        <a:srgbClr val="b2b2b2"/>
       </a:accent3>
       <a:accent4>
-        <a:srgbClr val="FFD700"/>
+        <a:srgbClr val="ffd700"/>
       </a:accent4>
       <a:accent5>
-        <a:srgbClr val="289B6E"/>
+        <a:srgbClr val="289b6e"/>
       </a:accent5>
       <a:accent6>
-        <a:srgbClr val="9D5CBB"/>
+        <a:srgbClr val="9d5cbb"/>
       </a:accent6>
       <a:hlink>
-        <a:srgbClr val="0000FF"/>
+        <a:srgbClr val="0000ff"/>
       </a:hlink>
       <a:folHlink>
         <a:srgbClr val="800080"/>
@@ -12795,7 +18023,5 @@
       </a:bgFillStyleLst>
     </a:fmtScheme>
   </a:themeElements>
-  <a:objectDefaults/>
-  <a:extraClrSchemeLst/>
 </a:theme>
 </file>